--- a/VerticalSliceArchitecture/Vertical Slice Architecture.pptx
+++ b/VerticalSliceArchitecture/Vertical Slice Architecture.pptx
@@ -5,7 +5,7 @@
     <p:sldMasterId id="2147483658" r:id="rId1"/>
   </p:sldMasterIdLst>
   <p:notesMasterIdLst>
-    <p:notesMasterId r:id="rId22"/>
+    <p:notesMasterId r:id="rId23"/>
   </p:notesMasterIdLst>
   <p:sldIdLst>
     <p:sldId id="256" r:id="rId2"/>
@@ -18,45 +18,46 @@
     <p:sldId id="260" r:id="rId9"/>
     <p:sldId id="297" r:id="rId10"/>
     <p:sldId id="299" r:id="rId11"/>
-    <p:sldId id="304" r:id="rId12"/>
-    <p:sldId id="262" r:id="rId13"/>
-    <p:sldId id="267" r:id="rId14"/>
-    <p:sldId id="306" r:id="rId15"/>
-    <p:sldId id="307" r:id="rId16"/>
-    <p:sldId id="305" r:id="rId17"/>
-    <p:sldId id="268" r:id="rId18"/>
-    <p:sldId id="303" r:id="rId19"/>
-    <p:sldId id="261" r:id="rId20"/>
-    <p:sldId id="280" r:id="rId21"/>
+    <p:sldId id="308" r:id="rId12"/>
+    <p:sldId id="304" r:id="rId13"/>
+    <p:sldId id="262" r:id="rId14"/>
+    <p:sldId id="267" r:id="rId15"/>
+    <p:sldId id="306" r:id="rId16"/>
+    <p:sldId id="307" r:id="rId17"/>
+    <p:sldId id="305" r:id="rId18"/>
+    <p:sldId id="268" r:id="rId19"/>
+    <p:sldId id="303" r:id="rId20"/>
+    <p:sldId id="261" r:id="rId21"/>
+    <p:sldId id="280" r:id="rId22"/>
   </p:sldIdLst>
   <p:sldSz cx="9144000" cy="5143500" type="screen16x9"/>
   <p:notesSz cx="6858000" cy="9144000"/>
   <p:embeddedFontLst>
     <p:embeddedFont>
       <p:font typeface="Calibri" panose="020F0502020204030204" pitchFamily="34" charset="0"/>
-      <p:regular r:id="rId23"/>
-      <p:bold r:id="rId24"/>
-      <p:italic r:id="rId25"/>
-      <p:boldItalic r:id="rId26"/>
+      <p:regular r:id="rId24"/>
+      <p:bold r:id="rId25"/>
+      <p:italic r:id="rId26"/>
+      <p:boldItalic r:id="rId27"/>
     </p:embeddedFont>
     <p:embeddedFont>
       <p:font typeface="Open Sans" panose="020B0606030504020204" pitchFamily="34" charset="0"/>
-      <p:regular r:id="rId27"/>
-      <p:bold r:id="rId28"/>
-      <p:italic r:id="rId29"/>
-      <p:boldItalic r:id="rId30"/>
+      <p:regular r:id="rId28"/>
+      <p:bold r:id="rId29"/>
+      <p:italic r:id="rId30"/>
+      <p:boldItalic r:id="rId31"/>
     </p:embeddedFont>
     <p:embeddedFont>
       <p:font typeface="Roboto Slab" panose="020B0604020202020204" charset="0"/>
-      <p:regular r:id="rId31"/>
-      <p:bold r:id="rId32"/>
+      <p:regular r:id="rId32"/>
+      <p:bold r:id="rId33"/>
     </p:embeddedFont>
     <p:embeddedFont>
       <p:font typeface="Source Sans Pro" panose="020B0503030403020204" pitchFamily="34" charset="0"/>
-      <p:regular r:id="rId33"/>
-      <p:bold r:id="rId34"/>
-      <p:italic r:id="rId35"/>
-      <p:boldItalic r:id="rId36"/>
+      <p:regular r:id="rId34"/>
+      <p:bold r:id="rId35"/>
+      <p:italic r:id="rId36"/>
+      <p:boldItalic r:id="rId37"/>
     </p:embeddedFont>
   </p:embeddedFontLst>
   <p:defaultTextStyle>
@@ -1322,7 +1323,7 @@
           <a:p>
             <a:r>
               <a:rPr lang="en-US" dirty="0"/>
-              <a:t>Vertical scaling – lift &amp; shift, lets say showing a product list page gets a huge amount of hits after launch. Moving code onto the cloud or into containers by feature is a lot easier when that feature is largely isolated by itself. </a:t>
+              <a:t>Vertical scaling – lift &amp; shift, lets say showing a product list page gets a huge amount of hits after launch. Moving code onto the cloud, into containers, into a function, etc. by feature is a lot easier when that feature is largely isolated by itself. </a:t>
             </a:r>
           </a:p>
           <a:p>
@@ -2710,7 +2711,7 @@
             </a:pPr>
             <a:r>
               <a:rPr lang="en-US" dirty="0"/>
-              <a:t>Hard to approach – Makes understanding the “why” of the system very hard. To the last point, when you have tens of thousands of tests and hundreds of them break because of an interface change – people will work around doing so.</a:t>
+              <a:t>Hard to approach – Makes understanding the “why” of the system very hard. To the last point, when you have tens of thousands of tests and hundreds of them break because of an interface change – people will work around doing so or simply won’t make the change at all. These abstractions are supposed to HELP with the projects ability to change but in my experience its been the opposite. Change requires surgery.</a:t>
             </a:r>
           </a:p>
           <a:p>
@@ -2726,7 +2727,7 @@
             </a:pPr>
             <a:r>
               <a:rPr lang="en-US" dirty="0"/>
-              <a:t>Side effects – I’m in constant fear of breaking something unrelated. My #1 thing that keeps me up at night crying into a pillow.</a:t>
+              <a:t>Side effects – I’m in constant fear of breaking something unrelated. </a:t>
             </a:r>
           </a:p>
         </p:txBody>
@@ -8671,6 +8672,152 @@
           <p:cNvPr id="2" name="Title 1">
             <a:extLst>
               <a:ext uri="{FF2B5EF4-FFF2-40B4-BE49-F238E27FC236}">
+                <a16:creationId xmlns:a16="http://schemas.microsoft.com/office/drawing/2014/main" id="{46EF4892-BFF9-4E03-BDC7-5527CCADACFF}"/>
+              </a:ext>
+            </a:extLst>
+          </p:cNvPr>
+          <p:cNvSpPr>
+            <a:spLocks noGrp="1"/>
+          </p:cNvSpPr>
+          <p:nvPr>
+            <p:ph type="title"/>
+          </p:nvPr>
+        </p:nvSpPr>
+        <p:spPr/>
+        <p:txBody>
+          <a:bodyPr/>
+          <a:lstStyle/>
+          <a:p>
+            <a:r>
+              <a:rPr lang="en-US" dirty="0"/>
+              <a:t>What is a Single Responsibility?</a:t>
+            </a:r>
+          </a:p>
+        </p:txBody>
+      </p:sp>
+      <p:sp>
+        <p:nvSpPr>
+          <p:cNvPr id="3" name="Text Placeholder 2">
+            <a:extLst>
+              <a:ext uri="{FF2B5EF4-FFF2-40B4-BE49-F238E27FC236}">
+                <a16:creationId xmlns:a16="http://schemas.microsoft.com/office/drawing/2014/main" id="{F01CABCE-6A51-4BF3-B2D7-9AADA5A1C322}"/>
+              </a:ext>
+            </a:extLst>
+          </p:cNvPr>
+          <p:cNvSpPr>
+            <a:spLocks noGrp="1"/>
+          </p:cNvSpPr>
+          <p:nvPr>
+            <p:ph type="body" idx="1"/>
+          </p:nvPr>
+        </p:nvSpPr>
+        <p:spPr/>
+        <p:txBody>
+          <a:bodyPr/>
+          <a:lstStyle/>
+          <a:p>
+            <a:endParaRPr lang="en-US" dirty="0"/>
+          </a:p>
+        </p:txBody>
+      </p:sp>
+      <p:sp>
+        <p:nvSpPr>
+          <p:cNvPr id="4" name="Text Placeholder 3">
+            <a:extLst>
+              <a:ext uri="{FF2B5EF4-FFF2-40B4-BE49-F238E27FC236}">
+                <a16:creationId xmlns:a16="http://schemas.microsoft.com/office/drawing/2014/main" id="{0D3714C5-05EE-4EC8-AEE0-A4A6E01CD30D}"/>
+              </a:ext>
+            </a:extLst>
+          </p:cNvPr>
+          <p:cNvSpPr>
+            <a:spLocks noGrp="1"/>
+          </p:cNvSpPr>
+          <p:nvPr>
+            <p:ph type="body" idx="2"/>
+          </p:nvPr>
+        </p:nvSpPr>
+        <p:spPr/>
+        <p:txBody>
+          <a:bodyPr/>
+          <a:lstStyle/>
+          <a:p>
+            <a:endParaRPr lang="en-US"/>
+          </a:p>
+        </p:txBody>
+      </p:sp>
+      <p:sp>
+        <p:nvSpPr>
+          <p:cNvPr id="5" name="Slide Number Placeholder 4">
+            <a:extLst>
+              <a:ext uri="{FF2B5EF4-FFF2-40B4-BE49-F238E27FC236}">
+                <a16:creationId xmlns:a16="http://schemas.microsoft.com/office/drawing/2014/main" id="{69EECD41-4772-4A55-9CF0-8D7EE1E9D377}"/>
+              </a:ext>
+            </a:extLst>
+          </p:cNvPr>
+          <p:cNvSpPr>
+            <a:spLocks noGrp="1"/>
+          </p:cNvSpPr>
+          <p:nvPr>
+            <p:ph type="sldNum" idx="12"/>
+          </p:nvPr>
+        </p:nvSpPr>
+        <p:spPr/>
+        <p:txBody>
+          <a:bodyPr/>
+          <a:lstStyle/>
+          <a:p>
+            <a:pPr marL="0" lvl="0" indent="0" algn="r" rtl="0">
+              <a:spcBef>
+                <a:spcPts val="0"/>
+              </a:spcBef>
+              <a:spcAft>
+                <a:spcPts val="0"/>
+              </a:spcAft>
+              <a:buNone/>
+            </a:pPr>
+            <a:fld id="{00000000-1234-1234-1234-123412341234}" type="slidenum">
+              <a:rPr lang="en" smtClean="0"/>
+              <a:t>11</a:t>
+            </a:fld>
+            <a:endParaRPr lang="en"/>
+          </a:p>
+        </p:txBody>
+      </p:sp>
+    </p:spTree>
+    <p:extLst>
+      <p:ext uri="{BB962C8B-B14F-4D97-AF65-F5344CB8AC3E}">
+        <p14:creationId xmlns:p14="http://schemas.microsoft.com/office/powerpoint/2010/main" val="2246962939"/>
+      </p:ext>
+    </p:extLst>
+  </p:cSld>
+  <p:clrMapOvr>
+    <a:masterClrMapping/>
+  </p:clrMapOvr>
+</p:sld>
+</file>
+
+<file path=ppt/slides/slide12.xml><?xml version="1.0" encoding="utf-8"?>
+<p:sld xmlns:a="http://schemas.openxmlformats.org/drawingml/2006/main" xmlns:r="http://schemas.openxmlformats.org/officeDocument/2006/relationships" xmlns:p="http://schemas.openxmlformats.org/presentationml/2006/main">
+  <p:cSld>
+    <p:spTree>
+      <p:nvGrpSpPr>
+        <p:cNvPr id="1" name=""/>
+        <p:cNvGrpSpPr/>
+        <p:nvPr/>
+      </p:nvGrpSpPr>
+      <p:grpSpPr>
+        <a:xfrm>
+          <a:off x="0" y="0"/>
+          <a:ext cx="0" cy="0"/>
+          <a:chOff x="0" y="0"/>
+          <a:chExt cx="0" cy="0"/>
+        </a:xfrm>
+      </p:grpSpPr>
+      <p:sp>
+        <p:nvSpPr>
+          <p:cNvPr id="2" name="Title 1">
+            <a:extLst>
+              <a:ext uri="{FF2B5EF4-FFF2-40B4-BE49-F238E27FC236}">
                 <a16:creationId xmlns:a16="http://schemas.microsoft.com/office/drawing/2014/main" id="{A935458C-1023-4DCF-994D-CA3D674D9F01}"/>
               </a:ext>
             </a:extLst>
@@ -8856,7 +9003,7 @@
             </a:pPr>
             <a:fld id="{00000000-1234-1234-1234-123412341234}" type="slidenum">
               <a:rPr lang="en" smtClean="0"/>
-              <a:t>11</a:t>
+              <a:t>12</a:t>
             </a:fld>
             <a:endParaRPr lang="en"/>
           </a:p>
@@ -9176,7 +9323,7 @@
 </p:sld>
 </file>
 
-<file path=ppt/slides/slide12.xml><?xml version="1.0" encoding="utf-8"?>
+<file path=ppt/slides/slide13.xml><?xml version="1.0" encoding="utf-8"?>
 <p:sld xmlns:a="http://schemas.openxmlformats.org/drawingml/2006/main" xmlns:r="http://schemas.openxmlformats.org/officeDocument/2006/relationships" xmlns:p="http://schemas.openxmlformats.org/presentationml/2006/main">
   <p:cSld>
     <p:spTree>
@@ -9496,7 +9643,7 @@
             </a:pPr>
             <a:fld id="{00000000-1234-1234-1234-123412341234}" type="slidenum">
               <a:rPr lang="en"/>
-              <a:t>12</a:t>
+              <a:t>13</a:t>
             </a:fld>
             <a:endParaRPr/>
           </a:p>
@@ -13156,7 +13303,7 @@
 </p:sld>
 </file>
 
-<file path=ppt/slides/slide13.xml><?xml version="1.0" encoding="utf-8"?>
+<file path=ppt/slides/slide14.xml><?xml version="1.0" encoding="utf-8"?>
 <p:sld xmlns:a="http://schemas.openxmlformats.org/drawingml/2006/main" xmlns:r="http://schemas.openxmlformats.org/officeDocument/2006/relationships" xmlns:p="http://schemas.openxmlformats.org/presentationml/2006/main">
   <p:cSld>
     <p:spTree>
@@ -13266,7 +13413,7 @@
             </a:pPr>
             <a:fld id="{00000000-1234-1234-1234-123412341234}" type="slidenum">
               <a:rPr lang="en"/>
-              <a:t>13</a:t>
+              <a:t>14</a:t>
             </a:fld>
             <a:endParaRPr/>
           </a:p>
@@ -14066,7 +14213,7 @@
 </p:sld>
 </file>
 
-<file path=ppt/slides/slide14.xml><?xml version="1.0" encoding="utf-8"?>
+<file path=ppt/slides/slide15.xml><?xml version="1.0" encoding="utf-8"?>
 <p:sld xmlns:a="http://schemas.openxmlformats.org/drawingml/2006/main" xmlns:r="http://schemas.openxmlformats.org/officeDocument/2006/relationships" xmlns:p="http://schemas.openxmlformats.org/presentationml/2006/main">
   <p:cSld>
     <p:spTree>
@@ -14157,13 +14304,23 @@
           <a:p>
             <a:r>
               <a:rPr lang="en-US" dirty="0"/>
-              <a:t>Scaling out</a:t>
+              <a:t>Scaling out / Microservice-oriented</a:t>
             </a:r>
           </a:p>
           <a:p>
             <a:r>
               <a:rPr lang="en-US" dirty="0"/>
               <a:t>Less paralysis surrounding change</a:t>
+            </a:r>
+          </a:p>
+          <a:p>
+            <a:r>
+              <a:rPr lang="en-US"/>
+              <a:t>Ubiquitous </a:t>
+            </a:r>
+            <a:r>
+              <a:rPr lang="en-US" dirty="0"/>
+              <a:t>Language</a:t>
             </a:r>
           </a:p>
         </p:txBody>
@@ -14200,7 +14357,7 @@
             </a:pPr>
             <a:fld id="{00000000-1234-1234-1234-123412341234}" type="slidenum">
               <a:rPr lang="en" smtClean="0"/>
-              <a:t>14</a:t>
+              <a:t>15</a:t>
             </a:fld>
             <a:endParaRPr lang="en"/>
           </a:p>
@@ -14469,6 +14626,55 @@
                       </p:childTnLst>
                     </p:cTn>
                   </p:par>
+                  <p:par>
+                    <p:cTn id="23" fill="hold">
+                      <p:stCondLst>
+                        <p:cond delay="indefinite"/>
+                      </p:stCondLst>
+                      <p:childTnLst>
+                        <p:par>
+                          <p:cTn id="24" fill="hold">
+                            <p:stCondLst>
+                              <p:cond delay="0"/>
+                            </p:stCondLst>
+                            <p:childTnLst>
+                              <p:par>
+                                <p:cTn id="25" presetID="1" presetClass="entr" presetSubtype="0" fill="hold" nodeType="clickEffect">
+                                  <p:stCondLst>
+                                    <p:cond delay="0"/>
+                                  </p:stCondLst>
+                                  <p:childTnLst>
+                                    <p:set>
+                                      <p:cBhvr>
+                                        <p:cTn id="26" dur="1" fill="hold">
+                                          <p:stCondLst>
+                                            <p:cond delay="0"/>
+                                          </p:stCondLst>
+                                        </p:cTn>
+                                        <p:tgtEl>
+                                          <p:spTgt spid="3">
+                                            <p:txEl>
+                                              <p:pRg st="5" end="5"/>
+                                            </p:txEl>
+                                          </p:spTgt>
+                                        </p:tgtEl>
+                                        <p:attrNameLst>
+                                          <p:attrName>style.visibility</p:attrName>
+                                        </p:attrNameLst>
+                                      </p:cBhvr>
+                                      <p:to>
+                                        <p:strVal val="visible"/>
+                                      </p:to>
+                                    </p:set>
+                                  </p:childTnLst>
+                                </p:cTn>
+                              </p:par>
+                            </p:childTnLst>
+                          </p:cTn>
+                        </p:par>
+                      </p:childTnLst>
+                    </p:cTn>
+                  </p:par>
                 </p:childTnLst>
               </p:cTn>
               <p:prevCondLst>
@@ -14494,7 +14700,7 @@
 </p:sld>
 </file>
 
-<file path=ppt/slides/slide15.xml><?xml version="1.0" encoding="utf-8"?>
+<file path=ppt/slides/slide16.xml><?xml version="1.0" encoding="utf-8"?>
 <p:sld xmlns:a="http://schemas.openxmlformats.org/drawingml/2006/main" xmlns:r="http://schemas.openxmlformats.org/officeDocument/2006/relationships" xmlns:p="http://schemas.openxmlformats.org/presentationml/2006/main">
   <p:cSld>
     <p:spTree>
@@ -14642,7 +14848,7 @@
             </a:pPr>
             <a:fld id="{00000000-1234-1234-1234-123412341234}" type="slidenum">
               <a:rPr lang="en" smtClean="0"/>
-              <a:t>15</a:t>
+              <a:t>16</a:t>
             </a:fld>
             <a:endParaRPr lang="en"/>
           </a:p>
@@ -14887,7 +15093,7 @@
 </p:sld>
 </file>
 
-<file path=ppt/slides/slide16.xml><?xml version="1.0" encoding="utf-8"?>
+<file path=ppt/slides/slide17.xml><?xml version="1.0" encoding="utf-8"?>
 <p:sld xmlns:a="http://schemas.openxmlformats.org/drawingml/2006/main" xmlns:r="http://schemas.openxmlformats.org/officeDocument/2006/relationships" xmlns:p="http://schemas.openxmlformats.org/presentationml/2006/main">
   <p:cSld>
     <p:spTree>
@@ -14981,7 +15187,7 @@
             </a:pPr>
             <a:fld id="{00000000-1234-1234-1234-123412341234}" type="slidenum">
               <a:rPr lang="en"/>
-              <a:t>16</a:t>
+              <a:t>17</a:t>
             </a:fld>
             <a:endParaRPr dirty="0"/>
           </a:p>
@@ -15149,7 +15355,7 @@
 </p:sld>
 </file>
 
-<file path=ppt/slides/slide17.xml><?xml version="1.0" encoding="utf-8"?>
+<file path=ppt/slides/slide18.xml><?xml version="1.0" encoding="utf-8"?>
 <p:sld xmlns:a="http://schemas.openxmlformats.org/drawingml/2006/main" xmlns:r="http://schemas.openxmlformats.org/officeDocument/2006/relationships" xmlns:p="http://schemas.openxmlformats.org/presentationml/2006/main">
   <p:cSld>
     <p:spTree>
@@ -18016,7 +18222,7 @@
             </a:pPr>
             <a:fld id="{00000000-1234-1234-1234-123412341234}" type="slidenum">
               <a:rPr lang="en"/>
-              <a:t>17</a:t>
+              <a:t>18</a:t>
             </a:fld>
             <a:endParaRPr/>
           </a:p>
@@ -18030,7 +18236,7 @@
 </p:sld>
 </file>
 
-<file path=ppt/slides/slide18.xml><?xml version="1.0" encoding="utf-8"?>
+<file path=ppt/slides/slide19.xml><?xml version="1.0" encoding="utf-8"?>
 <p:sld xmlns:a="http://schemas.openxmlformats.org/drawingml/2006/main" xmlns:r="http://schemas.openxmlformats.org/officeDocument/2006/relationships" xmlns:p="http://schemas.openxmlformats.org/presentationml/2006/main">
   <p:cSld>
     <p:spTree>
@@ -18087,7 +18293,7 @@
                   <a:schemeClr val="accent4"/>
                 </a:solidFill>
               </a:rPr>
-              <a:t>4.</a:t>
+              <a:t>3.</a:t>
             </a:r>
           </a:p>
           <a:p>
@@ -18181,7 +18387,7 @@
             </a:pPr>
             <a:fld id="{00000000-1234-1234-1234-123412341234}" type="slidenum">
               <a:rPr lang="en"/>
-              <a:t>18</a:t>
+              <a:t>19</a:t>
             </a:fld>
             <a:endParaRPr/>
           </a:p>
@@ -18193,327 +18399,6 @@
         <p14:creationId xmlns:p14="http://schemas.microsoft.com/office/powerpoint/2010/main" val="2880920648"/>
       </p:ext>
     </p:extLst>
-  </p:cSld>
-  <p:clrMapOvr>
-    <a:masterClrMapping/>
-  </p:clrMapOvr>
-</p:sld>
-</file>
-
-<file path=ppt/slides/slide19.xml><?xml version="1.0" encoding="utf-8"?>
-<p:sld xmlns:a="http://schemas.openxmlformats.org/drawingml/2006/main" xmlns:r="http://schemas.openxmlformats.org/officeDocument/2006/relationships" xmlns:p="http://schemas.openxmlformats.org/presentationml/2006/main">
-  <p:cSld>
-    <p:spTree>
-      <p:nvGrpSpPr>
-        <p:cNvPr id="1" name="Shape 109"/>
-        <p:cNvGrpSpPr/>
-        <p:nvPr/>
-      </p:nvGrpSpPr>
-      <p:grpSpPr>
-        <a:xfrm>
-          <a:off x="0" y="0"/>
-          <a:ext cx="0" cy="0"/>
-          <a:chOff x="0" y="0"/>
-          <a:chExt cx="0" cy="0"/>
-        </a:xfrm>
-      </p:grpSpPr>
-      <p:sp>
-        <p:nvSpPr>
-          <p:cNvPr id="110" name="Google Shape;110;p17"/>
-          <p:cNvSpPr txBox="1">
-            <a:spLocks noGrp="1"/>
-          </p:cNvSpPr>
-          <p:nvPr>
-            <p:ph type="title"/>
-          </p:nvPr>
-        </p:nvSpPr>
-        <p:spPr>
-          <a:xfrm>
-            <a:off x="786150" y="308120"/>
-            <a:ext cx="7571700" cy="702600"/>
-          </a:xfrm>
-          <a:prstGeom prst="rect">
-            <a:avLst/>
-          </a:prstGeom>
-        </p:spPr>
-        <p:txBody>
-          <a:bodyPr spcFirstLastPara="1" wrap="square" lIns="91425" tIns="91425" rIns="91425" bIns="91425" anchor="b" anchorCtr="0">
-            <a:noAutofit/>
-          </a:bodyPr>
-          <a:lstStyle/>
-          <a:p>
-            <a:pPr marL="0" lvl="0" indent="0" algn="l" rtl="0">
-              <a:spcBef>
-                <a:spcPts val="0"/>
-              </a:spcBef>
-              <a:spcAft>
-                <a:spcPts val="0"/>
-              </a:spcAft>
-              <a:buNone/>
-            </a:pPr>
-            <a:r>
-              <a:rPr lang="en" dirty="0"/>
-              <a:t>Resources</a:t>
-            </a:r>
-            <a:endParaRPr dirty="0"/>
-          </a:p>
-        </p:txBody>
-      </p:sp>
-      <p:sp>
-        <p:nvSpPr>
-          <p:cNvPr id="111" name="Google Shape;111;p17"/>
-          <p:cNvSpPr txBox="1">
-            <a:spLocks noGrp="1"/>
-          </p:cNvSpPr>
-          <p:nvPr>
-            <p:ph type="body" idx="1"/>
-          </p:nvPr>
-        </p:nvSpPr>
-        <p:spPr>
-          <a:xfrm>
-            <a:off x="786150" y="1261700"/>
-            <a:ext cx="7571700" cy="3573600"/>
-          </a:xfrm>
-          <a:prstGeom prst="rect">
-            <a:avLst/>
-          </a:prstGeom>
-        </p:spPr>
-        <p:txBody>
-          <a:bodyPr spcFirstLastPara="1" wrap="square" lIns="91425" tIns="91425" rIns="91425" bIns="91425" anchor="t" anchorCtr="0">
-            <a:noAutofit/>
-          </a:bodyPr>
-          <a:lstStyle/>
-          <a:p>
-            <a:pPr marL="457200" lvl="0" indent="-381000" algn="l" rtl="0">
-              <a:spcBef>
-                <a:spcPts val="600"/>
-              </a:spcBef>
-              <a:spcAft>
-                <a:spcPts val="0"/>
-              </a:spcAft>
-              <a:buSzPts val="2400"/>
-              <a:buChar char="◎"/>
-            </a:pPr>
-            <a:r>
-              <a:rPr lang="en-US" dirty="0">
-                <a:hlinkClick r:id="rId3"/>
-              </a:rPr>
-              <a:t>NDC Sydney 2018 - VSA</a:t>
-            </a:r>
-            <a:r>
-              <a:rPr lang="en-US" dirty="0"/>
-              <a:t> – YouTube (Jimmy </a:t>
-            </a:r>
-            <a:r>
-              <a:rPr lang="en-US" dirty="0" err="1"/>
-              <a:t>Bogard</a:t>
-            </a:r>
-            <a:r>
-              <a:rPr lang="en-US" dirty="0"/>
-              <a:t>)</a:t>
-            </a:r>
-          </a:p>
-          <a:p>
-            <a:pPr algn="l"/>
-            <a:r>
-              <a:rPr lang="en-US" b="0" i="0" dirty="0">
-                <a:effectLst/>
-                <a:latin typeface="Source Sans Pro" panose="020B0503030403020204" pitchFamily="34" charset="0"/>
-                <a:ea typeface="Source Sans Pro" panose="020B0503030403020204" pitchFamily="34" charset="0"/>
-                <a:hlinkClick r:id="rId4"/>
-              </a:rPr>
-              <a:t>Organize Code by Feature | Vertical Slices</a:t>
-            </a:r>
-            <a:r>
-              <a:rPr lang="en-US" b="0" i="0" dirty="0">
-                <a:effectLst/>
-                <a:latin typeface="Source Sans Pro" panose="020B0503030403020204" pitchFamily="34" charset="0"/>
-                <a:ea typeface="Source Sans Pro" panose="020B0503030403020204" pitchFamily="34" charset="0"/>
-              </a:rPr>
-              <a:t> – YouTube (Derek Comartin)</a:t>
-            </a:r>
-          </a:p>
-          <a:p>
-            <a:pPr marL="457200" lvl="0" indent="-381000" algn="l" rtl="0">
-              <a:spcBef>
-                <a:spcPts val="0"/>
-              </a:spcBef>
-              <a:spcAft>
-                <a:spcPts val="0"/>
-              </a:spcAft>
-              <a:buSzPts val="2400"/>
-              <a:buChar char="◎"/>
-            </a:pPr>
-            <a:r>
-              <a:rPr lang="en-US" dirty="0">
-                <a:latin typeface="Source Sans Pro" panose="020B0503030403020204" pitchFamily="34" charset="0"/>
-                <a:ea typeface="Source Sans Pro" panose="020B0503030403020204" pitchFamily="34" charset="0"/>
-                <a:hlinkClick r:id="rId5"/>
-              </a:rPr>
-              <a:t>Vertical Slicing in Agile</a:t>
-            </a:r>
-            <a:r>
-              <a:rPr lang="en-US" dirty="0">
-                <a:latin typeface="Source Sans Pro" panose="020B0503030403020204" pitchFamily="34" charset="0"/>
-                <a:ea typeface="Source Sans Pro" panose="020B0503030403020204" pitchFamily="34" charset="0"/>
-              </a:rPr>
-              <a:t> – Book (TJ </a:t>
-            </a:r>
-            <a:r>
-              <a:rPr lang="en-US" dirty="0" err="1">
-                <a:latin typeface="Source Sans Pro" panose="020B0503030403020204" pitchFamily="34" charset="0"/>
-                <a:ea typeface="Source Sans Pro" panose="020B0503030403020204" pitchFamily="34" charset="0"/>
-              </a:rPr>
-              <a:t>Rerob</a:t>
-            </a:r>
-            <a:r>
-              <a:rPr lang="en-US" dirty="0">
-                <a:latin typeface="Source Sans Pro" panose="020B0503030403020204" pitchFamily="34" charset="0"/>
-                <a:ea typeface="Source Sans Pro" panose="020B0503030403020204" pitchFamily="34" charset="0"/>
-              </a:rPr>
-              <a:t>)</a:t>
-            </a:r>
-          </a:p>
-          <a:p>
-            <a:pPr marL="457200" lvl="0" indent="-381000" algn="l" rtl="0">
-              <a:spcBef>
-                <a:spcPts val="0"/>
-              </a:spcBef>
-              <a:spcAft>
-                <a:spcPts val="0"/>
-              </a:spcAft>
-              <a:buSzPts val="2400"/>
-              <a:buChar char="◎"/>
-            </a:pPr>
-            <a:r>
-              <a:rPr lang="en-US" dirty="0">
-                <a:latin typeface="Source Sans Pro" panose="020B0503030403020204" pitchFamily="34" charset="0"/>
-                <a:ea typeface="Source Sans Pro" panose="020B0503030403020204" pitchFamily="34" charset="0"/>
-                <a:hlinkClick r:id="rId6"/>
-              </a:rPr>
-              <a:t>VSA </a:t>
-            </a:r>
-            <a:r>
-              <a:rPr lang="en-US" dirty="0">
-                <a:latin typeface="Source Sans Pro" panose="020B0503030403020204" pitchFamily="34" charset="0"/>
-                <a:ea typeface="Source Sans Pro" panose="020B0503030403020204" pitchFamily="34" charset="0"/>
-              </a:rPr>
-              <a:t>– C# GitHub Repo (Jimmy </a:t>
-            </a:r>
-            <a:r>
-              <a:rPr lang="en-US" dirty="0" err="1">
-                <a:latin typeface="Source Sans Pro" panose="020B0503030403020204" pitchFamily="34" charset="0"/>
-                <a:ea typeface="Source Sans Pro" panose="020B0503030403020204" pitchFamily="34" charset="0"/>
-              </a:rPr>
-              <a:t>Bogard</a:t>
-            </a:r>
-            <a:r>
-              <a:rPr lang="en-US" dirty="0">
-                <a:latin typeface="Source Sans Pro" panose="020B0503030403020204" pitchFamily="34" charset="0"/>
-                <a:ea typeface="Source Sans Pro" panose="020B0503030403020204" pitchFamily="34" charset="0"/>
-              </a:rPr>
-              <a:t>)</a:t>
-            </a:r>
-          </a:p>
-          <a:p>
-            <a:pPr marL="457200" lvl="0" indent="-381000" algn="l" rtl="0">
-              <a:spcBef>
-                <a:spcPts val="0"/>
-              </a:spcBef>
-              <a:spcAft>
-                <a:spcPts val="0"/>
-              </a:spcAft>
-              <a:buSzPts val="2400"/>
-              <a:buChar char="◎"/>
-            </a:pPr>
-            <a:r>
-              <a:rPr lang="en-US" dirty="0">
-                <a:latin typeface="Source Sans Pro" panose="020B0503030403020204" pitchFamily="34" charset="0"/>
-                <a:ea typeface="Source Sans Pro" panose="020B0503030403020204" pitchFamily="34" charset="0"/>
-                <a:hlinkClick r:id="rId7"/>
-              </a:rPr>
-              <a:t>Hybrid CA / VSA</a:t>
-            </a:r>
-            <a:r>
-              <a:rPr lang="en-US" dirty="0">
-                <a:latin typeface="Source Sans Pro" panose="020B0503030403020204" pitchFamily="34" charset="0"/>
-                <a:ea typeface="Source Sans Pro" panose="020B0503030403020204" pitchFamily="34" charset="0"/>
-              </a:rPr>
-              <a:t> – C# GitHub Repo (Jason Taylor)</a:t>
-            </a:r>
-          </a:p>
-          <a:p>
-            <a:pPr marL="457200" lvl="0" indent="-381000" algn="l" rtl="0">
-              <a:spcBef>
-                <a:spcPts val="0"/>
-              </a:spcBef>
-              <a:spcAft>
-                <a:spcPts val="0"/>
-              </a:spcAft>
-              <a:buSzPts val="2400"/>
-              <a:buChar char="◎"/>
-            </a:pPr>
-            <a:r>
-              <a:rPr lang="en-US" dirty="0">
-                <a:latin typeface="Source Sans Pro" panose="020B0503030403020204" pitchFamily="34" charset="0"/>
-                <a:ea typeface="Source Sans Pro" panose="020B0503030403020204" pitchFamily="34" charset="0"/>
-                <a:hlinkClick r:id="rId8"/>
-              </a:rPr>
-              <a:t>This presentation &amp; code examples </a:t>
-            </a:r>
-            <a:r>
-              <a:rPr lang="en-US" dirty="0">
-                <a:latin typeface="Source Sans Pro" panose="020B0503030403020204" pitchFamily="34" charset="0"/>
-                <a:ea typeface="Source Sans Pro" panose="020B0503030403020204" pitchFamily="34" charset="0"/>
-              </a:rPr>
-              <a:t>(Me)</a:t>
-            </a:r>
-          </a:p>
-        </p:txBody>
-      </p:sp>
-      <p:sp>
-        <p:nvSpPr>
-          <p:cNvPr id="112" name="Google Shape;112;p17"/>
-          <p:cNvSpPr txBox="1">
-            <a:spLocks noGrp="1"/>
-          </p:cNvSpPr>
-          <p:nvPr>
-            <p:ph type="sldNum" idx="12"/>
-          </p:nvPr>
-        </p:nvSpPr>
-        <p:spPr>
-          <a:xfrm>
-            <a:off x="8404384" y="4749851"/>
-            <a:ext cx="548700" cy="393600"/>
-          </a:xfrm>
-          <a:prstGeom prst="rect">
-            <a:avLst/>
-          </a:prstGeom>
-        </p:spPr>
-        <p:txBody>
-          <a:bodyPr spcFirstLastPara="1" wrap="square" lIns="91425" tIns="91425" rIns="91425" bIns="91425" anchor="t" anchorCtr="0">
-            <a:noAutofit/>
-          </a:bodyPr>
-          <a:lstStyle/>
-          <a:p>
-            <a:pPr marL="0" lvl="0" indent="0" algn="r" rtl="0">
-              <a:spcBef>
-                <a:spcPts val="0"/>
-              </a:spcBef>
-              <a:spcAft>
-                <a:spcPts val="0"/>
-              </a:spcAft>
-              <a:buNone/>
-            </a:pPr>
-            <a:fld id="{00000000-1234-1234-1234-123412341234}" type="slidenum">
-              <a:rPr lang="en"/>
-              <a:t>19</a:t>
-            </a:fld>
-            <a:endParaRPr/>
-          </a:p>
-        </p:txBody>
-      </p:sp>
-    </p:spTree>
   </p:cSld>
   <p:clrMapOvr>
     <a:masterClrMapping/>
@@ -18930,6 +18815,354 @@
   <p:cSld>
     <p:spTree>
       <p:nvGrpSpPr>
+        <p:cNvPr id="1" name="Shape 109"/>
+        <p:cNvGrpSpPr/>
+        <p:nvPr/>
+      </p:nvGrpSpPr>
+      <p:grpSpPr>
+        <a:xfrm>
+          <a:off x="0" y="0"/>
+          <a:ext cx="0" cy="0"/>
+          <a:chOff x="0" y="0"/>
+          <a:chExt cx="0" cy="0"/>
+        </a:xfrm>
+      </p:grpSpPr>
+      <p:sp>
+        <p:nvSpPr>
+          <p:cNvPr id="110" name="Google Shape;110;p17"/>
+          <p:cNvSpPr txBox="1">
+            <a:spLocks noGrp="1"/>
+          </p:cNvSpPr>
+          <p:nvPr>
+            <p:ph type="title"/>
+          </p:nvPr>
+        </p:nvSpPr>
+        <p:spPr>
+          <a:xfrm>
+            <a:off x="786150" y="308120"/>
+            <a:ext cx="7571700" cy="702600"/>
+          </a:xfrm>
+          <a:prstGeom prst="rect">
+            <a:avLst/>
+          </a:prstGeom>
+        </p:spPr>
+        <p:txBody>
+          <a:bodyPr spcFirstLastPara="1" wrap="square" lIns="91425" tIns="91425" rIns="91425" bIns="91425" anchor="b" anchorCtr="0">
+            <a:noAutofit/>
+          </a:bodyPr>
+          <a:lstStyle/>
+          <a:p>
+            <a:pPr marL="0" lvl="0" indent="0" algn="l" rtl="0">
+              <a:spcBef>
+                <a:spcPts val="0"/>
+              </a:spcBef>
+              <a:spcAft>
+                <a:spcPts val="0"/>
+              </a:spcAft>
+              <a:buNone/>
+            </a:pPr>
+            <a:r>
+              <a:rPr lang="en" dirty="0"/>
+              <a:t>Resources</a:t>
+            </a:r>
+            <a:endParaRPr dirty="0"/>
+          </a:p>
+        </p:txBody>
+      </p:sp>
+      <p:sp>
+        <p:nvSpPr>
+          <p:cNvPr id="111" name="Google Shape;111;p17"/>
+          <p:cNvSpPr txBox="1">
+            <a:spLocks noGrp="1"/>
+          </p:cNvSpPr>
+          <p:nvPr>
+            <p:ph type="body" idx="1"/>
+          </p:nvPr>
+        </p:nvSpPr>
+        <p:spPr>
+          <a:xfrm>
+            <a:off x="786150" y="1261700"/>
+            <a:ext cx="7571700" cy="3573600"/>
+          </a:xfrm>
+          <a:prstGeom prst="rect">
+            <a:avLst/>
+          </a:prstGeom>
+        </p:spPr>
+        <p:txBody>
+          <a:bodyPr spcFirstLastPara="1" wrap="square" lIns="91425" tIns="91425" rIns="91425" bIns="91425" anchor="t" anchorCtr="0">
+            <a:noAutofit/>
+          </a:bodyPr>
+          <a:lstStyle/>
+          <a:p>
+            <a:pPr marL="457200" lvl="0" indent="-381000" algn="l" rtl="0">
+              <a:spcBef>
+                <a:spcPts val="600"/>
+              </a:spcBef>
+              <a:spcAft>
+                <a:spcPts val="0"/>
+              </a:spcAft>
+              <a:buSzPts val="2400"/>
+              <a:buChar char="◎"/>
+            </a:pPr>
+            <a:r>
+              <a:rPr lang="en-US" dirty="0">
+                <a:hlinkClick r:id="rId3"/>
+              </a:rPr>
+              <a:t>NDC Sydney 2018 - VSA</a:t>
+            </a:r>
+            <a:r>
+              <a:rPr lang="en-US" dirty="0"/>
+              <a:t> – YouTube (Jimmy </a:t>
+            </a:r>
+            <a:r>
+              <a:rPr lang="en-US" dirty="0" err="1"/>
+              <a:t>Bogard</a:t>
+            </a:r>
+            <a:r>
+              <a:rPr lang="en-US" dirty="0"/>
+              <a:t>)</a:t>
+            </a:r>
+          </a:p>
+          <a:p>
+            <a:pPr algn="l"/>
+            <a:r>
+              <a:rPr lang="en-US" b="0" i="0" dirty="0">
+                <a:effectLst/>
+                <a:latin typeface="Source Sans Pro" panose="020B0503030403020204" pitchFamily="34" charset="0"/>
+                <a:ea typeface="Source Sans Pro" panose="020B0503030403020204" pitchFamily="34" charset="0"/>
+                <a:hlinkClick r:id="rId4"/>
+              </a:rPr>
+              <a:t>Organize Code by Feature | Vertical Slices</a:t>
+            </a:r>
+            <a:r>
+              <a:rPr lang="en-US" b="0" i="0" dirty="0">
+                <a:effectLst/>
+                <a:latin typeface="Source Sans Pro" panose="020B0503030403020204" pitchFamily="34" charset="0"/>
+                <a:ea typeface="Source Sans Pro" panose="020B0503030403020204" pitchFamily="34" charset="0"/>
+              </a:rPr>
+              <a:t> – YouTube (Derek Comartin)</a:t>
+            </a:r>
+          </a:p>
+          <a:p>
+            <a:pPr marL="457200" lvl="0" indent="-381000" algn="l" rtl="0">
+              <a:spcBef>
+                <a:spcPts val="0"/>
+              </a:spcBef>
+              <a:spcAft>
+                <a:spcPts val="0"/>
+              </a:spcAft>
+              <a:buSzPts val="2400"/>
+              <a:buChar char="◎"/>
+            </a:pPr>
+            <a:r>
+              <a:rPr lang="en-US" dirty="0">
+                <a:latin typeface="Source Sans Pro" panose="020B0503030403020204" pitchFamily="34" charset="0"/>
+                <a:ea typeface="Source Sans Pro" panose="020B0503030403020204" pitchFamily="34" charset="0"/>
+                <a:hlinkClick r:id="rId5"/>
+              </a:rPr>
+              <a:t>Vertical Slicing in Agile</a:t>
+            </a:r>
+            <a:r>
+              <a:rPr lang="en-US" dirty="0">
+                <a:latin typeface="Source Sans Pro" panose="020B0503030403020204" pitchFamily="34" charset="0"/>
+                <a:ea typeface="Source Sans Pro" panose="020B0503030403020204" pitchFamily="34" charset="0"/>
+              </a:rPr>
+              <a:t> – Book (TJ </a:t>
+            </a:r>
+            <a:r>
+              <a:rPr lang="en-US" dirty="0" err="1">
+                <a:latin typeface="Source Sans Pro" panose="020B0503030403020204" pitchFamily="34" charset="0"/>
+                <a:ea typeface="Source Sans Pro" panose="020B0503030403020204" pitchFamily="34" charset="0"/>
+              </a:rPr>
+              <a:t>Rerob</a:t>
+            </a:r>
+            <a:r>
+              <a:rPr lang="en-US" dirty="0">
+                <a:latin typeface="Source Sans Pro" panose="020B0503030403020204" pitchFamily="34" charset="0"/>
+                <a:ea typeface="Source Sans Pro" panose="020B0503030403020204" pitchFamily="34" charset="0"/>
+              </a:rPr>
+              <a:t>)</a:t>
+            </a:r>
+          </a:p>
+          <a:p>
+            <a:pPr marL="457200" lvl="0" indent="-381000" algn="l" rtl="0">
+              <a:spcBef>
+                <a:spcPts val="0"/>
+              </a:spcBef>
+              <a:spcAft>
+                <a:spcPts val="0"/>
+              </a:spcAft>
+              <a:buSzPts val="2400"/>
+              <a:buChar char="◎"/>
+            </a:pPr>
+            <a:r>
+              <a:rPr lang="en-US" dirty="0">
+                <a:latin typeface="Source Sans Pro" panose="020B0503030403020204" pitchFamily="34" charset="0"/>
+                <a:ea typeface="Source Sans Pro" panose="020B0503030403020204" pitchFamily="34" charset="0"/>
+                <a:hlinkClick r:id="rId6"/>
+              </a:rPr>
+              <a:t>VSA </a:t>
+            </a:r>
+            <a:r>
+              <a:rPr lang="en-US" dirty="0">
+                <a:latin typeface="Source Sans Pro" panose="020B0503030403020204" pitchFamily="34" charset="0"/>
+                <a:ea typeface="Source Sans Pro" panose="020B0503030403020204" pitchFamily="34" charset="0"/>
+              </a:rPr>
+              <a:t>– C# GitHub Repo (Jimmy </a:t>
+            </a:r>
+            <a:r>
+              <a:rPr lang="en-US" dirty="0" err="1">
+                <a:latin typeface="Source Sans Pro" panose="020B0503030403020204" pitchFamily="34" charset="0"/>
+                <a:ea typeface="Source Sans Pro" panose="020B0503030403020204" pitchFamily="34" charset="0"/>
+              </a:rPr>
+              <a:t>Bogard</a:t>
+            </a:r>
+            <a:r>
+              <a:rPr lang="en-US" dirty="0">
+                <a:latin typeface="Source Sans Pro" panose="020B0503030403020204" pitchFamily="34" charset="0"/>
+                <a:ea typeface="Source Sans Pro" panose="020B0503030403020204" pitchFamily="34" charset="0"/>
+              </a:rPr>
+              <a:t>)</a:t>
+            </a:r>
+          </a:p>
+          <a:p>
+            <a:pPr marL="457200" lvl="0" indent="-381000" algn="l" rtl="0">
+              <a:spcBef>
+                <a:spcPts val="0"/>
+              </a:spcBef>
+              <a:spcAft>
+                <a:spcPts val="0"/>
+              </a:spcAft>
+              <a:buSzPts val="2400"/>
+              <a:buChar char="◎"/>
+            </a:pPr>
+            <a:r>
+              <a:rPr lang="en-US" dirty="0">
+                <a:latin typeface="Source Sans Pro" panose="020B0503030403020204" pitchFamily="34" charset="0"/>
+                <a:ea typeface="Source Sans Pro" panose="020B0503030403020204" pitchFamily="34" charset="0"/>
+                <a:hlinkClick r:id="rId7"/>
+              </a:rPr>
+              <a:t>Hybrid CA / VSA</a:t>
+            </a:r>
+            <a:r>
+              <a:rPr lang="en-US" dirty="0">
+                <a:latin typeface="Source Sans Pro" panose="020B0503030403020204" pitchFamily="34" charset="0"/>
+                <a:ea typeface="Source Sans Pro" panose="020B0503030403020204" pitchFamily="34" charset="0"/>
+              </a:rPr>
+              <a:t> – C# GitHub Repo (Jason Taylor)</a:t>
+            </a:r>
+          </a:p>
+          <a:p>
+            <a:pPr marL="457200" lvl="0" indent="-381000" algn="l" rtl="0">
+              <a:spcBef>
+                <a:spcPts val="0"/>
+              </a:spcBef>
+              <a:spcAft>
+                <a:spcPts val="0"/>
+              </a:spcAft>
+              <a:buSzPts val="2400"/>
+              <a:buChar char="◎"/>
+            </a:pPr>
+            <a:r>
+              <a:rPr lang="en-US" dirty="0">
+                <a:latin typeface="Source Sans Pro" panose="020B0503030403020204" pitchFamily="34" charset="0"/>
+                <a:ea typeface="Source Sans Pro" panose="020B0503030403020204" pitchFamily="34" charset="0"/>
+                <a:hlinkClick r:id="rId8"/>
+              </a:rPr>
+              <a:t>This presentation &amp; code examples </a:t>
+            </a:r>
+            <a:r>
+              <a:rPr lang="en-US" dirty="0">
+                <a:latin typeface="Source Sans Pro" panose="020B0503030403020204" pitchFamily="34" charset="0"/>
+                <a:ea typeface="Source Sans Pro" panose="020B0503030403020204" pitchFamily="34" charset="0"/>
+              </a:rPr>
+              <a:t>(Me)</a:t>
+            </a:r>
+          </a:p>
+          <a:p>
+            <a:pPr marL="457200" lvl="0" indent="-381000" algn="l" rtl="0">
+              <a:spcBef>
+                <a:spcPts val="0"/>
+              </a:spcBef>
+              <a:spcAft>
+                <a:spcPts val="0"/>
+              </a:spcAft>
+              <a:buSzPts val="2400"/>
+              <a:buChar char="◎"/>
+            </a:pPr>
+            <a:r>
+              <a:rPr lang="en-US" dirty="0" err="1">
+                <a:latin typeface="Source Sans Pro" panose="020B0503030403020204" pitchFamily="34" charset="0"/>
+                <a:ea typeface="Source Sans Pro" panose="020B0503030403020204" pitchFamily="34" charset="0"/>
+                <a:hlinkClick r:id="rId9"/>
+              </a:rPr>
+              <a:t>DynamoLeagueBlazor</a:t>
+            </a:r>
+            <a:r>
+              <a:rPr lang="en-US" dirty="0">
+                <a:latin typeface="Source Sans Pro" panose="020B0503030403020204" pitchFamily="34" charset="0"/>
+                <a:ea typeface="Source Sans Pro" panose="020B0503030403020204" pitchFamily="34" charset="0"/>
+              </a:rPr>
+              <a:t> (Me)</a:t>
+            </a:r>
+          </a:p>
+        </p:txBody>
+      </p:sp>
+      <p:sp>
+        <p:nvSpPr>
+          <p:cNvPr id="112" name="Google Shape;112;p17"/>
+          <p:cNvSpPr txBox="1">
+            <a:spLocks noGrp="1"/>
+          </p:cNvSpPr>
+          <p:nvPr>
+            <p:ph type="sldNum" idx="12"/>
+          </p:nvPr>
+        </p:nvSpPr>
+        <p:spPr>
+          <a:xfrm>
+            <a:off x="8404384" y="4749851"/>
+            <a:ext cx="548700" cy="393600"/>
+          </a:xfrm>
+          <a:prstGeom prst="rect">
+            <a:avLst/>
+          </a:prstGeom>
+        </p:spPr>
+        <p:txBody>
+          <a:bodyPr spcFirstLastPara="1" wrap="square" lIns="91425" tIns="91425" rIns="91425" bIns="91425" anchor="t" anchorCtr="0">
+            <a:noAutofit/>
+          </a:bodyPr>
+          <a:lstStyle/>
+          <a:p>
+            <a:pPr marL="0" lvl="0" indent="0" algn="r" rtl="0">
+              <a:spcBef>
+                <a:spcPts val="0"/>
+              </a:spcBef>
+              <a:spcAft>
+                <a:spcPts val="0"/>
+              </a:spcAft>
+              <a:buNone/>
+            </a:pPr>
+            <a:fld id="{00000000-1234-1234-1234-123412341234}" type="slidenum">
+              <a:rPr lang="en"/>
+              <a:t>20</a:t>
+            </a:fld>
+            <a:endParaRPr/>
+          </a:p>
+        </p:txBody>
+      </p:sp>
+    </p:spTree>
+  </p:cSld>
+  <p:clrMapOvr>
+    <a:masterClrMapping/>
+  </p:clrMapOvr>
+</p:sld>
+</file>
+
+<file path=ppt/slides/slide21.xml><?xml version="1.0" encoding="utf-8"?>
+<p:sld xmlns:a="http://schemas.openxmlformats.org/drawingml/2006/main" xmlns:r="http://schemas.openxmlformats.org/officeDocument/2006/relationships" xmlns:p="http://schemas.openxmlformats.org/presentationml/2006/main">
+  <p:cSld>
+    <p:spTree>
+      <p:nvGrpSpPr>
         <p:cNvPr id="1" name="Shape 402"/>
         <p:cNvGrpSpPr/>
         <p:nvPr/>
@@ -19062,7 +19295,7 @@
             </a:pPr>
             <a:fld id="{00000000-1234-1234-1234-123412341234}" type="slidenum">
               <a:rPr lang="en"/>
-              <a:t>20</a:t>
+              <a:t>21</a:t>
             </a:fld>
             <a:endParaRPr/>
           </a:p>

--- a/VerticalSliceArchitecture/Vertical Slice Architecture.pptx
+++ b/VerticalSliceArchitecture/Vertical Slice Architecture.pptx
@@ -13449,140 +13449,6 @@
           </a:prstGeom>
         </p:spPr>
       </p:pic>
-      <p:pic>
-        <p:nvPicPr>
-          <p:cNvPr id="7" name="Picture 6">
-            <a:extLst>
-              <a:ext uri="{FF2B5EF4-FFF2-40B4-BE49-F238E27FC236}">
-                <a16:creationId xmlns:a16="http://schemas.microsoft.com/office/drawing/2014/main" id="{D9D5F06A-4CAA-46B2-BAE1-0C969BE88788}"/>
-              </a:ext>
-            </a:extLst>
-          </p:cNvPr>
-          <p:cNvPicPr>
-            <a:picLocks noChangeAspect="1"/>
-          </p:cNvPicPr>
-          <p:nvPr/>
-        </p:nvPicPr>
-        <p:blipFill>
-          <a:blip r:embed="rId4"/>
-          <a:stretch>
-            <a:fillRect/>
-          </a:stretch>
-        </p:blipFill>
-        <p:spPr>
-          <a:xfrm>
-            <a:off x="5520264" y="205260"/>
-            <a:ext cx="2884119" cy="4295977"/>
-          </a:xfrm>
-          <a:prstGeom prst="rect">
-            <a:avLst/>
-          </a:prstGeom>
-        </p:spPr>
-      </p:pic>
-      <p:sp>
-        <p:nvSpPr>
-          <p:cNvPr id="11" name="Oval 10">
-            <a:extLst>
-              <a:ext uri="{FF2B5EF4-FFF2-40B4-BE49-F238E27FC236}">
-                <a16:creationId xmlns:a16="http://schemas.microsoft.com/office/drawing/2014/main" id="{C557DF7D-A789-42DF-AA29-4588CFAD093A}"/>
-              </a:ext>
-            </a:extLst>
-          </p:cNvPr>
-          <p:cNvSpPr/>
-          <p:nvPr/>
-        </p:nvSpPr>
-        <p:spPr>
-          <a:xfrm>
-            <a:off x="5459307" y="961813"/>
-            <a:ext cx="2824480" cy="1056640"/>
-          </a:xfrm>
-          <a:prstGeom prst="ellipse">
-            <a:avLst/>
-          </a:prstGeom>
-          <a:noFill/>
-          <a:ln>
-            <a:solidFill>
-              <a:schemeClr val="accent1"/>
-            </a:solidFill>
-          </a:ln>
-        </p:spPr>
-        <p:style>
-          <a:lnRef idx="2">
-            <a:schemeClr val="accent1">
-              <a:shade val="50000"/>
-            </a:schemeClr>
-          </a:lnRef>
-          <a:fillRef idx="1">
-            <a:schemeClr val="accent1"/>
-          </a:fillRef>
-          <a:effectRef idx="0">
-            <a:schemeClr val="accent1"/>
-          </a:effectRef>
-          <a:fontRef idx="minor">
-            <a:schemeClr val="lt1"/>
-          </a:fontRef>
-        </p:style>
-        <p:txBody>
-          <a:bodyPr rtlCol="0" anchor="ctr"/>
-          <a:lstStyle/>
-          <a:p>
-            <a:pPr algn="ctr"/>
-            <a:endParaRPr lang="en-US"/>
-          </a:p>
-        </p:txBody>
-      </p:sp>
-      <p:sp>
-        <p:nvSpPr>
-          <p:cNvPr id="14" name="Oval 13">
-            <a:extLst>
-              <a:ext uri="{FF2B5EF4-FFF2-40B4-BE49-F238E27FC236}">
-                <a16:creationId xmlns:a16="http://schemas.microsoft.com/office/drawing/2014/main" id="{15446CC1-AE66-4B44-A23F-8559926D9432}"/>
-              </a:ext>
-            </a:extLst>
-          </p:cNvPr>
-          <p:cNvSpPr/>
-          <p:nvPr/>
-        </p:nvSpPr>
-        <p:spPr>
-          <a:xfrm>
-            <a:off x="5520263" y="2912989"/>
-            <a:ext cx="2394374" cy="831059"/>
-          </a:xfrm>
-          <a:prstGeom prst="ellipse">
-            <a:avLst/>
-          </a:prstGeom>
-          <a:noFill/>
-          <a:ln>
-            <a:solidFill>
-              <a:schemeClr val="accent1"/>
-            </a:solidFill>
-          </a:ln>
-        </p:spPr>
-        <p:style>
-          <a:lnRef idx="2">
-            <a:schemeClr val="accent1">
-              <a:shade val="50000"/>
-            </a:schemeClr>
-          </a:lnRef>
-          <a:fillRef idx="1">
-            <a:schemeClr val="accent1"/>
-          </a:fillRef>
-          <a:effectRef idx="0">
-            <a:schemeClr val="accent1"/>
-          </a:effectRef>
-          <a:fontRef idx="minor">
-            <a:schemeClr val="lt1"/>
-          </a:fontRef>
-        </p:style>
-        <p:txBody>
-          <a:bodyPr rtlCol="0" anchor="ctr"/>
-          <a:lstStyle/>
-          <a:p>
-            <a:pPr algn="ctr"/>
-            <a:endParaRPr lang="en-US"/>
-          </a:p>
-        </p:txBody>
-      </p:sp>
       <p:sp>
         <p:nvSpPr>
           <p:cNvPr id="16" name="Arrow: Right 15">
@@ -13859,6 +13725,140 @@
           </a:p>
         </p:txBody>
       </p:sp>
+      <p:pic>
+        <p:nvPicPr>
+          <p:cNvPr id="3" name="Picture 2" descr="Text&#10;&#10;Description automatically generated">
+            <a:extLst>
+              <a:ext uri="{FF2B5EF4-FFF2-40B4-BE49-F238E27FC236}">
+                <a16:creationId xmlns:a16="http://schemas.microsoft.com/office/drawing/2014/main" id="{CACFB375-6480-4B85-9F55-4F26384956EA}"/>
+              </a:ext>
+            </a:extLst>
+          </p:cNvPr>
+          <p:cNvPicPr>
+            <a:picLocks noChangeAspect="1"/>
+          </p:cNvPicPr>
+          <p:nvPr/>
+        </p:nvPicPr>
+        <p:blipFill>
+          <a:blip r:embed="rId4"/>
+          <a:stretch>
+            <a:fillRect/>
+          </a:stretch>
+        </p:blipFill>
+        <p:spPr>
+          <a:xfrm>
+            <a:off x="5459307" y="238664"/>
+            <a:ext cx="2360260" cy="4666172"/>
+          </a:xfrm>
+          <a:prstGeom prst="rect">
+            <a:avLst/>
+          </a:prstGeom>
+        </p:spPr>
+      </p:pic>
+      <p:sp>
+        <p:nvSpPr>
+          <p:cNvPr id="11" name="Oval 10">
+            <a:extLst>
+              <a:ext uri="{FF2B5EF4-FFF2-40B4-BE49-F238E27FC236}">
+                <a16:creationId xmlns:a16="http://schemas.microsoft.com/office/drawing/2014/main" id="{C557DF7D-A789-42DF-AA29-4588CFAD093A}"/>
+              </a:ext>
+            </a:extLst>
+          </p:cNvPr>
+          <p:cNvSpPr/>
+          <p:nvPr/>
+        </p:nvSpPr>
+        <p:spPr>
+          <a:xfrm>
+            <a:off x="5032021" y="1099043"/>
+            <a:ext cx="2787546" cy="1056640"/>
+          </a:xfrm>
+          <a:prstGeom prst="ellipse">
+            <a:avLst/>
+          </a:prstGeom>
+          <a:noFill/>
+          <a:ln>
+            <a:solidFill>
+              <a:schemeClr val="accent1"/>
+            </a:solidFill>
+          </a:ln>
+        </p:spPr>
+        <p:style>
+          <a:lnRef idx="2">
+            <a:schemeClr val="accent1">
+              <a:shade val="50000"/>
+            </a:schemeClr>
+          </a:lnRef>
+          <a:fillRef idx="1">
+            <a:schemeClr val="accent1"/>
+          </a:fillRef>
+          <a:effectRef idx="0">
+            <a:schemeClr val="accent1"/>
+          </a:effectRef>
+          <a:fontRef idx="minor">
+            <a:schemeClr val="lt1"/>
+          </a:fontRef>
+        </p:style>
+        <p:txBody>
+          <a:bodyPr rtlCol="0" anchor="ctr"/>
+          <a:lstStyle/>
+          <a:p>
+            <a:pPr algn="ctr"/>
+            <a:endParaRPr lang="en-US"/>
+          </a:p>
+        </p:txBody>
+      </p:sp>
+      <p:sp>
+        <p:nvSpPr>
+          <p:cNvPr id="14" name="Oval 13">
+            <a:extLst>
+              <a:ext uri="{FF2B5EF4-FFF2-40B4-BE49-F238E27FC236}">
+                <a16:creationId xmlns:a16="http://schemas.microsoft.com/office/drawing/2014/main" id="{15446CC1-AE66-4B44-A23F-8559926D9432}"/>
+              </a:ext>
+            </a:extLst>
+          </p:cNvPr>
+          <p:cNvSpPr/>
+          <p:nvPr/>
+        </p:nvSpPr>
+        <p:spPr>
+          <a:xfrm>
+            <a:off x="5425193" y="3277718"/>
+            <a:ext cx="2394374" cy="831059"/>
+          </a:xfrm>
+          <a:prstGeom prst="ellipse">
+            <a:avLst/>
+          </a:prstGeom>
+          <a:noFill/>
+          <a:ln>
+            <a:solidFill>
+              <a:schemeClr val="accent1"/>
+            </a:solidFill>
+          </a:ln>
+        </p:spPr>
+        <p:style>
+          <a:lnRef idx="2">
+            <a:schemeClr val="accent1">
+              <a:shade val="50000"/>
+            </a:schemeClr>
+          </a:lnRef>
+          <a:fillRef idx="1">
+            <a:schemeClr val="accent1"/>
+          </a:fillRef>
+          <a:effectRef idx="0">
+            <a:schemeClr val="accent1"/>
+          </a:effectRef>
+          <a:fontRef idx="minor">
+            <a:schemeClr val="lt1"/>
+          </a:fontRef>
+        </p:style>
+        <p:txBody>
+          <a:bodyPr rtlCol="0" anchor="ctr"/>
+          <a:lstStyle/>
+          <a:p>
+            <a:pPr algn="ctr"/>
+            <a:endParaRPr lang="en-US"/>
+          </a:p>
+        </p:txBody>
+      </p:sp>
     </p:spTree>
   </p:cSld>
   <p:clrMapOvr>
@@ -14073,60 +14073,15 @@
                                   </p:childTnLst>
                                 </p:cTn>
                               </p:par>
-                            </p:childTnLst>
-                          </p:cTn>
-                        </p:par>
-                      </p:childTnLst>
-                    </p:cTn>
-                  </p:par>
-                  <p:par>
-                    <p:cTn id="19" fill="hold">
-                      <p:stCondLst>
-                        <p:cond delay="indefinite"/>
-                      </p:stCondLst>
-                      <p:childTnLst>
-                        <p:par>
-                          <p:cTn id="20" fill="hold">
-                            <p:stCondLst>
-                              <p:cond delay="0"/>
-                            </p:stCondLst>
-                            <p:childTnLst>
                               <p:par>
-                                <p:cTn id="21" presetID="1" presetClass="entr" presetSubtype="0" fill="hold" nodeType="clickEffect">
+                                <p:cTn id="19" presetID="1" presetClass="entr" presetSubtype="0" fill="hold" grpId="0" nodeType="withEffect">
                                   <p:stCondLst>
                                     <p:cond delay="0"/>
                                   </p:stCondLst>
                                   <p:childTnLst>
                                     <p:set>
                                       <p:cBhvr>
-                                        <p:cTn id="22" dur="1" fill="hold">
-                                          <p:stCondLst>
-                                            <p:cond delay="0"/>
-                                          </p:stCondLst>
-                                        </p:cTn>
-                                        <p:tgtEl>
-                                          <p:spTgt spid="7"/>
-                                        </p:tgtEl>
-                                        <p:attrNameLst>
-                                          <p:attrName>style.visibility</p:attrName>
-                                        </p:attrNameLst>
-                                      </p:cBhvr>
-                                      <p:to>
-                                        <p:strVal val="visible"/>
-                                      </p:to>
-                                    </p:set>
-                                  </p:childTnLst>
-                                </p:cTn>
-                              </p:par>
-                              <p:par>
-                                <p:cTn id="23" presetID="1" presetClass="entr" presetSubtype="0" fill="hold" grpId="0" nodeType="withEffect">
-                                  <p:stCondLst>
-                                    <p:cond delay="0"/>
-                                  </p:stCondLst>
-                                  <p:childTnLst>
-                                    <p:set>
-                                      <p:cBhvr>
-                                        <p:cTn id="24" dur="1" fill="hold">
+                                        <p:cTn id="20" dur="1" fill="hold">
                                           <p:stCondLst>
                                             <p:cond delay="0"/>
                                           </p:stCondLst>
@@ -14146,14 +14101,14 @@
                                 </p:cTn>
                               </p:par>
                               <p:par>
-                                <p:cTn id="25" presetID="1" presetClass="entr" presetSubtype="0" fill="hold" grpId="0" nodeType="withEffect">
+                                <p:cTn id="21" presetID="1" presetClass="entr" presetSubtype="0" fill="hold" grpId="0" nodeType="withEffect">
                                   <p:stCondLst>
                                     <p:cond delay="0"/>
                                   </p:stCondLst>
                                   <p:childTnLst>
                                     <p:set>
                                       <p:cBhvr>
-                                        <p:cTn id="26" dur="1" fill="hold">
+                                        <p:cTn id="22" dur="1" fill="hold">
                                           <p:stCondLst>
                                             <p:cond delay="0"/>
                                           </p:stCondLst>
@@ -14200,14 +14155,14 @@
       </p:par>
     </p:tnLst>
     <p:bldLst>
-      <p:bldP spid="11" grpId="0" animBg="1"/>
-      <p:bldP spid="14" grpId="0" animBg="1"/>
       <p:bldP spid="16" grpId="0" animBg="1"/>
       <p:bldP spid="20" grpId="0" animBg="1"/>
       <p:bldP spid="21" grpId="0" animBg="1"/>
       <p:bldP spid="22" grpId="0" animBg="1"/>
       <p:bldP spid="23" grpId="0" animBg="1"/>
       <p:bldP spid="24" grpId="0" animBg="1"/>
+      <p:bldP spid="11" grpId="0" animBg="1"/>
+      <p:bldP spid="14" grpId="0" animBg="1"/>
     </p:bldLst>
   </p:timing>
 </p:sld>
@@ -14315,12 +14270,8 @@
           </a:p>
           <a:p>
             <a:r>
-              <a:rPr lang="en-US"/>
-              <a:t>Ubiquitous </a:t>
-            </a:r>
-            <a:r>
               <a:rPr lang="en-US" dirty="0"/>
-              <a:t>Language</a:t>
+              <a:t>Ubiquitous Language</a:t>
             </a:r>
           </a:p>
         </p:txBody>

--- a/VerticalSliceArchitecture/Vertical Slice Architecture.pptx
+++ b/VerticalSliceArchitecture/Vertical Slice Architecture.pptx
@@ -5,7 +5,7 @@
     <p:sldMasterId id="2147483658" r:id="rId1"/>
   </p:sldMasterIdLst>
   <p:notesMasterIdLst>
-    <p:notesMasterId r:id="rId23"/>
+    <p:notesMasterId r:id="rId27"/>
   </p:notesMasterIdLst>
   <p:sldIdLst>
     <p:sldId id="256" r:id="rId2"/>
@@ -19,45 +19,49 @@
     <p:sldId id="297" r:id="rId10"/>
     <p:sldId id="299" r:id="rId11"/>
     <p:sldId id="308" r:id="rId12"/>
-    <p:sldId id="304" r:id="rId13"/>
-    <p:sldId id="262" r:id="rId14"/>
-    <p:sldId id="267" r:id="rId15"/>
-    <p:sldId id="306" r:id="rId16"/>
-    <p:sldId id="307" r:id="rId17"/>
-    <p:sldId id="305" r:id="rId18"/>
-    <p:sldId id="268" r:id="rId19"/>
-    <p:sldId id="303" r:id="rId20"/>
-    <p:sldId id="261" r:id="rId21"/>
-    <p:sldId id="280" r:id="rId22"/>
+    <p:sldId id="310" r:id="rId13"/>
+    <p:sldId id="312" r:id="rId14"/>
+    <p:sldId id="262" r:id="rId15"/>
+    <p:sldId id="267" r:id="rId16"/>
+    <p:sldId id="304" r:id="rId17"/>
+    <p:sldId id="306" r:id="rId18"/>
+    <p:sldId id="307" r:id="rId19"/>
+    <p:sldId id="309" r:id="rId20"/>
+    <p:sldId id="305" r:id="rId21"/>
+    <p:sldId id="268" r:id="rId22"/>
+    <p:sldId id="311" r:id="rId23"/>
+    <p:sldId id="303" r:id="rId24"/>
+    <p:sldId id="261" r:id="rId25"/>
+    <p:sldId id="280" r:id="rId26"/>
   </p:sldIdLst>
   <p:sldSz cx="9144000" cy="5143500" type="screen16x9"/>
   <p:notesSz cx="6858000" cy="9144000"/>
   <p:embeddedFontLst>
     <p:embeddedFont>
       <p:font typeface="Calibri" panose="020F0502020204030204" pitchFamily="34" charset="0"/>
-      <p:regular r:id="rId24"/>
-      <p:bold r:id="rId25"/>
-      <p:italic r:id="rId26"/>
-      <p:boldItalic r:id="rId27"/>
-    </p:embeddedFont>
-    <p:embeddedFont>
-      <p:font typeface="Open Sans" panose="020B0606030504020204" pitchFamily="34" charset="0"/>
       <p:regular r:id="rId28"/>
       <p:bold r:id="rId29"/>
       <p:italic r:id="rId30"/>
       <p:boldItalic r:id="rId31"/>
     </p:embeddedFont>
     <p:embeddedFont>
-      <p:font typeface="Roboto Slab" panose="020B0604020202020204" charset="0"/>
+      <p:font typeface="Open Sans" panose="020B0606030504020204" pitchFamily="34" charset="0"/>
       <p:regular r:id="rId32"/>
       <p:bold r:id="rId33"/>
+      <p:italic r:id="rId34"/>
+      <p:boldItalic r:id="rId35"/>
+    </p:embeddedFont>
+    <p:embeddedFont>
+      <p:font typeface="Roboto Slab" panose="020B0604020202020204" charset="0"/>
+      <p:regular r:id="rId36"/>
+      <p:bold r:id="rId37"/>
     </p:embeddedFont>
     <p:embeddedFont>
       <p:font typeface="Source Sans Pro" panose="020B0503030403020204" pitchFamily="34" charset="0"/>
-      <p:regular r:id="rId34"/>
-      <p:bold r:id="rId35"/>
-      <p:italic r:id="rId36"/>
-      <p:boldItalic r:id="rId37"/>
+      <p:regular r:id="rId38"/>
+      <p:bold r:id="rId39"/>
+      <p:italic r:id="rId40"/>
+      <p:boldItalic r:id="rId41"/>
     </p:embeddedFont>
   </p:embeddedFontLst>
   <p:defaultTextStyle>
@@ -1004,43 +1008,6 @@
           <a:bodyPr/>
           <a:lstStyle/>
           <a:p>
-            <a:r>
-              <a:rPr lang="en-US" dirty="0"/>
-              <a:t>CQRS – Command Query Responsibility Segregation which I’ll remove the nuance of it by saying its all about separating your reads from your writes. </a:t>
-            </a:r>
-          </a:p>
-          <a:p>
-            <a:r>
-              <a:rPr lang="en-US" dirty="0"/>
-              <a:t>DDD – rich domain model</a:t>
-            </a:r>
-          </a:p>
-          <a:p>
-            <a:pPr marL="457200" marR="0" lvl="0" indent="-317500" algn="l" defTabSz="914400" rtl="0" eaLnBrk="1" fontAlgn="auto" latinLnBrk="0" hangingPunct="1">
-              <a:lnSpc>
-                <a:spcPct val="100000"/>
-              </a:lnSpc>
-              <a:spcBef>
-                <a:spcPts val="0"/>
-              </a:spcBef>
-              <a:spcAft>
-                <a:spcPts val="0"/>
-              </a:spcAft>
-              <a:buClr>
-                <a:srgbClr val="000000"/>
-              </a:buClr>
-              <a:buSzPts val="1400"/>
-              <a:buFont typeface="Arial"/>
-              <a:buChar char="●"/>
-              <a:tabLst/>
-              <a:defRPr/>
-            </a:pPr>
-            <a:r>
-              <a:rPr lang="en-US" dirty="0"/>
-              <a:t>Group By Feature – some languages and frameworks are less opinionated on their structure but this follows the principle of keeping things related by feature to each other close and things unrelated to that feature far away. Things that change together belong together. I’ll dive into some .NET code that demonstrates this. </a:t>
-            </a:r>
-          </a:p>
-          <a:p>
             <a:endParaRPr lang="en-US" dirty="0"/>
           </a:p>
         </p:txBody>
@@ -1048,7 +1015,7 @@
     </p:spTree>
     <p:extLst>
       <p:ext uri="{BB962C8B-B14F-4D97-AF65-F5344CB8AC3E}">
-        <p14:creationId xmlns:p14="http://schemas.microsoft.com/office/powerpoint/2010/main" val="4214068030"/>
+        <p14:creationId xmlns:p14="http://schemas.microsoft.com/office/powerpoint/2010/main" val="188619879"/>
       </p:ext>
     </p:extLst>
   </p:cSld>
@@ -1059,6 +1026,205 @@
 </file>
 
 <file path=ppt/notesSlides/notesSlide12.xml><?xml version="1.0" encoding="utf-8"?>
+<p:notes xmlns:a="http://schemas.openxmlformats.org/drawingml/2006/main" xmlns:r="http://schemas.openxmlformats.org/officeDocument/2006/relationships" xmlns:p="http://schemas.openxmlformats.org/presentationml/2006/main" showMasterSp="0" showMasterPhAnim="0">
+  <p:cSld>
+    <p:spTree>
+      <p:nvGrpSpPr>
+        <p:cNvPr id="1" name="Shape 100"/>
+        <p:cNvGrpSpPr/>
+        <p:nvPr/>
+      </p:nvGrpSpPr>
+      <p:grpSpPr>
+        <a:xfrm>
+          <a:off x="0" y="0"/>
+          <a:ext cx="0" cy="0"/>
+          <a:chOff x="0" y="0"/>
+          <a:chExt cx="0" cy="0"/>
+        </a:xfrm>
+      </p:grpSpPr>
+      <p:sp>
+        <p:nvSpPr>
+          <p:cNvPr id="101" name="Google Shape;101;g35f391192_09:notes"/>
+          <p:cNvSpPr>
+            <a:spLocks noGrp="1" noRot="1" noChangeAspect="1"/>
+          </p:cNvSpPr>
+          <p:nvPr>
+            <p:ph type="sldImg" idx="2"/>
+          </p:nvPr>
+        </p:nvSpPr>
+        <p:spPr>
+          <a:xfrm>
+            <a:off x="381000" y="685800"/>
+            <a:ext cx="6096000" cy="3429000"/>
+          </a:xfrm>
+          <a:custGeom>
+            <a:avLst/>
+            <a:gdLst/>
+            <a:ahLst/>
+            <a:cxnLst/>
+            <a:rect l="l" t="t" r="r" b="b"/>
+            <a:pathLst>
+              <a:path w="120000" h="120000" extrusionOk="0">
+                <a:moveTo>
+                  <a:pt x="0" y="0"/>
+                </a:moveTo>
+                <a:lnTo>
+                  <a:pt x="120000" y="0"/>
+                </a:lnTo>
+                <a:lnTo>
+                  <a:pt x="120000" y="120000"/>
+                </a:lnTo>
+                <a:lnTo>
+                  <a:pt x="0" y="120000"/>
+                </a:lnTo>
+                <a:close/>
+              </a:path>
+            </a:pathLst>
+          </a:custGeom>
+        </p:spPr>
+      </p:sp>
+      <p:sp>
+        <p:nvSpPr>
+          <p:cNvPr id="102" name="Google Shape;102;g35f391192_09:notes"/>
+          <p:cNvSpPr txBox="1">
+            <a:spLocks noGrp="1"/>
+          </p:cNvSpPr>
+          <p:nvPr>
+            <p:ph type="body" idx="1"/>
+          </p:nvPr>
+        </p:nvSpPr>
+        <p:spPr>
+          <a:xfrm>
+            <a:off x="685800" y="4343400"/>
+            <a:ext cx="5486400" cy="4114800"/>
+          </a:xfrm>
+          <a:prstGeom prst="rect">
+            <a:avLst/>
+          </a:prstGeom>
+        </p:spPr>
+        <p:txBody>
+          <a:bodyPr spcFirstLastPara="1" wrap="square" lIns="91425" tIns="91425" rIns="91425" bIns="91425" anchor="t" anchorCtr="0">
+            <a:noAutofit/>
+          </a:bodyPr>
+          <a:lstStyle/>
+          <a:p>
+            <a:pPr marL="0" lvl="0" indent="0" algn="l" rtl="0">
+              <a:spcBef>
+                <a:spcPts val="0"/>
+              </a:spcBef>
+              <a:spcAft>
+                <a:spcPts val="0"/>
+              </a:spcAft>
+              <a:buNone/>
+            </a:pPr>
+            <a:r>
+              <a:rPr lang="en-US" b="0" i="0" dirty="0">
+                <a:solidFill>
+                  <a:srgbClr val="29323C"/>
+                </a:solidFill>
+                <a:effectLst/>
+                <a:latin typeface="FrescoPlusNormal"/>
+              </a:rPr>
+              <a:t>When you write a software module, you want to make sure that when changes are requested, those changes can only originate from a single person, or rather, a single tightly coupled group of people representing a single narrowly defined business function. You want to isolate your modules from the complexities of the organization as a whole, and design your systems such that each module is responsible (responds to) the needs of just that one business function.</a:t>
+            </a:r>
+            <a:endParaRPr dirty="0"/>
+          </a:p>
+        </p:txBody>
+      </p:sp>
+    </p:spTree>
+    <p:extLst>
+      <p:ext uri="{BB962C8B-B14F-4D97-AF65-F5344CB8AC3E}">
+        <p14:creationId xmlns:p14="http://schemas.microsoft.com/office/powerpoint/2010/main" val="3472510605"/>
+      </p:ext>
+    </p:extLst>
+  </p:cSld>
+  <p:clrMapOvr>
+    <a:masterClrMapping/>
+  </p:clrMapOvr>
+</p:notes>
+</file>
+
+<file path=ppt/notesSlides/notesSlide13.xml><?xml version="1.0" encoding="utf-8"?>
+<p:notes xmlns:a="http://schemas.openxmlformats.org/drawingml/2006/main" xmlns:r="http://schemas.openxmlformats.org/officeDocument/2006/relationships" xmlns:p="http://schemas.openxmlformats.org/presentationml/2006/main">
+  <p:cSld>
+    <p:spTree>
+      <p:nvGrpSpPr>
+        <p:cNvPr id="1" name=""/>
+        <p:cNvGrpSpPr/>
+        <p:nvPr/>
+      </p:nvGrpSpPr>
+      <p:grpSpPr>
+        <a:xfrm>
+          <a:off x="0" y="0"/>
+          <a:ext cx="0" cy="0"/>
+          <a:chOff x="0" y="0"/>
+          <a:chExt cx="0" cy="0"/>
+        </a:xfrm>
+      </p:grpSpPr>
+      <p:sp>
+        <p:nvSpPr>
+          <p:cNvPr id="2" name="Slide Image Placeholder 1"/>
+          <p:cNvSpPr>
+            <a:spLocks noGrp="1" noRot="1" noChangeAspect="1"/>
+          </p:cNvSpPr>
+          <p:nvPr>
+            <p:ph type="sldImg"/>
+          </p:nvPr>
+        </p:nvSpPr>
+        <p:spPr>
+          <a:xfrm>
+            <a:off x="381000" y="685800"/>
+            <a:ext cx="6096000" cy="3429000"/>
+          </a:xfrm>
+        </p:spPr>
+      </p:sp>
+      <p:sp>
+        <p:nvSpPr>
+          <p:cNvPr id="3" name="Notes Placeholder 2"/>
+          <p:cNvSpPr>
+            <a:spLocks noGrp="1"/>
+          </p:cNvSpPr>
+          <p:nvPr>
+            <p:ph type="body" idx="1"/>
+          </p:nvPr>
+        </p:nvSpPr>
+        <p:spPr/>
+        <p:txBody>
+          <a:bodyPr/>
+          <a:lstStyle/>
+          <a:p>
+            <a:r>
+              <a:rPr lang="en-US" dirty="0"/>
+              <a:t>Coupling is okay, but has to be coupled in the right way. High coupling, high cohesion within the same capability.</a:t>
+            </a:r>
+          </a:p>
+          <a:p>
+            <a:r>
+              <a:rPr lang="en-US" dirty="0"/>
+              <a:t>Low coupling, low cohesion </a:t>
+            </a:r>
+            <a:r>
+              <a:rPr lang="en-US"/>
+              <a:t>across capabilities.</a:t>
+            </a:r>
+            <a:endParaRPr lang="en-US" dirty="0"/>
+          </a:p>
+        </p:txBody>
+      </p:sp>
+    </p:spTree>
+    <p:extLst>
+      <p:ext uri="{BB962C8B-B14F-4D97-AF65-F5344CB8AC3E}">
+        <p14:creationId xmlns:p14="http://schemas.microsoft.com/office/powerpoint/2010/main" val="1205944068"/>
+      </p:ext>
+    </p:extLst>
+  </p:cSld>
+  <p:clrMapOvr>
+    <a:masterClrMapping/>
+  </p:clrMapOvr>
+</p:notes>
+</file>
+
+<file path=ppt/notesSlides/notesSlide14.xml><?xml version="1.0" encoding="utf-8"?>
 <p:notes xmlns:a="http://schemas.openxmlformats.org/drawingml/2006/main" xmlns:r="http://schemas.openxmlformats.org/officeDocument/2006/relationships" xmlns:p="http://schemas.openxmlformats.org/presentationml/2006/main" showMasterSp="0" showMasterPhAnim="0">
   <p:cSld>
     <p:spTree>
@@ -1162,7 +1328,7 @@
 </p:notes>
 </file>
 
-<file path=ppt/notesSlides/notesSlide13.xml><?xml version="1.0" encoding="utf-8"?>
+<file path=ppt/notesSlides/notesSlide15.xml><?xml version="1.0" encoding="utf-8"?>
 <p:notes xmlns:a="http://schemas.openxmlformats.org/drawingml/2006/main" xmlns:r="http://schemas.openxmlformats.org/officeDocument/2006/relationships" xmlns:p="http://schemas.openxmlformats.org/presentationml/2006/main" showMasterSp="0" showMasterPhAnim="0">
   <p:cSld>
     <p:spTree>
@@ -1266,7 +1432,110 @@
 </p:notes>
 </file>
 
-<file path=ppt/notesSlides/notesSlide14.xml><?xml version="1.0" encoding="utf-8"?>
+<file path=ppt/notesSlides/notesSlide16.xml><?xml version="1.0" encoding="utf-8"?>
+<p:notes xmlns:a="http://schemas.openxmlformats.org/drawingml/2006/main" xmlns:r="http://schemas.openxmlformats.org/officeDocument/2006/relationships" xmlns:p="http://schemas.openxmlformats.org/presentationml/2006/main">
+  <p:cSld>
+    <p:spTree>
+      <p:nvGrpSpPr>
+        <p:cNvPr id="1" name=""/>
+        <p:cNvGrpSpPr/>
+        <p:nvPr/>
+      </p:nvGrpSpPr>
+      <p:grpSpPr>
+        <a:xfrm>
+          <a:off x="0" y="0"/>
+          <a:ext cx="0" cy="0"/>
+          <a:chOff x="0" y="0"/>
+          <a:chExt cx="0" cy="0"/>
+        </a:xfrm>
+      </p:grpSpPr>
+      <p:sp>
+        <p:nvSpPr>
+          <p:cNvPr id="2" name="Slide Image Placeholder 1"/>
+          <p:cNvSpPr>
+            <a:spLocks noGrp="1" noRot="1" noChangeAspect="1"/>
+          </p:cNvSpPr>
+          <p:nvPr>
+            <p:ph type="sldImg"/>
+          </p:nvPr>
+        </p:nvSpPr>
+        <p:spPr>
+          <a:xfrm>
+            <a:off x="381000" y="685800"/>
+            <a:ext cx="6096000" cy="3429000"/>
+          </a:xfrm>
+        </p:spPr>
+      </p:sp>
+      <p:sp>
+        <p:nvSpPr>
+          <p:cNvPr id="3" name="Notes Placeholder 2"/>
+          <p:cNvSpPr>
+            <a:spLocks noGrp="1"/>
+          </p:cNvSpPr>
+          <p:nvPr>
+            <p:ph type="body" idx="1"/>
+          </p:nvPr>
+        </p:nvSpPr>
+        <p:spPr/>
+        <p:txBody>
+          <a:bodyPr/>
+          <a:lstStyle/>
+          <a:p>
+            <a:r>
+              <a:rPr lang="en-US" dirty="0"/>
+              <a:t>CQRS – Command Query Responsibility Segregation which I’ll remove the nuance of it by saying its all about separating your reads from your writes. </a:t>
+            </a:r>
+          </a:p>
+          <a:p>
+            <a:r>
+              <a:rPr lang="en-US" dirty="0"/>
+              <a:t>DDD – rich domain model</a:t>
+            </a:r>
+          </a:p>
+          <a:p>
+            <a:pPr marL="457200" marR="0" lvl="0" indent="-317500" algn="l" defTabSz="914400" rtl="0" eaLnBrk="1" fontAlgn="auto" latinLnBrk="0" hangingPunct="1">
+              <a:lnSpc>
+                <a:spcPct val="100000"/>
+              </a:lnSpc>
+              <a:spcBef>
+                <a:spcPts val="0"/>
+              </a:spcBef>
+              <a:spcAft>
+                <a:spcPts val="0"/>
+              </a:spcAft>
+              <a:buClr>
+                <a:srgbClr val="000000"/>
+              </a:buClr>
+              <a:buSzPts val="1400"/>
+              <a:buFont typeface="Arial"/>
+              <a:buChar char="●"/>
+              <a:tabLst/>
+              <a:defRPr/>
+            </a:pPr>
+            <a:r>
+              <a:rPr lang="en-US" dirty="0"/>
+              <a:t>Group By Feature – some languages and frameworks are less opinionated on their structure but this follows the principle of keeping things related by feature to each other close and things unrelated to that feature far away. Things that change together belong together. I’ll dive into some .NET code that demonstrates this. </a:t>
+            </a:r>
+          </a:p>
+          <a:p>
+            <a:endParaRPr lang="en-US" dirty="0"/>
+          </a:p>
+        </p:txBody>
+      </p:sp>
+    </p:spTree>
+    <p:extLst>
+      <p:ext uri="{BB962C8B-B14F-4D97-AF65-F5344CB8AC3E}">
+        <p14:creationId xmlns:p14="http://schemas.microsoft.com/office/powerpoint/2010/main" val="4214068030"/>
+      </p:ext>
+    </p:extLst>
+  </p:cSld>
+  <p:clrMapOvr>
+    <a:masterClrMapping/>
+  </p:clrMapOvr>
+</p:notes>
+</file>
+
+<file path=ppt/notesSlides/notesSlide17.xml><?xml version="1.0" encoding="utf-8"?>
 <p:notes xmlns:a="http://schemas.openxmlformats.org/drawingml/2006/main" xmlns:r="http://schemas.openxmlformats.org/officeDocument/2006/relationships" xmlns:p="http://schemas.openxmlformats.org/presentationml/2006/main">
   <p:cSld>
     <p:spTree>
@@ -1347,7 +1616,7 @@
 </p:notes>
 </file>
 
-<file path=ppt/notesSlides/notesSlide15.xml><?xml version="1.0" encoding="utf-8"?>
+<file path=ppt/notesSlides/notesSlide18.xml><?xml version="1.0" encoding="utf-8"?>
 <p:notes xmlns:a="http://schemas.openxmlformats.org/drawingml/2006/main" xmlns:r="http://schemas.openxmlformats.org/officeDocument/2006/relationships" xmlns:p="http://schemas.openxmlformats.org/presentationml/2006/main">
   <p:cSld>
     <p:spTree>
@@ -1416,12 +1685,12 @@
 </p:notes>
 </file>
 
-<file path=ppt/notesSlides/notesSlide16.xml><?xml version="1.0" encoding="utf-8"?>
-<p:notes xmlns:a="http://schemas.openxmlformats.org/drawingml/2006/main" xmlns:r="http://schemas.openxmlformats.org/officeDocument/2006/relationships" xmlns:p="http://schemas.openxmlformats.org/presentationml/2006/main" showMasterSp="0" showMasterPhAnim="0">
+<file path=ppt/notesSlides/notesSlide19.xml><?xml version="1.0" encoding="utf-8"?>
+<p:notes xmlns:a="http://schemas.openxmlformats.org/drawingml/2006/main" xmlns:r="http://schemas.openxmlformats.org/officeDocument/2006/relationships" xmlns:p="http://schemas.openxmlformats.org/presentationml/2006/main">
   <p:cSld>
     <p:spTree>
       <p:nvGrpSpPr>
-        <p:cNvPr id="1" name="Shape 100"/>
+        <p:cNvPr id="1" name=""/>
         <p:cNvGrpSpPr/>
         <p:nvPr/>
       </p:nvGrpSpPr>
@@ -1435,12 +1704,12 @@
       </p:grpSpPr>
       <p:sp>
         <p:nvSpPr>
-          <p:cNvPr id="101" name="Google Shape;101;g35f391192_09:notes"/>
+          <p:cNvPr id="2" name="Slide Image Placeholder 1"/>
           <p:cNvSpPr>
             <a:spLocks noGrp="1" noRot="1" noChangeAspect="1"/>
           </p:cNvSpPr>
           <p:nvPr>
-            <p:ph type="sldImg" idx="2"/>
+            <p:ph type="sldImg"/>
           </p:nvPr>
         </p:nvSpPr>
         <p:spPr>
@@ -1448,393 +1717,42 @@
             <a:off x="381000" y="685800"/>
             <a:ext cx="6096000" cy="3429000"/>
           </a:xfrm>
-          <a:custGeom>
-            <a:avLst/>
-            <a:gdLst/>
-            <a:ahLst/>
-            <a:cxnLst/>
-            <a:rect l="l" t="t" r="r" b="b"/>
-            <a:pathLst>
-              <a:path w="120000" h="120000" extrusionOk="0">
-                <a:moveTo>
-                  <a:pt x="0" y="0"/>
-                </a:moveTo>
-                <a:lnTo>
-                  <a:pt x="120000" y="0"/>
-                </a:lnTo>
-                <a:lnTo>
-                  <a:pt x="120000" y="120000"/>
-                </a:lnTo>
-                <a:lnTo>
-                  <a:pt x="0" y="120000"/>
-                </a:lnTo>
-                <a:close/>
-              </a:path>
-            </a:pathLst>
-          </a:custGeom>
         </p:spPr>
       </p:sp>
       <p:sp>
         <p:nvSpPr>
-          <p:cNvPr id="102" name="Google Shape;102;g35f391192_09:notes"/>
-          <p:cNvSpPr txBox="1">
+          <p:cNvPr id="3" name="Notes Placeholder 2"/>
+          <p:cNvSpPr>
             <a:spLocks noGrp="1"/>
           </p:cNvSpPr>
           <p:nvPr>
             <p:ph type="body" idx="1"/>
           </p:nvPr>
         </p:nvSpPr>
-        <p:spPr>
-          <a:xfrm>
-            <a:off x="685800" y="4343400"/>
-            <a:ext cx="5486400" cy="4114800"/>
-          </a:xfrm>
-          <a:prstGeom prst="rect">
-            <a:avLst/>
-          </a:prstGeom>
-        </p:spPr>
+        <p:spPr/>
         <p:txBody>
-          <a:bodyPr spcFirstLastPara="1" wrap="square" lIns="91425" tIns="91425" rIns="91425" bIns="91425" anchor="t" anchorCtr="0">
-            <a:noAutofit/>
-          </a:bodyPr>
+          <a:bodyPr/>
           <a:lstStyle/>
           <a:p>
-            <a:pPr marL="0" lvl="0" indent="0" algn="l" rtl="0">
-              <a:spcBef>
-                <a:spcPts val="0"/>
-              </a:spcBef>
-              <a:spcAft>
-                <a:spcPts val="0"/>
-              </a:spcAft>
-              <a:buNone/>
-            </a:pPr>
-            <a:endParaRPr dirty="0"/>
+            <a:r>
+              <a:rPr lang="en-US" dirty="0"/>
+              <a:t>Vertical slicing is about reducing the amount of code that knows about any other code, not about entirely eliminating it.</a:t>
+            </a:r>
+          </a:p>
+          <a:p>
+            <a:r>
+              <a:rPr lang="en-US" dirty="0"/>
+              <a:t>Best example is logging.</a:t>
+            </a:r>
           </a:p>
         </p:txBody>
       </p:sp>
     </p:spTree>
     <p:extLst>
       <p:ext uri="{BB962C8B-B14F-4D97-AF65-F5344CB8AC3E}">
-        <p14:creationId xmlns:p14="http://schemas.microsoft.com/office/powerpoint/2010/main" val="2476535782"/>
+        <p14:creationId xmlns:p14="http://schemas.microsoft.com/office/powerpoint/2010/main" val="2743630360"/>
       </p:ext>
     </p:extLst>
-  </p:cSld>
-  <p:clrMapOvr>
-    <a:masterClrMapping/>
-  </p:clrMapOvr>
-</p:notes>
-</file>
-
-<file path=ppt/notesSlides/notesSlide17.xml><?xml version="1.0" encoding="utf-8"?>
-<p:notes xmlns:a="http://schemas.openxmlformats.org/drawingml/2006/main" xmlns:r="http://schemas.openxmlformats.org/officeDocument/2006/relationships" xmlns:p="http://schemas.openxmlformats.org/presentationml/2006/main" showMasterSp="0" showMasterPhAnim="0">
-  <p:cSld>
-    <p:spTree>
-      <p:nvGrpSpPr>
-        <p:cNvPr id="1" name="Shape 172"/>
-        <p:cNvGrpSpPr/>
-        <p:nvPr/>
-      </p:nvGrpSpPr>
-      <p:grpSpPr>
-        <a:xfrm>
-          <a:off x="0" y="0"/>
-          <a:ext cx="0" cy="0"/>
-          <a:chOff x="0" y="0"/>
-          <a:chExt cx="0" cy="0"/>
-        </a:xfrm>
-      </p:grpSpPr>
-      <p:sp>
-        <p:nvSpPr>
-          <p:cNvPr id="173" name="Google Shape;173;gfda085fb6_582_0:notes"/>
-          <p:cNvSpPr>
-            <a:spLocks noGrp="1" noRot="1" noChangeAspect="1"/>
-          </p:cNvSpPr>
-          <p:nvPr>
-            <p:ph type="sldImg" idx="2"/>
-          </p:nvPr>
-        </p:nvSpPr>
-        <p:spPr>
-          <a:xfrm>
-            <a:off x="381000" y="685800"/>
-            <a:ext cx="6096000" cy="3429000"/>
-          </a:xfrm>
-          <a:custGeom>
-            <a:avLst/>
-            <a:gdLst/>
-            <a:ahLst/>
-            <a:cxnLst/>
-            <a:rect l="l" t="t" r="r" b="b"/>
-            <a:pathLst>
-              <a:path w="120000" h="120000" extrusionOk="0">
-                <a:moveTo>
-                  <a:pt x="0" y="0"/>
-                </a:moveTo>
-                <a:lnTo>
-                  <a:pt x="120000" y="0"/>
-                </a:lnTo>
-                <a:lnTo>
-                  <a:pt x="120000" y="120000"/>
-                </a:lnTo>
-                <a:lnTo>
-                  <a:pt x="0" y="120000"/>
-                </a:lnTo>
-                <a:close/>
-              </a:path>
-            </a:pathLst>
-          </a:custGeom>
-        </p:spPr>
-      </p:sp>
-      <p:sp>
-        <p:nvSpPr>
-          <p:cNvPr id="174" name="Google Shape;174;gfda085fb6_582_0:notes"/>
-          <p:cNvSpPr txBox="1">
-            <a:spLocks noGrp="1"/>
-          </p:cNvSpPr>
-          <p:nvPr>
-            <p:ph type="body" idx="1"/>
-          </p:nvPr>
-        </p:nvSpPr>
-        <p:spPr>
-          <a:xfrm>
-            <a:off x="685800" y="4343400"/>
-            <a:ext cx="5486400" cy="4114800"/>
-          </a:xfrm>
-          <a:prstGeom prst="rect">
-            <a:avLst/>
-          </a:prstGeom>
-        </p:spPr>
-        <p:txBody>
-          <a:bodyPr spcFirstLastPara="1" wrap="square" lIns="91425" tIns="91425" rIns="91425" bIns="91425" anchor="t" anchorCtr="0">
-            <a:noAutofit/>
-          </a:bodyPr>
-          <a:lstStyle/>
-          <a:p>
-            <a:pPr marL="0" lvl="0" indent="0" algn="l" rtl="0">
-              <a:spcBef>
-                <a:spcPts val="0"/>
-              </a:spcBef>
-              <a:spcAft>
-                <a:spcPts val="0"/>
-              </a:spcAft>
-              <a:buNone/>
-            </a:pPr>
-            <a:endParaRPr dirty="0"/>
-          </a:p>
-        </p:txBody>
-      </p:sp>
-    </p:spTree>
-  </p:cSld>
-  <p:clrMapOvr>
-    <a:masterClrMapping/>
-  </p:clrMapOvr>
-</p:notes>
-</file>
-
-<file path=ppt/notesSlides/notesSlide18.xml><?xml version="1.0" encoding="utf-8"?>
-<p:notes xmlns:a="http://schemas.openxmlformats.org/drawingml/2006/main" xmlns:r="http://schemas.openxmlformats.org/officeDocument/2006/relationships" xmlns:p="http://schemas.openxmlformats.org/presentationml/2006/main" showMasterSp="0" showMasterPhAnim="0">
-  <p:cSld>
-    <p:spTree>
-      <p:nvGrpSpPr>
-        <p:cNvPr id="1" name="Shape 93"/>
-        <p:cNvGrpSpPr/>
-        <p:nvPr/>
-      </p:nvGrpSpPr>
-      <p:grpSpPr>
-        <a:xfrm>
-          <a:off x="0" y="0"/>
-          <a:ext cx="0" cy="0"/>
-          <a:chOff x="0" y="0"/>
-          <a:chExt cx="0" cy="0"/>
-        </a:xfrm>
-      </p:grpSpPr>
-      <p:sp>
-        <p:nvSpPr>
-          <p:cNvPr id="94" name="Google Shape;94;g35f391192_029:notes"/>
-          <p:cNvSpPr>
-            <a:spLocks noGrp="1" noRot="1" noChangeAspect="1"/>
-          </p:cNvSpPr>
-          <p:nvPr>
-            <p:ph type="sldImg" idx="2"/>
-          </p:nvPr>
-        </p:nvSpPr>
-        <p:spPr>
-          <a:xfrm>
-            <a:off x="381000" y="685800"/>
-            <a:ext cx="6096000" cy="3429000"/>
-          </a:xfrm>
-          <a:custGeom>
-            <a:avLst/>
-            <a:gdLst/>
-            <a:ahLst/>
-            <a:cxnLst/>
-            <a:rect l="l" t="t" r="r" b="b"/>
-            <a:pathLst>
-              <a:path w="120000" h="120000" extrusionOk="0">
-                <a:moveTo>
-                  <a:pt x="0" y="0"/>
-                </a:moveTo>
-                <a:lnTo>
-                  <a:pt x="120000" y="0"/>
-                </a:lnTo>
-                <a:lnTo>
-                  <a:pt x="120000" y="120000"/>
-                </a:lnTo>
-                <a:lnTo>
-                  <a:pt x="0" y="120000"/>
-                </a:lnTo>
-                <a:close/>
-              </a:path>
-            </a:pathLst>
-          </a:custGeom>
-        </p:spPr>
-      </p:sp>
-      <p:sp>
-        <p:nvSpPr>
-          <p:cNvPr id="95" name="Google Shape;95;g35f391192_029:notes"/>
-          <p:cNvSpPr txBox="1">
-            <a:spLocks noGrp="1"/>
-          </p:cNvSpPr>
-          <p:nvPr>
-            <p:ph type="body" idx="1"/>
-          </p:nvPr>
-        </p:nvSpPr>
-        <p:spPr>
-          <a:xfrm>
-            <a:off x="685800" y="4343400"/>
-            <a:ext cx="5486400" cy="4114800"/>
-          </a:xfrm>
-          <a:prstGeom prst="rect">
-            <a:avLst/>
-          </a:prstGeom>
-        </p:spPr>
-        <p:txBody>
-          <a:bodyPr spcFirstLastPara="1" wrap="square" lIns="91425" tIns="91425" rIns="91425" bIns="91425" anchor="t" anchorCtr="0">
-            <a:noAutofit/>
-          </a:bodyPr>
-          <a:lstStyle/>
-          <a:p>
-            <a:pPr marL="0" lvl="0" indent="0" algn="l" rtl="0">
-              <a:spcBef>
-                <a:spcPts val="0"/>
-              </a:spcBef>
-              <a:spcAft>
-                <a:spcPts val="0"/>
-              </a:spcAft>
-              <a:buNone/>
-            </a:pPr>
-            <a:endParaRPr/>
-          </a:p>
-        </p:txBody>
-      </p:sp>
-    </p:spTree>
-    <p:extLst>
-      <p:ext uri="{BB962C8B-B14F-4D97-AF65-F5344CB8AC3E}">
-        <p14:creationId xmlns:p14="http://schemas.microsoft.com/office/powerpoint/2010/main" val="964482437"/>
-      </p:ext>
-    </p:extLst>
-  </p:cSld>
-  <p:clrMapOvr>
-    <a:masterClrMapping/>
-  </p:clrMapOvr>
-</p:notes>
-</file>
-
-<file path=ppt/notesSlides/notesSlide19.xml><?xml version="1.0" encoding="utf-8"?>
-<p:notes xmlns:a="http://schemas.openxmlformats.org/drawingml/2006/main" xmlns:r="http://schemas.openxmlformats.org/officeDocument/2006/relationships" xmlns:p="http://schemas.openxmlformats.org/presentationml/2006/main" showMasterSp="0" showMasterPhAnim="0">
-  <p:cSld>
-    <p:spTree>
-      <p:nvGrpSpPr>
-        <p:cNvPr id="1" name="Shape 106"/>
-        <p:cNvGrpSpPr/>
-        <p:nvPr/>
-      </p:nvGrpSpPr>
-      <p:grpSpPr>
-        <a:xfrm>
-          <a:off x="0" y="0"/>
-          <a:ext cx="0" cy="0"/>
-          <a:chOff x="0" y="0"/>
-          <a:chExt cx="0" cy="0"/>
-        </a:xfrm>
-      </p:grpSpPr>
-      <p:sp>
-        <p:nvSpPr>
-          <p:cNvPr id="107" name="Google Shape;107;p:notes"/>
-          <p:cNvSpPr>
-            <a:spLocks noGrp="1" noRot="1" noChangeAspect="1"/>
-          </p:cNvSpPr>
-          <p:nvPr>
-            <p:ph type="sldImg" idx="2"/>
-          </p:nvPr>
-        </p:nvSpPr>
-        <p:spPr>
-          <a:xfrm>
-            <a:off x="381000" y="685800"/>
-            <a:ext cx="6096000" cy="3429000"/>
-          </a:xfrm>
-          <a:custGeom>
-            <a:avLst/>
-            <a:gdLst/>
-            <a:ahLst/>
-            <a:cxnLst/>
-            <a:rect l="l" t="t" r="r" b="b"/>
-            <a:pathLst>
-              <a:path w="120000" h="120000" extrusionOk="0">
-                <a:moveTo>
-                  <a:pt x="0" y="0"/>
-                </a:moveTo>
-                <a:lnTo>
-                  <a:pt x="120000" y="0"/>
-                </a:lnTo>
-                <a:lnTo>
-                  <a:pt x="120000" y="120000"/>
-                </a:lnTo>
-                <a:lnTo>
-                  <a:pt x="0" y="120000"/>
-                </a:lnTo>
-                <a:close/>
-              </a:path>
-            </a:pathLst>
-          </a:custGeom>
-        </p:spPr>
-      </p:sp>
-      <p:sp>
-        <p:nvSpPr>
-          <p:cNvPr id="108" name="Google Shape;108;p:notes"/>
-          <p:cNvSpPr txBox="1">
-            <a:spLocks noGrp="1"/>
-          </p:cNvSpPr>
-          <p:nvPr>
-            <p:ph type="body" idx="1"/>
-          </p:nvPr>
-        </p:nvSpPr>
-        <p:spPr>
-          <a:xfrm>
-            <a:off x="685800" y="4343400"/>
-            <a:ext cx="5486400" cy="4114800"/>
-          </a:xfrm>
-          <a:prstGeom prst="rect">
-            <a:avLst/>
-          </a:prstGeom>
-        </p:spPr>
-        <p:txBody>
-          <a:bodyPr spcFirstLastPara="1" wrap="square" lIns="91425" tIns="91425" rIns="91425" bIns="91425" anchor="t" anchorCtr="0">
-            <a:noAutofit/>
-          </a:bodyPr>
-          <a:lstStyle/>
-          <a:p>
-            <a:pPr marL="0" lvl="0" indent="0" algn="l" rtl="0">
-              <a:spcBef>
-                <a:spcPts val="0"/>
-              </a:spcBef>
-              <a:spcAft>
-                <a:spcPts val="0"/>
-              </a:spcAft>
-              <a:buNone/>
-            </a:pPr>
-            <a:endParaRPr dirty="0"/>
-          </a:p>
-        </p:txBody>
-      </p:sp>
-    </p:spTree>
   </p:cSld>
   <p:clrMapOvr>
     <a:masterClrMapping/>
@@ -1951,6 +1869,541 @@
   <p:cSld>
     <p:spTree>
       <p:nvGrpSpPr>
+        <p:cNvPr id="1" name="Shape 100"/>
+        <p:cNvGrpSpPr/>
+        <p:nvPr/>
+      </p:nvGrpSpPr>
+      <p:grpSpPr>
+        <a:xfrm>
+          <a:off x="0" y="0"/>
+          <a:ext cx="0" cy="0"/>
+          <a:chOff x="0" y="0"/>
+          <a:chExt cx="0" cy="0"/>
+        </a:xfrm>
+      </p:grpSpPr>
+      <p:sp>
+        <p:nvSpPr>
+          <p:cNvPr id="101" name="Google Shape;101;g35f391192_09:notes"/>
+          <p:cNvSpPr>
+            <a:spLocks noGrp="1" noRot="1" noChangeAspect="1"/>
+          </p:cNvSpPr>
+          <p:nvPr>
+            <p:ph type="sldImg" idx="2"/>
+          </p:nvPr>
+        </p:nvSpPr>
+        <p:spPr>
+          <a:xfrm>
+            <a:off x="381000" y="685800"/>
+            <a:ext cx="6096000" cy="3429000"/>
+          </a:xfrm>
+          <a:custGeom>
+            <a:avLst/>
+            <a:gdLst/>
+            <a:ahLst/>
+            <a:cxnLst/>
+            <a:rect l="l" t="t" r="r" b="b"/>
+            <a:pathLst>
+              <a:path w="120000" h="120000" extrusionOk="0">
+                <a:moveTo>
+                  <a:pt x="0" y="0"/>
+                </a:moveTo>
+                <a:lnTo>
+                  <a:pt x="120000" y="0"/>
+                </a:lnTo>
+                <a:lnTo>
+                  <a:pt x="120000" y="120000"/>
+                </a:lnTo>
+                <a:lnTo>
+                  <a:pt x="0" y="120000"/>
+                </a:lnTo>
+                <a:close/>
+              </a:path>
+            </a:pathLst>
+          </a:custGeom>
+        </p:spPr>
+      </p:sp>
+      <p:sp>
+        <p:nvSpPr>
+          <p:cNvPr id="102" name="Google Shape;102;g35f391192_09:notes"/>
+          <p:cNvSpPr txBox="1">
+            <a:spLocks noGrp="1"/>
+          </p:cNvSpPr>
+          <p:nvPr>
+            <p:ph type="body" idx="1"/>
+          </p:nvPr>
+        </p:nvSpPr>
+        <p:spPr>
+          <a:xfrm>
+            <a:off x="685800" y="4343400"/>
+            <a:ext cx="5486400" cy="4114800"/>
+          </a:xfrm>
+          <a:prstGeom prst="rect">
+            <a:avLst/>
+          </a:prstGeom>
+        </p:spPr>
+        <p:txBody>
+          <a:bodyPr spcFirstLastPara="1" wrap="square" lIns="91425" tIns="91425" rIns="91425" bIns="91425" anchor="t" anchorCtr="0">
+            <a:noAutofit/>
+          </a:bodyPr>
+          <a:lstStyle/>
+          <a:p>
+            <a:pPr marL="0" lvl="0" indent="0" algn="l" rtl="0">
+              <a:spcBef>
+                <a:spcPts val="0"/>
+              </a:spcBef>
+              <a:spcAft>
+                <a:spcPts val="0"/>
+              </a:spcAft>
+              <a:buNone/>
+            </a:pPr>
+            <a:endParaRPr dirty="0"/>
+          </a:p>
+        </p:txBody>
+      </p:sp>
+    </p:spTree>
+    <p:extLst>
+      <p:ext uri="{BB962C8B-B14F-4D97-AF65-F5344CB8AC3E}">
+        <p14:creationId xmlns:p14="http://schemas.microsoft.com/office/powerpoint/2010/main" val="2476535782"/>
+      </p:ext>
+    </p:extLst>
+  </p:cSld>
+  <p:clrMapOvr>
+    <a:masterClrMapping/>
+  </p:clrMapOvr>
+</p:notes>
+</file>
+
+<file path=ppt/notesSlides/notesSlide21.xml><?xml version="1.0" encoding="utf-8"?>
+<p:notes xmlns:a="http://schemas.openxmlformats.org/drawingml/2006/main" xmlns:r="http://schemas.openxmlformats.org/officeDocument/2006/relationships" xmlns:p="http://schemas.openxmlformats.org/presentationml/2006/main" showMasterSp="0" showMasterPhAnim="0">
+  <p:cSld>
+    <p:spTree>
+      <p:nvGrpSpPr>
+        <p:cNvPr id="1" name="Shape 172"/>
+        <p:cNvGrpSpPr/>
+        <p:nvPr/>
+      </p:nvGrpSpPr>
+      <p:grpSpPr>
+        <a:xfrm>
+          <a:off x="0" y="0"/>
+          <a:ext cx="0" cy="0"/>
+          <a:chOff x="0" y="0"/>
+          <a:chExt cx="0" cy="0"/>
+        </a:xfrm>
+      </p:grpSpPr>
+      <p:sp>
+        <p:nvSpPr>
+          <p:cNvPr id="173" name="Google Shape;173;gfda085fb6_582_0:notes"/>
+          <p:cNvSpPr>
+            <a:spLocks noGrp="1" noRot="1" noChangeAspect="1"/>
+          </p:cNvSpPr>
+          <p:nvPr>
+            <p:ph type="sldImg" idx="2"/>
+          </p:nvPr>
+        </p:nvSpPr>
+        <p:spPr>
+          <a:xfrm>
+            <a:off x="381000" y="685800"/>
+            <a:ext cx="6096000" cy="3429000"/>
+          </a:xfrm>
+          <a:custGeom>
+            <a:avLst/>
+            <a:gdLst/>
+            <a:ahLst/>
+            <a:cxnLst/>
+            <a:rect l="l" t="t" r="r" b="b"/>
+            <a:pathLst>
+              <a:path w="120000" h="120000" extrusionOk="0">
+                <a:moveTo>
+                  <a:pt x="0" y="0"/>
+                </a:moveTo>
+                <a:lnTo>
+                  <a:pt x="120000" y="0"/>
+                </a:lnTo>
+                <a:lnTo>
+                  <a:pt x="120000" y="120000"/>
+                </a:lnTo>
+                <a:lnTo>
+                  <a:pt x="0" y="120000"/>
+                </a:lnTo>
+                <a:close/>
+              </a:path>
+            </a:pathLst>
+          </a:custGeom>
+        </p:spPr>
+      </p:sp>
+      <p:sp>
+        <p:nvSpPr>
+          <p:cNvPr id="174" name="Google Shape;174;gfda085fb6_582_0:notes"/>
+          <p:cNvSpPr txBox="1">
+            <a:spLocks noGrp="1"/>
+          </p:cNvSpPr>
+          <p:nvPr>
+            <p:ph type="body" idx="1"/>
+          </p:nvPr>
+        </p:nvSpPr>
+        <p:spPr>
+          <a:xfrm>
+            <a:off x="685800" y="4343400"/>
+            <a:ext cx="5486400" cy="4114800"/>
+          </a:xfrm>
+          <a:prstGeom prst="rect">
+            <a:avLst/>
+          </a:prstGeom>
+        </p:spPr>
+        <p:txBody>
+          <a:bodyPr spcFirstLastPara="1" wrap="square" lIns="91425" tIns="91425" rIns="91425" bIns="91425" anchor="t" anchorCtr="0">
+            <a:noAutofit/>
+          </a:bodyPr>
+          <a:lstStyle/>
+          <a:p>
+            <a:pPr marL="0" lvl="0" indent="0" algn="l" rtl="0">
+              <a:spcBef>
+                <a:spcPts val="0"/>
+              </a:spcBef>
+              <a:spcAft>
+                <a:spcPts val="0"/>
+              </a:spcAft>
+              <a:buNone/>
+            </a:pPr>
+            <a:endParaRPr dirty="0"/>
+          </a:p>
+        </p:txBody>
+      </p:sp>
+    </p:spTree>
+  </p:cSld>
+  <p:clrMapOvr>
+    <a:masterClrMapping/>
+  </p:clrMapOvr>
+</p:notes>
+</file>
+
+<file path=ppt/notesSlides/notesSlide22.xml><?xml version="1.0" encoding="utf-8"?>
+<p:notes xmlns:a="http://schemas.openxmlformats.org/drawingml/2006/main" xmlns:r="http://schemas.openxmlformats.org/officeDocument/2006/relationships" xmlns:p="http://schemas.openxmlformats.org/presentationml/2006/main" showMasterSp="0" showMasterPhAnim="0">
+  <p:cSld>
+    <p:spTree>
+      <p:nvGrpSpPr>
+        <p:cNvPr id="1" name="Shape 93"/>
+        <p:cNvGrpSpPr/>
+        <p:nvPr/>
+      </p:nvGrpSpPr>
+      <p:grpSpPr>
+        <a:xfrm>
+          <a:off x="0" y="0"/>
+          <a:ext cx="0" cy="0"/>
+          <a:chOff x="0" y="0"/>
+          <a:chExt cx="0" cy="0"/>
+        </a:xfrm>
+      </p:grpSpPr>
+      <p:sp>
+        <p:nvSpPr>
+          <p:cNvPr id="94" name="Google Shape;94;g35f391192_029:notes"/>
+          <p:cNvSpPr>
+            <a:spLocks noGrp="1" noRot="1" noChangeAspect="1"/>
+          </p:cNvSpPr>
+          <p:nvPr>
+            <p:ph type="sldImg" idx="2"/>
+          </p:nvPr>
+        </p:nvSpPr>
+        <p:spPr>
+          <a:xfrm>
+            <a:off x="381000" y="685800"/>
+            <a:ext cx="6096000" cy="3429000"/>
+          </a:xfrm>
+          <a:custGeom>
+            <a:avLst/>
+            <a:gdLst/>
+            <a:ahLst/>
+            <a:cxnLst/>
+            <a:rect l="l" t="t" r="r" b="b"/>
+            <a:pathLst>
+              <a:path w="120000" h="120000" extrusionOk="0">
+                <a:moveTo>
+                  <a:pt x="0" y="0"/>
+                </a:moveTo>
+                <a:lnTo>
+                  <a:pt x="120000" y="0"/>
+                </a:lnTo>
+                <a:lnTo>
+                  <a:pt x="120000" y="120000"/>
+                </a:lnTo>
+                <a:lnTo>
+                  <a:pt x="0" y="120000"/>
+                </a:lnTo>
+                <a:close/>
+              </a:path>
+            </a:pathLst>
+          </a:custGeom>
+        </p:spPr>
+      </p:sp>
+      <p:sp>
+        <p:nvSpPr>
+          <p:cNvPr id="95" name="Google Shape;95;g35f391192_029:notes"/>
+          <p:cNvSpPr txBox="1">
+            <a:spLocks noGrp="1"/>
+          </p:cNvSpPr>
+          <p:nvPr>
+            <p:ph type="body" idx="1"/>
+          </p:nvPr>
+        </p:nvSpPr>
+        <p:spPr>
+          <a:xfrm>
+            <a:off x="685800" y="4343400"/>
+            <a:ext cx="5486400" cy="4114800"/>
+          </a:xfrm>
+          <a:prstGeom prst="rect">
+            <a:avLst/>
+          </a:prstGeom>
+        </p:spPr>
+        <p:txBody>
+          <a:bodyPr spcFirstLastPara="1" wrap="square" lIns="91425" tIns="91425" rIns="91425" bIns="91425" anchor="t" anchorCtr="0">
+            <a:noAutofit/>
+          </a:bodyPr>
+          <a:lstStyle/>
+          <a:p>
+            <a:pPr marL="0" lvl="0" indent="0" algn="l" rtl="0">
+              <a:spcBef>
+                <a:spcPts val="0"/>
+              </a:spcBef>
+              <a:spcAft>
+                <a:spcPts val="0"/>
+              </a:spcAft>
+              <a:buNone/>
+            </a:pPr>
+            <a:endParaRPr dirty="0"/>
+          </a:p>
+        </p:txBody>
+      </p:sp>
+    </p:spTree>
+    <p:extLst>
+      <p:ext uri="{BB962C8B-B14F-4D97-AF65-F5344CB8AC3E}">
+        <p14:creationId xmlns:p14="http://schemas.microsoft.com/office/powerpoint/2010/main" val="3861676531"/>
+      </p:ext>
+    </p:extLst>
+  </p:cSld>
+  <p:clrMapOvr>
+    <a:masterClrMapping/>
+  </p:clrMapOvr>
+</p:notes>
+</file>
+
+<file path=ppt/notesSlides/notesSlide23.xml><?xml version="1.0" encoding="utf-8"?>
+<p:notes xmlns:a="http://schemas.openxmlformats.org/drawingml/2006/main" xmlns:r="http://schemas.openxmlformats.org/officeDocument/2006/relationships" xmlns:p="http://schemas.openxmlformats.org/presentationml/2006/main" showMasterSp="0" showMasterPhAnim="0">
+  <p:cSld>
+    <p:spTree>
+      <p:nvGrpSpPr>
+        <p:cNvPr id="1" name="Shape 93"/>
+        <p:cNvGrpSpPr/>
+        <p:nvPr/>
+      </p:nvGrpSpPr>
+      <p:grpSpPr>
+        <a:xfrm>
+          <a:off x="0" y="0"/>
+          <a:ext cx="0" cy="0"/>
+          <a:chOff x="0" y="0"/>
+          <a:chExt cx="0" cy="0"/>
+        </a:xfrm>
+      </p:grpSpPr>
+      <p:sp>
+        <p:nvSpPr>
+          <p:cNvPr id="94" name="Google Shape;94;g35f391192_029:notes"/>
+          <p:cNvSpPr>
+            <a:spLocks noGrp="1" noRot="1" noChangeAspect="1"/>
+          </p:cNvSpPr>
+          <p:nvPr>
+            <p:ph type="sldImg" idx="2"/>
+          </p:nvPr>
+        </p:nvSpPr>
+        <p:spPr>
+          <a:xfrm>
+            <a:off x="381000" y="685800"/>
+            <a:ext cx="6096000" cy="3429000"/>
+          </a:xfrm>
+          <a:custGeom>
+            <a:avLst/>
+            <a:gdLst/>
+            <a:ahLst/>
+            <a:cxnLst/>
+            <a:rect l="l" t="t" r="r" b="b"/>
+            <a:pathLst>
+              <a:path w="120000" h="120000" extrusionOk="0">
+                <a:moveTo>
+                  <a:pt x="0" y="0"/>
+                </a:moveTo>
+                <a:lnTo>
+                  <a:pt x="120000" y="0"/>
+                </a:lnTo>
+                <a:lnTo>
+                  <a:pt x="120000" y="120000"/>
+                </a:lnTo>
+                <a:lnTo>
+                  <a:pt x="0" y="120000"/>
+                </a:lnTo>
+                <a:close/>
+              </a:path>
+            </a:pathLst>
+          </a:custGeom>
+        </p:spPr>
+      </p:sp>
+      <p:sp>
+        <p:nvSpPr>
+          <p:cNvPr id="95" name="Google Shape;95;g35f391192_029:notes"/>
+          <p:cNvSpPr txBox="1">
+            <a:spLocks noGrp="1"/>
+          </p:cNvSpPr>
+          <p:nvPr>
+            <p:ph type="body" idx="1"/>
+          </p:nvPr>
+        </p:nvSpPr>
+        <p:spPr>
+          <a:xfrm>
+            <a:off x="685800" y="4343400"/>
+            <a:ext cx="5486400" cy="4114800"/>
+          </a:xfrm>
+          <a:prstGeom prst="rect">
+            <a:avLst/>
+          </a:prstGeom>
+        </p:spPr>
+        <p:txBody>
+          <a:bodyPr spcFirstLastPara="1" wrap="square" lIns="91425" tIns="91425" rIns="91425" bIns="91425" anchor="t" anchorCtr="0">
+            <a:noAutofit/>
+          </a:bodyPr>
+          <a:lstStyle/>
+          <a:p>
+            <a:pPr marL="0" lvl="0" indent="0" algn="l" rtl="0">
+              <a:spcBef>
+                <a:spcPts val="0"/>
+              </a:spcBef>
+              <a:spcAft>
+                <a:spcPts val="0"/>
+              </a:spcAft>
+              <a:buNone/>
+            </a:pPr>
+            <a:endParaRPr/>
+          </a:p>
+        </p:txBody>
+      </p:sp>
+    </p:spTree>
+    <p:extLst>
+      <p:ext uri="{BB962C8B-B14F-4D97-AF65-F5344CB8AC3E}">
+        <p14:creationId xmlns:p14="http://schemas.microsoft.com/office/powerpoint/2010/main" val="964482437"/>
+      </p:ext>
+    </p:extLst>
+  </p:cSld>
+  <p:clrMapOvr>
+    <a:masterClrMapping/>
+  </p:clrMapOvr>
+</p:notes>
+</file>
+
+<file path=ppt/notesSlides/notesSlide24.xml><?xml version="1.0" encoding="utf-8"?>
+<p:notes xmlns:a="http://schemas.openxmlformats.org/drawingml/2006/main" xmlns:r="http://schemas.openxmlformats.org/officeDocument/2006/relationships" xmlns:p="http://schemas.openxmlformats.org/presentationml/2006/main" showMasterSp="0" showMasterPhAnim="0">
+  <p:cSld>
+    <p:spTree>
+      <p:nvGrpSpPr>
+        <p:cNvPr id="1" name="Shape 106"/>
+        <p:cNvGrpSpPr/>
+        <p:nvPr/>
+      </p:nvGrpSpPr>
+      <p:grpSpPr>
+        <a:xfrm>
+          <a:off x="0" y="0"/>
+          <a:ext cx="0" cy="0"/>
+          <a:chOff x="0" y="0"/>
+          <a:chExt cx="0" cy="0"/>
+        </a:xfrm>
+      </p:grpSpPr>
+      <p:sp>
+        <p:nvSpPr>
+          <p:cNvPr id="107" name="Google Shape;107;p:notes"/>
+          <p:cNvSpPr>
+            <a:spLocks noGrp="1" noRot="1" noChangeAspect="1"/>
+          </p:cNvSpPr>
+          <p:nvPr>
+            <p:ph type="sldImg" idx="2"/>
+          </p:nvPr>
+        </p:nvSpPr>
+        <p:spPr>
+          <a:xfrm>
+            <a:off x="381000" y="685800"/>
+            <a:ext cx="6096000" cy="3429000"/>
+          </a:xfrm>
+          <a:custGeom>
+            <a:avLst/>
+            <a:gdLst/>
+            <a:ahLst/>
+            <a:cxnLst/>
+            <a:rect l="l" t="t" r="r" b="b"/>
+            <a:pathLst>
+              <a:path w="120000" h="120000" extrusionOk="0">
+                <a:moveTo>
+                  <a:pt x="0" y="0"/>
+                </a:moveTo>
+                <a:lnTo>
+                  <a:pt x="120000" y="0"/>
+                </a:lnTo>
+                <a:lnTo>
+                  <a:pt x="120000" y="120000"/>
+                </a:lnTo>
+                <a:lnTo>
+                  <a:pt x="0" y="120000"/>
+                </a:lnTo>
+                <a:close/>
+              </a:path>
+            </a:pathLst>
+          </a:custGeom>
+        </p:spPr>
+      </p:sp>
+      <p:sp>
+        <p:nvSpPr>
+          <p:cNvPr id="108" name="Google Shape;108;p:notes"/>
+          <p:cNvSpPr txBox="1">
+            <a:spLocks noGrp="1"/>
+          </p:cNvSpPr>
+          <p:nvPr>
+            <p:ph type="body" idx="1"/>
+          </p:nvPr>
+        </p:nvSpPr>
+        <p:spPr>
+          <a:xfrm>
+            <a:off x="685800" y="4343400"/>
+            <a:ext cx="5486400" cy="4114800"/>
+          </a:xfrm>
+          <a:prstGeom prst="rect">
+            <a:avLst/>
+          </a:prstGeom>
+        </p:spPr>
+        <p:txBody>
+          <a:bodyPr spcFirstLastPara="1" wrap="square" lIns="91425" tIns="91425" rIns="91425" bIns="91425" anchor="t" anchorCtr="0">
+            <a:noAutofit/>
+          </a:bodyPr>
+          <a:lstStyle/>
+          <a:p>
+            <a:pPr marL="0" lvl="0" indent="0" algn="l" rtl="0">
+              <a:spcBef>
+                <a:spcPts val="0"/>
+              </a:spcBef>
+              <a:spcAft>
+                <a:spcPts val="0"/>
+              </a:spcAft>
+              <a:buNone/>
+            </a:pPr>
+            <a:endParaRPr dirty="0"/>
+          </a:p>
+        </p:txBody>
+      </p:sp>
+    </p:spTree>
+  </p:cSld>
+  <p:clrMapOvr>
+    <a:masterClrMapping/>
+  </p:clrMapOvr>
+</p:notes>
+</file>
+
+<file path=ppt/notesSlides/notesSlide25.xml><?xml version="1.0" encoding="utf-8"?>
+<p:notes xmlns:a="http://schemas.openxmlformats.org/drawingml/2006/main" xmlns:r="http://schemas.openxmlformats.org/officeDocument/2006/relationships" xmlns:p="http://schemas.openxmlformats.org/presentationml/2006/main" showMasterSp="0" showMasterPhAnim="0">
+  <p:cSld>
+    <p:spTree>
+      <p:nvGrpSpPr>
         <p:cNvPr id="1" name="Shape 399"/>
         <p:cNvGrpSpPr/>
         <p:nvPr/>
@@ -2038,7 +2491,7 @@
               </a:spcAft>
               <a:buNone/>
             </a:pPr>
-            <a:endParaRPr/>
+            <a:endParaRPr dirty="0"/>
           </a:p>
         </p:txBody>
       </p:sp>
@@ -8393,7 +8846,7 @@
                             </p:stCondLst>
                             <p:childTnLst>
                               <p:par>
-                                <p:cTn id="5" presetID="1" presetClass="entr" presetSubtype="0" fill="hold" nodeType="clickEffect">
+                                <p:cTn id="5" presetID="10" presetClass="entr" presetSubtype="0" fill="hold" nodeType="clickEffect">
                                   <p:stCondLst>
                                     <p:cond delay="0"/>
                                   </p:stCondLst>
@@ -8420,6 +8873,18 @@
                                         <p:strVal val="visible"/>
                                       </p:to>
                                     </p:set>
+                                    <p:animEffect transition="in" filter="fade">
+                                      <p:cBhvr>
+                                        <p:cTn id="7" dur="500"/>
+                                        <p:tgtEl>
+                                          <p:spTgt spid="76">
+                                            <p:txEl>
+                                              <p:pRg st="0" end="0"/>
+                                            </p:txEl>
+                                          </p:spTgt>
+                                        </p:tgtEl>
+                                      </p:cBhvr>
+                                    </p:animEffect>
                                   </p:childTnLst>
                                 </p:cTn>
                               </p:par>
@@ -8430,26 +8895,26 @@
                     </p:cTn>
                   </p:par>
                   <p:par>
-                    <p:cTn id="7" fill="hold">
+                    <p:cTn id="8" fill="hold">
                       <p:stCondLst>
                         <p:cond delay="indefinite"/>
                       </p:stCondLst>
                       <p:childTnLst>
                         <p:par>
-                          <p:cTn id="8" fill="hold">
+                          <p:cTn id="9" fill="hold">
                             <p:stCondLst>
                               <p:cond delay="0"/>
                             </p:stCondLst>
                             <p:childTnLst>
                               <p:par>
-                                <p:cTn id="9" presetID="1" presetClass="entr" presetSubtype="0" fill="hold" nodeType="clickEffect">
+                                <p:cTn id="10" presetID="10" presetClass="entr" presetSubtype="0" fill="hold" nodeType="clickEffect">
                                   <p:stCondLst>
                                     <p:cond delay="0"/>
                                   </p:stCondLst>
                                   <p:childTnLst>
                                     <p:set>
                                       <p:cBhvr>
-                                        <p:cTn id="10" dur="1" fill="hold">
+                                        <p:cTn id="11" dur="1" fill="hold">
                                           <p:stCondLst>
                                             <p:cond delay="0"/>
                                           </p:stCondLst>
@@ -8469,6 +8934,18 @@
                                         <p:strVal val="visible"/>
                                       </p:to>
                                     </p:set>
+                                    <p:animEffect transition="in" filter="fade">
+                                      <p:cBhvr>
+                                        <p:cTn id="12" dur="500"/>
+                                        <p:tgtEl>
+                                          <p:spTgt spid="76">
+                                            <p:txEl>
+                                              <p:pRg st="1" end="1"/>
+                                            </p:txEl>
+                                          </p:spTgt>
+                                        </p:tgtEl>
+                                      </p:cBhvr>
+                                    </p:animEffect>
                                   </p:childTnLst>
                                 </p:cTn>
                               </p:par>
@@ -8479,26 +8956,26 @@
                     </p:cTn>
                   </p:par>
                   <p:par>
-                    <p:cTn id="11" fill="hold">
+                    <p:cTn id="13" fill="hold">
                       <p:stCondLst>
                         <p:cond delay="indefinite"/>
                       </p:stCondLst>
                       <p:childTnLst>
                         <p:par>
-                          <p:cTn id="12" fill="hold">
+                          <p:cTn id="14" fill="hold">
                             <p:stCondLst>
                               <p:cond delay="0"/>
                             </p:stCondLst>
                             <p:childTnLst>
                               <p:par>
-                                <p:cTn id="13" presetID="1" presetClass="entr" presetSubtype="0" fill="hold" nodeType="clickEffect">
+                                <p:cTn id="15" presetID="10" presetClass="entr" presetSubtype="0" fill="hold" nodeType="clickEffect">
                                   <p:stCondLst>
                                     <p:cond delay="0"/>
                                   </p:stCondLst>
                                   <p:childTnLst>
                                     <p:set>
                                       <p:cBhvr>
-                                        <p:cTn id="14" dur="1" fill="hold">
+                                        <p:cTn id="16" dur="1" fill="hold">
                                           <p:stCondLst>
                                             <p:cond delay="0"/>
                                           </p:stCondLst>
@@ -8518,6 +8995,18 @@
                                         <p:strVal val="visible"/>
                                       </p:to>
                                     </p:set>
+                                    <p:animEffect transition="in" filter="fade">
+                                      <p:cBhvr>
+                                        <p:cTn id="17" dur="500"/>
+                                        <p:tgtEl>
+                                          <p:spTgt spid="76">
+                                            <p:txEl>
+                                              <p:pRg st="2" end="2"/>
+                                            </p:txEl>
+                                          </p:spTgt>
+                                        </p:tgtEl>
+                                      </p:cBhvr>
+                                    </p:animEffect>
                                   </p:childTnLst>
                                 </p:cTn>
                               </p:par>
@@ -8528,26 +9017,26 @@
                     </p:cTn>
                   </p:par>
                   <p:par>
-                    <p:cTn id="15" fill="hold">
+                    <p:cTn id="18" fill="hold">
                       <p:stCondLst>
                         <p:cond delay="indefinite"/>
                       </p:stCondLst>
                       <p:childTnLst>
                         <p:par>
-                          <p:cTn id="16" fill="hold">
+                          <p:cTn id="19" fill="hold">
                             <p:stCondLst>
                               <p:cond delay="0"/>
                             </p:stCondLst>
                             <p:childTnLst>
                               <p:par>
-                                <p:cTn id="17" presetID="1" presetClass="entr" presetSubtype="0" fill="hold" nodeType="clickEffect">
+                                <p:cTn id="20" presetID="10" presetClass="entr" presetSubtype="0" fill="hold" nodeType="clickEffect">
                                   <p:stCondLst>
                                     <p:cond delay="0"/>
                                   </p:stCondLst>
                                   <p:childTnLst>
                                     <p:set>
                                       <p:cBhvr>
-                                        <p:cTn id="18" dur="1" fill="hold">
+                                        <p:cTn id="21" dur="1" fill="hold">
                                           <p:stCondLst>
                                             <p:cond delay="0"/>
                                           </p:stCondLst>
@@ -8567,6 +9056,18 @@
                                         <p:strVal val="visible"/>
                                       </p:to>
                                     </p:set>
+                                    <p:animEffect transition="in" filter="fade">
+                                      <p:cBhvr>
+                                        <p:cTn id="22" dur="500"/>
+                                        <p:tgtEl>
+                                          <p:spTgt spid="76">
+                                            <p:txEl>
+                                              <p:pRg st="3" end="3"/>
+                                            </p:txEl>
+                                          </p:spTgt>
+                                        </p:tgtEl>
+                                      </p:cBhvr>
+                                    </p:animEffect>
                                   </p:childTnLst>
                                 </p:cTn>
                               </p:par>
@@ -8577,26 +9078,26 @@
                     </p:cTn>
                   </p:par>
                   <p:par>
-                    <p:cTn id="19" fill="hold">
+                    <p:cTn id="23" fill="hold">
                       <p:stCondLst>
                         <p:cond delay="indefinite"/>
                       </p:stCondLst>
                       <p:childTnLst>
                         <p:par>
-                          <p:cTn id="20" fill="hold">
+                          <p:cTn id="24" fill="hold">
                             <p:stCondLst>
                               <p:cond delay="0"/>
                             </p:stCondLst>
                             <p:childTnLst>
                               <p:par>
-                                <p:cTn id="21" presetID="1" presetClass="entr" presetSubtype="0" fill="hold" nodeType="clickEffect">
+                                <p:cTn id="25" presetID="10" presetClass="entr" presetSubtype="0" fill="hold" nodeType="clickEffect">
                                   <p:stCondLst>
                                     <p:cond delay="0"/>
                                   </p:stCondLst>
                                   <p:childTnLst>
                                     <p:set>
                                       <p:cBhvr>
-                                        <p:cTn id="22" dur="1" fill="hold">
+                                        <p:cTn id="26" dur="1" fill="hold">
                                           <p:stCondLst>
                                             <p:cond delay="0"/>
                                           </p:stCondLst>
@@ -8616,6 +9117,18 @@
                                         <p:strVal val="visible"/>
                                       </p:to>
                                     </p:set>
+                                    <p:animEffect transition="in" filter="fade">
+                                      <p:cBhvr>
+                                        <p:cTn id="27" dur="500"/>
+                                        <p:tgtEl>
+                                          <p:spTgt spid="76">
+                                            <p:txEl>
+                                              <p:pRg st="4" end="4"/>
+                                            </p:txEl>
+                                          </p:spTgt>
+                                        </p:tgtEl>
+                                      </p:cBhvr>
+                                    </p:animEffect>
                                   </p:childTnLst>
                                 </p:cTn>
                               </p:par>
@@ -8690,7 +9203,19 @@
           <a:p>
             <a:r>
               <a:rPr lang="en-US" dirty="0"/>
-              <a:t>What is a Single Responsibility?</a:t>
+              <a:t>What is a </a:t>
+            </a:r>
+            <a:r>
+              <a:rPr lang="en-US" dirty="0">
+                <a:solidFill>
+                  <a:schemeClr val="accent2"/>
+                </a:solidFill>
+              </a:rPr>
+              <a:t>Single Responsibility</a:t>
+            </a:r>
+            <a:r>
+              <a:rPr lang="en-US" dirty="0"/>
+              <a:t>?</a:t>
             </a:r>
           </a:p>
         </p:txBody>
@@ -8711,37 +9236,62 @@
             <p:ph type="body" idx="1"/>
           </p:nvPr>
         </p:nvSpPr>
-        <p:spPr/>
+        <p:spPr>
+          <a:xfrm>
+            <a:off x="786137" y="1200149"/>
+            <a:ext cx="6615327" cy="1571805"/>
+          </a:xfrm>
+        </p:spPr>
         <p:txBody>
           <a:bodyPr/>
           <a:lstStyle/>
           <a:p>
+            <a:r>
+              <a:rPr lang="en-US" dirty="0"/>
+              <a:t>Not about code </a:t>
+            </a:r>
+            <a:r>
+              <a:rPr lang="en-US" i="1" dirty="0">
+                <a:solidFill>
+                  <a:schemeClr val="accent2"/>
+                </a:solidFill>
+              </a:rPr>
+              <a:t>doing</a:t>
+            </a:r>
+            <a:r>
+              <a:rPr lang="en-US" dirty="0"/>
+              <a:t> one thing</a:t>
+            </a:r>
+          </a:p>
+          <a:p>
+            <a:pPr lvl="1"/>
+            <a:r>
+              <a:rPr lang="en-US" dirty="0"/>
+              <a:t>Extremely subjective / unfalsifiable</a:t>
+            </a:r>
+          </a:p>
+          <a:p>
+            <a:pPr lvl="1"/>
             <a:endParaRPr lang="en-US" dirty="0"/>
           </a:p>
-        </p:txBody>
-      </p:sp>
-      <p:sp>
-        <p:nvSpPr>
-          <p:cNvPr id="4" name="Text Placeholder 3">
-            <a:extLst>
-              <a:ext uri="{FF2B5EF4-FFF2-40B4-BE49-F238E27FC236}">
-                <a16:creationId xmlns:a16="http://schemas.microsoft.com/office/drawing/2014/main" id="{0D3714C5-05EE-4EC8-AEE0-A4A6E01CD30D}"/>
-              </a:ext>
-            </a:extLst>
-          </p:cNvPr>
-          <p:cNvSpPr>
-            <a:spLocks noGrp="1"/>
-          </p:cNvSpPr>
-          <p:nvPr>
-            <p:ph type="body" idx="2"/>
-          </p:nvPr>
-        </p:nvSpPr>
-        <p:spPr/>
-        <p:txBody>
-          <a:bodyPr/>
-          <a:lstStyle/>
           <a:p>
-            <a:endParaRPr lang="en-US"/>
+            <a:r>
+              <a:rPr lang="en-US" dirty="0"/>
+              <a:t>Instead, code serves one </a:t>
+            </a:r>
+            <a:r>
+              <a:rPr lang="en-US" i="1" dirty="0">
+                <a:solidFill>
+                  <a:schemeClr val="accent2"/>
+                </a:solidFill>
+              </a:rPr>
+              <a:t>purpose</a:t>
+            </a:r>
+            <a:endParaRPr lang="en-US" dirty="0">
+              <a:solidFill>
+                <a:schemeClr val="accent2"/>
+              </a:solidFill>
+            </a:endParaRPr>
           </a:p>
         </p:txBody>
       </p:sp>
@@ -8787,262 +9337,6 @@
     <p:extLst>
       <p:ext uri="{BB962C8B-B14F-4D97-AF65-F5344CB8AC3E}">
         <p14:creationId xmlns:p14="http://schemas.microsoft.com/office/powerpoint/2010/main" val="2246962939"/>
-      </p:ext>
-    </p:extLst>
-  </p:cSld>
-  <p:clrMapOvr>
-    <a:masterClrMapping/>
-  </p:clrMapOvr>
-</p:sld>
-</file>
-
-<file path=ppt/slides/slide12.xml><?xml version="1.0" encoding="utf-8"?>
-<p:sld xmlns:a="http://schemas.openxmlformats.org/drawingml/2006/main" xmlns:r="http://schemas.openxmlformats.org/officeDocument/2006/relationships" xmlns:p="http://schemas.openxmlformats.org/presentationml/2006/main">
-  <p:cSld>
-    <p:spTree>
-      <p:nvGrpSpPr>
-        <p:cNvPr id="1" name=""/>
-        <p:cNvGrpSpPr/>
-        <p:nvPr/>
-      </p:nvGrpSpPr>
-      <p:grpSpPr>
-        <a:xfrm>
-          <a:off x="0" y="0"/>
-          <a:ext cx="0" cy="0"/>
-          <a:chOff x="0" y="0"/>
-          <a:chExt cx="0" cy="0"/>
-        </a:xfrm>
-      </p:grpSpPr>
-      <p:sp>
-        <p:nvSpPr>
-          <p:cNvPr id="2" name="Title 1">
-            <a:extLst>
-              <a:ext uri="{FF2B5EF4-FFF2-40B4-BE49-F238E27FC236}">
-                <a16:creationId xmlns:a16="http://schemas.microsoft.com/office/drawing/2014/main" id="{A935458C-1023-4DCF-994D-CA3D674D9F01}"/>
-              </a:ext>
-            </a:extLst>
-          </p:cNvPr>
-          <p:cNvSpPr>
-            <a:spLocks noGrp="1"/>
-          </p:cNvSpPr>
-          <p:nvPr>
-            <p:ph type="title"/>
-          </p:nvPr>
-        </p:nvSpPr>
-        <p:spPr/>
-        <p:txBody>
-          <a:bodyPr/>
-          <a:lstStyle/>
-          <a:p>
-            <a:r>
-              <a:rPr lang="en-US" dirty="0"/>
-              <a:t>Emergent Patterns</a:t>
-            </a:r>
-          </a:p>
-        </p:txBody>
-      </p:sp>
-      <p:sp>
-        <p:nvSpPr>
-          <p:cNvPr id="3" name="Text Placeholder 2">
-            <a:extLst>
-              <a:ext uri="{FF2B5EF4-FFF2-40B4-BE49-F238E27FC236}">
-                <a16:creationId xmlns:a16="http://schemas.microsoft.com/office/drawing/2014/main" id="{ECB1F62A-C855-460C-9CA3-D23BCA043C59}"/>
-              </a:ext>
-            </a:extLst>
-          </p:cNvPr>
-          <p:cNvSpPr>
-            <a:spLocks noGrp="1"/>
-          </p:cNvSpPr>
-          <p:nvPr>
-            <p:ph type="body" idx="1"/>
-          </p:nvPr>
-        </p:nvSpPr>
-        <p:spPr>
-          <a:xfrm>
-            <a:off x="786137" y="1200150"/>
-            <a:ext cx="6428774" cy="3725700"/>
-          </a:xfrm>
-        </p:spPr>
-        <p:txBody>
-          <a:bodyPr/>
-          <a:lstStyle/>
-          <a:p>
-            <a:r>
-              <a:rPr lang="en-US" dirty="0">
-                <a:solidFill>
-                  <a:schemeClr val="accent2"/>
-                </a:solidFill>
-              </a:rPr>
-              <a:t>C</a:t>
-            </a:r>
-            <a:r>
-              <a:rPr lang="en-US" dirty="0"/>
-              <a:t>ommand </a:t>
-            </a:r>
-            <a:r>
-              <a:rPr lang="en-US" dirty="0">
-                <a:solidFill>
-                  <a:schemeClr val="accent2"/>
-                </a:solidFill>
-              </a:rPr>
-              <a:t>Q</a:t>
-            </a:r>
-            <a:r>
-              <a:rPr lang="en-US" dirty="0"/>
-              <a:t>uery </a:t>
-            </a:r>
-            <a:r>
-              <a:rPr lang="en-US" dirty="0">
-                <a:solidFill>
-                  <a:schemeClr val="accent2"/>
-                </a:solidFill>
-              </a:rPr>
-              <a:t>R</a:t>
-            </a:r>
-            <a:r>
-              <a:rPr lang="en-US" dirty="0"/>
-              <a:t>esponsibility </a:t>
-            </a:r>
-            <a:r>
-              <a:rPr lang="en-US" dirty="0">
-                <a:solidFill>
-                  <a:schemeClr val="accent2"/>
-                </a:solidFill>
-              </a:rPr>
-              <a:t>S</a:t>
-            </a:r>
-            <a:r>
-              <a:rPr lang="en-US" dirty="0"/>
-              <a:t>egregation</a:t>
-            </a:r>
-          </a:p>
-          <a:p>
-            <a:r>
-              <a:rPr lang="en-US" dirty="0">
-                <a:solidFill>
-                  <a:schemeClr val="accent2"/>
-                </a:solidFill>
-              </a:rPr>
-              <a:t>D</a:t>
-            </a:r>
-            <a:r>
-              <a:rPr lang="en-US" dirty="0"/>
-              <a:t>omain-</a:t>
-            </a:r>
-            <a:r>
-              <a:rPr lang="en-US" dirty="0">
-                <a:solidFill>
-                  <a:schemeClr val="accent2"/>
-                </a:solidFill>
-              </a:rPr>
-              <a:t>D</a:t>
-            </a:r>
-            <a:r>
-              <a:rPr lang="en-US" dirty="0"/>
-              <a:t>riven </a:t>
-            </a:r>
-            <a:r>
-              <a:rPr lang="en-US" dirty="0">
-                <a:solidFill>
-                  <a:schemeClr val="accent2"/>
-                </a:solidFill>
-              </a:rPr>
-              <a:t>D</a:t>
-            </a:r>
-            <a:r>
-              <a:rPr lang="en-US" dirty="0"/>
-              <a:t>esign</a:t>
-            </a:r>
-          </a:p>
-          <a:p>
-            <a:r>
-              <a:rPr lang="en-US" dirty="0"/>
-              <a:t>Higher order tests</a:t>
-            </a:r>
-          </a:p>
-          <a:p>
-            <a:r>
-              <a:rPr lang="en-US" dirty="0"/>
-              <a:t>Group by feature</a:t>
-            </a:r>
-          </a:p>
-          <a:p>
-            <a:endParaRPr lang="en-US" dirty="0"/>
-          </a:p>
-        </p:txBody>
-      </p:sp>
-      <p:sp>
-        <p:nvSpPr>
-          <p:cNvPr id="5" name="Slide Number Placeholder 4">
-            <a:extLst>
-              <a:ext uri="{FF2B5EF4-FFF2-40B4-BE49-F238E27FC236}">
-                <a16:creationId xmlns:a16="http://schemas.microsoft.com/office/drawing/2014/main" id="{AA524C0A-1B6B-4C5E-96D0-93FC7A5FCF47}"/>
-              </a:ext>
-            </a:extLst>
-          </p:cNvPr>
-          <p:cNvSpPr>
-            <a:spLocks noGrp="1"/>
-          </p:cNvSpPr>
-          <p:nvPr>
-            <p:ph type="sldNum" idx="12"/>
-          </p:nvPr>
-        </p:nvSpPr>
-        <p:spPr/>
-        <p:txBody>
-          <a:bodyPr/>
-          <a:lstStyle/>
-          <a:p>
-            <a:pPr marL="0" lvl="0" indent="0" algn="r" rtl="0">
-              <a:spcBef>
-                <a:spcPts val="0"/>
-              </a:spcBef>
-              <a:spcAft>
-                <a:spcPts val="0"/>
-              </a:spcAft>
-              <a:buNone/>
-            </a:pPr>
-            <a:fld id="{00000000-1234-1234-1234-123412341234}" type="slidenum">
-              <a:rPr lang="en" smtClean="0"/>
-              <a:t>12</a:t>
-            </a:fld>
-            <a:endParaRPr lang="en"/>
-          </a:p>
-        </p:txBody>
-      </p:sp>
-      <p:pic>
-        <p:nvPicPr>
-          <p:cNvPr id="6" name="Picture 5" descr="A picture containing graphical user interface&#10;&#10;Description automatically generated">
-            <a:extLst>
-              <a:ext uri="{FF2B5EF4-FFF2-40B4-BE49-F238E27FC236}">
-                <a16:creationId xmlns:a16="http://schemas.microsoft.com/office/drawing/2014/main" id="{9DD7F16E-8F12-47CE-9FEF-A8F4623F3CF7}"/>
-              </a:ext>
-            </a:extLst>
-          </p:cNvPr>
-          <p:cNvPicPr>
-            <a:picLocks noChangeAspect="1"/>
-          </p:cNvPicPr>
-          <p:nvPr/>
-        </p:nvPicPr>
-        <p:blipFill>
-          <a:blip r:embed="rId3"/>
-          <a:stretch>
-            <a:fillRect/>
-          </a:stretch>
-        </p:blipFill>
-        <p:spPr>
-          <a:xfrm>
-            <a:off x="3125802" y="2628751"/>
-            <a:ext cx="5943692" cy="2092180"/>
-          </a:xfrm>
-          <a:prstGeom prst="rect">
-            <a:avLst/>
-          </a:prstGeom>
-        </p:spPr>
-      </p:pic>
-    </p:spTree>
-    <p:extLst>
-      <p:ext uri="{BB962C8B-B14F-4D97-AF65-F5344CB8AC3E}">
-        <p14:creationId xmlns:p14="http://schemas.microsoft.com/office/powerpoint/2010/main" val="3183254241"/>
       </p:ext>
     </p:extLst>
   </p:cSld>
@@ -9070,7 +9364,7 @@
                             </p:stCondLst>
                             <p:childTnLst>
                               <p:par>
-                                <p:cTn id="5" presetID="1" presetClass="entr" presetSubtype="0" fill="hold" nodeType="clickEffect">
+                                <p:cTn id="5" presetID="10" presetClass="entr" presetSubtype="0" fill="hold" nodeType="clickEffect">
                                   <p:stCondLst>
                                     <p:cond delay="0"/>
                                   </p:stCondLst>
@@ -9097,36 +9391,30 @@
                                         <p:strVal val="visible"/>
                                       </p:to>
                                     </p:set>
+                                    <p:animEffect transition="in" filter="fade">
+                                      <p:cBhvr>
+                                        <p:cTn id="7" dur="500"/>
+                                        <p:tgtEl>
+                                          <p:spTgt spid="3">
+                                            <p:txEl>
+                                              <p:pRg st="0" end="0"/>
+                                            </p:txEl>
+                                          </p:spTgt>
+                                        </p:tgtEl>
+                                      </p:cBhvr>
+                                    </p:animEffect>
                                   </p:childTnLst>
                                 </p:cTn>
                               </p:par>
-                            </p:childTnLst>
-                          </p:cTn>
-                        </p:par>
-                      </p:childTnLst>
-                    </p:cTn>
-                  </p:par>
-                  <p:par>
-                    <p:cTn id="7" fill="hold">
-                      <p:stCondLst>
-                        <p:cond delay="indefinite"/>
-                      </p:stCondLst>
-                      <p:childTnLst>
-                        <p:par>
-                          <p:cTn id="8" fill="hold">
-                            <p:stCondLst>
-                              <p:cond delay="0"/>
-                            </p:stCondLst>
-                            <p:childTnLst>
                               <p:par>
-                                <p:cTn id="9" presetID="1" presetClass="entr" presetSubtype="0" fill="hold" nodeType="clickEffect">
+                                <p:cTn id="8" presetID="10" presetClass="entr" presetSubtype="0" fill="hold" nodeType="withEffect">
                                   <p:stCondLst>
                                     <p:cond delay="0"/>
                                   </p:stCondLst>
                                   <p:childTnLst>
                                     <p:set>
                                       <p:cBhvr>
-                                        <p:cTn id="10" dur="1" fill="hold">
+                                        <p:cTn id="9" dur="1" fill="hold">
                                           <p:stCondLst>
                                             <p:cond delay="0"/>
                                           </p:stCondLst>
@@ -9146,6 +9434,18 @@
                                         <p:strVal val="visible"/>
                                       </p:to>
                                     </p:set>
+                                    <p:animEffect transition="in" filter="fade">
+                                      <p:cBhvr>
+                                        <p:cTn id="10" dur="500"/>
+                                        <p:tgtEl>
+                                          <p:spTgt spid="3">
+                                            <p:txEl>
+                                              <p:pRg st="1" end="1"/>
+                                            </p:txEl>
+                                          </p:spTgt>
+                                        </p:tgtEl>
+                                      </p:cBhvr>
+                                    </p:animEffect>
                                   </p:childTnLst>
                                 </p:cTn>
                               </p:par>
@@ -9168,7 +9468,7 @@
                             </p:stCondLst>
                             <p:childTnLst>
                               <p:par>
-                                <p:cTn id="13" presetID="1" presetClass="entr" presetSubtype="0" fill="hold" nodeType="clickEffect">
+                                <p:cTn id="13" presetID="10" presetClass="entr" presetSubtype="0" fill="hold" nodeType="clickEffect">
                                   <p:stCondLst>
                                     <p:cond delay="0"/>
                                   </p:stCondLst>
@@ -9176,55 +9476,6 @@
                                     <p:set>
                                       <p:cBhvr>
                                         <p:cTn id="14" dur="1" fill="hold">
-                                          <p:stCondLst>
-                                            <p:cond delay="0"/>
-                                          </p:stCondLst>
-                                        </p:cTn>
-                                        <p:tgtEl>
-                                          <p:spTgt spid="3">
-                                            <p:txEl>
-                                              <p:pRg st="2" end="2"/>
-                                            </p:txEl>
-                                          </p:spTgt>
-                                        </p:tgtEl>
-                                        <p:attrNameLst>
-                                          <p:attrName>style.visibility</p:attrName>
-                                        </p:attrNameLst>
-                                      </p:cBhvr>
-                                      <p:to>
-                                        <p:strVal val="visible"/>
-                                      </p:to>
-                                    </p:set>
-                                  </p:childTnLst>
-                                </p:cTn>
-                              </p:par>
-                            </p:childTnLst>
-                          </p:cTn>
-                        </p:par>
-                      </p:childTnLst>
-                    </p:cTn>
-                  </p:par>
-                  <p:par>
-                    <p:cTn id="15" fill="hold">
-                      <p:stCondLst>
-                        <p:cond delay="indefinite"/>
-                      </p:stCondLst>
-                      <p:childTnLst>
-                        <p:par>
-                          <p:cTn id="16" fill="hold">
-                            <p:stCondLst>
-                              <p:cond delay="0"/>
-                            </p:stCondLst>
-                            <p:childTnLst>
-                              <p:par>
-                                <p:cTn id="17" presetID="1" presetClass="entr" presetSubtype="0" fill="hold" nodeType="clickEffect">
-                                  <p:stCondLst>
-                                    <p:cond delay="0"/>
-                                  </p:stCondLst>
-                                  <p:childTnLst>
-                                    <p:set>
-                                      <p:cBhvr>
-                                        <p:cTn id="18" dur="1" fill="hold">
                                           <p:stCondLst>
                                             <p:cond delay="0"/>
                                           </p:stCondLst>
@@ -9244,51 +9495,18 @@
                                         <p:strVal val="visible"/>
                                       </p:to>
                                     </p:set>
-                                  </p:childTnLst>
-                                </p:cTn>
-                              </p:par>
-                            </p:childTnLst>
-                          </p:cTn>
-                        </p:par>
-                      </p:childTnLst>
-                    </p:cTn>
-                  </p:par>
-                  <p:par>
-                    <p:cTn id="19" fill="hold">
-                      <p:stCondLst>
-                        <p:cond delay="indefinite"/>
-                      </p:stCondLst>
-                      <p:childTnLst>
-                        <p:par>
-                          <p:cTn id="20" fill="hold">
-                            <p:stCondLst>
-                              <p:cond delay="0"/>
-                            </p:stCondLst>
-                            <p:childTnLst>
-                              <p:par>
-                                <p:cTn id="21" presetID="1" presetClass="entr" presetSubtype="0" fill="hold" nodeType="clickEffect">
-                                  <p:stCondLst>
-                                    <p:cond delay="0"/>
-                                  </p:stCondLst>
-                                  <p:childTnLst>
-                                    <p:set>
+                                    <p:animEffect transition="in" filter="fade">
                                       <p:cBhvr>
-                                        <p:cTn id="22" dur="1" fill="hold">
-                                          <p:stCondLst>
-                                            <p:cond delay="0"/>
-                                          </p:stCondLst>
-                                        </p:cTn>
+                                        <p:cTn id="15" dur="500"/>
                                         <p:tgtEl>
-                                          <p:spTgt spid="6"/>
+                                          <p:spTgt spid="3">
+                                            <p:txEl>
+                                              <p:pRg st="3" end="3"/>
+                                            </p:txEl>
+                                          </p:spTgt>
                                         </p:tgtEl>
-                                        <p:attrNameLst>
-                                          <p:attrName>style.visibility</p:attrName>
-                                        </p:attrNameLst>
                                       </p:cBhvr>
-                                      <p:to>
-                                        <p:strVal val="visible"/>
-                                      </p:to>
-                                    </p:set>
+                                    </p:animEffect>
                                   </p:childTnLst>
                                 </p:cTn>
                               </p:par>
@@ -9323,7 +9541,1001 @@
 </p:sld>
 </file>
 
+<file path=ppt/slides/slide12.xml><?xml version="1.0" encoding="utf-8"?>
+<p:sld xmlns:a="http://schemas.openxmlformats.org/drawingml/2006/main" xmlns:r="http://schemas.openxmlformats.org/officeDocument/2006/relationships" xmlns:p="http://schemas.openxmlformats.org/presentationml/2006/main">
+  <p:cSld>
+    <p:spTree>
+      <p:nvGrpSpPr>
+        <p:cNvPr id="1" name="Shape 103"/>
+        <p:cNvGrpSpPr/>
+        <p:nvPr/>
+      </p:nvGrpSpPr>
+      <p:grpSpPr>
+        <a:xfrm>
+          <a:off x="0" y="0"/>
+          <a:ext cx="0" cy="0"/>
+          <a:chOff x="0" y="0"/>
+          <a:chExt cx="0" cy="0"/>
+        </a:xfrm>
+      </p:grpSpPr>
+      <p:sp>
+        <p:nvSpPr>
+          <p:cNvPr id="104" name="Google Shape;104;p16"/>
+          <p:cNvSpPr txBox="1">
+            <a:spLocks noGrp="1"/>
+          </p:cNvSpPr>
+          <p:nvPr>
+            <p:ph type="body" idx="1"/>
+          </p:nvPr>
+        </p:nvSpPr>
+        <p:spPr>
+          <a:xfrm>
+            <a:off x="2399207" y="1751850"/>
+            <a:ext cx="4345411" cy="1357110"/>
+          </a:xfrm>
+          <a:prstGeom prst="rect">
+            <a:avLst/>
+          </a:prstGeom>
+        </p:spPr>
+        <p:txBody>
+          <a:bodyPr spcFirstLastPara="1" wrap="square" lIns="91425" tIns="91425" rIns="91425" bIns="91425" anchor="t" anchorCtr="0">
+            <a:noAutofit/>
+          </a:bodyPr>
+          <a:lstStyle/>
+          <a:p>
+            <a:pPr marL="0" indent="0">
+              <a:buNone/>
+            </a:pPr>
+            <a:r>
+              <a:rPr lang="en-US" dirty="0"/>
+              <a:t>This principle is about people.</a:t>
+            </a:r>
+            <a:endParaRPr lang="en-US" sz="1600" dirty="0"/>
+          </a:p>
+        </p:txBody>
+      </p:sp>
+      <p:sp>
+        <p:nvSpPr>
+          <p:cNvPr id="105" name="Google Shape;105;p16"/>
+          <p:cNvSpPr txBox="1">
+            <a:spLocks noGrp="1"/>
+          </p:cNvSpPr>
+          <p:nvPr>
+            <p:ph type="sldNum" idx="12"/>
+          </p:nvPr>
+        </p:nvSpPr>
+        <p:spPr>
+          <a:xfrm>
+            <a:off x="-87" y="4749844"/>
+            <a:ext cx="9144000" cy="393600"/>
+          </a:xfrm>
+          <a:prstGeom prst="rect">
+            <a:avLst/>
+          </a:prstGeom>
+        </p:spPr>
+        <p:txBody>
+          <a:bodyPr spcFirstLastPara="1" wrap="square" lIns="91425" tIns="91425" rIns="91425" bIns="91425" anchor="t" anchorCtr="0">
+            <a:noAutofit/>
+          </a:bodyPr>
+          <a:lstStyle/>
+          <a:p>
+            <a:pPr marL="0" lvl="0" indent="0" algn="ctr" rtl="0">
+              <a:spcBef>
+                <a:spcPts val="0"/>
+              </a:spcBef>
+              <a:spcAft>
+                <a:spcPts val="0"/>
+              </a:spcAft>
+              <a:buNone/>
+            </a:pPr>
+            <a:fld id="{00000000-1234-1234-1234-123412341234}" type="slidenum">
+              <a:rPr lang="en"/>
+              <a:t>12</a:t>
+            </a:fld>
+            <a:endParaRPr dirty="0"/>
+          </a:p>
+        </p:txBody>
+      </p:sp>
+      <p:sp>
+        <p:nvSpPr>
+          <p:cNvPr id="2" name="TextBox 1">
+            <a:extLst>
+              <a:ext uri="{FF2B5EF4-FFF2-40B4-BE49-F238E27FC236}">
+                <a16:creationId xmlns:a16="http://schemas.microsoft.com/office/drawing/2014/main" id="{939F6C19-894D-46DE-B9A5-10FF918F507B}"/>
+              </a:ext>
+            </a:extLst>
+          </p:cNvPr>
+          <p:cNvSpPr txBox="1"/>
+          <p:nvPr/>
+        </p:nvSpPr>
+        <p:spPr>
+          <a:xfrm>
+            <a:off x="5408371" y="3108960"/>
+            <a:ext cx="2672494" cy="623248"/>
+          </a:xfrm>
+          <a:prstGeom prst="rect">
+            <a:avLst/>
+          </a:prstGeom>
+          <a:noFill/>
+        </p:spPr>
+        <p:txBody>
+          <a:bodyPr wrap="square" rtlCol="0">
+            <a:spAutoFit/>
+          </a:bodyPr>
+          <a:lstStyle/>
+          <a:p>
+            <a:r>
+              <a:rPr lang="en-US" sz="2400" i="1" dirty="0">
+                <a:solidFill>
+                  <a:schemeClr val="accent4"/>
+                </a:solidFill>
+              </a:rPr>
+              <a:t>- Robert Martin</a:t>
+            </a:r>
+          </a:p>
+          <a:p>
+            <a:r>
+              <a:rPr lang="en-US" sz="1050" i="1" dirty="0">
+                <a:solidFill>
+                  <a:schemeClr val="accent4"/>
+                </a:solidFill>
+              </a:rPr>
+              <a:t>     Creator of SRP</a:t>
+            </a:r>
+          </a:p>
+        </p:txBody>
+      </p:sp>
+    </p:spTree>
+    <p:extLst>
+      <p:ext uri="{BB962C8B-B14F-4D97-AF65-F5344CB8AC3E}">
+        <p14:creationId xmlns:p14="http://schemas.microsoft.com/office/powerpoint/2010/main" val="1757316401"/>
+      </p:ext>
+    </p:extLst>
+  </p:cSld>
+  <p:clrMapOvr>
+    <a:masterClrMapping/>
+  </p:clrMapOvr>
+  <p:timing>
+    <p:tnLst>
+      <p:par>
+        <p:cTn id="1" dur="indefinite" restart="never" nodeType="tmRoot">
+          <p:childTnLst>
+            <p:seq concurrent="1" nextAc="seek">
+              <p:cTn id="2" dur="indefinite" nodeType="mainSeq">
+                <p:childTnLst>
+                  <p:par>
+                    <p:cTn id="3" fill="hold">
+                      <p:stCondLst>
+                        <p:cond delay="indefinite"/>
+                      </p:stCondLst>
+                      <p:childTnLst>
+                        <p:par>
+                          <p:cTn id="4" fill="hold">
+                            <p:stCondLst>
+                              <p:cond delay="0"/>
+                            </p:stCondLst>
+                            <p:childTnLst>
+                              <p:par>
+                                <p:cTn id="5" presetID="10" presetClass="entr" presetSubtype="0" fill="hold" grpId="0" nodeType="clickEffect">
+                                  <p:stCondLst>
+                                    <p:cond delay="0"/>
+                                  </p:stCondLst>
+                                  <p:childTnLst>
+                                    <p:set>
+                                      <p:cBhvr>
+                                        <p:cTn id="6" dur="1" fill="hold">
+                                          <p:stCondLst>
+                                            <p:cond delay="0"/>
+                                          </p:stCondLst>
+                                        </p:cTn>
+                                        <p:tgtEl>
+                                          <p:spTgt spid="104">
+                                            <p:txEl>
+                                              <p:pRg st="0" end="0"/>
+                                            </p:txEl>
+                                          </p:spTgt>
+                                        </p:tgtEl>
+                                        <p:attrNameLst>
+                                          <p:attrName>style.visibility</p:attrName>
+                                        </p:attrNameLst>
+                                      </p:cBhvr>
+                                      <p:to>
+                                        <p:strVal val="visible"/>
+                                      </p:to>
+                                    </p:set>
+                                    <p:animEffect transition="in" filter="fade">
+                                      <p:cBhvr>
+                                        <p:cTn id="7" dur="500"/>
+                                        <p:tgtEl>
+                                          <p:spTgt spid="104">
+                                            <p:txEl>
+                                              <p:pRg st="0" end="0"/>
+                                            </p:txEl>
+                                          </p:spTgt>
+                                        </p:tgtEl>
+                                      </p:cBhvr>
+                                    </p:animEffect>
+                                  </p:childTnLst>
+                                </p:cTn>
+                              </p:par>
+                              <p:par>
+                                <p:cTn id="8" presetID="10" presetClass="entr" presetSubtype="0" fill="hold" grpId="0" nodeType="withEffect">
+                                  <p:stCondLst>
+                                    <p:cond delay="0"/>
+                                  </p:stCondLst>
+                                  <p:childTnLst>
+                                    <p:set>
+                                      <p:cBhvr>
+                                        <p:cTn id="9" dur="1" fill="hold">
+                                          <p:stCondLst>
+                                            <p:cond delay="0"/>
+                                          </p:stCondLst>
+                                        </p:cTn>
+                                        <p:tgtEl>
+                                          <p:spTgt spid="2"/>
+                                        </p:tgtEl>
+                                        <p:attrNameLst>
+                                          <p:attrName>style.visibility</p:attrName>
+                                        </p:attrNameLst>
+                                      </p:cBhvr>
+                                      <p:to>
+                                        <p:strVal val="visible"/>
+                                      </p:to>
+                                    </p:set>
+                                    <p:animEffect transition="in" filter="fade">
+                                      <p:cBhvr>
+                                        <p:cTn id="10" dur="500"/>
+                                        <p:tgtEl>
+                                          <p:spTgt spid="2"/>
+                                        </p:tgtEl>
+                                      </p:cBhvr>
+                                    </p:animEffect>
+                                  </p:childTnLst>
+                                </p:cTn>
+                              </p:par>
+                            </p:childTnLst>
+                          </p:cTn>
+                        </p:par>
+                      </p:childTnLst>
+                    </p:cTn>
+                  </p:par>
+                </p:childTnLst>
+              </p:cTn>
+              <p:prevCondLst>
+                <p:cond evt="onPrev" delay="0">
+                  <p:tgtEl>
+                    <p:sldTgt/>
+                  </p:tgtEl>
+                </p:cond>
+              </p:prevCondLst>
+              <p:nextCondLst>
+                <p:cond evt="onNext" delay="0">
+                  <p:tgtEl>
+                    <p:sldTgt/>
+                  </p:tgtEl>
+                </p:cond>
+              </p:nextCondLst>
+            </p:seq>
+          </p:childTnLst>
+        </p:cTn>
+      </p:par>
+    </p:tnLst>
+    <p:bldLst>
+      <p:bldP spid="104" grpId="0" build="p"/>
+      <p:bldP spid="2" grpId="0"/>
+    </p:bldLst>
+  </p:timing>
+</p:sld>
+</file>
+
 <file path=ppt/slides/slide13.xml><?xml version="1.0" encoding="utf-8"?>
+<p:sld xmlns:a="http://schemas.openxmlformats.org/drawingml/2006/main" xmlns:r="http://schemas.openxmlformats.org/officeDocument/2006/relationships" xmlns:p="http://schemas.openxmlformats.org/presentationml/2006/main">
+  <p:cSld>
+    <p:spTree>
+      <p:nvGrpSpPr>
+        <p:cNvPr id="1" name=""/>
+        <p:cNvGrpSpPr/>
+        <p:nvPr/>
+      </p:nvGrpSpPr>
+      <p:grpSpPr>
+        <a:xfrm>
+          <a:off x="0" y="0"/>
+          <a:ext cx="0" cy="0"/>
+          <a:chOff x="0" y="0"/>
+          <a:chExt cx="0" cy="0"/>
+        </a:xfrm>
+      </p:grpSpPr>
+      <p:sp>
+        <p:nvSpPr>
+          <p:cNvPr id="2" name="Title 1">
+            <a:extLst>
+              <a:ext uri="{FF2B5EF4-FFF2-40B4-BE49-F238E27FC236}">
+                <a16:creationId xmlns:a16="http://schemas.microsoft.com/office/drawing/2014/main" id="{C0F4C87C-718F-4A83-A603-372682380B5F}"/>
+              </a:ext>
+            </a:extLst>
+          </p:cNvPr>
+          <p:cNvSpPr>
+            <a:spLocks noGrp="1"/>
+          </p:cNvSpPr>
+          <p:nvPr>
+            <p:ph type="title"/>
+          </p:nvPr>
+        </p:nvSpPr>
+        <p:spPr/>
+        <p:txBody>
+          <a:bodyPr/>
+          <a:lstStyle/>
+          <a:p>
+            <a:r>
+              <a:rPr lang="en-US" dirty="0"/>
+              <a:t>The Three </a:t>
+            </a:r>
+            <a:r>
+              <a:rPr lang="en-US" dirty="0">
+                <a:solidFill>
+                  <a:schemeClr val="accent2">
+                    <a:lumMod val="20000"/>
+                    <a:lumOff val="80000"/>
+                  </a:schemeClr>
+                </a:solidFill>
+              </a:rPr>
+              <a:t>“           ”</a:t>
+            </a:r>
+            <a:r>
+              <a:rPr lang="en-US" dirty="0"/>
+              <a:t>s</a:t>
+            </a:r>
+          </a:p>
+        </p:txBody>
+      </p:sp>
+      <p:sp>
+        <p:nvSpPr>
+          <p:cNvPr id="5" name="Slide Number Placeholder 4">
+            <a:extLst>
+              <a:ext uri="{FF2B5EF4-FFF2-40B4-BE49-F238E27FC236}">
+                <a16:creationId xmlns:a16="http://schemas.microsoft.com/office/drawing/2014/main" id="{336E8F70-7FB2-49E4-9D3F-FE1C54BF8690}"/>
+              </a:ext>
+            </a:extLst>
+          </p:cNvPr>
+          <p:cNvSpPr>
+            <a:spLocks noGrp="1"/>
+          </p:cNvSpPr>
+          <p:nvPr>
+            <p:ph type="sldNum" idx="12"/>
+          </p:nvPr>
+        </p:nvSpPr>
+        <p:spPr/>
+        <p:txBody>
+          <a:bodyPr/>
+          <a:lstStyle/>
+          <a:p>
+            <a:pPr marL="0" lvl="0" indent="0" algn="r" rtl="0">
+              <a:spcBef>
+                <a:spcPts val="0"/>
+              </a:spcBef>
+              <a:spcAft>
+                <a:spcPts val="0"/>
+              </a:spcAft>
+              <a:buNone/>
+            </a:pPr>
+            <a:fld id="{00000000-1234-1234-1234-123412341234}" type="slidenum">
+              <a:rPr lang="en" smtClean="0"/>
+              <a:t>13</a:t>
+            </a:fld>
+            <a:endParaRPr lang="en"/>
+          </a:p>
+        </p:txBody>
+      </p:sp>
+      <p:sp>
+        <p:nvSpPr>
+          <p:cNvPr id="7" name="TextBox 6">
+            <a:extLst>
+              <a:ext uri="{FF2B5EF4-FFF2-40B4-BE49-F238E27FC236}">
+                <a16:creationId xmlns:a16="http://schemas.microsoft.com/office/drawing/2014/main" id="{36C2C6A8-A0ED-4DFD-8FEB-E17FA368F360}"/>
+              </a:ext>
+            </a:extLst>
+          </p:cNvPr>
+          <p:cNvSpPr txBox="1"/>
+          <p:nvPr/>
+        </p:nvSpPr>
+        <p:spPr>
+          <a:xfrm>
+            <a:off x="2210400" y="81912"/>
+            <a:ext cx="4572000" cy="1323439"/>
+          </a:xfrm>
+          <a:prstGeom prst="rect">
+            <a:avLst/>
+          </a:prstGeom>
+          <a:noFill/>
+        </p:spPr>
+        <p:txBody>
+          <a:bodyPr wrap="square">
+            <a:spAutoFit/>
+          </a:bodyPr>
+          <a:lstStyle/>
+          <a:p>
+            <a:r>
+              <a:rPr lang="en-US" sz="8000" dirty="0">
+                <a:solidFill>
+                  <a:schemeClr val="accent2"/>
+                </a:solidFill>
+                <a:latin typeface="Roboto Slab" panose="020B0604020202020204" charset="0"/>
+                <a:ea typeface="Roboto Slab" panose="020B0604020202020204" charset="0"/>
+              </a:rPr>
+              <a:t>C</a:t>
+            </a:r>
+            <a:endParaRPr lang="en-US" sz="8000" dirty="0">
+              <a:latin typeface="Roboto Slab" panose="020B0604020202020204" charset="0"/>
+              <a:ea typeface="Roboto Slab" panose="020B0604020202020204" charset="0"/>
+            </a:endParaRPr>
+          </a:p>
+        </p:txBody>
+      </p:sp>
+      <p:sp>
+        <p:nvSpPr>
+          <p:cNvPr id="8" name="Google Shape;123;p18">
+            <a:extLst>
+              <a:ext uri="{FF2B5EF4-FFF2-40B4-BE49-F238E27FC236}">
+                <a16:creationId xmlns:a16="http://schemas.microsoft.com/office/drawing/2014/main" id="{4E9AA10F-D31B-430A-B2EB-8BC67D9881A4}"/>
+              </a:ext>
+            </a:extLst>
+          </p:cNvPr>
+          <p:cNvSpPr/>
+          <p:nvPr/>
+        </p:nvSpPr>
+        <p:spPr>
+          <a:xfrm>
+            <a:off x="1823550" y="1483704"/>
+            <a:ext cx="1576200" cy="1556700"/>
+          </a:xfrm>
+          <a:prstGeom prst="ellipse">
+            <a:avLst/>
+          </a:prstGeom>
+          <a:noFill/>
+          <a:ln w="19050" cap="flat" cmpd="sng">
+            <a:solidFill>
+              <a:srgbClr val="CFD8DC"/>
+            </a:solidFill>
+            <a:prstDash val="solid"/>
+            <a:round/>
+            <a:headEnd type="none" w="sm" len="sm"/>
+            <a:tailEnd type="none" w="sm" len="sm"/>
+          </a:ln>
+        </p:spPr>
+        <p:txBody>
+          <a:bodyPr spcFirstLastPara="1" wrap="square" lIns="91425" tIns="91425" rIns="91425" bIns="91425" anchor="ctr" anchorCtr="0">
+            <a:noAutofit/>
+          </a:bodyPr>
+          <a:lstStyle/>
+          <a:p>
+            <a:pPr marL="0" lvl="0" indent="0" algn="l" rtl="0">
+              <a:spcBef>
+                <a:spcPts val="0"/>
+              </a:spcBef>
+              <a:spcAft>
+                <a:spcPts val="0"/>
+              </a:spcAft>
+              <a:buNone/>
+            </a:pPr>
+            <a:endParaRPr/>
+          </a:p>
+        </p:txBody>
+      </p:sp>
+      <p:sp>
+        <p:nvSpPr>
+          <p:cNvPr id="9" name="Google Shape;117;p18">
+            <a:extLst>
+              <a:ext uri="{FF2B5EF4-FFF2-40B4-BE49-F238E27FC236}">
+                <a16:creationId xmlns:a16="http://schemas.microsoft.com/office/drawing/2014/main" id="{9C3ADEB4-E4F1-44DA-A11C-B1B15B60F29B}"/>
+              </a:ext>
+            </a:extLst>
+          </p:cNvPr>
+          <p:cNvSpPr/>
+          <p:nvPr/>
+        </p:nvSpPr>
+        <p:spPr>
+          <a:xfrm>
+            <a:off x="1673850" y="1329644"/>
+            <a:ext cx="1875600" cy="1852800"/>
+          </a:xfrm>
+          <a:prstGeom prst="ellipse">
+            <a:avLst/>
+          </a:prstGeom>
+          <a:noFill/>
+          <a:ln w="9525" cap="flat" cmpd="sng">
+            <a:solidFill>
+              <a:srgbClr val="CFD8DC"/>
+            </a:solidFill>
+            <a:prstDash val="dash"/>
+            <a:round/>
+            <a:headEnd type="none" w="sm" len="sm"/>
+            <a:tailEnd type="none" w="sm" len="sm"/>
+          </a:ln>
+        </p:spPr>
+        <p:txBody>
+          <a:bodyPr spcFirstLastPara="1" wrap="square" lIns="91425" tIns="91425" rIns="91425" bIns="91425" anchor="ctr" anchorCtr="0">
+            <a:noAutofit/>
+          </a:bodyPr>
+          <a:lstStyle/>
+          <a:p>
+            <a:pPr marL="0" lvl="0" indent="0" algn="l" rtl="0">
+              <a:spcBef>
+                <a:spcPts val="0"/>
+              </a:spcBef>
+              <a:spcAft>
+                <a:spcPts val="0"/>
+              </a:spcAft>
+              <a:buNone/>
+            </a:pPr>
+            <a:endParaRPr/>
+          </a:p>
+        </p:txBody>
+      </p:sp>
+      <p:sp>
+        <p:nvSpPr>
+          <p:cNvPr id="12" name="TextBox 11">
+            <a:extLst>
+              <a:ext uri="{FF2B5EF4-FFF2-40B4-BE49-F238E27FC236}">
+                <a16:creationId xmlns:a16="http://schemas.microsoft.com/office/drawing/2014/main" id="{4302EE37-D9F2-4D8C-99EA-636A9D423DDD}"/>
+              </a:ext>
+            </a:extLst>
+          </p:cNvPr>
+          <p:cNvSpPr txBox="1"/>
+          <p:nvPr/>
+        </p:nvSpPr>
+        <p:spPr>
+          <a:xfrm>
+            <a:off x="2127450" y="2102155"/>
+            <a:ext cx="968400" cy="307777"/>
+          </a:xfrm>
+          <a:prstGeom prst="rect">
+            <a:avLst/>
+          </a:prstGeom>
+          <a:noFill/>
+        </p:spPr>
+        <p:txBody>
+          <a:bodyPr wrap="square">
+            <a:spAutoFit/>
+          </a:bodyPr>
+          <a:lstStyle/>
+          <a:p>
+            <a:r>
+              <a:rPr lang="en-US" sz="1400" dirty="0">
+                <a:solidFill>
+                  <a:schemeClr val="accent2"/>
+                </a:solidFill>
+                <a:latin typeface="Roboto Slab" panose="020B0604020202020204" charset="0"/>
+                <a:ea typeface="Roboto Slab" panose="020B0604020202020204" charset="0"/>
+              </a:rPr>
+              <a:t>Coupling</a:t>
+            </a:r>
+            <a:endParaRPr lang="en-US" sz="1400" dirty="0">
+              <a:latin typeface="Roboto Slab" panose="020B0604020202020204" charset="0"/>
+              <a:ea typeface="Roboto Slab" panose="020B0604020202020204" charset="0"/>
+            </a:endParaRPr>
+          </a:p>
+        </p:txBody>
+      </p:sp>
+      <p:sp>
+        <p:nvSpPr>
+          <p:cNvPr id="13" name="Google Shape;123;p18">
+            <a:extLst>
+              <a:ext uri="{FF2B5EF4-FFF2-40B4-BE49-F238E27FC236}">
+                <a16:creationId xmlns:a16="http://schemas.microsoft.com/office/drawing/2014/main" id="{77315FB7-0889-4111-8411-E28AF2C47B3E}"/>
+              </a:ext>
+            </a:extLst>
+          </p:cNvPr>
+          <p:cNvSpPr/>
+          <p:nvPr/>
+        </p:nvSpPr>
+        <p:spPr>
+          <a:xfrm>
+            <a:off x="4515784" y="1483704"/>
+            <a:ext cx="1576200" cy="1556700"/>
+          </a:xfrm>
+          <a:prstGeom prst="ellipse">
+            <a:avLst/>
+          </a:prstGeom>
+          <a:noFill/>
+          <a:ln w="19050" cap="flat" cmpd="sng">
+            <a:solidFill>
+              <a:srgbClr val="CFD8DC"/>
+            </a:solidFill>
+            <a:prstDash val="solid"/>
+            <a:round/>
+            <a:headEnd type="none" w="sm" len="sm"/>
+            <a:tailEnd type="none" w="sm" len="sm"/>
+          </a:ln>
+        </p:spPr>
+        <p:txBody>
+          <a:bodyPr spcFirstLastPara="1" wrap="square" lIns="91425" tIns="91425" rIns="91425" bIns="91425" anchor="ctr" anchorCtr="0">
+            <a:noAutofit/>
+          </a:bodyPr>
+          <a:lstStyle/>
+          <a:p>
+            <a:pPr marL="0" lvl="0" indent="0" algn="l" rtl="0">
+              <a:spcBef>
+                <a:spcPts val="0"/>
+              </a:spcBef>
+              <a:spcAft>
+                <a:spcPts val="0"/>
+              </a:spcAft>
+              <a:buNone/>
+            </a:pPr>
+            <a:endParaRPr/>
+          </a:p>
+        </p:txBody>
+      </p:sp>
+      <p:sp>
+        <p:nvSpPr>
+          <p:cNvPr id="14" name="Google Shape;117;p18">
+            <a:extLst>
+              <a:ext uri="{FF2B5EF4-FFF2-40B4-BE49-F238E27FC236}">
+                <a16:creationId xmlns:a16="http://schemas.microsoft.com/office/drawing/2014/main" id="{D73D176A-C0C1-4FAF-8242-405F0112E41A}"/>
+              </a:ext>
+            </a:extLst>
+          </p:cNvPr>
+          <p:cNvSpPr/>
+          <p:nvPr/>
+        </p:nvSpPr>
+        <p:spPr>
+          <a:xfrm>
+            <a:off x="4366084" y="1329644"/>
+            <a:ext cx="1875600" cy="1852800"/>
+          </a:xfrm>
+          <a:prstGeom prst="ellipse">
+            <a:avLst/>
+          </a:prstGeom>
+          <a:noFill/>
+          <a:ln w="9525" cap="flat" cmpd="sng">
+            <a:solidFill>
+              <a:srgbClr val="CFD8DC"/>
+            </a:solidFill>
+            <a:prstDash val="dash"/>
+            <a:round/>
+            <a:headEnd type="none" w="sm" len="sm"/>
+            <a:tailEnd type="none" w="sm" len="sm"/>
+          </a:ln>
+        </p:spPr>
+        <p:txBody>
+          <a:bodyPr spcFirstLastPara="1" wrap="square" lIns="91425" tIns="91425" rIns="91425" bIns="91425" anchor="ctr" anchorCtr="0">
+            <a:noAutofit/>
+          </a:bodyPr>
+          <a:lstStyle/>
+          <a:p>
+            <a:pPr marL="0" lvl="0" indent="0" algn="l" rtl="0">
+              <a:spcBef>
+                <a:spcPts val="0"/>
+              </a:spcBef>
+              <a:spcAft>
+                <a:spcPts val="0"/>
+              </a:spcAft>
+              <a:buNone/>
+            </a:pPr>
+            <a:endParaRPr/>
+          </a:p>
+        </p:txBody>
+      </p:sp>
+      <p:sp>
+        <p:nvSpPr>
+          <p:cNvPr id="15" name="Google Shape;123;p18">
+            <a:extLst>
+              <a:ext uri="{FF2B5EF4-FFF2-40B4-BE49-F238E27FC236}">
+                <a16:creationId xmlns:a16="http://schemas.microsoft.com/office/drawing/2014/main" id="{4F33E5FA-10FB-4C2D-8C30-D338775041BC}"/>
+              </a:ext>
+            </a:extLst>
+          </p:cNvPr>
+          <p:cNvSpPr/>
+          <p:nvPr/>
+        </p:nvSpPr>
+        <p:spPr>
+          <a:xfrm>
+            <a:off x="3226615" y="3266808"/>
+            <a:ext cx="1576200" cy="1556700"/>
+          </a:xfrm>
+          <a:prstGeom prst="ellipse">
+            <a:avLst/>
+          </a:prstGeom>
+          <a:noFill/>
+          <a:ln w="19050" cap="flat" cmpd="sng">
+            <a:solidFill>
+              <a:srgbClr val="CFD8DC"/>
+            </a:solidFill>
+            <a:prstDash val="solid"/>
+            <a:round/>
+            <a:headEnd type="none" w="sm" len="sm"/>
+            <a:tailEnd type="none" w="sm" len="sm"/>
+          </a:ln>
+        </p:spPr>
+        <p:txBody>
+          <a:bodyPr spcFirstLastPara="1" wrap="square" lIns="91425" tIns="91425" rIns="91425" bIns="91425" anchor="ctr" anchorCtr="0">
+            <a:noAutofit/>
+          </a:bodyPr>
+          <a:lstStyle/>
+          <a:p>
+            <a:pPr marL="0" lvl="0" indent="0" algn="l" rtl="0">
+              <a:spcBef>
+                <a:spcPts val="0"/>
+              </a:spcBef>
+              <a:spcAft>
+                <a:spcPts val="0"/>
+              </a:spcAft>
+              <a:buNone/>
+            </a:pPr>
+            <a:endParaRPr/>
+          </a:p>
+        </p:txBody>
+      </p:sp>
+      <p:sp>
+        <p:nvSpPr>
+          <p:cNvPr id="16" name="Google Shape;117;p18">
+            <a:extLst>
+              <a:ext uri="{FF2B5EF4-FFF2-40B4-BE49-F238E27FC236}">
+                <a16:creationId xmlns:a16="http://schemas.microsoft.com/office/drawing/2014/main" id="{90A9BC63-A7C2-4DA3-B69C-537A65C952BB}"/>
+              </a:ext>
+            </a:extLst>
+          </p:cNvPr>
+          <p:cNvSpPr/>
+          <p:nvPr/>
+        </p:nvSpPr>
+        <p:spPr>
+          <a:xfrm>
+            <a:off x="3076915" y="3112748"/>
+            <a:ext cx="1875600" cy="1852800"/>
+          </a:xfrm>
+          <a:prstGeom prst="ellipse">
+            <a:avLst/>
+          </a:prstGeom>
+          <a:noFill/>
+          <a:ln w="9525" cap="flat" cmpd="sng">
+            <a:solidFill>
+              <a:srgbClr val="CFD8DC"/>
+            </a:solidFill>
+            <a:prstDash val="dash"/>
+            <a:round/>
+            <a:headEnd type="none" w="sm" len="sm"/>
+            <a:tailEnd type="none" w="sm" len="sm"/>
+          </a:ln>
+        </p:spPr>
+        <p:txBody>
+          <a:bodyPr spcFirstLastPara="1" wrap="square" lIns="91425" tIns="91425" rIns="91425" bIns="91425" anchor="ctr" anchorCtr="0">
+            <a:noAutofit/>
+          </a:bodyPr>
+          <a:lstStyle/>
+          <a:p>
+            <a:pPr marL="0" lvl="0" indent="0" algn="l" rtl="0">
+              <a:spcBef>
+                <a:spcPts val="0"/>
+              </a:spcBef>
+              <a:spcAft>
+                <a:spcPts val="0"/>
+              </a:spcAft>
+              <a:buNone/>
+            </a:pPr>
+            <a:endParaRPr/>
+          </a:p>
+        </p:txBody>
+      </p:sp>
+      <p:sp>
+        <p:nvSpPr>
+          <p:cNvPr id="17" name="TextBox 16">
+            <a:extLst>
+              <a:ext uri="{FF2B5EF4-FFF2-40B4-BE49-F238E27FC236}">
+                <a16:creationId xmlns:a16="http://schemas.microsoft.com/office/drawing/2014/main" id="{74238533-4E89-4848-9A30-1C600C81E04C}"/>
+              </a:ext>
+            </a:extLst>
+          </p:cNvPr>
+          <p:cNvSpPr txBox="1"/>
+          <p:nvPr/>
+        </p:nvSpPr>
+        <p:spPr>
+          <a:xfrm>
+            <a:off x="4825592" y="2102154"/>
+            <a:ext cx="968400" cy="307777"/>
+          </a:xfrm>
+          <a:prstGeom prst="rect">
+            <a:avLst/>
+          </a:prstGeom>
+          <a:noFill/>
+        </p:spPr>
+        <p:txBody>
+          <a:bodyPr wrap="square">
+            <a:spAutoFit/>
+          </a:bodyPr>
+          <a:lstStyle/>
+          <a:p>
+            <a:r>
+              <a:rPr lang="en-US" sz="1400" dirty="0">
+                <a:solidFill>
+                  <a:schemeClr val="accent2"/>
+                </a:solidFill>
+                <a:latin typeface="Roboto Slab" panose="020B0604020202020204" charset="0"/>
+                <a:ea typeface="Roboto Slab" panose="020B0604020202020204" charset="0"/>
+              </a:rPr>
+              <a:t>Cohesion</a:t>
+            </a:r>
+            <a:endParaRPr lang="en-US" sz="1400" dirty="0">
+              <a:latin typeface="Roboto Slab" panose="020B0604020202020204" charset="0"/>
+              <a:ea typeface="Roboto Slab" panose="020B0604020202020204" charset="0"/>
+            </a:endParaRPr>
+          </a:p>
+        </p:txBody>
+      </p:sp>
+      <p:sp>
+        <p:nvSpPr>
+          <p:cNvPr id="18" name="TextBox 17">
+            <a:extLst>
+              <a:ext uri="{FF2B5EF4-FFF2-40B4-BE49-F238E27FC236}">
+                <a16:creationId xmlns:a16="http://schemas.microsoft.com/office/drawing/2014/main" id="{362EF2AC-5371-4B46-BFF1-B15C68887051}"/>
+              </a:ext>
+            </a:extLst>
+          </p:cNvPr>
+          <p:cNvSpPr txBox="1"/>
+          <p:nvPr/>
+        </p:nvSpPr>
+        <p:spPr>
+          <a:xfrm>
+            <a:off x="3549450" y="3885258"/>
+            <a:ext cx="1079550" cy="307777"/>
+          </a:xfrm>
+          <a:prstGeom prst="rect">
+            <a:avLst/>
+          </a:prstGeom>
+          <a:noFill/>
+        </p:spPr>
+        <p:txBody>
+          <a:bodyPr wrap="square">
+            <a:spAutoFit/>
+          </a:bodyPr>
+          <a:lstStyle/>
+          <a:p>
+            <a:r>
+              <a:rPr lang="en-US" sz="1400" dirty="0">
+                <a:solidFill>
+                  <a:schemeClr val="accent2"/>
+                </a:solidFill>
+                <a:latin typeface="Roboto Slab" panose="020B0604020202020204" charset="0"/>
+                <a:ea typeface="Roboto Slab" panose="020B0604020202020204" charset="0"/>
+              </a:rPr>
+              <a:t>Capability</a:t>
+            </a:r>
+            <a:endParaRPr lang="en-US" sz="1400" dirty="0">
+              <a:latin typeface="Roboto Slab" panose="020B0604020202020204" charset="0"/>
+              <a:ea typeface="Roboto Slab" panose="020B0604020202020204" charset="0"/>
+            </a:endParaRPr>
+          </a:p>
+        </p:txBody>
+      </p:sp>
+      <p:cxnSp>
+        <p:nvCxnSpPr>
+          <p:cNvPr id="22" name="Straight Connector 21">
+            <a:extLst>
+              <a:ext uri="{FF2B5EF4-FFF2-40B4-BE49-F238E27FC236}">
+                <a16:creationId xmlns:a16="http://schemas.microsoft.com/office/drawing/2014/main" id="{F27B163E-A43E-4845-8CF6-C2992D0ED883}"/>
+              </a:ext>
+            </a:extLst>
+          </p:cNvPr>
+          <p:cNvCxnSpPr>
+            <a:stCxn id="8" idx="5"/>
+            <a:endCxn id="15" idx="1"/>
+          </p:cNvCxnSpPr>
+          <p:nvPr/>
+        </p:nvCxnSpPr>
+        <p:spPr>
+          <a:xfrm>
+            <a:off x="3168921" y="2812431"/>
+            <a:ext cx="288523" cy="682350"/>
+          </a:xfrm>
+          <a:prstGeom prst="line">
+            <a:avLst/>
+          </a:prstGeom>
+        </p:spPr>
+        <p:style>
+          <a:lnRef idx="1">
+            <a:schemeClr val="accent1"/>
+          </a:lnRef>
+          <a:fillRef idx="0">
+            <a:schemeClr val="accent1"/>
+          </a:fillRef>
+          <a:effectRef idx="0">
+            <a:schemeClr val="accent1"/>
+          </a:effectRef>
+          <a:fontRef idx="minor">
+            <a:schemeClr val="tx1"/>
+          </a:fontRef>
+        </p:style>
+      </p:cxnSp>
+      <p:cxnSp>
+        <p:nvCxnSpPr>
+          <p:cNvPr id="24" name="Straight Connector 23">
+            <a:extLst>
+              <a:ext uri="{FF2B5EF4-FFF2-40B4-BE49-F238E27FC236}">
+                <a16:creationId xmlns:a16="http://schemas.microsoft.com/office/drawing/2014/main" id="{6A2172F9-98A4-40BD-8795-DE44F4B8E528}"/>
+              </a:ext>
+            </a:extLst>
+          </p:cNvPr>
+          <p:cNvCxnSpPr>
+            <a:endCxn id="15" idx="7"/>
+          </p:cNvCxnSpPr>
+          <p:nvPr/>
+        </p:nvCxnSpPr>
+        <p:spPr>
+          <a:xfrm flipH="1">
+            <a:off x="4571986" y="2929211"/>
+            <a:ext cx="380529" cy="565570"/>
+          </a:xfrm>
+          <a:prstGeom prst="line">
+            <a:avLst/>
+          </a:prstGeom>
+        </p:spPr>
+        <p:style>
+          <a:lnRef idx="1">
+            <a:schemeClr val="accent1"/>
+          </a:lnRef>
+          <a:fillRef idx="0">
+            <a:schemeClr val="accent1"/>
+          </a:fillRef>
+          <a:effectRef idx="0">
+            <a:schemeClr val="accent1"/>
+          </a:effectRef>
+          <a:fontRef idx="minor">
+            <a:schemeClr val="tx1"/>
+          </a:fontRef>
+        </p:style>
+      </p:cxnSp>
+      <p:cxnSp>
+        <p:nvCxnSpPr>
+          <p:cNvPr id="26" name="Straight Connector 25">
+            <a:extLst>
+              <a:ext uri="{FF2B5EF4-FFF2-40B4-BE49-F238E27FC236}">
+                <a16:creationId xmlns:a16="http://schemas.microsoft.com/office/drawing/2014/main" id="{8CFBA97D-243C-4469-A8A9-3867E0763401}"/>
+              </a:ext>
+            </a:extLst>
+          </p:cNvPr>
+          <p:cNvCxnSpPr>
+            <a:stCxn id="8" idx="6"/>
+            <a:endCxn id="13" idx="2"/>
+          </p:cNvCxnSpPr>
+          <p:nvPr/>
+        </p:nvCxnSpPr>
+        <p:spPr>
+          <a:xfrm>
+            <a:off x="3399750" y="2262054"/>
+            <a:ext cx="1116034" cy="0"/>
+          </a:xfrm>
+          <a:prstGeom prst="line">
+            <a:avLst/>
+          </a:prstGeom>
+        </p:spPr>
+        <p:style>
+          <a:lnRef idx="1">
+            <a:schemeClr val="accent1"/>
+          </a:lnRef>
+          <a:fillRef idx="0">
+            <a:schemeClr val="accent1"/>
+          </a:fillRef>
+          <a:effectRef idx="0">
+            <a:schemeClr val="accent1"/>
+          </a:effectRef>
+          <a:fontRef idx="minor">
+            <a:schemeClr val="tx1"/>
+          </a:fontRef>
+        </p:style>
+      </p:cxnSp>
+    </p:spTree>
+    <p:extLst>
+      <p:ext uri="{BB962C8B-B14F-4D97-AF65-F5344CB8AC3E}">
+        <p14:creationId xmlns:p14="http://schemas.microsoft.com/office/powerpoint/2010/main" val="371130814"/>
+      </p:ext>
+    </p:extLst>
+  </p:cSld>
+  <p:clrMapOvr>
+    <a:masterClrMapping/>
+  </p:clrMapOvr>
+</p:sld>
+</file>
+
+<file path=ppt/slides/slide14.xml><?xml version="1.0" encoding="utf-8"?>
 <p:sld xmlns:a="http://schemas.openxmlformats.org/drawingml/2006/main" xmlns:r="http://schemas.openxmlformats.org/officeDocument/2006/relationships" xmlns:p="http://schemas.openxmlformats.org/presentationml/2006/main">
   <p:cSld>
     <p:spTree>
@@ -9643,7 +10855,7 @@
             </a:pPr>
             <a:fld id="{00000000-1234-1234-1234-123412341234}" type="slidenum">
               <a:rPr lang="en"/>
-              <a:t>13</a:t>
+              <a:t>14</a:t>
             </a:fld>
             <a:endParaRPr/>
           </a:p>
@@ -13303,7 +14515,7 @@
 </p:sld>
 </file>
 
-<file path=ppt/slides/slide14.xml><?xml version="1.0" encoding="utf-8"?>
+<file path=ppt/slides/slide15.xml><?xml version="1.0" encoding="utf-8"?>
 <p:sld xmlns:a="http://schemas.openxmlformats.org/drawingml/2006/main" xmlns:r="http://schemas.openxmlformats.org/officeDocument/2006/relationships" xmlns:p="http://schemas.openxmlformats.org/presentationml/2006/main">
   <p:cSld>
     <p:spTree>
@@ -13413,7 +14625,7 @@
             </a:pPr>
             <a:fld id="{00000000-1234-1234-1234-123412341234}" type="slidenum">
               <a:rPr lang="en"/>
-              <a:t>14</a:t>
+              <a:t>15</a:t>
             </a:fld>
             <a:endParaRPr/>
           </a:p>
@@ -13727,10 +14939,10 @@
       </p:sp>
       <p:pic>
         <p:nvPicPr>
-          <p:cNvPr id="3" name="Picture 2" descr="Text&#10;&#10;Description automatically generated">
+          <p:cNvPr id="6" name="Picture 5" descr="Text&#10;&#10;Description automatically generated">
             <a:extLst>
               <a:ext uri="{FF2B5EF4-FFF2-40B4-BE49-F238E27FC236}">
-                <a16:creationId xmlns:a16="http://schemas.microsoft.com/office/drawing/2014/main" id="{CACFB375-6480-4B85-9F55-4F26384956EA}"/>
+                <a16:creationId xmlns:a16="http://schemas.microsoft.com/office/drawing/2014/main" id="{85C23F69-7EBC-44FB-B801-F5BAB690A40F}"/>
               </a:ext>
             </a:extLst>
           </p:cNvPr>
@@ -13747,8 +14959,8 @@
         </p:blipFill>
         <p:spPr>
           <a:xfrm>
-            <a:off x="5459307" y="238664"/>
-            <a:ext cx="2360260" cy="4666172"/>
+            <a:off x="5488977" y="203217"/>
+            <a:ext cx="2437244" cy="4459138"/>
           </a:xfrm>
           <a:prstGeom prst="rect">
             <a:avLst/>
@@ -13769,7 +14981,7 @@
         </p:nvSpPr>
         <p:spPr>
           <a:xfrm>
-            <a:off x="5032021" y="1099043"/>
+            <a:off x="5181546" y="1077574"/>
             <a:ext cx="2787546" cy="1056640"/>
           </a:xfrm>
           <a:prstGeom prst="ellipse">
@@ -13821,7 +15033,7 @@
         </p:nvSpPr>
         <p:spPr>
           <a:xfrm>
-            <a:off x="5425193" y="3277718"/>
+            <a:off x="5410909" y="3234867"/>
             <a:ext cx="2394374" cy="831059"/>
           </a:xfrm>
           <a:prstGeom prst="ellipse">
@@ -13885,7 +15097,7 @@
                             </p:stCondLst>
                             <p:childTnLst>
                               <p:par>
-                                <p:cTn id="5" presetID="1" presetClass="entr" presetSubtype="0" fill="hold" nodeType="clickEffect">
+                                <p:cTn id="5" presetID="10" presetClass="entr" presetSubtype="0" fill="hold" nodeType="clickEffect">
                                   <p:stCondLst>
                                     <p:cond delay="0"/>
                                   </p:stCondLst>
@@ -13908,18 +15120,44 @@
                                         <p:strVal val="visible"/>
                                       </p:to>
                                     </p:set>
+                                    <p:animEffect transition="in" filter="fade">
+                                      <p:cBhvr>
+                                        <p:cTn id="7" dur="500"/>
+                                        <p:tgtEl>
+                                          <p:spTgt spid="5"/>
+                                        </p:tgtEl>
+                                      </p:cBhvr>
+                                    </p:animEffect>
                                   </p:childTnLst>
                                 </p:cTn>
                               </p:par>
+                            </p:childTnLst>
+                          </p:cTn>
+                        </p:par>
+                      </p:childTnLst>
+                    </p:cTn>
+                  </p:par>
+                  <p:par>
+                    <p:cTn id="8" fill="hold">
+                      <p:stCondLst>
+                        <p:cond delay="indefinite"/>
+                      </p:stCondLst>
+                      <p:childTnLst>
+                        <p:par>
+                          <p:cTn id="9" fill="hold">
+                            <p:stCondLst>
+                              <p:cond delay="0"/>
+                            </p:stCondLst>
+                            <p:childTnLst>
                               <p:par>
-                                <p:cTn id="7" presetID="1" presetClass="entr" presetSubtype="0" fill="hold" grpId="0" nodeType="withEffect">
+                                <p:cTn id="10" presetID="10" presetClass="entr" presetSubtype="0" fill="hold" grpId="0" nodeType="clickEffect">
                                   <p:stCondLst>
                                     <p:cond delay="0"/>
                                   </p:stCondLst>
                                   <p:childTnLst>
                                     <p:set>
                                       <p:cBhvr>
-                                        <p:cTn id="8" dur="1" fill="hold">
+                                        <p:cTn id="11" dur="1" fill="hold">
                                           <p:stCondLst>
                                             <p:cond delay="0"/>
                                           </p:stCondLst>
@@ -13935,18 +15173,61 @@
                                         <p:strVal val="visible"/>
                                       </p:to>
                                     </p:set>
+                                    <p:animEffect transition="in" filter="fade">
+                                      <p:cBhvr>
+                                        <p:cTn id="12" dur="500"/>
+                                        <p:tgtEl>
+                                          <p:spTgt spid="16"/>
+                                        </p:tgtEl>
+                                      </p:cBhvr>
+                                    </p:animEffect>
                                   </p:childTnLst>
                                 </p:cTn>
                               </p:par>
                               <p:par>
-                                <p:cTn id="9" presetID="1" presetClass="entr" presetSubtype="0" fill="hold" grpId="0" nodeType="withEffect">
+                                <p:cTn id="13" presetID="10" presetClass="entr" presetSubtype="0" fill="hold" grpId="0" nodeType="withEffect">
                                   <p:stCondLst>
                                     <p:cond delay="0"/>
                                   </p:stCondLst>
                                   <p:childTnLst>
                                     <p:set>
                                       <p:cBhvr>
-                                        <p:cTn id="10" dur="1" fill="hold">
+                                        <p:cTn id="14" dur="1" fill="hold">
+                                          <p:stCondLst>
+                                            <p:cond delay="0"/>
+                                          </p:stCondLst>
+                                        </p:cTn>
+                                        <p:tgtEl>
+                                          <p:spTgt spid="24"/>
+                                        </p:tgtEl>
+                                        <p:attrNameLst>
+                                          <p:attrName>style.visibility</p:attrName>
+                                        </p:attrNameLst>
+                                      </p:cBhvr>
+                                      <p:to>
+                                        <p:strVal val="visible"/>
+                                      </p:to>
+                                    </p:set>
+                                    <p:animEffect transition="in" filter="fade">
+                                      <p:cBhvr>
+                                        <p:cTn id="15" dur="500"/>
+                                        <p:tgtEl>
+                                          <p:spTgt spid="24"/>
+                                        </p:tgtEl>
+                                      </p:cBhvr>
+                                    </p:animEffect>
+                                  </p:childTnLst>
+                                </p:cTn>
+                              </p:par>
+                              <p:par>
+                                <p:cTn id="16" presetID="10" presetClass="entr" presetSubtype="0" fill="hold" grpId="0" nodeType="withEffect">
+                                  <p:stCondLst>
+                                    <p:cond delay="0"/>
+                                  </p:stCondLst>
+                                  <p:childTnLst>
+                                    <p:set>
+                                      <p:cBhvr>
+                                        <p:cTn id="17" dur="1" fill="hold">
                                           <p:stCondLst>
                                             <p:cond delay="0"/>
                                           </p:stCondLst>
@@ -13962,18 +15243,26 @@
                                         <p:strVal val="visible"/>
                                       </p:to>
                                     </p:set>
+                                    <p:animEffect transition="in" filter="fade">
+                                      <p:cBhvr>
+                                        <p:cTn id="18" dur="500"/>
+                                        <p:tgtEl>
+                                          <p:spTgt spid="20"/>
+                                        </p:tgtEl>
+                                      </p:cBhvr>
+                                    </p:animEffect>
                                   </p:childTnLst>
                                 </p:cTn>
                               </p:par>
                               <p:par>
-                                <p:cTn id="11" presetID="1" presetClass="entr" presetSubtype="0" fill="hold" grpId="0" nodeType="withEffect">
+                                <p:cTn id="19" presetID="10" presetClass="entr" presetSubtype="0" fill="hold" grpId="0" nodeType="withEffect">
                                   <p:stCondLst>
                                     <p:cond delay="0"/>
                                   </p:stCondLst>
                                   <p:childTnLst>
                                     <p:set>
                                       <p:cBhvr>
-                                        <p:cTn id="12" dur="1" fill="hold">
+                                        <p:cTn id="20" dur="1" fill="hold">
                                           <p:stCondLst>
                                             <p:cond delay="0"/>
                                           </p:stCondLst>
@@ -13989,18 +15278,26 @@
                                         <p:strVal val="visible"/>
                                       </p:to>
                                     </p:set>
+                                    <p:animEffect transition="in" filter="fade">
+                                      <p:cBhvr>
+                                        <p:cTn id="21" dur="500"/>
+                                        <p:tgtEl>
+                                          <p:spTgt spid="21"/>
+                                        </p:tgtEl>
+                                      </p:cBhvr>
+                                    </p:animEffect>
                                   </p:childTnLst>
                                 </p:cTn>
                               </p:par>
                               <p:par>
-                                <p:cTn id="13" presetID="1" presetClass="entr" presetSubtype="0" fill="hold" grpId="0" nodeType="withEffect">
+                                <p:cTn id="22" presetID="10" presetClass="entr" presetSubtype="0" fill="hold" grpId="0" nodeType="withEffect">
                                   <p:stCondLst>
                                     <p:cond delay="0"/>
                                   </p:stCondLst>
                                   <p:childTnLst>
                                     <p:set>
                                       <p:cBhvr>
-                                        <p:cTn id="14" dur="1" fill="hold">
+                                        <p:cTn id="23" dur="1" fill="hold">
                                           <p:stCondLst>
                                             <p:cond delay="0"/>
                                           </p:stCondLst>
@@ -14016,18 +15313,26 @@
                                         <p:strVal val="visible"/>
                                       </p:to>
                                     </p:set>
+                                    <p:animEffect transition="in" filter="fade">
+                                      <p:cBhvr>
+                                        <p:cTn id="24" dur="500"/>
+                                        <p:tgtEl>
+                                          <p:spTgt spid="22"/>
+                                        </p:tgtEl>
+                                      </p:cBhvr>
+                                    </p:animEffect>
                                   </p:childTnLst>
                                 </p:cTn>
                               </p:par>
                               <p:par>
-                                <p:cTn id="15" presetID="1" presetClass="entr" presetSubtype="0" fill="hold" grpId="0" nodeType="withEffect">
+                                <p:cTn id="25" presetID="10" presetClass="entr" presetSubtype="0" fill="hold" grpId="0" nodeType="withEffect">
                                   <p:stCondLst>
                                     <p:cond delay="0"/>
                                   </p:stCondLst>
                                   <p:childTnLst>
                                     <p:set>
                                       <p:cBhvr>
-                                        <p:cTn id="16" dur="1" fill="hold">
+                                        <p:cTn id="26" dur="1" fill="hold">
                                           <p:stCondLst>
                                             <p:cond delay="0"/>
                                           </p:stCondLst>
@@ -14043,45 +15348,44 @@
                                         <p:strVal val="visible"/>
                                       </p:to>
                                     </p:set>
+                                    <p:animEffect transition="in" filter="fade">
+                                      <p:cBhvr>
+                                        <p:cTn id="27" dur="500"/>
+                                        <p:tgtEl>
+                                          <p:spTgt spid="23"/>
+                                        </p:tgtEl>
+                                      </p:cBhvr>
+                                    </p:animEffect>
                                   </p:childTnLst>
                                 </p:cTn>
                               </p:par>
+                            </p:childTnLst>
+                          </p:cTn>
+                        </p:par>
+                      </p:childTnLst>
+                    </p:cTn>
+                  </p:par>
+                  <p:par>
+                    <p:cTn id="28" fill="hold">
+                      <p:stCondLst>
+                        <p:cond delay="indefinite"/>
+                      </p:stCondLst>
+                      <p:childTnLst>
+                        <p:par>
+                          <p:cTn id="29" fill="hold">
+                            <p:stCondLst>
+                              <p:cond delay="0"/>
+                            </p:stCondLst>
+                            <p:childTnLst>
                               <p:par>
-                                <p:cTn id="17" presetID="1" presetClass="entr" presetSubtype="0" fill="hold" grpId="0" nodeType="withEffect">
+                                <p:cTn id="30" presetID="10" presetClass="entr" presetSubtype="0" fill="hold" grpId="0" nodeType="clickEffect">
                                   <p:stCondLst>
                                     <p:cond delay="0"/>
                                   </p:stCondLst>
                                   <p:childTnLst>
                                     <p:set>
                                       <p:cBhvr>
-                                        <p:cTn id="18" dur="1" fill="hold">
-                                          <p:stCondLst>
-                                            <p:cond delay="0"/>
-                                          </p:stCondLst>
-                                        </p:cTn>
-                                        <p:tgtEl>
-                                          <p:spTgt spid="24"/>
-                                        </p:tgtEl>
-                                        <p:attrNameLst>
-                                          <p:attrName>style.visibility</p:attrName>
-                                        </p:attrNameLst>
-                                      </p:cBhvr>
-                                      <p:to>
-                                        <p:strVal val="visible"/>
-                                      </p:to>
-                                    </p:set>
-                                  </p:childTnLst>
-                                </p:cTn>
-                              </p:par>
-                              <p:par>
-                                <p:cTn id="19" presetID="1" presetClass="entr" presetSubtype="0" fill="hold" grpId="0" nodeType="withEffect">
-                                  <p:stCondLst>
-                                    <p:cond delay="0"/>
-                                  </p:stCondLst>
-                                  <p:childTnLst>
-                                    <p:set>
-                                      <p:cBhvr>
-                                        <p:cTn id="20" dur="1" fill="hold">
+                                        <p:cTn id="31" dur="1" fill="hold">
                                           <p:stCondLst>
                                             <p:cond delay="0"/>
                                           </p:stCondLst>
@@ -14097,18 +15401,61 @@
                                         <p:strVal val="visible"/>
                                       </p:to>
                                     </p:set>
+                                    <p:animEffect transition="in" filter="fade">
+                                      <p:cBhvr>
+                                        <p:cTn id="32" dur="500"/>
+                                        <p:tgtEl>
+                                          <p:spTgt spid="11"/>
+                                        </p:tgtEl>
+                                      </p:cBhvr>
+                                    </p:animEffect>
                                   </p:childTnLst>
                                 </p:cTn>
                               </p:par>
                               <p:par>
-                                <p:cTn id="21" presetID="1" presetClass="entr" presetSubtype="0" fill="hold" grpId="0" nodeType="withEffect">
+                                <p:cTn id="33" presetID="10" presetClass="entr" presetSubtype="0" fill="hold" nodeType="withEffect">
                                   <p:stCondLst>
                                     <p:cond delay="0"/>
                                   </p:stCondLst>
                                   <p:childTnLst>
                                     <p:set>
                                       <p:cBhvr>
-                                        <p:cTn id="22" dur="1" fill="hold">
+                                        <p:cTn id="34" dur="1" fill="hold">
+                                          <p:stCondLst>
+                                            <p:cond delay="0"/>
+                                          </p:stCondLst>
+                                        </p:cTn>
+                                        <p:tgtEl>
+                                          <p:spTgt spid="6"/>
+                                        </p:tgtEl>
+                                        <p:attrNameLst>
+                                          <p:attrName>style.visibility</p:attrName>
+                                        </p:attrNameLst>
+                                      </p:cBhvr>
+                                      <p:to>
+                                        <p:strVal val="visible"/>
+                                      </p:to>
+                                    </p:set>
+                                    <p:animEffect transition="in" filter="fade">
+                                      <p:cBhvr>
+                                        <p:cTn id="35" dur="500"/>
+                                        <p:tgtEl>
+                                          <p:spTgt spid="6"/>
+                                        </p:tgtEl>
+                                      </p:cBhvr>
+                                    </p:animEffect>
+                                  </p:childTnLst>
+                                </p:cTn>
+                              </p:par>
+                              <p:par>
+                                <p:cTn id="36" presetID="10" presetClass="entr" presetSubtype="0" fill="hold" grpId="0" nodeType="withEffect">
+                                  <p:stCondLst>
+                                    <p:cond delay="0"/>
+                                  </p:stCondLst>
+                                  <p:childTnLst>
+                                    <p:set>
+                                      <p:cBhvr>
+                                        <p:cTn id="37" dur="1" fill="hold">
                                           <p:stCondLst>
                                             <p:cond delay="0"/>
                                           </p:stCondLst>
@@ -14124,6 +15471,14 @@
                                         <p:strVal val="visible"/>
                                       </p:to>
                                     </p:set>
+                                    <p:animEffect transition="in" filter="fade">
+                                      <p:cBhvr>
+                                        <p:cTn id="38" dur="500"/>
+                                        <p:tgtEl>
+                                          <p:spTgt spid="14"/>
+                                        </p:tgtEl>
+                                      </p:cBhvr>
+                                    </p:animEffect>
                                   </p:childTnLst>
                                 </p:cTn>
                               </p:par>
@@ -14168,7 +15523,590 @@
 </p:sld>
 </file>
 
-<file path=ppt/slides/slide15.xml><?xml version="1.0" encoding="utf-8"?>
+<file path=ppt/slides/slide16.xml><?xml version="1.0" encoding="utf-8"?>
+<p:sld xmlns:a="http://schemas.openxmlformats.org/drawingml/2006/main" xmlns:r="http://schemas.openxmlformats.org/officeDocument/2006/relationships" xmlns:p="http://schemas.openxmlformats.org/presentationml/2006/main">
+  <p:cSld>
+    <p:spTree>
+      <p:nvGrpSpPr>
+        <p:cNvPr id="1" name=""/>
+        <p:cNvGrpSpPr/>
+        <p:nvPr/>
+      </p:nvGrpSpPr>
+      <p:grpSpPr>
+        <a:xfrm>
+          <a:off x="0" y="0"/>
+          <a:ext cx="0" cy="0"/>
+          <a:chOff x="0" y="0"/>
+          <a:chExt cx="0" cy="0"/>
+        </a:xfrm>
+      </p:grpSpPr>
+      <p:sp>
+        <p:nvSpPr>
+          <p:cNvPr id="2" name="Title 1">
+            <a:extLst>
+              <a:ext uri="{FF2B5EF4-FFF2-40B4-BE49-F238E27FC236}">
+                <a16:creationId xmlns:a16="http://schemas.microsoft.com/office/drawing/2014/main" id="{A935458C-1023-4DCF-994D-CA3D674D9F01}"/>
+              </a:ext>
+            </a:extLst>
+          </p:cNvPr>
+          <p:cNvSpPr>
+            <a:spLocks noGrp="1"/>
+          </p:cNvSpPr>
+          <p:nvPr>
+            <p:ph type="title"/>
+          </p:nvPr>
+        </p:nvSpPr>
+        <p:spPr/>
+        <p:txBody>
+          <a:bodyPr/>
+          <a:lstStyle/>
+          <a:p>
+            <a:r>
+              <a:rPr lang="en-US" dirty="0"/>
+              <a:t>Emergent Patterns</a:t>
+            </a:r>
+          </a:p>
+        </p:txBody>
+      </p:sp>
+      <p:sp>
+        <p:nvSpPr>
+          <p:cNvPr id="3" name="Text Placeholder 2">
+            <a:extLst>
+              <a:ext uri="{FF2B5EF4-FFF2-40B4-BE49-F238E27FC236}">
+                <a16:creationId xmlns:a16="http://schemas.microsoft.com/office/drawing/2014/main" id="{ECB1F62A-C855-460C-9CA3-D23BCA043C59}"/>
+              </a:ext>
+            </a:extLst>
+          </p:cNvPr>
+          <p:cNvSpPr>
+            <a:spLocks noGrp="1"/>
+          </p:cNvSpPr>
+          <p:nvPr>
+            <p:ph type="body" idx="1"/>
+          </p:nvPr>
+        </p:nvSpPr>
+        <p:spPr>
+          <a:xfrm>
+            <a:off x="786137" y="1200150"/>
+            <a:ext cx="6428774" cy="3725700"/>
+          </a:xfrm>
+        </p:spPr>
+        <p:txBody>
+          <a:bodyPr/>
+          <a:lstStyle/>
+          <a:p>
+            <a:r>
+              <a:rPr lang="en-US" dirty="0">
+                <a:solidFill>
+                  <a:schemeClr val="accent2"/>
+                </a:solidFill>
+              </a:rPr>
+              <a:t>C</a:t>
+            </a:r>
+            <a:r>
+              <a:rPr lang="en-US" dirty="0"/>
+              <a:t>ommand </a:t>
+            </a:r>
+            <a:r>
+              <a:rPr lang="en-US" dirty="0">
+                <a:solidFill>
+                  <a:schemeClr val="accent2"/>
+                </a:solidFill>
+              </a:rPr>
+              <a:t>Q</a:t>
+            </a:r>
+            <a:r>
+              <a:rPr lang="en-US" dirty="0"/>
+              <a:t>uery </a:t>
+            </a:r>
+            <a:r>
+              <a:rPr lang="en-US" dirty="0">
+                <a:solidFill>
+                  <a:schemeClr val="accent2"/>
+                </a:solidFill>
+              </a:rPr>
+              <a:t>R</a:t>
+            </a:r>
+            <a:r>
+              <a:rPr lang="en-US" dirty="0"/>
+              <a:t>esponsibility </a:t>
+            </a:r>
+            <a:r>
+              <a:rPr lang="en-US" dirty="0">
+                <a:solidFill>
+                  <a:schemeClr val="accent2"/>
+                </a:solidFill>
+              </a:rPr>
+              <a:t>S</a:t>
+            </a:r>
+            <a:r>
+              <a:rPr lang="en-US" dirty="0"/>
+              <a:t>egregation</a:t>
+            </a:r>
+          </a:p>
+          <a:p>
+            <a:r>
+              <a:rPr lang="en-US" dirty="0">
+                <a:solidFill>
+                  <a:schemeClr val="accent2"/>
+                </a:solidFill>
+              </a:rPr>
+              <a:t>D</a:t>
+            </a:r>
+            <a:r>
+              <a:rPr lang="en-US" dirty="0"/>
+              <a:t>omain-</a:t>
+            </a:r>
+            <a:r>
+              <a:rPr lang="en-US" dirty="0">
+                <a:solidFill>
+                  <a:schemeClr val="accent2"/>
+                </a:solidFill>
+              </a:rPr>
+              <a:t>D</a:t>
+            </a:r>
+            <a:r>
+              <a:rPr lang="en-US" dirty="0"/>
+              <a:t>riven </a:t>
+            </a:r>
+            <a:r>
+              <a:rPr lang="en-US" dirty="0">
+                <a:solidFill>
+                  <a:schemeClr val="accent2"/>
+                </a:solidFill>
+              </a:rPr>
+              <a:t>D</a:t>
+            </a:r>
+            <a:r>
+              <a:rPr lang="en-US" dirty="0"/>
+              <a:t>esign</a:t>
+            </a:r>
+          </a:p>
+          <a:p>
+            <a:r>
+              <a:rPr lang="en-US" dirty="0"/>
+              <a:t>Higher order tests</a:t>
+            </a:r>
+          </a:p>
+          <a:p>
+            <a:r>
+              <a:rPr lang="en-US" dirty="0"/>
+              <a:t>Group by feature</a:t>
+            </a:r>
+          </a:p>
+          <a:p>
+            <a:endParaRPr lang="en-US" dirty="0"/>
+          </a:p>
+        </p:txBody>
+      </p:sp>
+      <p:sp>
+        <p:nvSpPr>
+          <p:cNvPr id="5" name="Slide Number Placeholder 4">
+            <a:extLst>
+              <a:ext uri="{FF2B5EF4-FFF2-40B4-BE49-F238E27FC236}">
+                <a16:creationId xmlns:a16="http://schemas.microsoft.com/office/drawing/2014/main" id="{AA524C0A-1B6B-4C5E-96D0-93FC7A5FCF47}"/>
+              </a:ext>
+            </a:extLst>
+          </p:cNvPr>
+          <p:cNvSpPr>
+            <a:spLocks noGrp="1"/>
+          </p:cNvSpPr>
+          <p:nvPr>
+            <p:ph type="sldNum" idx="12"/>
+          </p:nvPr>
+        </p:nvSpPr>
+        <p:spPr/>
+        <p:txBody>
+          <a:bodyPr/>
+          <a:lstStyle/>
+          <a:p>
+            <a:pPr marL="0" lvl="0" indent="0" algn="r" rtl="0">
+              <a:spcBef>
+                <a:spcPts val="0"/>
+              </a:spcBef>
+              <a:spcAft>
+                <a:spcPts val="0"/>
+              </a:spcAft>
+              <a:buNone/>
+            </a:pPr>
+            <a:fld id="{00000000-1234-1234-1234-123412341234}" type="slidenum">
+              <a:rPr lang="en" smtClean="0"/>
+              <a:t>16</a:t>
+            </a:fld>
+            <a:endParaRPr lang="en"/>
+          </a:p>
+        </p:txBody>
+      </p:sp>
+      <p:pic>
+        <p:nvPicPr>
+          <p:cNvPr id="6" name="Picture 5" descr="A picture containing graphical user interface&#10;&#10;Description automatically generated">
+            <a:extLst>
+              <a:ext uri="{FF2B5EF4-FFF2-40B4-BE49-F238E27FC236}">
+                <a16:creationId xmlns:a16="http://schemas.microsoft.com/office/drawing/2014/main" id="{9DD7F16E-8F12-47CE-9FEF-A8F4623F3CF7}"/>
+              </a:ext>
+            </a:extLst>
+          </p:cNvPr>
+          <p:cNvPicPr>
+            <a:picLocks noChangeAspect="1"/>
+          </p:cNvPicPr>
+          <p:nvPr/>
+        </p:nvPicPr>
+        <p:blipFill>
+          <a:blip r:embed="rId3"/>
+          <a:stretch>
+            <a:fillRect/>
+          </a:stretch>
+        </p:blipFill>
+        <p:spPr>
+          <a:xfrm>
+            <a:off x="3125802" y="2628751"/>
+            <a:ext cx="5943692" cy="2092180"/>
+          </a:xfrm>
+          <a:prstGeom prst="rect">
+            <a:avLst/>
+          </a:prstGeom>
+        </p:spPr>
+      </p:pic>
+    </p:spTree>
+    <p:extLst>
+      <p:ext uri="{BB962C8B-B14F-4D97-AF65-F5344CB8AC3E}">
+        <p14:creationId xmlns:p14="http://schemas.microsoft.com/office/powerpoint/2010/main" val="3183254241"/>
+      </p:ext>
+    </p:extLst>
+  </p:cSld>
+  <p:clrMapOvr>
+    <a:masterClrMapping/>
+  </p:clrMapOvr>
+  <p:timing>
+    <p:tnLst>
+      <p:par>
+        <p:cTn id="1" dur="indefinite" restart="never" nodeType="tmRoot">
+          <p:childTnLst>
+            <p:seq concurrent="1" nextAc="seek">
+              <p:cTn id="2" dur="indefinite" nodeType="mainSeq">
+                <p:childTnLst>
+                  <p:par>
+                    <p:cTn id="3" fill="hold">
+                      <p:stCondLst>
+                        <p:cond delay="indefinite"/>
+                      </p:stCondLst>
+                      <p:childTnLst>
+                        <p:par>
+                          <p:cTn id="4" fill="hold">
+                            <p:stCondLst>
+                              <p:cond delay="0"/>
+                            </p:stCondLst>
+                            <p:childTnLst>
+                              <p:par>
+                                <p:cTn id="5" presetID="10" presetClass="entr" presetSubtype="0" fill="hold" nodeType="clickEffect">
+                                  <p:stCondLst>
+                                    <p:cond delay="0"/>
+                                  </p:stCondLst>
+                                  <p:childTnLst>
+                                    <p:set>
+                                      <p:cBhvr>
+                                        <p:cTn id="6" dur="1" fill="hold">
+                                          <p:stCondLst>
+                                            <p:cond delay="0"/>
+                                          </p:stCondLst>
+                                        </p:cTn>
+                                        <p:tgtEl>
+                                          <p:spTgt spid="3">
+                                            <p:txEl>
+                                              <p:pRg st="0" end="0"/>
+                                            </p:txEl>
+                                          </p:spTgt>
+                                        </p:tgtEl>
+                                        <p:attrNameLst>
+                                          <p:attrName>style.visibility</p:attrName>
+                                        </p:attrNameLst>
+                                      </p:cBhvr>
+                                      <p:to>
+                                        <p:strVal val="visible"/>
+                                      </p:to>
+                                    </p:set>
+                                    <p:animEffect transition="in" filter="fade">
+                                      <p:cBhvr>
+                                        <p:cTn id="7" dur="500"/>
+                                        <p:tgtEl>
+                                          <p:spTgt spid="3">
+                                            <p:txEl>
+                                              <p:pRg st="0" end="0"/>
+                                            </p:txEl>
+                                          </p:spTgt>
+                                        </p:tgtEl>
+                                      </p:cBhvr>
+                                    </p:animEffect>
+                                  </p:childTnLst>
+                                </p:cTn>
+                              </p:par>
+                            </p:childTnLst>
+                          </p:cTn>
+                        </p:par>
+                      </p:childTnLst>
+                    </p:cTn>
+                  </p:par>
+                  <p:par>
+                    <p:cTn id="8" fill="hold">
+                      <p:stCondLst>
+                        <p:cond delay="indefinite"/>
+                      </p:stCondLst>
+                      <p:childTnLst>
+                        <p:par>
+                          <p:cTn id="9" fill="hold">
+                            <p:stCondLst>
+                              <p:cond delay="0"/>
+                            </p:stCondLst>
+                            <p:childTnLst>
+                              <p:par>
+                                <p:cTn id="10" presetID="10" presetClass="entr" presetSubtype="0" fill="hold" nodeType="clickEffect">
+                                  <p:stCondLst>
+                                    <p:cond delay="0"/>
+                                  </p:stCondLst>
+                                  <p:childTnLst>
+                                    <p:set>
+                                      <p:cBhvr>
+                                        <p:cTn id="11" dur="1" fill="hold">
+                                          <p:stCondLst>
+                                            <p:cond delay="0"/>
+                                          </p:stCondLst>
+                                        </p:cTn>
+                                        <p:tgtEl>
+                                          <p:spTgt spid="3">
+                                            <p:txEl>
+                                              <p:pRg st="1" end="1"/>
+                                            </p:txEl>
+                                          </p:spTgt>
+                                        </p:tgtEl>
+                                        <p:attrNameLst>
+                                          <p:attrName>style.visibility</p:attrName>
+                                        </p:attrNameLst>
+                                      </p:cBhvr>
+                                      <p:to>
+                                        <p:strVal val="visible"/>
+                                      </p:to>
+                                    </p:set>
+                                    <p:animEffect transition="in" filter="fade">
+                                      <p:cBhvr>
+                                        <p:cTn id="12" dur="500"/>
+                                        <p:tgtEl>
+                                          <p:spTgt spid="3">
+                                            <p:txEl>
+                                              <p:pRg st="1" end="1"/>
+                                            </p:txEl>
+                                          </p:spTgt>
+                                        </p:tgtEl>
+                                      </p:cBhvr>
+                                    </p:animEffect>
+                                  </p:childTnLst>
+                                </p:cTn>
+                              </p:par>
+                            </p:childTnLst>
+                          </p:cTn>
+                        </p:par>
+                      </p:childTnLst>
+                    </p:cTn>
+                  </p:par>
+                  <p:par>
+                    <p:cTn id="13" fill="hold">
+                      <p:stCondLst>
+                        <p:cond delay="indefinite"/>
+                      </p:stCondLst>
+                      <p:childTnLst>
+                        <p:par>
+                          <p:cTn id="14" fill="hold">
+                            <p:stCondLst>
+                              <p:cond delay="0"/>
+                            </p:stCondLst>
+                            <p:childTnLst>
+                              <p:par>
+                                <p:cTn id="15" presetID="10" presetClass="entr" presetSubtype="0" fill="hold" nodeType="clickEffect">
+                                  <p:stCondLst>
+                                    <p:cond delay="0"/>
+                                  </p:stCondLst>
+                                  <p:childTnLst>
+                                    <p:set>
+                                      <p:cBhvr>
+                                        <p:cTn id="16" dur="1" fill="hold">
+                                          <p:stCondLst>
+                                            <p:cond delay="0"/>
+                                          </p:stCondLst>
+                                        </p:cTn>
+                                        <p:tgtEl>
+                                          <p:spTgt spid="3">
+                                            <p:txEl>
+                                              <p:pRg st="2" end="2"/>
+                                            </p:txEl>
+                                          </p:spTgt>
+                                        </p:tgtEl>
+                                        <p:attrNameLst>
+                                          <p:attrName>style.visibility</p:attrName>
+                                        </p:attrNameLst>
+                                      </p:cBhvr>
+                                      <p:to>
+                                        <p:strVal val="visible"/>
+                                      </p:to>
+                                    </p:set>
+                                    <p:animEffect transition="in" filter="fade">
+                                      <p:cBhvr>
+                                        <p:cTn id="17" dur="500"/>
+                                        <p:tgtEl>
+                                          <p:spTgt spid="3">
+                                            <p:txEl>
+                                              <p:pRg st="2" end="2"/>
+                                            </p:txEl>
+                                          </p:spTgt>
+                                        </p:tgtEl>
+                                      </p:cBhvr>
+                                    </p:animEffect>
+                                  </p:childTnLst>
+                                </p:cTn>
+                              </p:par>
+                            </p:childTnLst>
+                          </p:cTn>
+                        </p:par>
+                      </p:childTnLst>
+                    </p:cTn>
+                  </p:par>
+                  <p:par>
+                    <p:cTn id="18" fill="hold">
+                      <p:stCondLst>
+                        <p:cond delay="indefinite"/>
+                      </p:stCondLst>
+                      <p:childTnLst>
+                        <p:par>
+                          <p:cTn id="19" fill="hold">
+                            <p:stCondLst>
+                              <p:cond delay="0"/>
+                            </p:stCondLst>
+                            <p:childTnLst>
+                              <p:par>
+                                <p:cTn id="20" presetID="10" presetClass="entr" presetSubtype="0" fill="hold" nodeType="clickEffect">
+                                  <p:stCondLst>
+                                    <p:cond delay="0"/>
+                                  </p:stCondLst>
+                                  <p:childTnLst>
+                                    <p:set>
+                                      <p:cBhvr>
+                                        <p:cTn id="21" dur="1" fill="hold">
+                                          <p:stCondLst>
+                                            <p:cond delay="0"/>
+                                          </p:stCondLst>
+                                        </p:cTn>
+                                        <p:tgtEl>
+                                          <p:spTgt spid="3">
+                                            <p:txEl>
+                                              <p:pRg st="3" end="3"/>
+                                            </p:txEl>
+                                          </p:spTgt>
+                                        </p:tgtEl>
+                                        <p:attrNameLst>
+                                          <p:attrName>style.visibility</p:attrName>
+                                        </p:attrNameLst>
+                                      </p:cBhvr>
+                                      <p:to>
+                                        <p:strVal val="visible"/>
+                                      </p:to>
+                                    </p:set>
+                                    <p:animEffect transition="in" filter="fade">
+                                      <p:cBhvr>
+                                        <p:cTn id="22" dur="500"/>
+                                        <p:tgtEl>
+                                          <p:spTgt spid="3">
+                                            <p:txEl>
+                                              <p:pRg st="3" end="3"/>
+                                            </p:txEl>
+                                          </p:spTgt>
+                                        </p:tgtEl>
+                                      </p:cBhvr>
+                                    </p:animEffect>
+                                  </p:childTnLst>
+                                </p:cTn>
+                              </p:par>
+                            </p:childTnLst>
+                          </p:cTn>
+                        </p:par>
+                      </p:childTnLst>
+                    </p:cTn>
+                  </p:par>
+                  <p:par>
+                    <p:cTn id="23" fill="hold">
+                      <p:stCondLst>
+                        <p:cond delay="indefinite"/>
+                      </p:stCondLst>
+                      <p:childTnLst>
+                        <p:par>
+                          <p:cTn id="24" fill="hold">
+                            <p:stCondLst>
+                              <p:cond delay="0"/>
+                            </p:stCondLst>
+                            <p:childTnLst>
+                              <p:par>
+                                <p:cTn id="25" presetID="10" presetClass="entr" presetSubtype="0" fill="hold" nodeType="clickEffect">
+                                  <p:stCondLst>
+                                    <p:cond delay="0"/>
+                                  </p:stCondLst>
+                                  <p:childTnLst>
+                                    <p:set>
+                                      <p:cBhvr>
+                                        <p:cTn id="26" dur="1" fill="hold">
+                                          <p:stCondLst>
+                                            <p:cond delay="0"/>
+                                          </p:stCondLst>
+                                        </p:cTn>
+                                        <p:tgtEl>
+                                          <p:spTgt spid="6"/>
+                                        </p:tgtEl>
+                                        <p:attrNameLst>
+                                          <p:attrName>style.visibility</p:attrName>
+                                        </p:attrNameLst>
+                                      </p:cBhvr>
+                                      <p:to>
+                                        <p:strVal val="visible"/>
+                                      </p:to>
+                                    </p:set>
+                                    <p:animEffect transition="in" filter="fade">
+                                      <p:cBhvr>
+                                        <p:cTn id="27" dur="500"/>
+                                        <p:tgtEl>
+                                          <p:spTgt spid="6"/>
+                                        </p:tgtEl>
+                                      </p:cBhvr>
+                                    </p:animEffect>
+                                  </p:childTnLst>
+                                </p:cTn>
+                              </p:par>
+                            </p:childTnLst>
+                          </p:cTn>
+                        </p:par>
+                      </p:childTnLst>
+                    </p:cTn>
+                  </p:par>
+                </p:childTnLst>
+              </p:cTn>
+              <p:prevCondLst>
+                <p:cond evt="onPrev" delay="0">
+                  <p:tgtEl>
+                    <p:sldTgt/>
+                  </p:tgtEl>
+                </p:cond>
+              </p:prevCondLst>
+              <p:nextCondLst>
+                <p:cond evt="onNext" delay="0">
+                  <p:tgtEl>
+                    <p:sldTgt/>
+                  </p:tgtEl>
+                </p:cond>
+              </p:nextCondLst>
+            </p:seq>
+          </p:childTnLst>
+        </p:cTn>
+      </p:par>
+    </p:tnLst>
+  </p:timing>
+</p:sld>
+</file>
+
+<file path=ppt/slides/slide17.xml><?xml version="1.0" encoding="utf-8"?>
 <p:sld xmlns:a="http://schemas.openxmlformats.org/drawingml/2006/main" xmlns:r="http://schemas.openxmlformats.org/officeDocument/2006/relationships" xmlns:p="http://schemas.openxmlformats.org/presentationml/2006/main">
   <p:cSld>
     <p:spTree>
@@ -14308,7 +16246,7 @@
             </a:pPr>
             <a:fld id="{00000000-1234-1234-1234-123412341234}" type="slidenum">
               <a:rPr lang="en" smtClean="0"/>
-              <a:t>15</a:t>
+              <a:t>17</a:t>
             </a:fld>
             <a:endParaRPr lang="en"/>
           </a:p>
@@ -14345,7 +16283,7 @@
                             </p:stCondLst>
                             <p:childTnLst>
                               <p:par>
-                                <p:cTn id="5" presetID="1" presetClass="entr" presetSubtype="0" fill="hold" nodeType="clickEffect">
+                                <p:cTn id="5" presetID="10" presetClass="entr" presetSubtype="0" fill="hold" nodeType="clickEffect">
                                   <p:stCondLst>
                                     <p:cond delay="0"/>
                                   </p:stCondLst>
@@ -14372,6 +16310,18 @@
                                         <p:strVal val="visible"/>
                                       </p:to>
                                     </p:set>
+                                    <p:animEffect transition="in" filter="fade">
+                                      <p:cBhvr>
+                                        <p:cTn id="7" dur="500"/>
+                                        <p:tgtEl>
+                                          <p:spTgt spid="3">
+                                            <p:txEl>
+                                              <p:pRg st="0" end="0"/>
+                                            </p:txEl>
+                                          </p:spTgt>
+                                        </p:tgtEl>
+                                      </p:cBhvr>
+                                    </p:animEffect>
                                   </p:childTnLst>
                                 </p:cTn>
                               </p:par>
@@ -14382,26 +16332,26 @@
                     </p:cTn>
                   </p:par>
                   <p:par>
-                    <p:cTn id="7" fill="hold">
+                    <p:cTn id="8" fill="hold">
                       <p:stCondLst>
                         <p:cond delay="indefinite"/>
                       </p:stCondLst>
                       <p:childTnLst>
                         <p:par>
-                          <p:cTn id="8" fill="hold">
+                          <p:cTn id="9" fill="hold">
                             <p:stCondLst>
                               <p:cond delay="0"/>
                             </p:stCondLst>
                             <p:childTnLst>
                               <p:par>
-                                <p:cTn id="9" presetID="1" presetClass="entr" presetSubtype="0" fill="hold" nodeType="clickEffect">
+                                <p:cTn id="10" presetID="10" presetClass="entr" presetSubtype="0" fill="hold" nodeType="clickEffect">
                                   <p:stCondLst>
                                     <p:cond delay="0"/>
                                   </p:stCondLst>
                                   <p:childTnLst>
                                     <p:set>
                                       <p:cBhvr>
-                                        <p:cTn id="10" dur="1" fill="hold">
+                                        <p:cTn id="11" dur="1" fill="hold">
                                           <p:stCondLst>
                                             <p:cond delay="0"/>
                                           </p:stCondLst>
@@ -14421,6 +16371,18 @@
                                         <p:strVal val="visible"/>
                                       </p:to>
                                     </p:set>
+                                    <p:animEffect transition="in" filter="fade">
+                                      <p:cBhvr>
+                                        <p:cTn id="12" dur="500"/>
+                                        <p:tgtEl>
+                                          <p:spTgt spid="3">
+                                            <p:txEl>
+                                              <p:pRg st="1" end="1"/>
+                                            </p:txEl>
+                                          </p:spTgt>
+                                        </p:tgtEl>
+                                      </p:cBhvr>
+                                    </p:animEffect>
                                   </p:childTnLst>
                                 </p:cTn>
                               </p:par>
@@ -14431,26 +16393,26 @@
                     </p:cTn>
                   </p:par>
                   <p:par>
-                    <p:cTn id="11" fill="hold">
+                    <p:cTn id="13" fill="hold">
                       <p:stCondLst>
                         <p:cond delay="indefinite"/>
                       </p:stCondLst>
                       <p:childTnLst>
                         <p:par>
-                          <p:cTn id="12" fill="hold">
+                          <p:cTn id="14" fill="hold">
                             <p:stCondLst>
                               <p:cond delay="0"/>
                             </p:stCondLst>
                             <p:childTnLst>
                               <p:par>
-                                <p:cTn id="13" presetID="1" presetClass="entr" presetSubtype="0" fill="hold" nodeType="clickEffect">
+                                <p:cTn id="15" presetID="10" presetClass="entr" presetSubtype="0" fill="hold" nodeType="clickEffect">
                                   <p:stCondLst>
                                     <p:cond delay="0"/>
                                   </p:stCondLst>
                                   <p:childTnLst>
                                     <p:set>
                                       <p:cBhvr>
-                                        <p:cTn id="14" dur="1" fill="hold">
+                                        <p:cTn id="16" dur="1" fill="hold">
                                           <p:stCondLst>
                                             <p:cond delay="0"/>
                                           </p:stCondLst>
@@ -14470,6 +16432,18 @@
                                         <p:strVal val="visible"/>
                                       </p:to>
                                     </p:set>
+                                    <p:animEffect transition="in" filter="fade">
+                                      <p:cBhvr>
+                                        <p:cTn id="17" dur="500"/>
+                                        <p:tgtEl>
+                                          <p:spTgt spid="3">
+                                            <p:txEl>
+                                              <p:pRg st="2" end="2"/>
+                                            </p:txEl>
+                                          </p:spTgt>
+                                        </p:tgtEl>
+                                      </p:cBhvr>
+                                    </p:animEffect>
                                   </p:childTnLst>
                                 </p:cTn>
                               </p:par>
@@ -14480,26 +16454,26 @@
                     </p:cTn>
                   </p:par>
                   <p:par>
-                    <p:cTn id="15" fill="hold">
+                    <p:cTn id="18" fill="hold">
                       <p:stCondLst>
                         <p:cond delay="indefinite"/>
                       </p:stCondLst>
                       <p:childTnLst>
                         <p:par>
-                          <p:cTn id="16" fill="hold">
+                          <p:cTn id="19" fill="hold">
                             <p:stCondLst>
                               <p:cond delay="0"/>
                             </p:stCondLst>
                             <p:childTnLst>
                               <p:par>
-                                <p:cTn id="17" presetID="1" presetClass="entr" presetSubtype="0" fill="hold" nodeType="clickEffect">
+                                <p:cTn id="20" presetID="10" presetClass="entr" presetSubtype="0" fill="hold" nodeType="clickEffect">
                                   <p:stCondLst>
                                     <p:cond delay="0"/>
                                   </p:stCondLst>
                                   <p:childTnLst>
                                     <p:set>
                                       <p:cBhvr>
-                                        <p:cTn id="18" dur="1" fill="hold">
+                                        <p:cTn id="21" dur="1" fill="hold">
                                           <p:stCondLst>
                                             <p:cond delay="0"/>
                                           </p:stCondLst>
@@ -14519,55 +16493,18 @@
                                         <p:strVal val="visible"/>
                                       </p:to>
                                     </p:set>
-                                  </p:childTnLst>
-                                </p:cTn>
-                              </p:par>
-                            </p:childTnLst>
-                          </p:cTn>
-                        </p:par>
-                      </p:childTnLst>
-                    </p:cTn>
-                  </p:par>
-                  <p:par>
-                    <p:cTn id="19" fill="hold">
-                      <p:stCondLst>
-                        <p:cond delay="indefinite"/>
-                      </p:stCondLst>
-                      <p:childTnLst>
-                        <p:par>
-                          <p:cTn id="20" fill="hold">
-                            <p:stCondLst>
-                              <p:cond delay="0"/>
-                            </p:stCondLst>
-                            <p:childTnLst>
-                              <p:par>
-                                <p:cTn id="21" presetID="1" presetClass="entr" presetSubtype="0" fill="hold" nodeType="clickEffect">
-                                  <p:stCondLst>
-                                    <p:cond delay="0"/>
-                                  </p:stCondLst>
-                                  <p:childTnLst>
-                                    <p:set>
+                                    <p:animEffect transition="in" filter="fade">
                                       <p:cBhvr>
-                                        <p:cTn id="22" dur="1" fill="hold">
-                                          <p:stCondLst>
-                                            <p:cond delay="0"/>
-                                          </p:stCondLst>
-                                        </p:cTn>
+                                        <p:cTn id="22" dur="500"/>
                                         <p:tgtEl>
                                           <p:spTgt spid="3">
                                             <p:txEl>
-                                              <p:pRg st="4" end="4"/>
+                                              <p:pRg st="3" end="3"/>
                                             </p:txEl>
                                           </p:spTgt>
                                         </p:tgtEl>
-                                        <p:attrNameLst>
-                                          <p:attrName>style.visibility</p:attrName>
-                                        </p:attrNameLst>
                                       </p:cBhvr>
-                                      <p:to>
-                                        <p:strVal val="visible"/>
-                                      </p:to>
-                                    </p:set>
+                                    </p:animEffect>
                                   </p:childTnLst>
                                 </p:cTn>
                               </p:par>
@@ -14590,7 +16527,7 @@
                             </p:stCondLst>
                             <p:childTnLst>
                               <p:par>
-                                <p:cTn id="25" presetID="1" presetClass="entr" presetSubtype="0" fill="hold" nodeType="clickEffect">
+                                <p:cTn id="25" presetID="10" presetClass="entr" presetSubtype="0" fill="hold" nodeType="clickEffect">
                                   <p:stCondLst>
                                     <p:cond delay="0"/>
                                   </p:stCondLst>
@@ -14598,6 +16535,67 @@
                                     <p:set>
                                       <p:cBhvr>
                                         <p:cTn id="26" dur="1" fill="hold">
+                                          <p:stCondLst>
+                                            <p:cond delay="0"/>
+                                          </p:stCondLst>
+                                        </p:cTn>
+                                        <p:tgtEl>
+                                          <p:spTgt spid="3">
+                                            <p:txEl>
+                                              <p:pRg st="4" end="4"/>
+                                            </p:txEl>
+                                          </p:spTgt>
+                                        </p:tgtEl>
+                                        <p:attrNameLst>
+                                          <p:attrName>style.visibility</p:attrName>
+                                        </p:attrNameLst>
+                                      </p:cBhvr>
+                                      <p:to>
+                                        <p:strVal val="visible"/>
+                                      </p:to>
+                                    </p:set>
+                                    <p:animEffect transition="in" filter="fade">
+                                      <p:cBhvr>
+                                        <p:cTn id="27" dur="500"/>
+                                        <p:tgtEl>
+                                          <p:spTgt spid="3">
+                                            <p:txEl>
+                                              <p:pRg st="4" end="4"/>
+                                            </p:txEl>
+                                          </p:spTgt>
+                                        </p:tgtEl>
+                                      </p:cBhvr>
+                                    </p:animEffect>
+                                  </p:childTnLst>
+                                </p:cTn>
+                              </p:par>
+                            </p:childTnLst>
+                          </p:cTn>
+                        </p:par>
+                      </p:childTnLst>
+                    </p:cTn>
+                  </p:par>
+                  <p:par>
+                    <p:cTn id="28" fill="hold">
+                      <p:stCondLst>
+                        <p:cond delay="indefinite"/>
+                      </p:stCondLst>
+                      <p:childTnLst>
+                        <p:par>
+                          <p:cTn id="29" fill="hold">
+                            <p:stCondLst>
+                              <p:cond delay="0"/>
+                            </p:stCondLst>
+                            <p:childTnLst>
+                              <p:par>
+                                <p:cTn id="30" presetID="10" presetClass="entr" presetSubtype="0" fill="hold" nodeType="clickEffect">
+                                  <p:stCondLst>
+                                    <p:cond delay="0"/>
+                                  </p:stCondLst>
+                                  <p:childTnLst>
+                                    <p:set>
+                                      <p:cBhvr>
+                                        <p:cTn id="31" dur="1" fill="hold">
                                           <p:stCondLst>
                                             <p:cond delay="0"/>
                                           </p:stCondLst>
@@ -14617,6 +16615,18 @@
                                         <p:strVal val="visible"/>
                                       </p:to>
                                     </p:set>
+                                    <p:animEffect transition="in" filter="fade">
+                                      <p:cBhvr>
+                                        <p:cTn id="32" dur="500"/>
+                                        <p:tgtEl>
+                                          <p:spTgt spid="3">
+                                            <p:txEl>
+                                              <p:pRg st="5" end="5"/>
+                                            </p:txEl>
+                                          </p:spTgt>
+                                        </p:tgtEl>
+                                      </p:cBhvr>
+                                    </p:animEffect>
                                   </p:childTnLst>
                                 </p:cTn>
                               </p:par>
@@ -14651,7 +16661,7 @@
 </p:sld>
 </file>
 
-<file path=ppt/slides/slide16.xml><?xml version="1.0" encoding="utf-8"?>
+<file path=ppt/slides/slide18.xml><?xml version="1.0" encoding="utf-8"?>
 <p:sld xmlns:a="http://schemas.openxmlformats.org/drawingml/2006/main" xmlns:r="http://schemas.openxmlformats.org/officeDocument/2006/relationships" xmlns:p="http://schemas.openxmlformats.org/presentationml/2006/main">
   <p:cSld>
     <p:spTree>
@@ -14724,7 +16734,7 @@
           <a:p>
             <a:r>
               <a:rPr lang="en-US" dirty="0"/>
-              <a:t>Good domain design skills</a:t>
+              <a:t>Domain design skills</a:t>
             </a:r>
           </a:p>
           <a:p>
@@ -14799,7 +16809,7 @@
             </a:pPr>
             <a:fld id="{00000000-1234-1234-1234-123412341234}" type="slidenum">
               <a:rPr lang="en" smtClean="0"/>
-              <a:t>16</a:t>
+              <a:t>18</a:t>
             </a:fld>
             <a:endParaRPr lang="en"/>
           </a:p>
@@ -14836,7 +16846,7 @@
                             </p:stCondLst>
                             <p:childTnLst>
                               <p:par>
-                                <p:cTn id="5" presetID="1" presetClass="entr" presetSubtype="0" fill="hold" nodeType="clickEffect">
+                                <p:cTn id="5" presetID="10" presetClass="entr" presetSubtype="0" fill="hold" nodeType="clickEffect">
                                   <p:stCondLst>
                                     <p:cond delay="0"/>
                                   </p:stCondLst>
@@ -14863,6 +16873,18 @@
                                         <p:strVal val="visible"/>
                                       </p:to>
                                     </p:set>
+                                    <p:animEffect transition="in" filter="fade">
+                                      <p:cBhvr>
+                                        <p:cTn id="7" dur="500"/>
+                                        <p:tgtEl>
+                                          <p:spTgt spid="3">
+                                            <p:txEl>
+                                              <p:pRg st="0" end="0"/>
+                                            </p:txEl>
+                                          </p:spTgt>
+                                        </p:tgtEl>
+                                      </p:cBhvr>
+                                    </p:animEffect>
                                   </p:childTnLst>
                                 </p:cTn>
                               </p:par>
@@ -14873,26 +16895,26 @@
                     </p:cTn>
                   </p:par>
                   <p:par>
-                    <p:cTn id="7" fill="hold">
+                    <p:cTn id="8" fill="hold">
                       <p:stCondLst>
                         <p:cond delay="indefinite"/>
                       </p:stCondLst>
                       <p:childTnLst>
                         <p:par>
-                          <p:cTn id="8" fill="hold">
+                          <p:cTn id="9" fill="hold">
                             <p:stCondLst>
                               <p:cond delay="0"/>
                             </p:stCondLst>
                             <p:childTnLst>
                               <p:par>
-                                <p:cTn id="9" presetID="1" presetClass="entr" presetSubtype="0" fill="hold" nodeType="clickEffect">
+                                <p:cTn id="10" presetID="10" presetClass="entr" presetSubtype="0" fill="hold" nodeType="clickEffect">
                                   <p:stCondLst>
                                     <p:cond delay="0"/>
                                   </p:stCondLst>
                                   <p:childTnLst>
                                     <p:set>
                                       <p:cBhvr>
-                                        <p:cTn id="10" dur="1" fill="hold">
+                                        <p:cTn id="11" dur="1" fill="hold">
                                           <p:stCondLst>
                                             <p:cond delay="0"/>
                                           </p:stCondLst>
@@ -14912,6 +16934,18 @@
                                         <p:strVal val="visible"/>
                                       </p:to>
                                     </p:set>
+                                    <p:animEffect transition="in" filter="fade">
+                                      <p:cBhvr>
+                                        <p:cTn id="12" dur="500"/>
+                                        <p:tgtEl>
+                                          <p:spTgt spid="3">
+                                            <p:txEl>
+                                              <p:pRg st="2" end="2"/>
+                                            </p:txEl>
+                                          </p:spTgt>
+                                        </p:tgtEl>
+                                      </p:cBhvr>
+                                    </p:animEffect>
                                   </p:childTnLst>
                                 </p:cTn>
                               </p:par>
@@ -14922,26 +16956,26 @@
                     </p:cTn>
                   </p:par>
                   <p:par>
-                    <p:cTn id="11" fill="hold">
+                    <p:cTn id="13" fill="hold">
                       <p:stCondLst>
                         <p:cond delay="indefinite"/>
                       </p:stCondLst>
                       <p:childTnLst>
                         <p:par>
-                          <p:cTn id="12" fill="hold">
+                          <p:cTn id="14" fill="hold">
                             <p:stCondLst>
                               <p:cond delay="0"/>
                             </p:stCondLst>
                             <p:childTnLst>
                               <p:par>
-                                <p:cTn id="13" presetID="1" presetClass="entr" presetSubtype="0" fill="hold" nodeType="clickEffect">
+                                <p:cTn id="15" presetID="10" presetClass="entr" presetSubtype="0" fill="hold" nodeType="clickEffect">
                                   <p:stCondLst>
                                     <p:cond delay="0"/>
                                   </p:stCondLst>
                                   <p:childTnLst>
                                     <p:set>
                                       <p:cBhvr>
-                                        <p:cTn id="14" dur="1" fill="hold">
+                                        <p:cTn id="16" dur="1" fill="hold">
                                           <p:stCondLst>
                                             <p:cond delay="0"/>
                                           </p:stCondLst>
@@ -14961,6 +16995,18 @@
                                         <p:strVal val="visible"/>
                                       </p:to>
                                     </p:set>
+                                    <p:animEffect transition="in" filter="fade">
+                                      <p:cBhvr>
+                                        <p:cTn id="17" dur="500"/>
+                                        <p:tgtEl>
+                                          <p:spTgt spid="3">
+                                            <p:txEl>
+                                              <p:pRg st="4" end="4"/>
+                                            </p:txEl>
+                                          </p:spTgt>
+                                        </p:tgtEl>
+                                      </p:cBhvr>
+                                    </p:animEffect>
                                   </p:childTnLst>
                                 </p:cTn>
                               </p:par>
@@ -14971,26 +17017,26 @@
                     </p:cTn>
                   </p:par>
                   <p:par>
-                    <p:cTn id="15" fill="hold">
+                    <p:cTn id="18" fill="hold">
                       <p:stCondLst>
                         <p:cond delay="indefinite"/>
                       </p:stCondLst>
                       <p:childTnLst>
                         <p:par>
-                          <p:cTn id="16" fill="hold">
+                          <p:cTn id="19" fill="hold">
                             <p:stCondLst>
                               <p:cond delay="0"/>
                             </p:stCondLst>
                             <p:childTnLst>
                               <p:par>
-                                <p:cTn id="17" presetID="1" presetClass="entr" presetSubtype="0" fill="hold" nodeType="clickEffect">
+                                <p:cTn id="20" presetID="10" presetClass="entr" presetSubtype="0" fill="hold" nodeType="clickEffect">
                                   <p:stCondLst>
                                     <p:cond delay="0"/>
                                   </p:stCondLst>
                                   <p:childTnLst>
                                     <p:set>
                                       <p:cBhvr>
-                                        <p:cTn id="18" dur="1" fill="hold">
+                                        <p:cTn id="21" dur="1" fill="hold">
                                           <p:stCondLst>
                                             <p:cond delay="0"/>
                                           </p:stCondLst>
@@ -15010,6 +17056,18 @@
                                         <p:strVal val="visible"/>
                                       </p:to>
                                     </p:set>
+                                    <p:animEffect transition="in" filter="fade">
+                                      <p:cBhvr>
+                                        <p:cTn id="22" dur="500"/>
+                                        <p:tgtEl>
+                                          <p:spTgt spid="3">
+                                            <p:txEl>
+                                              <p:pRg st="6" end="6"/>
+                                            </p:txEl>
+                                          </p:spTgt>
+                                        </p:tgtEl>
+                                      </p:cBhvr>
+                                    </p:animEffect>
                                   </p:childTnLst>
                                 </p:cTn>
                               </p:par>
@@ -15044,7 +17102,586 @@
 </p:sld>
 </file>
 
-<file path=ppt/slides/slide17.xml><?xml version="1.0" encoding="utf-8"?>
+<file path=ppt/slides/slide19.xml><?xml version="1.0" encoding="utf-8"?>
+<p:sld xmlns:a="http://schemas.openxmlformats.org/drawingml/2006/main" xmlns:r="http://schemas.openxmlformats.org/officeDocument/2006/relationships" xmlns:p="http://schemas.openxmlformats.org/presentationml/2006/main">
+  <p:cSld>
+    <p:spTree>
+      <p:nvGrpSpPr>
+        <p:cNvPr id="1" name=""/>
+        <p:cNvGrpSpPr/>
+        <p:nvPr/>
+      </p:nvGrpSpPr>
+      <p:grpSpPr>
+        <a:xfrm>
+          <a:off x="0" y="0"/>
+          <a:ext cx="0" cy="0"/>
+          <a:chOff x="0" y="0"/>
+          <a:chExt cx="0" cy="0"/>
+        </a:xfrm>
+      </p:grpSpPr>
+      <p:sp>
+        <p:nvSpPr>
+          <p:cNvPr id="10" name="Title 1">
+            <a:extLst>
+              <a:ext uri="{FF2B5EF4-FFF2-40B4-BE49-F238E27FC236}">
+                <a16:creationId xmlns:a16="http://schemas.microsoft.com/office/drawing/2014/main" id="{D61931FA-0B56-220C-D5CC-6CADCA5BE4C3}"/>
+              </a:ext>
+            </a:extLst>
+          </p:cNvPr>
+          <p:cNvSpPr>
+            <a:spLocks noGrp="1"/>
+          </p:cNvSpPr>
+          <p:nvPr>
+            <p:ph type="ctrTitle"/>
+          </p:nvPr>
+        </p:nvSpPr>
+        <p:spPr>
+          <a:xfrm>
+            <a:off x="1127185" y="655607"/>
+            <a:ext cx="6745857" cy="4060166"/>
+          </a:xfrm>
+        </p:spPr>
+        <p:txBody>
+          <a:bodyPr/>
+          <a:lstStyle/>
+          <a:p>
+            <a:r>
+              <a:rPr lang="en-US" dirty="0"/>
+              <a:t>You will still have </a:t>
+            </a:r>
+            <a:r>
+              <a:rPr lang="en-US" dirty="0">
+                <a:solidFill>
+                  <a:schemeClr val="accent2"/>
+                </a:solidFill>
+              </a:rPr>
+              <a:t>cross-cutting</a:t>
+            </a:r>
+            <a:r>
+              <a:rPr lang="en-US" dirty="0"/>
+              <a:t> code</a:t>
+            </a:r>
+          </a:p>
+        </p:txBody>
+      </p:sp>
+      <p:sp>
+        <p:nvSpPr>
+          <p:cNvPr id="5" name="Slide Number Placeholder 4" hidden="1">
+            <a:extLst>
+              <a:ext uri="{FF2B5EF4-FFF2-40B4-BE49-F238E27FC236}">
+                <a16:creationId xmlns:a16="http://schemas.microsoft.com/office/drawing/2014/main" id="{B18477BC-ED00-4767-96CB-4772E474FFF7}"/>
+              </a:ext>
+            </a:extLst>
+          </p:cNvPr>
+          <p:cNvSpPr>
+            <a:spLocks noGrp="1"/>
+          </p:cNvSpPr>
+          <p:nvPr>
+            <p:ph type="sldNum" idx="4294967295"/>
+          </p:nvPr>
+        </p:nvSpPr>
+        <p:spPr>
+          <a:xfrm>
+            <a:off x="8404384" y="4749851"/>
+            <a:ext cx="548700" cy="393600"/>
+          </a:xfrm>
+        </p:spPr>
+        <p:txBody>
+          <a:bodyPr/>
+          <a:lstStyle/>
+          <a:p>
+            <a:pPr marL="0" lvl="0" indent="0" algn="r" rtl="0">
+              <a:spcBef>
+                <a:spcPts val="0"/>
+              </a:spcBef>
+              <a:spcAft>
+                <a:spcPts val="600"/>
+              </a:spcAft>
+              <a:buNone/>
+            </a:pPr>
+            <a:fld id="{00000000-1234-1234-1234-123412341234}" type="slidenum">
+              <a:rPr lang="en" smtClean="0"/>
+              <a:pPr marL="0" lvl="0" indent="0" algn="r" rtl="0">
+                <a:spcBef>
+                  <a:spcPts val="0"/>
+                </a:spcBef>
+                <a:spcAft>
+                  <a:spcPts val="600"/>
+                </a:spcAft>
+                <a:buNone/>
+              </a:pPr>
+              <a:t>19</a:t>
+            </a:fld>
+            <a:endParaRPr lang="en"/>
+          </a:p>
+        </p:txBody>
+      </p:sp>
+    </p:spTree>
+    <p:extLst>
+      <p:ext uri="{BB962C8B-B14F-4D97-AF65-F5344CB8AC3E}">
+        <p14:creationId xmlns:p14="http://schemas.microsoft.com/office/powerpoint/2010/main" val="4063205716"/>
+      </p:ext>
+    </p:extLst>
+  </p:cSld>
+  <p:clrMapOvr>
+    <a:masterClrMapping/>
+  </p:clrMapOvr>
+</p:sld>
+</file>
+
+<file path=ppt/slides/slide2.xml><?xml version="1.0" encoding="utf-8"?>
+<p:sld xmlns:a="http://schemas.openxmlformats.org/drawingml/2006/main" xmlns:r="http://schemas.openxmlformats.org/officeDocument/2006/relationships" xmlns:p="http://schemas.openxmlformats.org/presentationml/2006/main">
+  <p:cSld>
+    <p:spTree>
+      <p:nvGrpSpPr>
+        <p:cNvPr id="1" name="Shape 96"/>
+        <p:cNvGrpSpPr/>
+        <p:nvPr/>
+      </p:nvGrpSpPr>
+      <p:grpSpPr>
+        <a:xfrm>
+          <a:off x="0" y="0"/>
+          <a:ext cx="0" cy="0"/>
+          <a:chOff x="0" y="0"/>
+          <a:chExt cx="0" cy="0"/>
+        </a:xfrm>
+      </p:grpSpPr>
+      <p:sp>
+        <p:nvSpPr>
+          <p:cNvPr id="97" name="Google Shape;97;p15"/>
+          <p:cNvSpPr txBox="1">
+            <a:spLocks noGrp="1"/>
+          </p:cNvSpPr>
+          <p:nvPr>
+            <p:ph type="ctrTitle"/>
+          </p:nvPr>
+        </p:nvSpPr>
+        <p:spPr>
+          <a:xfrm>
+            <a:off x="1546025" y="1754794"/>
+            <a:ext cx="5832600" cy="1159800"/>
+          </a:xfrm>
+          <a:prstGeom prst="rect">
+            <a:avLst/>
+          </a:prstGeom>
+        </p:spPr>
+        <p:txBody>
+          <a:bodyPr spcFirstLastPara="1" wrap="square" lIns="91425" tIns="91425" rIns="91425" bIns="91425" anchor="b" anchorCtr="0">
+            <a:noAutofit/>
+          </a:bodyPr>
+          <a:lstStyle/>
+          <a:p>
+            <a:pPr marL="0" lvl="0" indent="0" algn="l" rtl="0">
+              <a:spcBef>
+                <a:spcPts val="0"/>
+              </a:spcBef>
+              <a:spcAft>
+                <a:spcPts val="0"/>
+              </a:spcAft>
+              <a:buNone/>
+            </a:pPr>
+            <a:r>
+              <a:rPr lang="en" sz="6000" dirty="0">
+                <a:solidFill>
+                  <a:schemeClr val="accent4"/>
+                </a:solidFill>
+              </a:rPr>
+              <a:t>1.</a:t>
+            </a:r>
+            <a:endParaRPr sz="6000" dirty="0">
+              <a:solidFill>
+                <a:schemeClr val="accent4"/>
+              </a:solidFill>
+            </a:endParaRPr>
+          </a:p>
+          <a:p>
+            <a:pPr marL="0" lvl="0" indent="0" algn="l" rtl="0">
+              <a:spcBef>
+                <a:spcPts val="0"/>
+              </a:spcBef>
+              <a:spcAft>
+                <a:spcPts val="0"/>
+              </a:spcAft>
+              <a:buNone/>
+            </a:pPr>
+            <a:r>
+              <a:rPr lang="en" dirty="0"/>
+              <a:t>Clean Architecture</a:t>
+            </a:r>
+            <a:endParaRPr dirty="0"/>
+          </a:p>
+        </p:txBody>
+      </p:sp>
+      <p:sp>
+        <p:nvSpPr>
+          <p:cNvPr id="98" name="Google Shape;98;p15"/>
+          <p:cNvSpPr txBox="1">
+            <a:spLocks noGrp="1"/>
+          </p:cNvSpPr>
+          <p:nvPr>
+            <p:ph type="subTitle" idx="1"/>
+          </p:nvPr>
+        </p:nvSpPr>
+        <p:spPr>
+          <a:xfrm>
+            <a:off x="1546025" y="2660703"/>
+            <a:ext cx="5832600" cy="1738340"/>
+          </a:xfrm>
+          <a:prstGeom prst="rect">
+            <a:avLst/>
+          </a:prstGeom>
+        </p:spPr>
+        <p:txBody>
+          <a:bodyPr spcFirstLastPara="1" wrap="square" lIns="91425" tIns="91425" rIns="91425" bIns="91425" anchor="t" anchorCtr="0">
+            <a:noAutofit/>
+          </a:bodyPr>
+          <a:lstStyle/>
+          <a:p>
+            <a:pPr marL="0" lvl="0" indent="0" algn="l" rtl="0">
+              <a:spcBef>
+                <a:spcPts val="0"/>
+              </a:spcBef>
+              <a:spcAft>
+                <a:spcPts val="0"/>
+              </a:spcAft>
+              <a:buNone/>
+            </a:pPr>
+            <a:r>
+              <a:rPr lang="en-US" dirty="0">
+                <a:solidFill>
+                  <a:schemeClr val="accent6"/>
+                </a:solidFill>
+              </a:rPr>
+              <a:t>a</a:t>
+            </a:r>
+            <a:r>
+              <a:rPr lang="en" dirty="0">
+                <a:solidFill>
+                  <a:schemeClr val="accent6"/>
+                </a:solidFill>
+              </a:rPr>
+              <a:t>lso known as</a:t>
+            </a:r>
+          </a:p>
+          <a:p>
+            <a:pPr marL="0" lvl="0" indent="0" algn="l" rtl="0">
+              <a:spcBef>
+                <a:spcPts val="0"/>
+              </a:spcBef>
+              <a:spcAft>
+                <a:spcPts val="0"/>
+              </a:spcAft>
+              <a:buNone/>
+            </a:pPr>
+            <a:r>
+              <a:rPr lang="en" dirty="0"/>
+              <a:t>Ports &amp; Adapters</a:t>
+            </a:r>
+          </a:p>
+          <a:p>
+            <a:pPr marL="0" lvl="0" indent="0" algn="l" rtl="0">
+              <a:spcBef>
+                <a:spcPts val="0"/>
+              </a:spcBef>
+              <a:spcAft>
+                <a:spcPts val="0"/>
+              </a:spcAft>
+              <a:buNone/>
+            </a:pPr>
+            <a:r>
+              <a:rPr lang="en" dirty="0"/>
+              <a:t>Hexagonal</a:t>
+            </a:r>
+          </a:p>
+          <a:p>
+            <a:pPr marL="0" lvl="0" indent="0" algn="l" rtl="0">
+              <a:spcBef>
+                <a:spcPts val="0"/>
+              </a:spcBef>
+              <a:spcAft>
+                <a:spcPts val="0"/>
+              </a:spcAft>
+              <a:buNone/>
+            </a:pPr>
+            <a:r>
+              <a:rPr lang="en" dirty="0"/>
+              <a:t>Onion </a:t>
+            </a:r>
+            <a:endParaRPr dirty="0"/>
+          </a:p>
+        </p:txBody>
+      </p:sp>
+      <p:sp>
+        <p:nvSpPr>
+          <p:cNvPr id="99" name="Google Shape;99;p15"/>
+          <p:cNvSpPr txBox="1">
+            <a:spLocks noGrp="1"/>
+          </p:cNvSpPr>
+          <p:nvPr>
+            <p:ph type="sldNum" idx="4294967295"/>
+          </p:nvPr>
+        </p:nvSpPr>
+        <p:spPr>
+          <a:xfrm>
+            <a:off x="8404384" y="4749851"/>
+            <a:ext cx="548700" cy="393600"/>
+          </a:xfrm>
+          <a:prstGeom prst="rect">
+            <a:avLst/>
+          </a:prstGeom>
+        </p:spPr>
+        <p:txBody>
+          <a:bodyPr spcFirstLastPara="1" wrap="square" lIns="91425" tIns="91425" rIns="91425" bIns="91425" anchor="t" anchorCtr="0">
+            <a:noAutofit/>
+          </a:bodyPr>
+          <a:lstStyle/>
+          <a:p>
+            <a:pPr marL="0" lvl="0" indent="0" algn="r" rtl="0">
+              <a:spcBef>
+                <a:spcPts val="0"/>
+              </a:spcBef>
+              <a:spcAft>
+                <a:spcPts val="0"/>
+              </a:spcAft>
+              <a:buNone/>
+            </a:pPr>
+            <a:fld id="{00000000-1234-1234-1234-123412341234}" type="slidenum">
+              <a:rPr lang="en"/>
+              <a:t>2</a:t>
+            </a:fld>
+            <a:endParaRPr/>
+          </a:p>
+        </p:txBody>
+      </p:sp>
+    </p:spTree>
+  </p:cSld>
+  <p:clrMapOvr>
+    <a:masterClrMapping/>
+  </p:clrMapOvr>
+  <p:timing>
+    <p:tnLst>
+      <p:par>
+        <p:cTn id="1" dur="indefinite" restart="never" nodeType="tmRoot">
+          <p:childTnLst>
+            <p:seq concurrent="1" nextAc="seek">
+              <p:cTn id="2" dur="indefinite" nodeType="mainSeq">
+                <p:childTnLst>
+                  <p:par>
+                    <p:cTn id="3" fill="hold">
+                      <p:stCondLst>
+                        <p:cond delay="indefinite"/>
+                      </p:stCondLst>
+                      <p:childTnLst>
+                        <p:par>
+                          <p:cTn id="4" fill="hold">
+                            <p:stCondLst>
+                              <p:cond delay="0"/>
+                            </p:stCondLst>
+                            <p:childTnLst>
+                              <p:par>
+                                <p:cTn id="5" presetID="10" presetClass="entr" presetSubtype="0" fill="hold" nodeType="clickEffect">
+                                  <p:stCondLst>
+                                    <p:cond delay="0"/>
+                                  </p:stCondLst>
+                                  <p:childTnLst>
+                                    <p:set>
+                                      <p:cBhvr>
+                                        <p:cTn id="6" dur="1" fill="hold">
+                                          <p:stCondLst>
+                                            <p:cond delay="0"/>
+                                          </p:stCondLst>
+                                        </p:cTn>
+                                        <p:tgtEl>
+                                          <p:spTgt spid="98">
+                                            <p:txEl>
+                                              <p:pRg st="0" end="0"/>
+                                            </p:txEl>
+                                          </p:spTgt>
+                                        </p:tgtEl>
+                                        <p:attrNameLst>
+                                          <p:attrName>style.visibility</p:attrName>
+                                        </p:attrNameLst>
+                                      </p:cBhvr>
+                                      <p:to>
+                                        <p:strVal val="visible"/>
+                                      </p:to>
+                                    </p:set>
+                                    <p:animEffect transition="in" filter="fade">
+                                      <p:cBhvr>
+                                        <p:cTn id="7" dur="500"/>
+                                        <p:tgtEl>
+                                          <p:spTgt spid="98">
+                                            <p:txEl>
+                                              <p:pRg st="0" end="0"/>
+                                            </p:txEl>
+                                          </p:spTgt>
+                                        </p:tgtEl>
+                                      </p:cBhvr>
+                                    </p:animEffect>
+                                  </p:childTnLst>
+                                </p:cTn>
+                              </p:par>
+                              <p:par>
+                                <p:cTn id="8" presetID="10" presetClass="entr" presetSubtype="0" fill="hold" nodeType="withEffect">
+                                  <p:stCondLst>
+                                    <p:cond delay="0"/>
+                                  </p:stCondLst>
+                                  <p:childTnLst>
+                                    <p:set>
+                                      <p:cBhvr>
+                                        <p:cTn id="9" dur="1" fill="hold">
+                                          <p:stCondLst>
+                                            <p:cond delay="0"/>
+                                          </p:stCondLst>
+                                        </p:cTn>
+                                        <p:tgtEl>
+                                          <p:spTgt spid="98">
+                                            <p:txEl>
+                                              <p:pRg st="1" end="1"/>
+                                            </p:txEl>
+                                          </p:spTgt>
+                                        </p:tgtEl>
+                                        <p:attrNameLst>
+                                          <p:attrName>style.visibility</p:attrName>
+                                        </p:attrNameLst>
+                                      </p:cBhvr>
+                                      <p:to>
+                                        <p:strVal val="visible"/>
+                                      </p:to>
+                                    </p:set>
+                                    <p:animEffect transition="in" filter="fade">
+                                      <p:cBhvr>
+                                        <p:cTn id="10" dur="500"/>
+                                        <p:tgtEl>
+                                          <p:spTgt spid="98">
+                                            <p:txEl>
+                                              <p:pRg st="1" end="1"/>
+                                            </p:txEl>
+                                          </p:spTgt>
+                                        </p:tgtEl>
+                                      </p:cBhvr>
+                                    </p:animEffect>
+                                  </p:childTnLst>
+                                </p:cTn>
+                              </p:par>
+                              <p:par>
+                                <p:cTn id="11" presetID="10" presetClass="entr" presetSubtype="0" fill="hold" nodeType="withEffect">
+                                  <p:stCondLst>
+                                    <p:cond delay="0"/>
+                                  </p:stCondLst>
+                                  <p:childTnLst>
+                                    <p:set>
+                                      <p:cBhvr>
+                                        <p:cTn id="12" dur="1" fill="hold">
+                                          <p:stCondLst>
+                                            <p:cond delay="0"/>
+                                          </p:stCondLst>
+                                        </p:cTn>
+                                        <p:tgtEl>
+                                          <p:spTgt spid="98">
+                                            <p:txEl>
+                                              <p:pRg st="2" end="2"/>
+                                            </p:txEl>
+                                          </p:spTgt>
+                                        </p:tgtEl>
+                                        <p:attrNameLst>
+                                          <p:attrName>style.visibility</p:attrName>
+                                        </p:attrNameLst>
+                                      </p:cBhvr>
+                                      <p:to>
+                                        <p:strVal val="visible"/>
+                                      </p:to>
+                                    </p:set>
+                                    <p:animEffect transition="in" filter="fade">
+                                      <p:cBhvr>
+                                        <p:cTn id="13" dur="500"/>
+                                        <p:tgtEl>
+                                          <p:spTgt spid="98">
+                                            <p:txEl>
+                                              <p:pRg st="2" end="2"/>
+                                            </p:txEl>
+                                          </p:spTgt>
+                                        </p:tgtEl>
+                                      </p:cBhvr>
+                                    </p:animEffect>
+                                  </p:childTnLst>
+                                </p:cTn>
+                              </p:par>
+                              <p:par>
+                                <p:cTn id="14" presetID="10" presetClass="entr" presetSubtype="0" fill="hold" nodeType="withEffect">
+                                  <p:stCondLst>
+                                    <p:cond delay="0"/>
+                                  </p:stCondLst>
+                                  <p:childTnLst>
+                                    <p:set>
+                                      <p:cBhvr>
+                                        <p:cTn id="15" dur="1" fill="hold">
+                                          <p:stCondLst>
+                                            <p:cond delay="0"/>
+                                          </p:stCondLst>
+                                        </p:cTn>
+                                        <p:tgtEl>
+                                          <p:spTgt spid="98">
+                                            <p:txEl>
+                                              <p:pRg st="3" end="3"/>
+                                            </p:txEl>
+                                          </p:spTgt>
+                                        </p:tgtEl>
+                                        <p:attrNameLst>
+                                          <p:attrName>style.visibility</p:attrName>
+                                        </p:attrNameLst>
+                                      </p:cBhvr>
+                                      <p:to>
+                                        <p:strVal val="visible"/>
+                                      </p:to>
+                                    </p:set>
+                                    <p:animEffect transition="in" filter="fade">
+                                      <p:cBhvr>
+                                        <p:cTn id="16" dur="500"/>
+                                        <p:tgtEl>
+                                          <p:spTgt spid="98">
+                                            <p:txEl>
+                                              <p:pRg st="3" end="3"/>
+                                            </p:txEl>
+                                          </p:spTgt>
+                                        </p:tgtEl>
+                                      </p:cBhvr>
+                                    </p:animEffect>
+                                  </p:childTnLst>
+                                </p:cTn>
+                              </p:par>
+                            </p:childTnLst>
+                          </p:cTn>
+                        </p:par>
+                      </p:childTnLst>
+                    </p:cTn>
+                  </p:par>
+                </p:childTnLst>
+              </p:cTn>
+              <p:prevCondLst>
+                <p:cond evt="onPrev" delay="0">
+                  <p:tgtEl>
+                    <p:sldTgt/>
+                  </p:tgtEl>
+                </p:cond>
+              </p:prevCondLst>
+              <p:nextCondLst>
+                <p:cond evt="onNext" delay="0">
+                  <p:tgtEl>
+                    <p:sldTgt/>
+                  </p:tgtEl>
+                </p:cond>
+              </p:nextCondLst>
+            </p:seq>
+          </p:childTnLst>
+        </p:cTn>
+      </p:par>
+    </p:tnLst>
+  </p:timing>
+</p:sld>
+</file>
+
+<file path=ppt/slides/slide20.xml><?xml version="1.0" encoding="utf-8"?>
 <p:sld xmlns:a="http://schemas.openxmlformats.org/drawingml/2006/main" xmlns:r="http://schemas.openxmlformats.org/officeDocument/2006/relationships" xmlns:p="http://schemas.openxmlformats.org/presentationml/2006/main">
   <p:cSld>
     <p:spTree>
@@ -15138,7 +17775,7 @@
             </a:pPr>
             <a:fld id="{00000000-1234-1234-1234-123412341234}" type="slidenum">
               <a:rPr lang="en"/>
-              <a:t>17</a:t>
+              <a:t>20</a:t>
             </a:fld>
             <a:endParaRPr dirty="0"/>
           </a:p>
@@ -15214,7 +17851,7 @@
                             </p:stCondLst>
                             <p:childTnLst>
                               <p:par>
-                                <p:cTn id="5" presetID="1" presetClass="entr" presetSubtype="0" fill="hold" grpId="0" nodeType="clickEffect">
+                                <p:cTn id="5" presetID="10" presetClass="entr" presetSubtype="0" fill="hold" grpId="0" nodeType="clickEffect">
                                   <p:stCondLst>
                                     <p:cond delay="0"/>
                                   </p:stCondLst>
@@ -15241,18 +17878,30 @@
                                         <p:strVal val="visible"/>
                                       </p:to>
                                     </p:set>
+                                    <p:animEffect transition="in" filter="fade">
+                                      <p:cBhvr>
+                                        <p:cTn id="7" dur="500"/>
+                                        <p:tgtEl>
+                                          <p:spTgt spid="104">
+                                            <p:txEl>
+                                              <p:pRg st="0" end="0"/>
+                                            </p:txEl>
+                                          </p:spTgt>
+                                        </p:tgtEl>
+                                      </p:cBhvr>
+                                    </p:animEffect>
                                   </p:childTnLst>
                                 </p:cTn>
                               </p:par>
                               <p:par>
-                                <p:cTn id="7" presetID="1" presetClass="entr" presetSubtype="0" fill="hold" grpId="0" nodeType="withEffect">
+                                <p:cTn id="8" presetID="10" presetClass="entr" presetSubtype="0" fill="hold" grpId="0" nodeType="withEffect">
                                   <p:stCondLst>
                                     <p:cond delay="0"/>
                                   </p:stCondLst>
                                   <p:childTnLst>
                                     <p:set>
                                       <p:cBhvr>
-                                        <p:cTn id="8" dur="1" fill="hold">
+                                        <p:cTn id="9" dur="1" fill="hold">
                                           <p:stCondLst>
                                             <p:cond delay="0"/>
                                           </p:stCondLst>
@@ -15268,6 +17917,14 @@
                                         <p:strVal val="visible"/>
                                       </p:to>
                                     </p:set>
+                                    <p:animEffect transition="in" filter="fade">
+                                      <p:cBhvr>
+                                        <p:cTn id="10" dur="500"/>
+                                        <p:tgtEl>
+                                          <p:spTgt spid="2"/>
+                                        </p:tgtEl>
+                                      </p:cBhvr>
+                                    </p:animEffect>
                                   </p:childTnLst>
                                 </p:cTn>
                               </p:par>
@@ -15306,7 +17963,7 @@
 </p:sld>
 </file>
 
-<file path=ppt/slides/slide18.xml><?xml version="1.0" encoding="utf-8"?>
+<file path=ppt/slides/slide21.xml><?xml version="1.0" encoding="utf-8"?>
 <p:sld xmlns:a="http://schemas.openxmlformats.org/drawingml/2006/main" xmlns:r="http://schemas.openxmlformats.org/officeDocument/2006/relationships" xmlns:p="http://schemas.openxmlformats.org/presentationml/2006/main">
   <p:cSld>
     <p:spTree>
@@ -17698,8 +20355,8 @@
         </p:nvSpPr>
         <p:spPr>
           <a:xfrm>
-            <a:off x="786150" y="308120"/>
-            <a:ext cx="7571700" cy="702600"/>
+            <a:off x="30636" y="1087474"/>
+            <a:ext cx="7626525" cy="1446525"/>
           </a:xfrm>
           <a:prstGeom prst="rect">
             <a:avLst/>
@@ -17721,10 +20378,17 @@
               <a:buNone/>
             </a:pPr>
             <a:r>
-              <a:rPr lang="en" dirty="0"/>
-              <a:t>Hybrid Approaches</a:t>
+              <a:rPr lang="en" sz="3600" dirty="0"/>
+              <a:t>Hybrid </a:t>
             </a:r>
-            <a:endParaRPr dirty="0"/>
+            <a:br>
+              <a:rPr lang="en" sz="3600" dirty="0"/>
+            </a:br>
+            <a:r>
+              <a:rPr lang="en" sz="3600" dirty="0"/>
+              <a:t>Approaches</a:t>
+            </a:r>
+            <a:endParaRPr sz="3600" dirty="0"/>
           </a:p>
         </p:txBody>
       </p:sp>
@@ -17766,7 +20430,7 @@
               </a:spcAft>
               <a:buNone/>
             </a:pPr>
-            <a:endParaRPr sz="1800">
+            <a:endParaRPr sz="1800" dirty="0">
               <a:solidFill>
                 <a:srgbClr val="FFFFFF"/>
               </a:solidFill>
@@ -17786,8 +20450,8 @@
         </p:nvSpPr>
         <p:spPr>
           <a:xfrm>
-            <a:off x="5883779" y="2144949"/>
-            <a:ext cx="2625092" cy="2423700"/>
+            <a:off x="4568543" y="148050"/>
+            <a:ext cx="3856351" cy="1715947"/>
           </a:xfrm>
           <a:prstGeom prst="rect">
             <a:avLst/>
@@ -17813,7 +20477,7 @@
               <a:buNone/>
             </a:pPr>
             <a:r>
-              <a:rPr lang="en-US" sz="1800" dirty="0">
+              <a:rPr lang="en-US" sz="2400" dirty="0">
                 <a:solidFill>
                   <a:schemeClr val="accent2"/>
                 </a:solidFill>
@@ -17927,8 +20591,8 @@
         </p:nvSpPr>
         <p:spPr>
           <a:xfrm>
-            <a:off x="192869" y="2144949"/>
-            <a:ext cx="3045908" cy="2423700"/>
+            <a:off x="4572000" y="2144949"/>
+            <a:ext cx="4307806" cy="2185511"/>
           </a:xfrm>
           <a:prstGeom prst="rect">
             <a:avLst/>
@@ -17958,7 +20622,7 @@
               <a:buNone/>
             </a:pPr>
             <a:r>
-              <a:rPr lang="en-US" sz="1800" dirty="0">
+              <a:rPr lang="en-US" sz="2400" dirty="0">
                 <a:solidFill>
                   <a:schemeClr val="accent2"/>
                 </a:solidFill>
@@ -18173,7 +20837,7 @@
             </a:pPr>
             <a:fld id="{00000000-1234-1234-1234-123412341234}" type="slidenum">
               <a:rPr lang="en"/>
-              <a:t>18</a:t>
+              <a:t>21</a:t>
             </a:fld>
             <a:endParaRPr/>
           </a:p>
@@ -18184,10 +20848,162 @@
   <p:clrMapOvr>
     <a:masterClrMapping/>
   </p:clrMapOvr>
+  <mc:AlternateContent xmlns:mc="http://schemas.openxmlformats.org/markup-compatibility/2006" xmlns:p14="http://schemas.microsoft.com/office/powerpoint/2010/main">
+    <mc:Choice Requires="p14">
+      <p:transition spd="med" p14:dur="700">
+        <p:fade/>
+      </p:transition>
+    </mc:Choice>
+    <mc:Fallback xmlns="">
+      <p:transition spd="med">
+        <p:fade/>
+      </p:transition>
+    </mc:Fallback>
+  </mc:AlternateContent>
+  <p:timing>
+    <p:tnLst>
+      <p:par>
+        <p:cTn id="1" dur="indefinite" restart="never" nodeType="tmRoot">
+          <p:childTnLst>
+            <p:seq concurrent="1" nextAc="seek">
+              <p:cTn id="2" dur="indefinite" nodeType="mainSeq">
+                <p:childTnLst>
+                  <p:par>
+                    <p:cTn id="3" fill="hold">
+                      <p:stCondLst>
+                        <p:cond delay="indefinite"/>
+                      </p:stCondLst>
+                      <p:childTnLst>
+                        <p:par>
+                          <p:cTn id="4" fill="hold">
+                            <p:stCondLst>
+                              <p:cond delay="0"/>
+                            </p:stCondLst>
+                            <p:childTnLst>
+                              <p:par>
+                                <p:cTn id="5" presetID="10" presetClass="entr" presetSubtype="0" fill="hold" grpId="0" nodeType="clickEffect">
+                                  <p:stCondLst>
+                                    <p:cond delay="0"/>
+                                  </p:stCondLst>
+                                  <p:childTnLst>
+                                    <p:set>
+                                      <p:cBhvr>
+                                        <p:cTn id="6" dur="1" fill="hold">
+                                          <p:stCondLst>
+                                            <p:cond delay="0"/>
+                                          </p:stCondLst>
+                                        </p:cTn>
+                                        <p:tgtEl>
+                                          <p:spTgt spid="207"/>
+                                        </p:tgtEl>
+                                        <p:attrNameLst>
+                                          <p:attrName>style.visibility</p:attrName>
+                                        </p:attrNameLst>
+                                      </p:cBhvr>
+                                      <p:to>
+                                        <p:strVal val="visible"/>
+                                      </p:to>
+                                    </p:set>
+                                    <p:animEffect transition="in" filter="fade">
+                                      <p:cBhvr>
+                                        <p:cTn id="7" dur="500"/>
+                                        <p:tgtEl>
+                                          <p:spTgt spid="207"/>
+                                        </p:tgtEl>
+                                      </p:cBhvr>
+                                    </p:animEffect>
+                                  </p:childTnLst>
+                                </p:cTn>
+                              </p:par>
+                            </p:childTnLst>
+                          </p:cTn>
+                        </p:par>
+                      </p:childTnLst>
+                    </p:cTn>
+                  </p:par>
+                  <p:par>
+                    <p:cTn id="8" fill="hold">
+                      <p:stCondLst>
+                        <p:cond delay="indefinite"/>
+                      </p:stCondLst>
+                      <p:childTnLst>
+                        <p:par>
+                          <p:cTn id="9" fill="hold">
+                            <p:stCondLst>
+                              <p:cond delay="0"/>
+                            </p:stCondLst>
+                            <p:childTnLst>
+                              <p:par>
+                                <p:cTn id="10" presetID="10" presetClass="entr" presetSubtype="0" fill="hold" grpId="0" nodeType="clickEffect">
+                                  <p:stCondLst>
+                                    <p:cond delay="0"/>
+                                  </p:stCondLst>
+                                  <p:childTnLst>
+                                    <p:set>
+                                      <p:cBhvr>
+                                        <p:cTn id="11" dur="1" fill="hold">
+                                          <p:stCondLst>
+                                            <p:cond delay="0"/>
+                                          </p:stCondLst>
+                                        </p:cTn>
+                                        <p:tgtEl>
+                                          <p:spTgt spid="208"/>
+                                        </p:tgtEl>
+                                        <p:attrNameLst>
+                                          <p:attrName>style.visibility</p:attrName>
+                                        </p:attrNameLst>
+                                      </p:cBhvr>
+                                      <p:to>
+                                        <p:strVal val="visible"/>
+                                      </p:to>
+                                    </p:set>
+                                    <p:animEffect transition="in" filter="fade">
+                                      <p:cBhvr>
+                                        <p:cTn id="12" dur="500"/>
+                                        <p:tgtEl>
+                                          <p:spTgt spid="208"/>
+                                        </p:tgtEl>
+                                      </p:cBhvr>
+                                    </p:animEffect>
+                                  </p:childTnLst>
+                                </p:cTn>
+                              </p:par>
+                            </p:childTnLst>
+                          </p:cTn>
+                        </p:par>
+                      </p:childTnLst>
+                    </p:cTn>
+                  </p:par>
+                </p:childTnLst>
+              </p:cTn>
+              <p:prevCondLst>
+                <p:cond evt="onPrev" delay="0">
+                  <p:tgtEl>
+                    <p:sldTgt/>
+                  </p:tgtEl>
+                </p:cond>
+              </p:prevCondLst>
+              <p:nextCondLst>
+                <p:cond evt="onNext" delay="0">
+                  <p:tgtEl>
+                    <p:sldTgt/>
+                  </p:tgtEl>
+                </p:cond>
+              </p:nextCondLst>
+            </p:seq>
+          </p:childTnLst>
+        </p:cTn>
+      </p:par>
+    </p:tnLst>
+    <p:bldLst>
+      <p:bldP spid="207" grpId="0"/>
+      <p:bldP spid="208" grpId="0"/>
+    </p:bldLst>
+  </p:timing>
 </p:sld>
 </file>
 
-<file path=ppt/slides/slide19.xml><?xml version="1.0" encoding="utf-8"?>
+<file path=ppt/slides/slide22.xml><?xml version="1.0" encoding="utf-8"?>
 <p:sld xmlns:a="http://schemas.openxmlformats.org/drawingml/2006/main" xmlns:r="http://schemas.openxmlformats.org/officeDocument/2006/relationships" xmlns:p="http://schemas.openxmlformats.org/presentationml/2006/main">
   <p:cSld>
     <p:spTree>
@@ -18216,8 +21032,8 @@
         </p:nvSpPr>
         <p:spPr>
           <a:xfrm>
-            <a:off x="1546024" y="1754794"/>
-            <a:ext cx="6170957" cy="1159800"/>
+            <a:off x="1546024" y="1322717"/>
+            <a:ext cx="6170957" cy="1591877"/>
           </a:xfrm>
           <a:prstGeom prst="rect">
             <a:avLst/>
@@ -18245,6 +21061,176 @@
                 </a:solidFill>
               </a:rPr>
               <a:t>3.</a:t>
+            </a:r>
+          </a:p>
+          <a:p>
+            <a:pPr marL="0" lvl="0" indent="0" algn="l" rtl="0">
+              <a:spcBef>
+                <a:spcPts val="0"/>
+              </a:spcBef>
+              <a:spcAft>
+                <a:spcPts val="0"/>
+              </a:spcAft>
+              <a:buNone/>
+            </a:pPr>
+            <a:r>
+              <a:rPr lang="en-US" dirty="0"/>
+              <a:t>Walkthrough / Demo</a:t>
+            </a:r>
+          </a:p>
+        </p:txBody>
+      </p:sp>
+      <p:sp>
+        <p:nvSpPr>
+          <p:cNvPr id="98" name="Google Shape;98;p15"/>
+          <p:cNvSpPr txBox="1">
+            <a:spLocks noGrp="1"/>
+          </p:cNvSpPr>
+          <p:nvPr>
+            <p:ph type="subTitle" idx="1"/>
+          </p:nvPr>
+        </p:nvSpPr>
+        <p:spPr>
+          <a:xfrm>
+            <a:off x="1546025" y="3011511"/>
+            <a:ext cx="5832600" cy="784800"/>
+          </a:xfrm>
+          <a:prstGeom prst="rect">
+            <a:avLst/>
+          </a:prstGeom>
+        </p:spPr>
+        <p:txBody>
+          <a:bodyPr spcFirstLastPara="1" wrap="square" lIns="91425" tIns="91425" rIns="91425" bIns="91425" anchor="t" anchorCtr="0">
+            <a:noAutofit/>
+          </a:bodyPr>
+          <a:lstStyle/>
+          <a:p>
+            <a:pPr marL="0" lvl="0" indent="0" algn="l" rtl="0">
+              <a:spcBef>
+                <a:spcPts val="0"/>
+              </a:spcBef>
+              <a:spcAft>
+                <a:spcPts val="0"/>
+              </a:spcAft>
+              <a:buNone/>
+            </a:pPr>
+            <a:endParaRPr dirty="0"/>
+          </a:p>
+        </p:txBody>
+      </p:sp>
+      <p:sp>
+        <p:nvSpPr>
+          <p:cNvPr id="99" name="Google Shape;99;p15"/>
+          <p:cNvSpPr txBox="1">
+            <a:spLocks noGrp="1"/>
+          </p:cNvSpPr>
+          <p:nvPr>
+            <p:ph type="sldNum" idx="4294967295"/>
+          </p:nvPr>
+        </p:nvSpPr>
+        <p:spPr>
+          <a:xfrm>
+            <a:off x="8404384" y="4749851"/>
+            <a:ext cx="548700" cy="393600"/>
+          </a:xfrm>
+          <a:prstGeom prst="rect">
+            <a:avLst/>
+          </a:prstGeom>
+        </p:spPr>
+        <p:txBody>
+          <a:bodyPr spcFirstLastPara="1" wrap="square" lIns="91425" tIns="91425" rIns="91425" bIns="91425" anchor="t" anchorCtr="0">
+            <a:noAutofit/>
+          </a:bodyPr>
+          <a:lstStyle/>
+          <a:p>
+            <a:pPr marL="0" lvl="0" indent="0" algn="r" rtl="0">
+              <a:spcBef>
+                <a:spcPts val="0"/>
+              </a:spcBef>
+              <a:spcAft>
+                <a:spcPts val="0"/>
+              </a:spcAft>
+              <a:buNone/>
+            </a:pPr>
+            <a:fld id="{00000000-1234-1234-1234-123412341234}" type="slidenum">
+              <a:rPr lang="en"/>
+              <a:t>22</a:t>
+            </a:fld>
+            <a:endParaRPr/>
+          </a:p>
+        </p:txBody>
+      </p:sp>
+    </p:spTree>
+    <p:extLst>
+      <p:ext uri="{BB962C8B-B14F-4D97-AF65-F5344CB8AC3E}">
+        <p14:creationId xmlns:p14="http://schemas.microsoft.com/office/powerpoint/2010/main" val="671581419"/>
+      </p:ext>
+    </p:extLst>
+  </p:cSld>
+  <p:clrMapOvr>
+    <a:masterClrMapping/>
+  </p:clrMapOvr>
+</p:sld>
+</file>
+
+<file path=ppt/slides/slide23.xml><?xml version="1.0" encoding="utf-8"?>
+<p:sld xmlns:a="http://schemas.openxmlformats.org/drawingml/2006/main" xmlns:r="http://schemas.openxmlformats.org/officeDocument/2006/relationships" xmlns:p="http://schemas.openxmlformats.org/presentationml/2006/main">
+  <p:cSld>
+    <p:spTree>
+      <p:nvGrpSpPr>
+        <p:cNvPr id="1" name="Shape 96"/>
+        <p:cNvGrpSpPr/>
+        <p:nvPr/>
+      </p:nvGrpSpPr>
+      <p:grpSpPr>
+        <a:xfrm>
+          <a:off x="0" y="0"/>
+          <a:ext cx="0" cy="0"/>
+          <a:chOff x="0" y="0"/>
+          <a:chExt cx="0" cy="0"/>
+        </a:xfrm>
+      </p:grpSpPr>
+      <p:sp>
+        <p:nvSpPr>
+          <p:cNvPr id="97" name="Google Shape;97;p15"/>
+          <p:cNvSpPr txBox="1">
+            <a:spLocks noGrp="1"/>
+          </p:cNvSpPr>
+          <p:nvPr>
+            <p:ph type="ctrTitle"/>
+          </p:nvPr>
+        </p:nvSpPr>
+        <p:spPr>
+          <a:xfrm>
+            <a:off x="1546024" y="1322717"/>
+            <a:ext cx="6170957" cy="1591877"/>
+          </a:xfrm>
+          <a:prstGeom prst="rect">
+            <a:avLst/>
+          </a:prstGeom>
+        </p:spPr>
+        <p:txBody>
+          <a:bodyPr spcFirstLastPara="1" wrap="square" lIns="91425" tIns="91425" rIns="91425" bIns="91425" anchor="b" anchorCtr="0">
+            <a:noAutofit/>
+          </a:bodyPr>
+          <a:lstStyle/>
+          <a:p>
+            <a:pPr marL="0" lvl="0" indent="0" algn="l" rtl="0">
+              <a:spcBef>
+                <a:spcPts val="0"/>
+              </a:spcBef>
+              <a:spcAft>
+                <a:spcPts val="0"/>
+              </a:spcAft>
+              <a:buNone/>
+            </a:pPr>
+            <a:r>
+              <a:rPr lang="en" sz="6000" dirty="0">
+                <a:solidFill>
+                  <a:schemeClr val="accent4"/>
+                </a:solidFill>
+              </a:rPr>
+              <a:t>4.</a:t>
             </a:r>
           </a:p>
           <a:p>
@@ -18338,7 +21324,7 @@
             </a:pPr>
             <a:fld id="{00000000-1234-1234-1234-123412341234}" type="slidenum">
               <a:rPr lang="en"/>
-              <a:t>19</a:t>
+              <a:t>23</a:t>
             </a:fld>
             <a:endParaRPr/>
           </a:p>
@@ -18357,411 +21343,7 @@
 </p:sld>
 </file>
 
-<file path=ppt/slides/slide2.xml><?xml version="1.0" encoding="utf-8"?>
-<p:sld xmlns:a="http://schemas.openxmlformats.org/drawingml/2006/main" xmlns:r="http://schemas.openxmlformats.org/officeDocument/2006/relationships" xmlns:p="http://schemas.openxmlformats.org/presentationml/2006/main">
-  <p:cSld>
-    <p:spTree>
-      <p:nvGrpSpPr>
-        <p:cNvPr id="1" name="Shape 96"/>
-        <p:cNvGrpSpPr/>
-        <p:nvPr/>
-      </p:nvGrpSpPr>
-      <p:grpSpPr>
-        <a:xfrm>
-          <a:off x="0" y="0"/>
-          <a:ext cx="0" cy="0"/>
-          <a:chOff x="0" y="0"/>
-          <a:chExt cx="0" cy="0"/>
-        </a:xfrm>
-      </p:grpSpPr>
-      <p:sp>
-        <p:nvSpPr>
-          <p:cNvPr id="97" name="Google Shape;97;p15"/>
-          <p:cNvSpPr txBox="1">
-            <a:spLocks noGrp="1"/>
-          </p:cNvSpPr>
-          <p:nvPr>
-            <p:ph type="ctrTitle"/>
-          </p:nvPr>
-        </p:nvSpPr>
-        <p:spPr>
-          <a:xfrm>
-            <a:off x="1546025" y="1754794"/>
-            <a:ext cx="5832600" cy="1159800"/>
-          </a:xfrm>
-          <a:prstGeom prst="rect">
-            <a:avLst/>
-          </a:prstGeom>
-        </p:spPr>
-        <p:txBody>
-          <a:bodyPr spcFirstLastPara="1" wrap="square" lIns="91425" tIns="91425" rIns="91425" bIns="91425" anchor="b" anchorCtr="0">
-            <a:noAutofit/>
-          </a:bodyPr>
-          <a:lstStyle/>
-          <a:p>
-            <a:pPr marL="0" lvl="0" indent="0" algn="l" rtl="0">
-              <a:spcBef>
-                <a:spcPts val="0"/>
-              </a:spcBef>
-              <a:spcAft>
-                <a:spcPts val="0"/>
-              </a:spcAft>
-              <a:buNone/>
-            </a:pPr>
-            <a:r>
-              <a:rPr lang="en" sz="6000" dirty="0">
-                <a:solidFill>
-                  <a:schemeClr val="accent4"/>
-                </a:solidFill>
-              </a:rPr>
-              <a:t>1.</a:t>
-            </a:r>
-            <a:endParaRPr sz="6000" dirty="0">
-              <a:solidFill>
-                <a:schemeClr val="accent4"/>
-              </a:solidFill>
-            </a:endParaRPr>
-          </a:p>
-          <a:p>
-            <a:pPr marL="0" lvl="0" indent="0" algn="l" rtl="0">
-              <a:spcBef>
-                <a:spcPts val="0"/>
-              </a:spcBef>
-              <a:spcAft>
-                <a:spcPts val="0"/>
-              </a:spcAft>
-              <a:buNone/>
-            </a:pPr>
-            <a:r>
-              <a:rPr lang="en" dirty="0"/>
-              <a:t>Clean Architecture</a:t>
-            </a:r>
-            <a:endParaRPr dirty="0"/>
-          </a:p>
-        </p:txBody>
-      </p:sp>
-      <p:sp>
-        <p:nvSpPr>
-          <p:cNvPr id="98" name="Google Shape;98;p15"/>
-          <p:cNvSpPr txBox="1">
-            <a:spLocks noGrp="1"/>
-          </p:cNvSpPr>
-          <p:nvPr>
-            <p:ph type="subTitle" idx="1"/>
-          </p:nvPr>
-        </p:nvSpPr>
-        <p:spPr>
-          <a:xfrm>
-            <a:off x="1546025" y="3011511"/>
-            <a:ext cx="5832600" cy="1738340"/>
-          </a:xfrm>
-          <a:prstGeom prst="rect">
-            <a:avLst/>
-          </a:prstGeom>
-        </p:spPr>
-        <p:txBody>
-          <a:bodyPr spcFirstLastPara="1" wrap="square" lIns="91425" tIns="91425" rIns="91425" bIns="91425" anchor="t" anchorCtr="0">
-            <a:noAutofit/>
-          </a:bodyPr>
-          <a:lstStyle/>
-          <a:p>
-            <a:pPr marL="0" lvl="0" indent="0" algn="l" rtl="0">
-              <a:spcBef>
-                <a:spcPts val="0"/>
-              </a:spcBef>
-              <a:spcAft>
-                <a:spcPts val="0"/>
-              </a:spcAft>
-              <a:buNone/>
-            </a:pPr>
-            <a:r>
-              <a:rPr lang="en-US" dirty="0">
-                <a:solidFill>
-                  <a:schemeClr val="accent6"/>
-                </a:solidFill>
-              </a:rPr>
-              <a:t>a</a:t>
-            </a:r>
-            <a:r>
-              <a:rPr lang="en" dirty="0">
-                <a:solidFill>
-                  <a:schemeClr val="accent6"/>
-                </a:solidFill>
-              </a:rPr>
-              <a:t>lso known as</a:t>
-            </a:r>
-          </a:p>
-          <a:p>
-            <a:pPr marL="0" lvl="0" indent="0" algn="l" rtl="0">
-              <a:spcBef>
-                <a:spcPts val="0"/>
-              </a:spcBef>
-              <a:spcAft>
-                <a:spcPts val="0"/>
-              </a:spcAft>
-              <a:buNone/>
-            </a:pPr>
-            <a:r>
-              <a:rPr lang="en" dirty="0"/>
-              <a:t>Ports &amp; Adapters</a:t>
-            </a:r>
-          </a:p>
-          <a:p>
-            <a:pPr marL="0" lvl="0" indent="0" algn="l" rtl="0">
-              <a:spcBef>
-                <a:spcPts val="0"/>
-              </a:spcBef>
-              <a:spcAft>
-                <a:spcPts val="0"/>
-              </a:spcAft>
-              <a:buNone/>
-            </a:pPr>
-            <a:r>
-              <a:rPr lang="en" dirty="0"/>
-              <a:t>Hexagonal</a:t>
-            </a:r>
-          </a:p>
-          <a:p>
-            <a:pPr marL="0" lvl="0" indent="0" algn="l" rtl="0">
-              <a:spcBef>
-                <a:spcPts val="0"/>
-              </a:spcBef>
-              <a:spcAft>
-                <a:spcPts val="0"/>
-              </a:spcAft>
-              <a:buNone/>
-            </a:pPr>
-            <a:r>
-              <a:rPr lang="en" dirty="0"/>
-              <a:t>Onion </a:t>
-            </a:r>
-            <a:endParaRPr dirty="0"/>
-          </a:p>
-        </p:txBody>
-      </p:sp>
-      <p:sp>
-        <p:nvSpPr>
-          <p:cNvPr id="99" name="Google Shape;99;p15"/>
-          <p:cNvSpPr txBox="1">
-            <a:spLocks noGrp="1"/>
-          </p:cNvSpPr>
-          <p:nvPr>
-            <p:ph type="sldNum" idx="4294967295"/>
-          </p:nvPr>
-        </p:nvSpPr>
-        <p:spPr>
-          <a:xfrm>
-            <a:off x="8404384" y="4749851"/>
-            <a:ext cx="548700" cy="393600"/>
-          </a:xfrm>
-          <a:prstGeom prst="rect">
-            <a:avLst/>
-          </a:prstGeom>
-        </p:spPr>
-        <p:txBody>
-          <a:bodyPr spcFirstLastPara="1" wrap="square" lIns="91425" tIns="91425" rIns="91425" bIns="91425" anchor="t" anchorCtr="0">
-            <a:noAutofit/>
-          </a:bodyPr>
-          <a:lstStyle/>
-          <a:p>
-            <a:pPr marL="0" lvl="0" indent="0" algn="r" rtl="0">
-              <a:spcBef>
-                <a:spcPts val="0"/>
-              </a:spcBef>
-              <a:spcAft>
-                <a:spcPts val="0"/>
-              </a:spcAft>
-              <a:buNone/>
-            </a:pPr>
-            <a:fld id="{00000000-1234-1234-1234-123412341234}" type="slidenum">
-              <a:rPr lang="en"/>
-              <a:t>2</a:t>
-            </a:fld>
-            <a:endParaRPr/>
-          </a:p>
-        </p:txBody>
-      </p:sp>
-    </p:spTree>
-  </p:cSld>
-  <p:clrMapOvr>
-    <a:masterClrMapping/>
-  </p:clrMapOvr>
-  <p:timing>
-    <p:tnLst>
-      <p:par>
-        <p:cTn id="1" dur="indefinite" restart="never" nodeType="tmRoot">
-          <p:childTnLst>
-            <p:seq concurrent="1" nextAc="seek">
-              <p:cTn id="2" dur="indefinite" nodeType="mainSeq">
-                <p:childTnLst>
-                  <p:par>
-                    <p:cTn id="3" fill="hold">
-                      <p:stCondLst>
-                        <p:cond delay="indefinite"/>
-                      </p:stCondLst>
-                      <p:childTnLst>
-                        <p:par>
-                          <p:cTn id="4" fill="hold">
-                            <p:stCondLst>
-                              <p:cond delay="0"/>
-                            </p:stCondLst>
-                            <p:childTnLst>
-                              <p:par>
-                                <p:cTn id="5" presetID="1" presetClass="entr" presetSubtype="0" fill="hold" nodeType="clickEffect">
-                                  <p:stCondLst>
-                                    <p:cond delay="0"/>
-                                  </p:stCondLst>
-                                  <p:childTnLst>
-                                    <p:set>
-                                      <p:cBhvr>
-                                        <p:cTn id="6" dur="1" fill="hold">
-                                          <p:stCondLst>
-                                            <p:cond delay="0"/>
-                                          </p:stCondLst>
-                                        </p:cTn>
-                                        <p:tgtEl>
-                                          <p:spTgt spid="98">
-                                            <p:txEl>
-                                              <p:pRg st="0" end="0"/>
-                                            </p:txEl>
-                                          </p:spTgt>
-                                        </p:tgtEl>
-                                        <p:attrNameLst>
-                                          <p:attrName>style.visibility</p:attrName>
-                                        </p:attrNameLst>
-                                      </p:cBhvr>
-                                      <p:to>
-                                        <p:strVal val="visible"/>
-                                      </p:to>
-                                    </p:set>
-                                  </p:childTnLst>
-                                </p:cTn>
-                              </p:par>
-                              <p:par>
-                                <p:cTn id="7" presetID="1" presetClass="entr" presetSubtype="0" fill="hold" nodeType="withEffect">
-                                  <p:stCondLst>
-                                    <p:cond delay="0"/>
-                                  </p:stCondLst>
-                                  <p:childTnLst>
-                                    <p:set>
-                                      <p:cBhvr>
-                                        <p:cTn id="8" dur="1" fill="hold">
-                                          <p:stCondLst>
-                                            <p:cond delay="0"/>
-                                          </p:stCondLst>
-                                        </p:cTn>
-                                        <p:tgtEl>
-                                          <p:spTgt spid="98">
-                                            <p:txEl>
-                                              <p:pRg st="1" end="1"/>
-                                            </p:txEl>
-                                          </p:spTgt>
-                                        </p:tgtEl>
-                                        <p:attrNameLst>
-                                          <p:attrName>style.visibility</p:attrName>
-                                        </p:attrNameLst>
-                                      </p:cBhvr>
-                                      <p:to>
-                                        <p:strVal val="visible"/>
-                                      </p:to>
-                                    </p:set>
-                                  </p:childTnLst>
-                                </p:cTn>
-                              </p:par>
-                              <p:par>
-                                <p:cTn id="9" presetID="1" presetClass="entr" presetSubtype="0" fill="hold" nodeType="withEffect">
-                                  <p:stCondLst>
-                                    <p:cond delay="0"/>
-                                  </p:stCondLst>
-                                  <p:childTnLst>
-                                    <p:set>
-                                      <p:cBhvr>
-                                        <p:cTn id="10" dur="1" fill="hold">
-                                          <p:stCondLst>
-                                            <p:cond delay="0"/>
-                                          </p:stCondLst>
-                                        </p:cTn>
-                                        <p:tgtEl>
-                                          <p:spTgt spid="98">
-                                            <p:txEl>
-                                              <p:pRg st="2" end="2"/>
-                                            </p:txEl>
-                                          </p:spTgt>
-                                        </p:tgtEl>
-                                        <p:attrNameLst>
-                                          <p:attrName>style.visibility</p:attrName>
-                                        </p:attrNameLst>
-                                      </p:cBhvr>
-                                      <p:to>
-                                        <p:strVal val="visible"/>
-                                      </p:to>
-                                    </p:set>
-                                  </p:childTnLst>
-                                </p:cTn>
-                              </p:par>
-                              <p:par>
-                                <p:cTn id="11" presetID="1" presetClass="entr" presetSubtype="0" fill="hold" nodeType="withEffect">
-                                  <p:stCondLst>
-                                    <p:cond delay="0"/>
-                                  </p:stCondLst>
-                                  <p:childTnLst>
-                                    <p:set>
-                                      <p:cBhvr>
-                                        <p:cTn id="12" dur="1" fill="hold">
-                                          <p:stCondLst>
-                                            <p:cond delay="0"/>
-                                          </p:stCondLst>
-                                        </p:cTn>
-                                        <p:tgtEl>
-                                          <p:spTgt spid="98">
-                                            <p:txEl>
-                                              <p:pRg st="3" end="3"/>
-                                            </p:txEl>
-                                          </p:spTgt>
-                                        </p:tgtEl>
-                                        <p:attrNameLst>
-                                          <p:attrName>style.visibility</p:attrName>
-                                        </p:attrNameLst>
-                                      </p:cBhvr>
-                                      <p:to>
-                                        <p:strVal val="visible"/>
-                                      </p:to>
-                                    </p:set>
-                                  </p:childTnLst>
-                                </p:cTn>
-                              </p:par>
-                            </p:childTnLst>
-                          </p:cTn>
-                        </p:par>
-                      </p:childTnLst>
-                    </p:cTn>
-                  </p:par>
-                </p:childTnLst>
-              </p:cTn>
-              <p:prevCondLst>
-                <p:cond evt="onPrev" delay="0">
-                  <p:tgtEl>
-                    <p:sldTgt/>
-                  </p:tgtEl>
-                </p:cond>
-              </p:prevCondLst>
-              <p:nextCondLst>
-                <p:cond evt="onNext" delay="0">
-                  <p:tgtEl>
-                    <p:sldTgt/>
-                  </p:tgtEl>
-                </p:cond>
-              </p:nextCondLst>
-            </p:seq>
-          </p:childTnLst>
-        </p:cTn>
-      </p:par>
-    </p:tnLst>
-  </p:timing>
-</p:sld>
-</file>
-
-<file path=ppt/slides/slide20.xml><?xml version="1.0" encoding="utf-8"?>
+<file path=ppt/slides/slide24.xml><?xml version="1.0" encoding="utf-8"?>
 <p:sld xmlns:a="http://schemas.openxmlformats.org/drawingml/2006/main" xmlns:r="http://schemas.openxmlformats.org/officeDocument/2006/relationships" xmlns:p="http://schemas.openxmlformats.org/presentationml/2006/main">
   <p:cSld>
     <p:spTree>
@@ -19095,7 +21677,7 @@
             </a:pPr>
             <a:fld id="{00000000-1234-1234-1234-123412341234}" type="slidenum">
               <a:rPr lang="en"/>
-              <a:t>20</a:t>
+              <a:t>24</a:t>
             </a:fld>
             <a:endParaRPr/>
           </a:p>
@@ -19109,7 +21691,7 @@
 </p:sld>
 </file>
 
-<file path=ppt/slides/slide21.xml><?xml version="1.0" encoding="utf-8"?>
+<file path=ppt/slides/slide25.xml><?xml version="1.0" encoding="utf-8"?>
 <p:sld xmlns:a="http://schemas.openxmlformats.org/drawingml/2006/main" xmlns:r="http://schemas.openxmlformats.org/officeDocument/2006/relationships" xmlns:p="http://schemas.openxmlformats.org/presentationml/2006/main">
   <p:cSld>
     <p:spTree>
@@ -19246,7 +21828,7 @@
             </a:pPr>
             <a:fld id="{00000000-1234-1234-1234-123412341234}" type="slidenum">
               <a:rPr lang="en"/>
-              <a:t>21</a:t>
+              <a:t>25</a:t>
             </a:fld>
             <a:endParaRPr/>
           </a:p>
@@ -19663,7 +22245,7 @@
                             </p:stCondLst>
                             <p:childTnLst>
                               <p:par>
-                                <p:cTn id="5" presetID="1" presetClass="entr" presetSubtype="0" fill="hold" nodeType="clickEffect">
+                                <p:cTn id="5" presetID="10" presetClass="entr" presetSubtype="0" fill="hold" nodeType="clickEffect">
                                   <p:stCondLst>
                                     <p:cond delay="0"/>
                                   </p:stCondLst>
@@ -19690,6 +22272,18 @@
                                         <p:strVal val="visible"/>
                                       </p:to>
                                     </p:set>
+                                    <p:animEffect transition="in" filter="fade">
+                                      <p:cBhvr>
+                                        <p:cTn id="7" dur="500"/>
+                                        <p:tgtEl>
+                                          <p:spTgt spid="76">
+                                            <p:txEl>
+                                              <p:pRg st="0" end="0"/>
+                                            </p:txEl>
+                                          </p:spTgt>
+                                        </p:tgtEl>
+                                      </p:cBhvr>
+                                    </p:animEffect>
                                   </p:childTnLst>
                                 </p:cTn>
                               </p:par>
@@ -19700,26 +22294,26 @@
                     </p:cTn>
                   </p:par>
                   <p:par>
-                    <p:cTn id="7" fill="hold">
+                    <p:cTn id="8" fill="hold">
                       <p:stCondLst>
                         <p:cond delay="indefinite"/>
                       </p:stCondLst>
                       <p:childTnLst>
                         <p:par>
-                          <p:cTn id="8" fill="hold">
+                          <p:cTn id="9" fill="hold">
                             <p:stCondLst>
                               <p:cond delay="0"/>
                             </p:stCondLst>
                             <p:childTnLst>
                               <p:par>
-                                <p:cTn id="9" presetID="1" presetClass="entr" presetSubtype="0" fill="hold" nodeType="clickEffect">
+                                <p:cTn id="10" presetID="10" presetClass="entr" presetSubtype="0" fill="hold" nodeType="clickEffect">
                                   <p:stCondLst>
                                     <p:cond delay="0"/>
                                   </p:stCondLst>
                                   <p:childTnLst>
                                     <p:set>
                                       <p:cBhvr>
-                                        <p:cTn id="10" dur="1" fill="hold">
+                                        <p:cTn id="11" dur="1" fill="hold">
                                           <p:stCondLst>
                                             <p:cond delay="0"/>
                                           </p:stCondLst>
@@ -19739,6 +22333,18 @@
                                         <p:strVal val="visible"/>
                                       </p:to>
                                     </p:set>
+                                    <p:animEffect transition="in" filter="fade">
+                                      <p:cBhvr>
+                                        <p:cTn id="12" dur="500"/>
+                                        <p:tgtEl>
+                                          <p:spTgt spid="76">
+                                            <p:txEl>
+                                              <p:pRg st="1" end="1"/>
+                                            </p:txEl>
+                                          </p:spTgt>
+                                        </p:tgtEl>
+                                      </p:cBhvr>
+                                    </p:animEffect>
                                   </p:childTnLst>
                                 </p:cTn>
                               </p:par>
@@ -19749,26 +22355,26 @@
                     </p:cTn>
                   </p:par>
                   <p:par>
-                    <p:cTn id="11" fill="hold">
+                    <p:cTn id="13" fill="hold">
                       <p:stCondLst>
                         <p:cond delay="indefinite"/>
                       </p:stCondLst>
                       <p:childTnLst>
                         <p:par>
-                          <p:cTn id="12" fill="hold">
+                          <p:cTn id="14" fill="hold">
                             <p:stCondLst>
                               <p:cond delay="0"/>
                             </p:stCondLst>
                             <p:childTnLst>
                               <p:par>
-                                <p:cTn id="13" presetID="1" presetClass="entr" presetSubtype="0" fill="hold" nodeType="clickEffect">
+                                <p:cTn id="15" presetID="10" presetClass="entr" presetSubtype="0" fill="hold" nodeType="clickEffect">
                                   <p:stCondLst>
                                     <p:cond delay="0"/>
                                   </p:stCondLst>
                                   <p:childTnLst>
                                     <p:set>
                                       <p:cBhvr>
-                                        <p:cTn id="14" dur="1" fill="hold">
+                                        <p:cTn id="16" dur="1" fill="hold">
                                           <p:stCondLst>
                                             <p:cond delay="0"/>
                                           </p:stCondLst>
@@ -19788,6 +22394,18 @@
                                         <p:strVal val="visible"/>
                                       </p:to>
                                     </p:set>
+                                    <p:animEffect transition="in" filter="fade">
+                                      <p:cBhvr>
+                                        <p:cTn id="17" dur="500"/>
+                                        <p:tgtEl>
+                                          <p:spTgt spid="76">
+                                            <p:txEl>
+                                              <p:pRg st="2" end="2"/>
+                                            </p:txEl>
+                                          </p:spTgt>
+                                        </p:tgtEl>
+                                      </p:cBhvr>
+                                    </p:animEffect>
                                   </p:childTnLst>
                                 </p:cTn>
                               </p:par>
@@ -19798,26 +22416,26 @@
                     </p:cTn>
                   </p:par>
                   <p:par>
-                    <p:cTn id="15" fill="hold">
+                    <p:cTn id="18" fill="hold">
                       <p:stCondLst>
                         <p:cond delay="indefinite"/>
                       </p:stCondLst>
                       <p:childTnLst>
                         <p:par>
-                          <p:cTn id="16" fill="hold">
+                          <p:cTn id="19" fill="hold">
                             <p:stCondLst>
                               <p:cond delay="0"/>
                             </p:stCondLst>
                             <p:childTnLst>
                               <p:par>
-                                <p:cTn id="17" presetID="1" presetClass="entr" presetSubtype="0" fill="hold" nodeType="clickEffect">
+                                <p:cTn id="20" presetID="10" presetClass="entr" presetSubtype="0" fill="hold" nodeType="clickEffect">
                                   <p:stCondLst>
                                     <p:cond delay="0"/>
                                   </p:stCondLst>
                                   <p:childTnLst>
                                     <p:set>
                                       <p:cBhvr>
-                                        <p:cTn id="18" dur="1" fill="hold">
+                                        <p:cTn id="21" dur="1" fill="hold">
                                           <p:stCondLst>
                                             <p:cond delay="0"/>
                                           </p:stCondLst>
@@ -19837,6 +22455,18 @@
                                         <p:strVal val="visible"/>
                                       </p:to>
                                     </p:set>
+                                    <p:animEffect transition="in" filter="fade">
+                                      <p:cBhvr>
+                                        <p:cTn id="22" dur="500"/>
+                                        <p:tgtEl>
+                                          <p:spTgt spid="76">
+                                            <p:txEl>
+                                              <p:pRg st="3" end="3"/>
+                                            </p:txEl>
+                                          </p:spTgt>
+                                        </p:tgtEl>
+                                      </p:cBhvr>
+                                    </p:animEffect>
                                   </p:childTnLst>
                                 </p:cTn>
                               </p:par>
@@ -19847,26 +22477,26 @@
                     </p:cTn>
                   </p:par>
                   <p:par>
-                    <p:cTn id="19" fill="hold">
+                    <p:cTn id="23" fill="hold">
                       <p:stCondLst>
                         <p:cond delay="indefinite"/>
                       </p:stCondLst>
                       <p:childTnLst>
                         <p:par>
-                          <p:cTn id="20" fill="hold">
+                          <p:cTn id="24" fill="hold">
                             <p:stCondLst>
                               <p:cond delay="0"/>
                             </p:stCondLst>
                             <p:childTnLst>
                               <p:par>
-                                <p:cTn id="21" presetID="1" presetClass="entr" presetSubtype="0" fill="hold" nodeType="clickEffect">
+                                <p:cTn id="25" presetID="10" presetClass="entr" presetSubtype="0" fill="hold" nodeType="clickEffect">
                                   <p:stCondLst>
                                     <p:cond delay="0"/>
                                   </p:stCondLst>
                                   <p:childTnLst>
                                     <p:set>
                                       <p:cBhvr>
-                                        <p:cTn id="22" dur="1" fill="hold">
+                                        <p:cTn id="26" dur="1" fill="hold">
                                           <p:stCondLst>
                                             <p:cond delay="0"/>
                                           </p:stCondLst>
@@ -19886,6 +22516,18 @@
                                         <p:strVal val="visible"/>
                                       </p:to>
                                     </p:set>
+                                    <p:animEffect transition="in" filter="fade">
+                                      <p:cBhvr>
+                                        <p:cTn id="27" dur="500"/>
+                                        <p:tgtEl>
+                                          <p:spTgt spid="76">
+                                            <p:txEl>
+                                              <p:pRg st="4" end="4"/>
+                                            </p:txEl>
+                                          </p:spTgt>
+                                        </p:tgtEl>
+                                      </p:cBhvr>
+                                    </p:animEffect>
                                   </p:childTnLst>
                                 </p:cTn>
                               </p:par>
@@ -20958,7 +23600,7 @@
                             </p:stCondLst>
                             <p:childTnLst>
                               <p:par>
-                                <p:cTn id="5" presetID="1" presetClass="entr" presetSubtype="0" fill="hold" grpId="0" nodeType="clickEffect">
+                                <p:cTn id="5" presetID="10" presetClass="entr" presetSubtype="0" fill="hold" grpId="0" nodeType="clickEffect">
                                   <p:stCondLst>
                                     <p:cond delay="0"/>
                                   </p:stCondLst>
@@ -20981,6 +23623,14 @@
                                         <p:strVal val="visible"/>
                                       </p:to>
                                     </p:set>
+                                    <p:animEffect transition="in" filter="fade">
+                                      <p:cBhvr>
+                                        <p:cTn id="7" dur="500"/>
+                                        <p:tgtEl>
+                                          <p:spTgt spid="2"/>
+                                        </p:tgtEl>
+                                      </p:cBhvr>
+                                    </p:animEffect>
                                   </p:childTnLst>
                                 </p:cTn>
                               </p:par>
@@ -20991,26 +23641,26 @@
                     </p:cTn>
                   </p:par>
                   <p:par>
-                    <p:cTn id="7" fill="hold">
+                    <p:cTn id="8" fill="hold">
                       <p:stCondLst>
                         <p:cond delay="indefinite"/>
                       </p:stCondLst>
                       <p:childTnLst>
                         <p:par>
-                          <p:cTn id="8" fill="hold">
+                          <p:cTn id="9" fill="hold">
                             <p:stCondLst>
                               <p:cond delay="0"/>
                             </p:stCondLst>
                             <p:childTnLst>
                               <p:par>
-                                <p:cTn id="9" presetID="1" presetClass="entr" presetSubtype="0" fill="hold" grpId="0" nodeType="clickEffect">
+                                <p:cTn id="10" presetID="10" presetClass="entr" presetSubtype="0" fill="hold" grpId="0" nodeType="clickEffect">
                                   <p:stCondLst>
                                     <p:cond delay="0"/>
                                   </p:stCondLst>
                                   <p:childTnLst>
                                     <p:set>
                                       <p:cBhvr>
-                                        <p:cTn id="10" dur="1" fill="hold">
+                                        <p:cTn id="11" dur="1" fill="hold">
                                           <p:stCondLst>
                                             <p:cond delay="0"/>
                                           </p:stCondLst>
@@ -21026,6 +23676,14 @@
                                         <p:strVal val="visible"/>
                                       </p:to>
                                     </p:set>
+                                    <p:animEffect transition="in" filter="fade">
+                                      <p:cBhvr>
+                                        <p:cTn id="12" dur="500"/>
+                                        <p:tgtEl>
+                                          <p:spTgt spid="3"/>
+                                        </p:tgtEl>
+                                      </p:cBhvr>
+                                    </p:animEffect>
                                   </p:childTnLst>
                                 </p:cTn>
                               </p:par>
@@ -22940,6 +25598,961 @@
           </a:p>
         </p:txBody>
       </p:sp>
+      <p:sp>
+        <p:nvSpPr>
+          <p:cNvPr id="3" name="Freeform: Shape 2">
+            <a:extLst>
+              <a:ext uri="{FF2B5EF4-FFF2-40B4-BE49-F238E27FC236}">
+                <a16:creationId xmlns:a16="http://schemas.microsoft.com/office/drawing/2014/main" id="{AF7C38E6-E5B7-41DF-8DFF-832AC97986C4}"/>
+              </a:ext>
+            </a:extLst>
+          </p:cNvPr>
+          <p:cNvSpPr/>
+          <p:nvPr/>
+        </p:nvSpPr>
+        <p:spPr>
+          <a:xfrm>
+            <a:off x="-3404558" y="-1224951"/>
+            <a:ext cx="16298173" cy="8172132"/>
+          </a:xfrm>
+          <a:custGeom>
+            <a:avLst/>
+            <a:gdLst>
+              <a:gd name="connsiteX0" fmla="*/ 4031411 w 16298173"/>
+              <a:gd name="connsiteY0" fmla="*/ 2260121 h 8172132"/>
+              <a:gd name="connsiteX1" fmla="*/ 4140679 w 16298173"/>
+              <a:gd name="connsiteY1" fmla="*/ 2478657 h 8172132"/>
+              <a:gd name="connsiteX2" fmla="*/ 3324045 w 16298173"/>
+              <a:gd name="connsiteY2" fmla="*/ 5221857 h 8172132"/>
+              <a:gd name="connsiteX3" fmla="*/ 3232030 w 16298173"/>
+              <a:gd name="connsiteY3" fmla="*/ 5239109 h 8172132"/>
+              <a:gd name="connsiteX4" fmla="*/ 4997569 w 16298173"/>
+              <a:gd name="connsiteY4" fmla="*/ 3824377 h 8172132"/>
+              <a:gd name="connsiteX5" fmla="*/ 4238445 w 16298173"/>
+              <a:gd name="connsiteY5" fmla="*/ 3715109 h 8172132"/>
+              <a:gd name="connsiteX6" fmla="*/ 7740769 w 16298173"/>
+              <a:gd name="connsiteY6" fmla="*/ 3496574 h 8172132"/>
+              <a:gd name="connsiteX7" fmla="*/ 5463396 w 16298173"/>
+              <a:gd name="connsiteY7" fmla="*/ 2944483 h 8172132"/>
+              <a:gd name="connsiteX8" fmla="*/ 5745192 w 16298173"/>
+              <a:gd name="connsiteY8" fmla="*/ 2041585 h 8172132"/>
+              <a:gd name="connsiteX9" fmla="*/ 9368286 w 16298173"/>
+              <a:gd name="connsiteY9" fmla="*/ 1587260 h 8172132"/>
+              <a:gd name="connsiteX10" fmla="*/ 7654505 w 16298173"/>
+              <a:gd name="connsiteY10" fmla="*/ 2035834 h 8172132"/>
+              <a:gd name="connsiteX11" fmla="*/ 6107501 w 16298173"/>
+              <a:gd name="connsiteY11" fmla="*/ 1903562 h 8172132"/>
+              <a:gd name="connsiteX12" fmla="*/ 7953554 w 16298173"/>
+              <a:gd name="connsiteY12" fmla="*/ 1374476 h 8172132"/>
+              <a:gd name="connsiteX13" fmla="*/ 6659592 w 16298173"/>
+              <a:gd name="connsiteY13" fmla="*/ 2208362 h 8172132"/>
+              <a:gd name="connsiteX14" fmla="*/ 7067909 w 16298173"/>
+              <a:gd name="connsiteY14" fmla="*/ 3036498 h 8172132"/>
+              <a:gd name="connsiteX15" fmla="*/ 10932543 w 16298173"/>
+              <a:gd name="connsiteY15" fmla="*/ 4169434 h 8172132"/>
+              <a:gd name="connsiteX16" fmla="*/ 8522898 w 16298173"/>
+              <a:gd name="connsiteY16" fmla="*/ 7746521 h 8172132"/>
+              <a:gd name="connsiteX17" fmla="*/ 9420045 w 16298173"/>
+              <a:gd name="connsiteY17" fmla="*/ 8172091 h 8172132"/>
+              <a:gd name="connsiteX18" fmla="*/ 6613584 w 16298173"/>
+              <a:gd name="connsiteY18" fmla="*/ 7723517 h 8172132"/>
+              <a:gd name="connsiteX19" fmla="*/ 3214777 w 16298173"/>
+              <a:gd name="connsiteY19" fmla="*/ 5118340 h 8172132"/>
+              <a:gd name="connsiteX20" fmla="*/ 10184920 w 16298173"/>
+              <a:gd name="connsiteY20" fmla="*/ 1339970 h 8172132"/>
+              <a:gd name="connsiteX21" fmla="*/ 11087818 w 16298173"/>
+              <a:gd name="connsiteY21" fmla="*/ 1805796 h 8172132"/>
+              <a:gd name="connsiteX22" fmla="*/ 7700513 w 16298173"/>
+              <a:gd name="connsiteY22" fmla="*/ 7039155 h 8172132"/>
+              <a:gd name="connsiteX23" fmla="*/ 3611592 w 16298173"/>
+              <a:gd name="connsiteY23" fmla="*/ 6107502 h 8172132"/>
+              <a:gd name="connsiteX24" fmla="*/ 4600754 w 16298173"/>
+              <a:gd name="connsiteY24" fmla="*/ 3088257 h 8172132"/>
+              <a:gd name="connsiteX25" fmla="*/ 12122988 w 16298173"/>
+              <a:gd name="connsiteY25" fmla="*/ 2196860 h 8172132"/>
+              <a:gd name="connsiteX26" fmla="*/ 9903124 w 16298173"/>
+              <a:gd name="connsiteY26" fmla="*/ 4410974 h 8172132"/>
+              <a:gd name="connsiteX27" fmla="*/ 9213011 w 16298173"/>
+              <a:gd name="connsiteY27" fmla="*/ 4871049 h 8172132"/>
+              <a:gd name="connsiteX28" fmla="*/ 5446143 w 16298173"/>
+              <a:gd name="connsiteY28" fmla="*/ 2536166 h 8172132"/>
+              <a:gd name="connsiteX29" fmla="*/ 4485735 w 16298173"/>
+              <a:gd name="connsiteY29" fmla="*/ 1288211 h 8172132"/>
+              <a:gd name="connsiteX30" fmla="*/ 5992483 w 16298173"/>
+              <a:gd name="connsiteY30" fmla="*/ 529087 h 8172132"/>
+              <a:gd name="connsiteX31" fmla="*/ 7343954 w 16298173"/>
+              <a:gd name="connsiteY31" fmla="*/ 391064 h 8172132"/>
+              <a:gd name="connsiteX32" fmla="*/ 8632166 w 16298173"/>
+              <a:gd name="connsiteY32" fmla="*/ 4853796 h 8172132"/>
+              <a:gd name="connsiteX33" fmla="*/ 7913298 w 16298173"/>
+              <a:gd name="connsiteY33" fmla="*/ 6291532 h 8172132"/>
+              <a:gd name="connsiteX34" fmla="*/ 1063924 w 16298173"/>
+              <a:gd name="connsiteY34" fmla="*/ 741872 h 8172132"/>
+              <a:gd name="connsiteX35" fmla="*/ 3628845 w 16298173"/>
+              <a:gd name="connsiteY35" fmla="*/ 0 h 8172132"/>
+              <a:gd name="connsiteX36" fmla="*/ 8586158 w 16298173"/>
+              <a:gd name="connsiteY36" fmla="*/ 839638 h 8172132"/>
+              <a:gd name="connsiteX37" fmla="*/ 8885207 w 16298173"/>
+              <a:gd name="connsiteY37" fmla="*/ 2771955 h 8172132"/>
+              <a:gd name="connsiteX38" fmla="*/ 5492150 w 16298173"/>
+              <a:gd name="connsiteY38" fmla="*/ 4278702 h 8172132"/>
+              <a:gd name="connsiteX39" fmla="*/ 4485735 w 16298173"/>
+              <a:gd name="connsiteY39" fmla="*/ 3973902 h 8172132"/>
+              <a:gd name="connsiteX40" fmla="*/ 6067245 w 16298173"/>
+              <a:gd name="connsiteY40" fmla="*/ 1731034 h 8172132"/>
+              <a:gd name="connsiteX41" fmla="*/ 6101750 w 16298173"/>
+              <a:gd name="connsiteY41" fmla="*/ 908649 h 8172132"/>
+              <a:gd name="connsiteX42" fmla="*/ 5342626 w 16298173"/>
+              <a:gd name="connsiteY42" fmla="*/ 1265208 h 8172132"/>
+              <a:gd name="connsiteX43" fmla="*/ 6142007 w 16298173"/>
+              <a:gd name="connsiteY43" fmla="*/ 4146430 h 8172132"/>
+              <a:gd name="connsiteX44" fmla="*/ 6895381 w 16298173"/>
+              <a:gd name="connsiteY44" fmla="*/ 5911970 h 8172132"/>
+              <a:gd name="connsiteX45" fmla="*/ 4767532 w 16298173"/>
+              <a:gd name="connsiteY45" fmla="*/ 4502989 h 8172132"/>
+              <a:gd name="connsiteX46" fmla="*/ 0 w 16298173"/>
+              <a:gd name="connsiteY46" fmla="*/ 1339970 h 8172132"/>
+              <a:gd name="connsiteX47" fmla="*/ 7165675 w 16298173"/>
+              <a:gd name="connsiteY47" fmla="*/ 1909313 h 8172132"/>
+              <a:gd name="connsiteX48" fmla="*/ 7712015 w 16298173"/>
+              <a:gd name="connsiteY48" fmla="*/ 5883215 h 8172132"/>
+              <a:gd name="connsiteX49" fmla="*/ 6820618 w 16298173"/>
+              <a:gd name="connsiteY49" fmla="*/ 7596996 h 8172132"/>
+              <a:gd name="connsiteX50" fmla="*/ 6866626 w 16298173"/>
+              <a:gd name="connsiteY50" fmla="*/ 7631502 h 8172132"/>
+              <a:gd name="connsiteX51" fmla="*/ 6354792 w 16298173"/>
+              <a:gd name="connsiteY51" fmla="*/ 6303034 h 8172132"/>
+              <a:gd name="connsiteX52" fmla="*/ 3111260 w 16298173"/>
+              <a:gd name="connsiteY52" fmla="*/ 3542581 h 8172132"/>
+              <a:gd name="connsiteX53" fmla="*/ 8453886 w 16298173"/>
+              <a:gd name="connsiteY53" fmla="*/ 4106174 h 8172132"/>
+              <a:gd name="connsiteX54" fmla="*/ 12301267 w 16298173"/>
+              <a:gd name="connsiteY54" fmla="*/ 6780362 h 8172132"/>
+              <a:gd name="connsiteX55" fmla="*/ 12738339 w 16298173"/>
+              <a:gd name="connsiteY55" fmla="*/ 7930551 h 8172132"/>
+              <a:gd name="connsiteX56" fmla="*/ 11875698 w 16298173"/>
+              <a:gd name="connsiteY56" fmla="*/ 7804030 h 8172132"/>
+              <a:gd name="connsiteX57" fmla="*/ 8856452 w 16298173"/>
+              <a:gd name="connsiteY57" fmla="*/ 5589917 h 8172132"/>
+              <a:gd name="connsiteX58" fmla="*/ 8545901 w 16298173"/>
+              <a:gd name="connsiteY58" fmla="*/ 3479321 h 8172132"/>
+              <a:gd name="connsiteX59" fmla="*/ 16298173 w 16298173"/>
+              <a:gd name="connsiteY59" fmla="*/ 1863306 h 8172132"/>
+              <a:gd name="connsiteX60" fmla="*/ 10921041 w 16298173"/>
+              <a:gd name="connsiteY60" fmla="*/ 6349042 h 8172132"/>
+              <a:gd name="connsiteX61" fmla="*/ 11294852 w 16298173"/>
+              <a:gd name="connsiteY61" fmla="*/ 7867291 h 8172132"/>
+              <a:gd name="connsiteX62" fmla="*/ 15625313 w 16298173"/>
+              <a:gd name="connsiteY62" fmla="*/ 3973902 h 8172132"/>
+              <a:gd name="connsiteX63" fmla="*/ 15556301 w 16298173"/>
+              <a:gd name="connsiteY63" fmla="*/ 3605842 h 8172132"/>
+              <a:gd name="connsiteX64" fmla="*/ 14302596 w 16298173"/>
+              <a:gd name="connsiteY64" fmla="*/ 3973902 h 8172132"/>
+              <a:gd name="connsiteX65" fmla="*/ 11133826 w 16298173"/>
+              <a:gd name="connsiteY65" fmla="*/ 5894717 h 8172132"/>
+              <a:gd name="connsiteX66" fmla="*/ 9891622 w 16298173"/>
+              <a:gd name="connsiteY66" fmla="*/ 6492815 h 8172132"/>
+              <a:gd name="connsiteX67" fmla="*/ 9328030 w 16298173"/>
+              <a:gd name="connsiteY67" fmla="*/ 2921479 h 8172132"/>
+              <a:gd name="connsiteX68" fmla="*/ 8390626 w 16298173"/>
+              <a:gd name="connsiteY68" fmla="*/ 2087593 h 8172132"/>
+              <a:gd name="connsiteX69" fmla="*/ 13739003 w 16298173"/>
+              <a:gd name="connsiteY69" fmla="*/ 2346385 h 8172132"/>
+              <a:gd name="connsiteX70" fmla="*/ 15165237 w 16298173"/>
+              <a:gd name="connsiteY70" fmla="*/ 3410309 h 8172132"/>
+              <a:gd name="connsiteX71" fmla="*/ 3858883 w 16298173"/>
+              <a:gd name="connsiteY71" fmla="*/ 4232694 h 8172132"/>
+              <a:gd name="connsiteX72" fmla="*/ 3117011 w 16298173"/>
+              <a:gd name="connsiteY72" fmla="*/ 4031411 h 8172132"/>
+              <a:gd name="connsiteX73" fmla="*/ 8965720 w 16298173"/>
+              <a:gd name="connsiteY73" fmla="*/ 2743200 h 8172132"/>
+              <a:gd name="connsiteX74" fmla="*/ 12462294 w 16298173"/>
+              <a:gd name="connsiteY74" fmla="*/ 2720196 h 8172132"/>
+              <a:gd name="connsiteX75" fmla="*/ 9172754 w 16298173"/>
+              <a:gd name="connsiteY75" fmla="*/ 3841630 h 8172132"/>
+              <a:gd name="connsiteX76" fmla="*/ 4088920 w 16298173"/>
+              <a:gd name="connsiteY76" fmla="*/ 5791200 h 8172132"/>
+              <a:gd name="connsiteX77" fmla="*/ 3145766 w 16298173"/>
+              <a:gd name="connsiteY77" fmla="*/ 6492815 h 8172132"/>
+              <a:gd name="connsiteX78" fmla="*/ 9586822 w 16298173"/>
+              <a:gd name="connsiteY78" fmla="*/ 3548332 h 8172132"/>
+              <a:gd name="connsiteX79" fmla="*/ 9989388 w 16298173"/>
+              <a:gd name="connsiteY79" fmla="*/ 2208362 h 8172132"/>
+              <a:gd name="connsiteX80" fmla="*/ 4261449 w 16298173"/>
+              <a:gd name="connsiteY80" fmla="*/ 862642 h 8172132"/>
+              <a:gd name="connsiteX81" fmla="*/ 9230264 w 16298173"/>
+              <a:gd name="connsiteY81" fmla="*/ 6199517 h 8172132"/>
+              <a:gd name="connsiteX82" fmla="*/ 10161916 w 16298173"/>
+              <a:gd name="connsiteY82" fmla="*/ 7165676 h 8172132"/>
+              <a:gd name="connsiteX83" fmla="*/ 9034732 w 16298173"/>
+              <a:gd name="connsiteY83" fmla="*/ 7016151 h 8172132"/>
+              <a:gd name="connsiteX84" fmla="*/ 3910641 w 16298173"/>
+              <a:gd name="connsiteY84" fmla="*/ 4543245 h 8172132"/>
+              <a:gd name="connsiteX85" fmla="*/ 580845 w 16298173"/>
+              <a:gd name="connsiteY85" fmla="*/ 2001328 h 8172132"/>
+              <a:gd name="connsiteX86" fmla="*/ 1316966 w 16298173"/>
+              <a:gd name="connsiteY86" fmla="*/ 833887 h 8172132"/>
+              <a:gd name="connsiteX87" fmla="*/ 6268528 w 16298173"/>
+              <a:gd name="connsiteY87" fmla="*/ 638355 h 8172132"/>
+              <a:gd name="connsiteX88" fmla="*/ 11432875 w 16298173"/>
+              <a:gd name="connsiteY88" fmla="*/ 3680604 h 8172132"/>
+              <a:gd name="connsiteX89" fmla="*/ 11593901 w 16298173"/>
+              <a:gd name="connsiteY89" fmla="*/ 3858883 h 8172132"/>
+            </a:gdLst>
+            <a:ahLst/>
+            <a:cxnLst>
+              <a:cxn ang="0">
+                <a:pos x="connsiteX0" y="connsiteY0"/>
+              </a:cxn>
+              <a:cxn ang="0">
+                <a:pos x="connsiteX1" y="connsiteY1"/>
+              </a:cxn>
+              <a:cxn ang="0">
+                <a:pos x="connsiteX2" y="connsiteY2"/>
+              </a:cxn>
+              <a:cxn ang="0">
+                <a:pos x="connsiteX3" y="connsiteY3"/>
+              </a:cxn>
+              <a:cxn ang="0">
+                <a:pos x="connsiteX4" y="connsiteY4"/>
+              </a:cxn>
+              <a:cxn ang="0">
+                <a:pos x="connsiteX5" y="connsiteY5"/>
+              </a:cxn>
+              <a:cxn ang="0">
+                <a:pos x="connsiteX6" y="connsiteY6"/>
+              </a:cxn>
+              <a:cxn ang="0">
+                <a:pos x="connsiteX7" y="connsiteY7"/>
+              </a:cxn>
+              <a:cxn ang="0">
+                <a:pos x="connsiteX8" y="connsiteY8"/>
+              </a:cxn>
+              <a:cxn ang="0">
+                <a:pos x="connsiteX9" y="connsiteY9"/>
+              </a:cxn>
+              <a:cxn ang="0">
+                <a:pos x="connsiteX10" y="connsiteY10"/>
+              </a:cxn>
+              <a:cxn ang="0">
+                <a:pos x="connsiteX11" y="connsiteY11"/>
+              </a:cxn>
+              <a:cxn ang="0">
+                <a:pos x="connsiteX12" y="connsiteY12"/>
+              </a:cxn>
+              <a:cxn ang="0">
+                <a:pos x="connsiteX13" y="connsiteY13"/>
+              </a:cxn>
+              <a:cxn ang="0">
+                <a:pos x="connsiteX14" y="connsiteY14"/>
+              </a:cxn>
+              <a:cxn ang="0">
+                <a:pos x="connsiteX15" y="connsiteY15"/>
+              </a:cxn>
+              <a:cxn ang="0">
+                <a:pos x="connsiteX16" y="connsiteY16"/>
+              </a:cxn>
+              <a:cxn ang="0">
+                <a:pos x="connsiteX17" y="connsiteY17"/>
+              </a:cxn>
+              <a:cxn ang="0">
+                <a:pos x="connsiteX18" y="connsiteY18"/>
+              </a:cxn>
+              <a:cxn ang="0">
+                <a:pos x="connsiteX19" y="connsiteY19"/>
+              </a:cxn>
+              <a:cxn ang="0">
+                <a:pos x="connsiteX20" y="connsiteY20"/>
+              </a:cxn>
+              <a:cxn ang="0">
+                <a:pos x="connsiteX21" y="connsiteY21"/>
+              </a:cxn>
+              <a:cxn ang="0">
+                <a:pos x="connsiteX22" y="connsiteY22"/>
+              </a:cxn>
+              <a:cxn ang="0">
+                <a:pos x="connsiteX23" y="connsiteY23"/>
+              </a:cxn>
+              <a:cxn ang="0">
+                <a:pos x="connsiteX24" y="connsiteY24"/>
+              </a:cxn>
+              <a:cxn ang="0">
+                <a:pos x="connsiteX25" y="connsiteY25"/>
+              </a:cxn>
+              <a:cxn ang="0">
+                <a:pos x="connsiteX26" y="connsiteY26"/>
+              </a:cxn>
+              <a:cxn ang="0">
+                <a:pos x="connsiteX27" y="connsiteY27"/>
+              </a:cxn>
+              <a:cxn ang="0">
+                <a:pos x="connsiteX28" y="connsiteY28"/>
+              </a:cxn>
+              <a:cxn ang="0">
+                <a:pos x="connsiteX29" y="connsiteY29"/>
+              </a:cxn>
+              <a:cxn ang="0">
+                <a:pos x="connsiteX30" y="connsiteY30"/>
+              </a:cxn>
+              <a:cxn ang="0">
+                <a:pos x="connsiteX31" y="connsiteY31"/>
+              </a:cxn>
+              <a:cxn ang="0">
+                <a:pos x="connsiteX32" y="connsiteY32"/>
+              </a:cxn>
+              <a:cxn ang="0">
+                <a:pos x="connsiteX33" y="connsiteY33"/>
+              </a:cxn>
+              <a:cxn ang="0">
+                <a:pos x="connsiteX34" y="connsiteY34"/>
+              </a:cxn>
+              <a:cxn ang="0">
+                <a:pos x="connsiteX35" y="connsiteY35"/>
+              </a:cxn>
+              <a:cxn ang="0">
+                <a:pos x="connsiteX36" y="connsiteY36"/>
+              </a:cxn>
+              <a:cxn ang="0">
+                <a:pos x="connsiteX37" y="connsiteY37"/>
+              </a:cxn>
+              <a:cxn ang="0">
+                <a:pos x="connsiteX38" y="connsiteY38"/>
+              </a:cxn>
+              <a:cxn ang="0">
+                <a:pos x="connsiteX39" y="connsiteY39"/>
+              </a:cxn>
+              <a:cxn ang="0">
+                <a:pos x="connsiteX40" y="connsiteY40"/>
+              </a:cxn>
+              <a:cxn ang="0">
+                <a:pos x="connsiteX41" y="connsiteY41"/>
+              </a:cxn>
+              <a:cxn ang="0">
+                <a:pos x="connsiteX42" y="connsiteY42"/>
+              </a:cxn>
+              <a:cxn ang="0">
+                <a:pos x="connsiteX43" y="connsiteY43"/>
+              </a:cxn>
+              <a:cxn ang="0">
+                <a:pos x="connsiteX44" y="connsiteY44"/>
+              </a:cxn>
+              <a:cxn ang="0">
+                <a:pos x="connsiteX45" y="connsiteY45"/>
+              </a:cxn>
+              <a:cxn ang="0">
+                <a:pos x="connsiteX46" y="connsiteY46"/>
+              </a:cxn>
+              <a:cxn ang="0">
+                <a:pos x="connsiteX47" y="connsiteY47"/>
+              </a:cxn>
+              <a:cxn ang="0">
+                <a:pos x="connsiteX48" y="connsiteY48"/>
+              </a:cxn>
+              <a:cxn ang="0">
+                <a:pos x="connsiteX49" y="connsiteY49"/>
+              </a:cxn>
+              <a:cxn ang="0">
+                <a:pos x="connsiteX50" y="connsiteY50"/>
+              </a:cxn>
+              <a:cxn ang="0">
+                <a:pos x="connsiteX51" y="connsiteY51"/>
+              </a:cxn>
+              <a:cxn ang="0">
+                <a:pos x="connsiteX52" y="connsiteY52"/>
+              </a:cxn>
+              <a:cxn ang="0">
+                <a:pos x="connsiteX53" y="connsiteY53"/>
+              </a:cxn>
+              <a:cxn ang="0">
+                <a:pos x="connsiteX54" y="connsiteY54"/>
+              </a:cxn>
+              <a:cxn ang="0">
+                <a:pos x="connsiteX55" y="connsiteY55"/>
+              </a:cxn>
+              <a:cxn ang="0">
+                <a:pos x="connsiteX56" y="connsiteY56"/>
+              </a:cxn>
+              <a:cxn ang="0">
+                <a:pos x="connsiteX57" y="connsiteY57"/>
+              </a:cxn>
+              <a:cxn ang="0">
+                <a:pos x="connsiteX58" y="connsiteY58"/>
+              </a:cxn>
+              <a:cxn ang="0">
+                <a:pos x="connsiteX59" y="connsiteY59"/>
+              </a:cxn>
+              <a:cxn ang="0">
+                <a:pos x="connsiteX60" y="connsiteY60"/>
+              </a:cxn>
+              <a:cxn ang="0">
+                <a:pos x="connsiteX61" y="connsiteY61"/>
+              </a:cxn>
+              <a:cxn ang="0">
+                <a:pos x="connsiteX62" y="connsiteY62"/>
+              </a:cxn>
+              <a:cxn ang="0">
+                <a:pos x="connsiteX63" y="connsiteY63"/>
+              </a:cxn>
+              <a:cxn ang="0">
+                <a:pos x="connsiteX64" y="connsiteY64"/>
+              </a:cxn>
+              <a:cxn ang="0">
+                <a:pos x="connsiteX65" y="connsiteY65"/>
+              </a:cxn>
+              <a:cxn ang="0">
+                <a:pos x="connsiteX66" y="connsiteY66"/>
+              </a:cxn>
+              <a:cxn ang="0">
+                <a:pos x="connsiteX67" y="connsiteY67"/>
+              </a:cxn>
+              <a:cxn ang="0">
+                <a:pos x="connsiteX68" y="connsiteY68"/>
+              </a:cxn>
+              <a:cxn ang="0">
+                <a:pos x="connsiteX69" y="connsiteY69"/>
+              </a:cxn>
+              <a:cxn ang="0">
+                <a:pos x="connsiteX70" y="connsiteY70"/>
+              </a:cxn>
+              <a:cxn ang="0">
+                <a:pos x="connsiteX71" y="connsiteY71"/>
+              </a:cxn>
+              <a:cxn ang="0">
+                <a:pos x="connsiteX72" y="connsiteY72"/>
+              </a:cxn>
+              <a:cxn ang="0">
+                <a:pos x="connsiteX73" y="connsiteY73"/>
+              </a:cxn>
+              <a:cxn ang="0">
+                <a:pos x="connsiteX74" y="connsiteY74"/>
+              </a:cxn>
+              <a:cxn ang="0">
+                <a:pos x="connsiteX75" y="connsiteY75"/>
+              </a:cxn>
+              <a:cxn ang="0">
+                <a:pos x="connsiteX76" y="connsiteY76"/>
+              </a:cxn>
+              <a:cxn ang="0">
+                <a:pos x="connsiteX77" y="connsiteY77"/>
+              </a:cxn>
+              <a:cxn ang="0">
+                <a:pos x="connsiteX78" y="connsiteY78"/>
+              </a:cxn>
+              <a:cxn ang="0">
+                <a:pos x="connsiteX79" y="connsiteY79"/>
+              </a:cxn>
+              <a:cxn ang="0">
+                <a:pos x="connsiteX80" y="connsiteY80"/>
+              </a:cxn>
+              <a:cxn ang="0">
+                <a:pos x="connsiteX81" y="connsiteY81"/>
+              </a:cxn>
+              <a:cxn ang="0">
+                <a:pos x="connsiteX82" y="connsiteY82"/>
+              </a:cxn>
+              <a:cxn ang="0">
+                <a:pos x="connsiteX83" y="connsiteY83"/>
+              </a:cxn>
+              <a:cxn ang="0">
+                <a:pos x="connsiteX84" y="connsiteY84"/>
+              </a:cxn>
+              <a:cxn ang="0">
+                <a:pos x="connsiteX85" y="connsiteY85"/>
+              </a:cxn>
+              <a:cxn ang="0">
+                <a:pos x="connsiteX86" y="connsiteY86"/>
+              </a:cxn>
+              <a:cxn ang="0">
+                <a:pos x="connsiteX87" y="connsiteY87"/>
+              </a:cxn>
+              <a:cxn ang="0">
+                <a:pos x="connsiteX88" y="connsiteY88"/>
+              </a:cxn>
+              <a:cxn ang="0">
+                <a:pos x="connsiteX89" y="connsiteY89"/>
+              </a:cxn>
+            </a:cxnLst>
+            <a:rect l="l" t="t" r="r" b="b"/>
+            <a:pathLst>
+              <a:path w="16298173" h="8172132">
+                <a:moveTo>
+                  <a:pt x="4031411" y="2260121"/>
+                </a:moveTo>
+                <a:cubicBezTo>
+                  <a:pt x="4122033" y="2278245"/>
+                  <a:pt x="4153653" y="2276119"/>
+                  <a:pt x="4140679" y="2478657"/>
+                </a:cubicBezTo>
+                <a:cubicBezTo>
+                  <a:pt x="4050951" y="3879408"/>
+                  <a:pt x="3992063" y="3970649"/>
+                  <a:pt x="3324045" y="5221857"/>
+                </a:cubicBezTo>
+                <a:cubicBezTo>
+                  <a:pt x="3309348" y="5249385"/>
+                  <a:pt x="3262702" y="5233358"/>
+                  <a:pt x="3232030" y="5239109"/>
+                </a:cubicBezTo>
+                <a:cubicBezTo>
+                  <a:pt x="3820543" y="4767532"/>
+                  <a:pt x="4385155" y="4264470"/>
+                  <a:pt x="4997569" y="3824377"/>
+                </a:cubicBezTo>
+                <a:cubicBezTo>
+                  <a:pt x="7563359" y="1980548"/>
+                  <a:pt x="9252730" y="1381188"/>
+                  <a:pt x="4238445" y="3715109"/>
+                </a:cubicBezTo>
+                <a:cubicBezTo>
+                  <a:pt x="4391378" y="3778155"/>
+                  <a:pt x="8034965" y="5657076"/>
+                  <a:pt x="7740769" y="3496574"/>
+                </a:cubicBezTo>
+                <a:cubicBezTo>
+                  <a:pt x="7635377" y="2722604"/>
+                  <a:pt x="6222520" y="3128513"/>
+                  <a:pt x="5463396" y="2944483"/>
+                </a:cubicBezTo>
+                <a:cubicBezTo>
+                  <a:pt x="5557328" y="2643517"/>
+                  <a:pt x="5447384" y="2145094"/>
+                  <a:pt x="5745192" y="2041585"/>
+                </a:cubicBezTo>
+                <a:cubicBezTo>
+                  <a:pt x="6894883" y="1641987"/>
+                  <a:pt x="8151135" y="1590926"/>
+                  <a:pt x="9368286" y="1587260"/>
+                </a:cubicBezTo>
+                <a:cubicBezTo>
+                  <a:pt x="9958788" y="1585481"/>
+                  <a:pt x="8225765" y="1886309"/>
+                  <a:pt x="7654505" y="2035834"/>
+                </a:cubicBezTo>
+                <a:cubicBezTo>
+                  <a:pt x="7138837" y="1991743"/>
+                  <a:pt x="5894265" y="2375142"/>
+                  <a:pt x="6107501" y="1903562"/>
+                </a:cubicBezTo>
+                <a:cubicBezTo>
+                  <a:pt x="6371240" y="1320293"/>
+                  <a:pt x="7393160" y="1065092"/>
+                  <a:pt x="7953554" y="1374476"/>
+                </a:cubicBezTo>
+                <a:cubicBezTo>
+                  <a:pt x="8402769" y="1622480"/>
+                  <a:pt x="7090913" y="1930400"/>
+                  <a:pt x="6659592" y="2208362"/>
+                </a:cubicBezTo>
+                <a:cubicBezTo>
+                  <a:pt x="6795698" y="2484407"/>
+                  <a:pt x="6788186" y="2908119"/>
+                  <a:pt x="7067909" y="3036498"/>
+                </a:cubicBezTo>
+                <a:cubicBezTo>
+                  <a:pt x="8287975" y="3596448"/>
+                  <a:pt x="10142859" y="3083845"/>
+                  <a:pt x="10932543" y="4169434"/>
+                </a:cubicBezTo>
+                <a:cubicBezTo>
+                  <a:pt x="11235548" y="4585978"/>
+                  <a:pt x="8941618" y="7238074"/>
+                  <a:pt x="8522898" y="7746521"/>
+                </a:cubicBezTo>
+                <a:cubicBezTo>
+                  <a:pt x="8821947" y="7888378"/>
+                  <a:pt x="9751010" y="8176079"/>
+                  <a:pt x="9420045" y="8172091"/>
+                </a:cubicBezTo>
+                <a:cubicBezTo>
+                  <a:pt x="8472752" y="8160678"/>
+                  <a:pt x="7463591" y="8141825"/>
+                  <a:pt x="6613584" y="7723517"/>
+                </a:cubicBezTo>
+                <a:cubicBezTo>
+                  <a:pt x="5332813" y="7093221"/>
+                  <a:pt x="4347713" y="5986732"/>
+                  <a:pt x="3214777" y="5118340"/>
+                </a:cubicBezTo>
+                <a:cubicBezTo>
+                  <a:pt x="6436596" y="1768623"/>
+                  <a:pt x="5481379" y="1485556"/>
+                  <a:pt x="10184920" y="1339970"/>
+                </a:cubicBezTo>
+                <a:cubicBezTo>
+                  <a:pt x="10523418" y="1329493"/>
+                  <a:pt x="10786852" y="1650521"/>
+                  <a:pt x="11087818" y="1805796"/>
+                </a:cubicBezTo>
+                <a:cubicBezTo>
+                  <a:pt x="10707145" y="4157811"/>
+                  <a:pt x="11039627" y="6410325"/>
+                  <a:pt x="7700513" y="7039155"/>
+                </a:cubicBezTo>
+                <a:cubicBezTo>
+                  <a:pt x="6326756" y="7297864"/>
+                  <a:pt x="4974566" y="6418053"/>
+                  <a:pt x="3611592" y="6107502"/>
+                </a:cubicBezTo>
+                <a:cubicBezTo>
+                  <a:pt x="3941313" y="5101087"/>
+                  <a:pt x="3773853" y="3749938"/>
+                  <a:pt x="4600754" y="3088257"/>
+                </a:cubicBezTo>
+                <a:cubicBezTo>
+                  <a:pt x="8120750" y="271581"/>
+                  <a:pt x="9078853" y="1175293"/>
+                  <a:pt x="12122988" y="2196860"/>
+                </a:cubicBezTo>
+                <a:cubicBezTo>
+                  <a:pt x="11383033" y="2934898"/>
+                  <a:pt x="10615628" y="3646402"/>
+                  <a:pt x="9903124" y="4410974"/>
+                </a:cubicBezTo>
+                <a:cubicBezTo>
+                  <a:pt x="9056575" y="5319386"/>
+                  <a:pt x="9055235" y="5919134"/>
+                  <a:pt x="9213011" y="4871049"/>
+                </a:cubicBezTo>
+                <a:cubicBezTo>
+                  <a:pt x="7957388" y="4092755"/>
+                  <a:pt x="6623476" y="3428476"/>
+                  <a:pt x="5446143" y="2536166"/>
+                </a:cubicBezTo>
+                <a:cubicBezTo>
+                  <a:pt x="5027808" y="2219107"/>
+                  <a:pt x="4347868" y="1794692"/>
+                  <a:pt x="4485735" y="1288211"/>
+                </a:cubicBezTo>
+                <a:cubicBezTo>
+                  <a:pt x="4633447" y="745564"/>
+                  <a:pt x="5455903" y="697510"/>
+                  <a:pt x="5992483" y="529087"/>
+                </a:cubicBezTo>
+                <a:cubicBezTo>
+                  <a:pt x="6424533" y="393474"/>
+                  <a:pt x="6893464" y="437072"/>
+                  <a:pt x="7343954" y="391064"/>
+                </a:cubicBezTo>
+                <a:cubicBezTo>
+                  <a:pt x="8619875" y="2016553"/>
+                  <a:pt x="8799053" y="1871132"/>
+                  <a:pt x="8632166" y="4853796"/>
+                </a:cubicBezTo>
+                <a:cubicBezTo>
+                  <a:pt x="8602233" y="5388772"/>
+                  <a:pt x="8152921" y="5812287"/>
+                  <a:pt x="7913298" y="6291532"/>
+                </a:cubicBezTo>
+                <a:cubicBezTo>
+                  <a:pt x="5361636" y="5154883"/>
+                  <a:pt x="1836306" y="4104704"/>
+                  <a:pt x="1063924" y="741872"/>
+                </a:cubicBezTo>
+                <a:cubicBezTo>
+                  <a:pt x="864690" y="-125560"/>
+                  <a:pt x="2773871" y="247291"/>
+                  <a:pt x="3628845" y="0"/>
+                </a:cubicBezTo>
+                <a:cubicBezTo>
+                  <a:pt x="5281283" y="279879"/>
+                  <a:pt x="7103694" y="57857"/>
+                  <a:pt x="8586158" y="839638"/>
+                </a:cubicBezTo>
+                <a:cubicBezTo>
+                  <a:pt x="9162678" y="1143667"/>
+                  <a:pt x="9321131" y="2287415"/>
+                  <a:pt x="8885207" y="2771955"/>
+                </a:cubicBezTo>
+                <a:cubicBezTo>
+                  <a:pt x="8057519" y="3691950"/>
+                  <a:pt x="6623169" y="3776453"/>
+                  <a:pt x="5492150" y="4278702"/>
+                </a:cubicBezTo>
+                <a:cubicBezTo>
+                  <a:pt x="5156678" y="4177102"/>
+                  <a:pt x="4408553" y="4315818"/>
+                  <a:pt x="4485735" y="3973902"/>
+                </a:cubicBezTo>
+                <a:cubicBezTo>
+                  <a:pt x="4687167" y="3081561"/>
+                  <a:pt x="5640620" y="2540255"/>
+                  <a:pt x="6067245" y="1731034"/>
+                </a:cubicBezTo>
+                <a:cubicBezTo>
+                  <a:pt x="6195200" y="1488328"/>
+                  <a:pt x="6332544" y="1057016"/>
+                  <a:pt x="6101750" y="908649"/>
+                </a:cubicBezTo>
+                <a:cubicBezTo>
+                  <a:pt x="5866587" y="757473"/>
+                  <a:pt x="5595667" y="1146355"/>
+                  <a:pt x="5342626" y="1265208"/>
+                </a:cubicBezTo>
+                <a:cubicBezTo>
+                  <a:pt x="5609086" y="2225615"/>
+                  <a:pt x="5814484" y="3205095"/>
+                  <a:pt x="6142007" y="4146430"/>
+                </a:cubicBezTo>
+                <a:cubicBezTo>
+                  <a:pt x="6803402" y="6047346"/>
+                  <a:pt x="7365574" y="5382991"/>
+                  <a:pt x="6895381" y="5911970"/>
+                </a:cubicBezTo>
+                <a:cubicBezTo>
+                  <a:pt x="6186098" y="5442310"/>
+                  <a:pt x="5503706" y="4929265"/>
+                  <a:pt x="4767532" y="4502989"/>
+                </a:cubicBezTo>
+                <a:cubicBezTo>
+                  <a:pt x="53076" y="1773119"/>
+                  <a:pt x="1388737" y="3664598"/>
+                  <a:pt x="0" y="1339970"/>
+                </a:cubicBezTo>
+                <a:cubicBezTo>
+                  <a:pt x="1831976" y="1062398"/>
+                  <a:pt x="5553642" y="10264"/>
+                  <a:pt x="7165675" y="1909313"/>
+                </a:cubicBezTo>
+                <a:cubicBezTo>
+                  <a:pt x="8030969" y="2928669"/>
+                  <a:pt x="7529902" y="4558581"/>
+                  <a:pt x="7712015" y="5883215"/>
+                </a:cubicBezTo>
+                <a:cubicBezTo>
+                  <a:pt x="7414883" y="6454475"/>
+                  <a:pt x="7100933" y="7017298"/>
+                  <a:pt x="6820618" y="7596996"/>
+                </a:cubicBezTo>
+                <a:cubicBezTo>
+                  <a:pt x="6812273" y="7614254"/>
+                  <a:pt x="6873119" y="7649539"/>
+                  <a:pt x="6866626" y="7631502"/>
+                </a:cubicBezTo>
+                <a:cubicBezTo>
+                  <a:pt x="6705886" y="7185001"/>
+                  <a:pt x="6675793" y="6652546"/>
+                  <a:pt x="6354792" y="6303034"/>
+                </a:cubicBezTo>
+                <a:cubicBezTo>
+                  <a:pt x="5394450" y="5257393"/>
+                  <a:pt x="4192437" y="4462732"/>
+                  <a:pt x="3111260" y="3542581"/>
+                </a:cubicBezTo>
+                <a:cubicBezTo>
+                  <a:pt x="2480945" y="1155022"/>
+                  <a:pt x="2354108" y="1533122"/>
+                  <a:pt x="8453886" y="4106174"/>
+                </a:cubicBezTo>
+                <a:cubicBezTo>
+                  <a:pt x="9892918" y="4713197"/>
+                  <a:pt x="11018807" y="5888966"/>
+                  <a:pt x="12301267" y="6780362"/>
+                </a:cubicBezTo>
+                <a:cubicBezTo>
+                  <a:pt x="12446958" y="7163758"/>
+                  <a:pt x="12895784" y="7551830"/>
+                  <a:pt x="12738339" y="7930551"/>
+                </a:cubicBezTo>
+                <a:cubicBezTo>
+                  <a:pt x="12626775" y="8198908"/>
+                  <a:pt x="12124579" y="7954096"/>
+                  <a:pt x="11875698" y="7804030"/>
+                </a:cubicBezTo>
+                <a:cubicBezTo>
+                  <a:pt x="10806923" y="7159598"/>
+                  <a:pt x="9862867" y="6327955"/>
+                  <a:pt x="8856452" y="5589917"/>
+                </a:cubicBezTo>
+                <a:cubicBezTo>
+                  <a:pt x="8752935" y="4886385"/>
+                  <a:pt x="7990759" y="3923720"/>
+                  <a:pt x="8545901" y="3479321"/>
+                </a:cubicBezTo>
+                <a:cubicBezTo>
+                  <a:pt x="10504719" y="1911258"/>
+                  <a:pt x="13905165" y="1983650"/>
+                  <a:pt x="16298173" y="1863306"/>
+                </a:cubicBezTo>
+                <a:cubicBezTo>
+                  <a:pt x="14214850" y="3380392"/>
+                  <a:pt x="12751325" y="4321731"/>
+                  <a:pt x="10921041" y="6349042"/>
+                </a:cubicBezTo>
+                <a:cubicBezTo>
+                  <a:pt x="9027388" y="8446544"/>
+                  <a:pt x="9890752" y="8003973"/>
+                  <a:pt x="11294852" y="7867291"/>
+                </a:cubicBezTo>
+                <a:cubicBezTo>
+                  <a:pt x="13849085" y="6198985"/>
+                  <a:pt x="13955423" y="6509661"/>
+                  <a:pt x="15625313" y="3973902"/>
+                </a:cubicBezTo>
+                <a:cubicBezTo>
+                  <a:pt x="15693965" y="3869652"/>
+                  <a:pt x="15579305" y="3728529"/>
+                  <a:pt x="15556301" y="3605842"/>
+                </a:cubicBezTo>
+                <a:cubicBezTo>
+                  <a:pt x="15138399" y="3728529"/>
+                  <a:pt x="14689399" y="3773710"/>
+                  <a:pt x="14302596" y="3973902"/>
+                </a:cubicBezTo>
+                <a:cubicBezTo>
+                  <a:pt x="13205644" y="4541635"/>
+                  <a:pt x="12206419" y="5282206"/>
+                  <a:pt x="11133826" y="5894717"/>
+                </a:cubicBezTo>
+                <a:cubicBezTo>
+                  <a:pt x="10734749" y="6122613"/>
+                  <a:pt x="10305690" y="6293449"/>
+                  <a:pt x="9891622" y="6492815"/>
+                </a:cubicBezTo>
+                <a:cubicBezTo>
+                  <a:pt x="10154052" y="4818936"/>
+                  <a:pt x="10378034" y="4788937"/>
+                  <a:pt x="9328030" y="2921479"/>
+                </a:cubicBezTo>
+                <a:cubicBezTo>
+                  <a:pt x="9123063" y="2556941"/>
+                  <a:pt x="8703094" y="2365555"/>
+                  <a:pt x="8390626" y="2087593"/>
+                </a:cubicBezTo>
+                <a:cubicBezTo>
+                  <a:pt x="10326980" y="1685707"/>
+                  <a:pt x="10511454" y="1587671"/>
+                  <a:pt x="13739003" y="2346385"/>
+                </a:cubicBezTo>
+                <a:cubicBezTo>
+                  <a:pt x="14316380" y="2482112"/>
+                  <a:pt x="14689826" y="3055668"/>
+                  <a:pt x="15165237" y="3410309"/>
+                </a:cubicBezTo>
+                <a:cubicBezTo>
+                  <a:pt x="8746473" y="4609812"/>
+                  <a:pt x="10858023" y="4583822"/>
+                  <a:pt x="3858883" y="4232694"/>
+                </a:cubicBezTo>
+                <a:cubicBezTo>
+                  <a:pt x="3602974" y="4219856"/>
+                  <a:pt x="3364302" y="4098505"/>
+                  <a:pt x="3117011" y="4031411"/>
+                </a:cubicBezTo>
+                <a:cubicBezTo>
+                  <a:pt x="5066581" y="3602007"/>
+                  <a:pt x="6988785" y="3020579"/>
+                  <a:pt x="8965720" y="2743200"/>
+                </a:cubicBezTo>
+                <a:cubicBezTo>
+                  <a:pt x="10119964" y="2581251"/>
+                  <a:pt x="12246410" y="1574814"/>
+                  <a:pt x="12462294" y="2720196"/>
+                </a:cubicBezTo>
+                <a:cubicBezTo>
+                  <a:pt x="12676868" y="3858631"/>
+                  <a:pt x="10260391" y="3442730"/>
+                  <a:pt x="9172754" y="3841630"/>
+                </a:cubicBezTo>
+                <a:cubicBezTo>
+                  <a:pt x="7468797" y="4466570"/>
+                  <a:pt x="5750235" y="5060411"/>
+                  <a:pt x="4088920" y="5791200"/>
+                </a:cubicBezTo>
+                <a:cubicBezTo>
+                  <a:pt x="3730254" y="5948972"/>
+                  <a:pt x="2758512" y="6552546"/>
+                  <a:pt x="3145766" y="6492815"/>
+                </a:cubicBezTo>
+                <a:cubicBezTo>
+                  <a:pt x="5732176" y="6093882"/>
+                  <a:pt x="7376826" y="4834573"/>
+                  <a:pt x="9586822" y="3548332"/>
+                </a:cubicBezTo>
+                <a:cubicBezTo>
+                  <a:pt x="9721011" y="3101675"/>
+                  <a:pt x="10282227" y="2571342"/>
+                  <a:pt x="9989388" y="2208362"/>
+                </a:cubicBezTo>
+                <a:cubicBezTo>
+                  <a:pt x="8940968" y="908823"/>
+                  <a:pt x="5403413" y="964879"/>
+                  <a:pt x="4261449" y="862642"/>
+                </a:cubicBezTo>
+                <a:cubicBezTo>
+                  <a:pt x="6176449" y="4503247"/>
+                  <a:pt x="4581628" y="2068619"/>
+                  <a:pt x="9230264" y="6199517"/>
+                </a:cubicBezTo>
+                <a:cubicBezTo>
+                  <a:pt x="9564693" y="6496699"/>
+                  <a:pt x="10266093" y="6730582"/>
+                  <a:pt x="10161916" y="7165676"/>
+                </a:cubicBezTo>
+                <a:cubicBezTo>
+                  <a:pt x="10073660" y="7534277"/>
+                  <a:pt x="9410460" y="7065993"/>
+                  <a:pt x="9034732" y="7016151"/>
+                </a:cubicBezTo>
+                <a:cubicBezTo>
+                  <a:pt x="7326702" y="6191849"/>
+                  <a:pt x="5541780" y="5510833"/>
+                  <a:pt x="3910641" y="4543245"/>
+                </a:cubicBezTo>
+                <a:cubicBezTo>
+                  <a:pt x="2709666" y="3830830"/>
+                  <a:pt x="1381021" y="3145703"/>
+                  <a:pt x="580845" y="2001328"/>
+                </a:cubicBezTo>
+                <a:cubicBezTo>
+                  <a:pt x="317221" y="1624305"/>
+                  <a:pt x="869585" y="941096"/>
+                  <a:pt x="1316966" y="833887"/>
+                </a:cubicBezTo>
+                <a:cubicBezTo>
+                  <a:pt x="2923295" y="448953"/>
+                  <a:pt x="4618007" y="703532"/>
+                  <a:pt x="6268528" y="638355"/>
+                </a:cubicBezTo>
+                <a:cubicBezTo>
+                  <a:pt x="10545650" y="2216322"/>
+                  <a:pt x="8972730" y="1028759"/>
+                  <a:pt x="11432875" y="3680604"/>
+                </a:cubicBezTo>
+                <a:cubicBezTo>
+                  <a:pt x="11487337" y="3739310"/>
+                  <a:pt x="11540226" y="3799457"/>
+                  <a:pt x="11593901" y="3858883"/>
+                </a:cubicBezTo>
+              </a:path>
+            </a:pathLst>
+          </a:custGeom>
+          <a:noFill/>
+        </p:spPr>
+        <p:style>
+          <a:lnRef idx="2">
+            <a:schemeClr val="accent1">
+              <a:shade val="50000"/>
+            </a:schemeClr>
+          </a:lnRef>
+          <a:fillRef idx="1">
+            <a:schemeClr val="accent1"/>
+          </a:fillRef>
+          <a:effectRef idx="0">
+            <a:schemeClr val="accent1"/>
+          </a:effectRef>
+          <a:fontRef idx="minor">
+            <a:schemeClr val="lt1"/>
+          </a:fontRef>
+        </p:style>
+        <p:txBody>
+          <a:bodyPr rtlCol="0" anchor="ctr"/>
+          <a:lstStyle/>
+          <a:p>
+            <a:pPr algn="ctr"/>
+            <a:endParaRPr lang="en-US"/>
+          </a:p>
+        </p:txBody>
+      </p:sp>
     </p:spTree>
     <p:extLst>
       <p:ext uri="{BB962C8B-B14F-4D97-AF65-F5344CB8AC3E}">
@@ -22971,7 +26584,7 @@
                             </p:stCondLst>
                             <p:childTnLst>
                               <p:par>
-                                <p:cTn id="5" presetID="1" presetClass="entr" presetSubtype="0" fill="hold" grpId="0" nodeType="clickEffect">
+                                <p:cTn id="5" presetID="10" presetClass="entr" presetSubtype="0" fill="hold" grpId="0" nodeType="clickEffect">
                                   <p:stCondLst>
                                     <p:cond delay="0"/>
                                   </p:stCondLst>
@@ -22994,6 +26607,14 @@
                                         <p:strVal val="visible"/>
                                       </p:to>
                                     </p:set>
+                                    <p:animEffect transition="in" filter="fade">
+                                      <p:cBhvr>
+                                        <p:cTn id="7" dur="500"/>
+                                        <p:tgtEl>
+                                          <p:spTgt spid="35"/>
+                                        </p:tgtEl>
+                                      </p:cBhvr>
+                                    </p:animEffect>
                                   </p:childTnLst>
                                 </p:cTn>
                               </p:par>
@@ -23004,26 +26625,26 @@
                     </p:cTn>
                   </p:par>
                   <p:par>
-                    <p:cTn id="7" fill="hold">
+                    <p:cTn id="8" fill="hold">
                       <p:stCondLst>
                         <p:cond delay="indefinite"/>
                       </p:stCondLst>
                       <p:childTnLst>
                         <p:par>
-                          <p:cTn id="8" fill="hold">
+                          <p:cTn id="9" fill="hold">
                             <p:stCondLst>
                               <p:cond delay="0"/>
                             </p:stCondLst>
                             <p:childTnLst>
                               <p:par>
-                                <p:cTn id="9" presetID="1" presetClass="entr" presetSubtype="0" fill="hold" grpId="0" nodeType="clickEffect">
+                                <p:cTn id="10" presetID="10" presetClass="entr" presetSubtype="0" fill="hold" grpId="0" nodeType="clickEffect">
                                   <p:stCondLst>
                                     <p:cond delay="0"/>
                                   </p:stCondLst>
                                   <p:childTnLst>
                                     <p:set>
                                       <p:cBhvr>
-                                        <p:cTn id="10" dur="1" fill="hold">
+                                        <p:cTn id="11" dur="1" fill="hold">
                                           <p:stCondLst>
                                             <p:cond delay="0"/>
                                           </p:stCondLst>
@@ -23039,6 +26660,14 @@
                                         <p:strVal val="visible"/>
                                       </p:to>
                                     </p:set>
+                                    <p:animEffect transition="in" filter="fade">
+                                      <p:cBhvr>
+                                        <p:cTn id="12" dur="500"/>
+                                        <p:tgtEl>
+                                          <p:spTgt spid="36"/>
+                                        </p:tgtEl>
+                                      </p:cBhvr>
+                                    </p:animEffect>
                                   </p:childTnLst>
                                 </p:cTn>
                               </p:par>
@@ -23049,26 +26678,26 @@
                     </p:cTn>
                   </p:par>
                   <p:par>
-                    <p:cTn id="11" fill="hold">
+                    <p:cTn id="13" fill="hold">
                       <p:stCondLst>
                         <p:cond delay="indefinite"/>
                       </p:stCondLst>
                       <p:childTnLst>
                         <p:par>
-                          <p:cTn id="12" fill="hold">
+                          <p:cTn id="14" fill="hold">
                             <p:stCondLst>
                               <p:cond delay="0"/>
                             </p:stCondLst>
                             <p:childTnLst>
                               <p:par>
-                                <p:cTn id="13" presetID="1" presetClass="entr" presetSubtype="0" fill="hold" grpId="0" nodeType="clickEffect">
+                                <p:cTn id="15" presetID="10" presetClass="entr" presetSubtype="0" fill="hold" grpId="0" nodeType="clickEffect">
                                   <p:stCondLst>
                                     <p:cond delay="0"/>
                                   </p:stCondLst>
                                   <p:childTnLst>
                                     <p:set>
                                       <p:cBhvr>
-                                        <p:cTn id="14" dur="1" fill="hold">
+                                        <p:cTn id="16" dur="1" fill="hold">
                                           <p:stCondLst>
                                             <p:cond delay="0"/>
                                           </p:stCondLst>
@@ -23084,6 +26713,14 @@
                                         <p:strVal val="visible"/>
                                       </p:to>
                                     </p:set>
+                                    <p:animEffect transition="in" filter="fade">
+                                      <p:cBhvr>
+                                        <p:cTn id="17" dur="500"/>
+                                        <p:tgtEl>
+                                          <p:spTgt spid="41"/>
+                                        </p:tgtEl>
+                                      </p:cBhvr>
+                                    </p:animEffect>
                                   </p:childTnLst>
                                 </p:cTn>
                               </p:par>
@@ -23094,26 +26731,26 @@
                     </p:cTn>
                   </p:par>
                   <p:par>
-                    <p:cTn id="15" fill="hold">
+                    <p:cTn id="18" fill="hold">
                       <p:stCondLst>
                         <p:cond delay="indefinite"/>
                       </p:stCondLst>
                       <p:childTnLst>
                         <p:par>
-                          <p:cTn id="16" fill="hold">
+                          <p:cTn id="19" fill="hold">
                             <p:stCondLst>
                               <p:cond delay="0"/>
                             </p:stCondLst>
                             <p:childTnLst>
                               <p:par>
-                                <p:cTn id="17" presetID="1" presetClass="entr" presetSubtype="0" fill="hold" grpId="0" nodeType="clickEffect">
+                                <p:cTn id="20" presetID="10" presetClass="entr" presetSubtype="0" fill="hold" grpId="0" nodeType="clickEffect">
                                   <p:stCondLst>
                                     <p:cond delay="0"/>
                                   </p:stCondLst>
                                   <p:childTnLst>
                                     <p:set>
                                       <p:cBhvr>
-                                        <p:cTn id="18" dur="1" fill="hold">
+                                        <p:cTn id="21" dur="1" fill="hold">
                                           <p:stCondLst>
                                             <p:cond delay="0"/>
                                           </p:stCondLst>
@@ -23129,6 +26766,67 @@
                                         <p:strVal val="visible"/>
                                       </p:to>
                                     </p:set>
+                                    <p:animEffect transition="in" filter="fade">
+                                      <p:cBhvr>
+                                        <p:cTn id="22" dur="500"/>
+                                        <p:tgtEl>
+                                          <p:spTgt spid="38"/>
+                                        </p:tgtEl>
+                                      </p:cBhvr>
+                                    </p:animEffect>
+                                  </p:childTnLst>
+                                </p:cTn>
+                              </p:par>
+                            </p:childTnLst>
+                          </p:cTn>
+                        </p:par>
+                      </p:childTnLst>
+                    </p:cTn>
+                  </p:par>
+                  <p:par>
+                    <p:cTn id="23" fill="hold">
+                      <p:stCondLst>
+                        <p:cond delay="indefinite"/>
+                      </p:stCondLst>
+                      <p:childTnLst>
+                        <p:par>
+                          <p:cTn id="24" fill="hold">
+                            <p:stCondLst>
+                              <p:cond delay="0"/>
+                            </p:stCondLst>
+                            <p:childTnLst>
+                              <p:par>
+                                <p:cTn id="25" presetID="10" presetClass="entr" presetSubtype="0" fill="hold" grpId="0" nodeType="clickEffect">
+                                  <p:stCondLst>
+                                    <p:cond delay="0"/>
+                                  </p:stCondLst>
+                                  <p:childTnLst>
+                                    <p:set>
+                                      <p:cBhvr>
+                                        <p:cTn id="26" dur="1" fill="hold">
+                                          <p:stCondLst>
+                                            <p:cond delay="0"/>
+                                          </p:stCondLst>
+                                        </p:cTn>
+                                        <p:tgtEl>
+                                          <p:spTgt spid="3"/>
+                                        </p:tgtEl>
+                                        <p:attrNameLst>
+                                          <p:attrName>style.visibility</p:attrName>
+                                        </p:attrNameLst>
+                                      </p:cBhvr>
+                                      <p:to>
+                                        <p:strVal val="visible"/>
+                                      </p:to>
+                                    </p:set>
+                                    <p:animEffect transition="in" filter="fade">
+                                      <p:cBhvr>
+                                        <p:cTn id="27" dur="500"/>
+                                        <p:tgtEl>
+                                          <p:spTgt spid="3"/>
+                                        </p:tgtEl>
+                                      </p:cBhvr>
+                                    </p:animEffect>
                                   </p:childTnLst>
                                 </p:cTn>
                               </p:par>
@@ -23164,6 +26862,7 @@
       <p:bldP spid="36" grpId="0" animBg="1"/>
       <p:bldP spid="38" grpId="0" animBg="1"/>
       <p:bldP spid="41" grpId="0" animBg="1"/>
+      <p:bldP spid="3" grpId="0" animBg="1"/>
     </p:bldLst>
   </p:timing>
 </p:sld>
@@ -25274,7 +28973,7 @@
                             </p:stCondLst>
                             <p:childTnLst>
                               <p:par>
-                                <p:cTn id="5" presetID="1" presetClass="entr" presetSubtype="0" fill="hold" grpId="0" nodeType="clickEffect">
+                                <p:cTn id="5" presetID="10" presetClass="entr" presetSubtype="0" fill="hold" grpId="0" nodeType="clickEffect">
                                   <p:stCondLst>
                                     <p:cond delay="0"/>
                                   </p:stCondLst>
@@ -25301,18 +29000,30 @@
                                         <p:strVal val="visible"/>
                                       </p:to>
                                     </p:set>
+                                    <p:animEffect transition="in" filter="fade">
+                                      <p:cBhvr>
+                                        <p:cTn id="7" dur="500"/>
+                                        <p:tgtEl>
+                                          <p:spTgt spid="288">
+                                            <p:txEl>
+                                              <p:pRg st="0" end="0"/>
+                                            </p:txEl>
+                                          </p:spTgt>
+                                        </p:tgtEl>
+                                      </p:cBhvr>
+                                    </p:animEffect>
                                   </p:childTnLst>
                                 </p:cTn>
                               </p:par>
                               <p:par>
-                                <p:cTn id="7" presetID="1" presetClass="entr" presetSubtype="0" fill="hold" grpId="0" nodeType="withEffect">
+                                <p:cTn id="8" presetID="10" presetClass="entr" presetSubtype="0" fill="hold" grpId="0" nodeType="withEffect">
                                   <p:stCondLst>
                                     <p:cond delay="0"/>
                                   </p:stCondLst>
                                   <p:childTnLst>
                                     <p:set>
                                       <p:cBhvr>
-                                        <p:cTn id="8" dur="1" fill="hold">
+                                        <p:cTn id="9" dur="1" fill="hold">
                                           <p:stCondLst>
                                             <p:cond delay="0"/>
                                           </p:stCondLst>
@@ -25332,18 +29043,30 @@
                                         <p:strVal val="visible"/>
                                       </p:to>
                                     </p:set>
+                                    <p:animEffect transition="in" filter="fade">
+                                      <p:cBhvr>
+                                        <p:cTn id="10" dur="500"/>
+                                        <p:tgtEl>
+                                          <p:spTgt spid="288">
+                                            <p:txEl>
+                                              <p:pRg st="1" end="1"/>
+                                            </p:txEl>
+                                          </p:spTgt>
+                                        </p:tgtEl>
+                                      </p:cBhvr>
+                                    </p:animEffect>
                                   </p:childTnLst>
                                 </p:cTn>
                               </p:par>
                               <p:par>
-                                <p:cTn id="9" presetID="1" presetClass="entr" presetSubtype="0" fill="hold" nodeType="withEffect">
+                                <p:cTn id="11" presetID="10" presetClass="entr" presetSubtype="0" fill="hold" nodeType="withEffect">
                                   <p:stCondLst>
                                     <p:cond delay="0"/>
                                   </p:stCondLst>
                                   <p:childTnLst>
                                     <p:set>
                                       <p:cBhvr>
-                                        <p:cTn id="10" dur="1" fill="hold">
+                                        <p:cTn id="12" dur="1" fill="hold">
                                           <p:stCondLst>
                                             <p:cond delay="0"/>
                                           </p:stCondLst>
@@ -25359,6 +29082,14 @@
                                         <p:strVal val="visible"/>
                                       </p:to>
                                     </p:set>
+                                    <p:animEffect transition="in" filter="fade">
+                                      <p:cBhvr>
+                                        <p:cTn id="13" dur="500"/>
+                                        <p:tgtEl>
+                                          <p:spTgt spid="57"/>
+                                        </p:tgtEl>
+                                      </p:cBhvr>
+                                    </p:animEffect>
                                   </p:childTnLst>
                                 </p:cTn>
                               </p:par>
@@ -25369,26 +29100,26 @@
                     </p:cTn>
                   </p:par>
                   <p:par>
-                    <p:cTn id="11" fill="hold">
+                    <p:cTn id="14" fill="hold">
                       <p:stCondLst>
                         <p:cond delay="indefinite"/>
                       </p:stCondLst>
                       <p:childTnLst>
                         <p:par>
-                          <p:cTn id="12" fill="hold">
+                          <p:cTn id="15" fill="hold">
                             <p:stCondLst>
                               <p:cond delay="0"/>
                             </p:stCondLst>
                             <p:childTnLst>
                               <p:par>
-                                <p:cTn id="13" presetID="1" presetClass="entr" presetSubtype="0" fill="hold" grpId="0" nodeType="clickEffect">
+                                <p:cTn id="16" presetID="10" presetClass="entr" presetSubtype="0" fill="hold" grpId="0" nodeType="clickEffect">
                                   <p:stCondLst>
                                     <p:cond delay="0"/>
                                   </p:stCondLst>
                                   <p:childTnLst>
                                     <p:set>
                                       <p:cBhvr>
-                                        <p:cTn id="14" dur="1" fill="hold">
+                                        <p:cTn id="17" dur="1" fill="hold">
                                           <p:stCondLst>
                                             <p:cond delay="0"/>
                                           </p:stCondLst>
@@ -25408,18 +29139,30 @@
                                         <p:strVal val="visible"/>
                                       </p:to>
                                     </p:set>
+                                    <p:animEffect transition="in" filter="fade">
+                                      <p:cBhvr>
+                                        <p:cTn id="18" dur="500"/>
+                                        <p:tgtEl>
+                                          <p:spTgt spid="289">
+                                            <p:txEl>
+                                              <p:pRg st="0" end="0"/>
+                                            </p:txEl>
+                                          </p:spTgt>
+                                        </p:tgtEl>
+                                      </p:cBhvr>
+                                    </p:animEffect>
                                   </p:childTnLst>
                                 </p:cTn>
                               </p:par>
                               <p:par>
-                                <p:cTn id="15" presetID="1" presetClass="entr" presetSubtype="0" fill="hold" nodeType="withEffect">
+                                <p:cTn id="19" presetID="10" presetClass="entr" presetSubtype="0" fill="hold" nodeType="withEffect">
                                   <p:stCondLst>
                                     <p:cond delay="0"/>
                                   </p:stCondLst>
                                   <p:childTnLst>
                                     <p:set>
                                       <p:cBhvr>
-                                        <p:cTn id="16" dur="1" fill="hold">
+                                        <p:cTn id="20" dur="1" fill="hold">
                                           <p:stCondLst>
                                             <p:cond delay="0"/>
                                           </p:stCondLst>
@@ -25435,18 +29178,26 @@
                                         <p:strVal val="visible"/>
                                       </p:to>
                                     </p:set>
+                                    <p:animEffect transition="in" filter="fade">
+                                      <p:cBhvr>
+                                        <p:cTn id="21" dur="500"/>
+                                        <p:tgtEl>
+                                          <p:spTgt spid="63"/>
+                                        </p:tgtEl>
+                                      </p:cBhvr>
+                                    </p:animEffect>
                                   </p:childTnLst>
                                 </p:cTn>
                               </p:par>
                               <p:par>
-                                <p:cTn id="17" presetID="1" presetClass="entr" presetSubtype="0" fill="hold" grpId="0" nodeType="withEffect">
+                                <p:cTn id="22" presetID="10" presetClass="entr" presetSubtype="0" fill="hold" grpId="0" nodeType="withEffect">
                                   <p:stCondLst>
                                     <p:cond delay="0"/>
                                   </p:stCondLst>
                                   <p:childTnLst>
                                     <p:set>
                                       <p:cBhvr>
-                                        <p:cTn id="18" dur="1" fill="hold">
+                                        <p:cTn id="23" dur="1" fill="hold">
                                           <p:stCondLst>
                                             <p:cond delay="0"/>
                                           </p:stCondLst>
@@ -25466,6 +29217,18 @@
                                         <p:strVal val="visible"/>
                                       </p:to>
                                     </p:set>
+                                    <p:animEffect transition="in" filter="fade">
+                                      <p:cBhvr>
+                                        <p:cTn id="24" dur="500"/>
+                                        <p:tgtEl>
+                                          <p:spTgt spid="289">
+                                            <p:txEl>
+                                              <p:pRg st="1" end="1"/>
+                                            </p:txEl>
+                                          </p:spTgt>
+                                        </p:tgtEl>
+                                      </p:cBhvr>
+                                    </p:animEffect>
                                   </p:childTnLst>
                                 </p:cTn>
                               </p:par>
@@ -25476,26 +29239,26 @@
                     </p:cTn>
                   </p:par>
                   <p:par>
-                    <p:cTn id="19" fill="hold">
+                    <p:cTn id="25" fill="hold">
                       <p:stCondLst>
                         <p:cond delay="indefinite"/>
                       </p:stCondLst>
                       <p:childTnLst>
                         <p:par>
-                          <p:cTn id="20" fill="hold">
+                          <p:cTn id="26" fill="hold">
                             <p:stCondLst>
                               <p:cond delay="0"/>
                             </p:stCondLst>
                             <p:childTnLst>
                               <p:par>
-                                <p:cTn id="21" presetID="1" presetClass="entr" presetSubtype="0" fill="hold" grpId="0" nodeType="clickEffect">
+                                <p:cTn id="27" presetID="10" presetClass="entr" presetSubtype="0" fill="hold" grpId="0" nodeType="clickEffect">
                                   <p:stCondLst>
                                     <p:cond delay="0"/>
                                   </p:stCondLst>
                                   <p:childTnLst>
                                     <p:set>
                                       <p:cBhvr>
-                                        <p:cTn id="22" dur="1" fill="hold">
+                                        <p:cTn id="28" dur="1" fill="hold">
                                           <p:stCondLst>
                                             <p:cond delay="0"/>
                                           </p:stCondLst>
@@ -25515,18 +29278,30 @@
                                         <p:strVal val="visible"/>
                                       </p:to>
                                     </p:set>
+                                    <p:animEffect transition="in" filter="fade">
+                                      <p:cBhvr>
+                                        <p:cTn id="29" dur="500"/>
+                                        <p:tgtEl>
+                                          <p:spTgt spid="290">
+                                            <p:txEl>
+                                              <p:pRg st="0" end="0"/>
+                                            </p:txEl>
+                                          </p:spTgt>
+                                        </p:tgtEl>
+                                      </p:cBhvr>
+                                    </p:animEffect>
                                   </p:childTnLst>
                                 </p:cTn>
                               </p:par>
                               <p:par>
-                                <p:cTn id="23" presetID="1" presetClass="entr" presetSubtype="0" fill="hold" grpId="0" nodeType="withEffect">
+                                <p:cTn id="30" presetID="10" presetClass="entr" presetSubtype="0" fill="hold" grpId="0" nodeType="withEffect">
                                   <p:stCondLst>
                                     <p:cond delay="0"/>
                                   </p:stCondLst>
                                   <p:childTnLst>
                                     <p:set>
                                       <p:cBhvr>
-                                        <p:cTn id="24" dur="1" fill="hold">
+                                        <p:cTn id="31" dur="1" fill="hold">
                                           <p:stCondLst>
                                             <p:cond delay="0"/>
                                           </p:stCondLst>
@@ -25546,18 +29321,30 @@
                                         <p:strVal val="visible"/>
                                       </p:to>
                                     </p:set>
+                                    <p:animEffect transition="in" filter="fade">
+                                      <p:cBhvr>
+                                        <p:cTn id="32" dur="500"/>
+                                        <p:tgtEl>
+                                          <p:spTgt spid="290">
+                                            <p:txEl>
+                                              <p:pRg st="1" end="1"/>
+                                            </p:txEl>
+                                          </p:spTgt>
+                                        </p:tgtEl>
+                                      </p:cBhvr>
+                                    </p:animEffect>
                                   </p:childTnLst>
                                 </p:cTn>
                               </p:par>
                               <p:par>
-                                <p:cTn id="25" presetID="1" presetClass="entr" presetSubtype="0" fill="hold" grpId="0" nodeType="withEffect">
+                                <p:cTn id="33" presetID="1" presetClass="entr" presetSubtype="0" fill="hold" grpId="0" nodeType="withEffect">
                                   <p:stCondLst>
                                     <p:cond delay="0"/>
                                   </p:stCondLst>
                                   <p:childTnLst>
                                     <p:set>
                                       <p:cBhvr>
-                                        <p:cTn id="26" dur="1" fill="hold">
+                                        <p:cTn id="34" dur="1" fill="hold">
                                           <p:stCondLst>
                                             <p:cond delay="0"/>
                                           </p:stCondLst>
@@ -26205,7 +29992,7 @@
                             </p:stCondLst>
                             <p:childTnLst>
                               <p:par>
-                                <p:cTn id="5" presetID="1" presetClass="entr" presetSubtype="0" fill="hold" nodeType="clickEffect">
+                                <p:cTn id="5" presetID="10" presetClass="entr" presetSubtype="0" fill="hold" nodeType="clickEffect">
                                   <p:stCondLst>
                                     <p:cond delay="0"/>
                                   </p:stCondLst>
@@ -26232,6 +30019,18 @@
                                         <p:strVal val="visible"/>
                                       </p:to>
                                     </p:set>
+                                    <p:animEffect transition="in" filter="fade">
+                                      <p:cBhvr>
+                                        <p:cTn id="7" dur="500"/>
+                                        <p:tgtEl>
+                                          <p:spTgt spid="23">
+                                            <p:txEl>
+                                              <p:pRg st="0" end="0"/>
+                                            </p:txEl>
+                                          </p:spTgt>
+                                        </p:tgtEl>
+                                      </p:cBhvr>
+                                    </p:animEffect>
                                   </p:childTnLst>
                                 </p:cTn>
                               </p:par>
@@ -26242,26 +30041,26 @@
                     </p:cTn>
                   </p:par>
                   <p:par>
-                    <p:cTn id="7" fill="hold">
+                    <p:cTn id="8" fill="hold">
                       <p:stCondLst>
                         <p:cond delay="indefinite"/>
                       </p:stCondLst>
                       <p:childTnLst>
                         <p:par>
-                          <p:cTn id="8" fill="hold">
+                          <p:cTn id="9" fill="hold">
                             <p:stCondLst>
                               <p:cond delay="0"/>
                             </p:stCondLst>
                             <p:childTnLst>
                               <p:par>
-                                <p:cTn id="9" presetID="1" presetClass="entr" presetSubtype="0" fill="hold" nodeType="clickEffect">
+                                <p:cTn id="10" presetID="10" presetClass="entr" presetSubtype="0" fill="hold" nodeType="clickEffect">
                                   <p:stCondLst>
                                     <p:cond delay="0"/>
                                   </p:stCondLst>
                                   <p:childTnLst>
                                     <p:set>
                                       <p:cBhvr>
-                                        <p:cTn id="10" dur="1" fill="hold">
+                                        <p:cTn id="11" dur="1" fill="hold">
                                           <p:stCondLst>
                                             <p:cond delay="0"/>
                                           </p:stCondLst>
@@ -26281,6 +30080,18 @@
                                         <p:strVal val="visible"/>
                                       </p:to>
                                     </p:set>
+                                    <p:animEffect transition="in" filter="fade">
+                                      <p:cBhvr>
+                                        <p:cTn id="12" dur="500"/>
+                                        <p:tgtEl>
+                                          <p:spTgt spid="23">
+                                            <p:txEl>
+                                              <p:pRg st="1" end="1"/>
+                                            </p:txEl>
+                                          </p:spTgt>
+                                        </p:tgtEl>
+                                      </p:cBhvr>
+                                    </p:animEffect>
                                   </p:childTnLst>
                                 </p:cTn>
                               </p:par>
@@ -26291,26 +30102,26 @@
                     </p:cTn>
                   </p:par>
                   <p:par>
-                    <p:cTn id="11" fill="hold">
+                    <p:cTn id="13" fill="hold">
                       <p:stCondLst>
                         <p:cond delay="indefinite"/>
                       </p:stCondLst>
                       <p:childTnLst>
                         <p:par>
-                          <p:cTn id="12" fill="hold">
+                          <p:cTn id="14" fill="hold">
                             <p:stCondLst>
                               <p:cond delay="0"/>
                             </p:stCondLst>
                             <p:childTnLst>
                               <p:par>
-                                <p:cTn id="13" presetID="1" presetClass="entr" presetSubtype="0" fill="hold" nodeType="clickEffect">
+                                <p:cTn id="15" presetID="10" presetClass="entr" presetSubtype="0" fill="hold" nodeType="clickEffect">
                                   <p:stCondLst>
                                     <p:cond delay="0"/>
                                   </p:stCondLst>
                                   <p:childTnLst>
                                     <p:set>
                                       <p:cBhvr>
-                                        <p:cTn id="14" dur="1" fill="hold">
+                                        <p:cTn id="16" dur="1" fill="hold">
                                           <p:stCondLst>
                                             <p:cond delay="0"/>
                                           </p:stCondLst>
@@ -26330,6 +30141,18 @@
                                         <p:strVal val="visible"/>
                                       </p:to>
                                     </p:set>
+                                    <p:animEffect transition="in" filter="fade">
+                                      <p:cBhvr>
+                                        <p:cTn id="17" dur="500"/>
+                                        <p:tgtEl>
+                                          <p:spTgt spid="23">
+                                            <p:txEl>
+                                              <p:pRg st="2" end="2"/>
+                                            </p:txEl>
+                                          </p:spTgt>
+                                        </p:tgtEl>
+                                      </p:cBhvr>
+                                    </p:animEffect>
                                   </p:childTnLst>
                                 </p:cTn>
                               </p:par>
@@ -26340,26 +30163,26 @@
                     </p:cTn>
                   </p:par>
                   <p:par>
-                    <p:cTn id="15" fill="hold">
+                    <p:cTn id="18" fill="hold">
                       <p:stCondLst>
                         <p:cond delay="indefinite"/>
                       </p:stCondLst>
                       <p:childTnLst>
                         <p:par>
-                          <p:cTn id="16" fill="hold">
+                          <p:cTn id="19" fill="hold">
                             <p:stCondLst>
                               <p:cond delay="0"/>
                             </p:stCondLst>
                             <p:childTnLst>
                               <p:par>
-                                <p:cTn id="17" presetID="1" presetClass="entr" presetSubtype="0" fill="hold" nodeType="clickEffect">
+                                <p:cTn id="20" presetID="10" presetClass="entr" presetSubtype="0" fill="hold" nodeType="clickEffect">
                                   <p:stCondLst>
                                     <p:cond delay="0"/>
                                   </p:stCondLst>
                                   <p:childTnLst>
                                     <p:set>
                                       <p:cBhvr>
-                                        <p:cTn id="18" dur="1" fill="hold">
+                                        <p:cTn id="21" dur="1" fill="hold">
                                           <p:stCondLst>
                                             <p:cond delay="0"/>
                                           </p:stCondLst>
@@ -26379,55 +30202,18 @@
                                         <p:strVal val="visible"/>
                                       </p:to>
                                     </p:set>
-                                  </p:childTnLst>
-                                </p:cTn>
-                              </p:par>
-                            </p:childTnLst>
-                          </p:cTn>
-                        </p:par>
-                      </p:childTnLst>
-                    </p:cTn>
-                  </p:par>
-                  <p:par>
-                    <p:cTn id="19" fill="hold">
-                      <p:stCondLst>
-                        <p:cond delay="indefinite"/>
-                      </p:stCondLst>
-                      <p:childTnLst>
-                        <p:par>
-                          <p:cTn id="20" fill="hold">
-                            <p:stCondLst>
-                              <p:cond delay="0"/>
-                            </p:stCondLst>
-                            <p:childTnLst>
-                              <p:par>
-                                <p:cTn id="21" presetID="1" presetClass="entr" presetSubtype="0" fill="hold" nodeType="clickEffect">
-                                  <p:stCondLst>
-                                    <p:cond delay="0"/>
-                                  </p:stCondLst>
-                                  <p:childTnLst>
-                                    <p:set>
+                                    <p:animEffect transition="in" filter="fade">
                                       <p:cBhvr>
-                                        <p:cTn id="22" dur="1" fill="hold">
-                                          <p:stCondLst>
-                                            <p:cond delay="0"/>
-                                          </p:stCondLst>
-                                        </p:cTn>
+                                        <p:cTn id="22" dur="500"/>
                                         <p:tgtEl>
                                           <p:spTgt spid="23">
                                             <p:txEl>
-                                              <p:pRg st="4" end="4"/>
+                                              <p:pRg st="3" end="3"/>
                                             </p:txEl>
                                           </p:spTgt>
                                         </p:tgtEl>
-                                        <p:attrNameLst>
-                                          <p:attrName>style.visibility</p:attrName>
-                                        </p:attrNameLst>
                                       </p:cBhvr>
-                                      <p:to>
-                                        <p:strVal val="visible"/>
-                                      </p:to>
-                                    </p:set>
+                                    </p:animEffect>
                                   </p:childTnLst>
                                 </p:cTn>
                               </p:par>
@@ -26450,7 +30236,7 @@
                             </p:stCondLst>
                             <p:childTnLst>
                               <p:par>
-                                <p:cTn id="25" presetID="1" presetClass="entr" presetSubtype="0" fill="hold" nodeType="clickEffect">
+                                <p:cTn id="25" presetID="10" presetClass="entr" presetSubtype="0" fill="hold" nodeType="clickEffect">
                                   <p:stCondLst>
                                     <p:cond delay="0"/>
                                   </p:stCondLst>
@@ -26458,6 +30244,67 @@
                                     <p:set>
                                       <p:cBhvr>
                                         <p:cTn id="26" dur="1" fill="hold">
+                                          <p:stCondLst>
+                                            <p:cond delay="0"/>
+                                          </p:stCondLst>
+                                        </p:cTn>
+                                        <p:tgtEl>
+                                          <p:spTgt spid="23">
+                                            <p:txEl>
+                                              <p:pRg st="4" end="4"/>
+                                            </p:txEl>
+                                          </p:spTgt>
+                                        </p:tgtEl>
+                                        <p:attrNameLst>
+                                          <p:attrName>style.visibility</p:attrName>
+                                        </p:attrNameLst>
+                                      </p:cBhvr>
+                                      <p:to>
+                                        <p:strVal val="visible"/>
+                                      </p:to>
+                                    </p:set>
+                                    <p:animEffect transition="in" filter="fade">
+                                      <p:cBhvr>
+                                        <p:cTn id="27" dur="500"/>
+                                        <p:tgtEl>
+                                          <p:spTgt spid="23">
+                                            <p:txEl>
+                                              <p:pRg st="4" end="4"/>
+                                            </p:txEl>
+                                          </p:spTgt>
+                                        </p:tgtEl>
+                                      </p:cBhvr>
+                                    </p:animEffect>
+                                  </p:childTnLst>
+                                </p:cTn>
+                              </p:par>
+                            </p:childTnLst>
+                          </p:cTn>
+                        </p:par>
+                      </p:childTnLst>
+                    </p:cTn>
+                  </p:par>
+                  <p:par>
+                    <p:cTn id="28" fill="hold">
+                      <p:stCondLst>
+                        <p:cond delay="indefinite"/>
+                      </p:stCondLst>
+                      <p:childTnLst>
+                        <p:par>
+                          <p:cTn id="29" fill="hold">
+                            <p:stCondLst>
+                              <p:cond delay="0"/>
+                            </p:stCondLst>
+                            <p:childTnLst>
+                              <p:par>
+                                <p:cTn id="30" presetID="10" presetClass="entr" presetSubtype="0" fill="hold" nodeType="clickEffect">
+                                  <p:stCondLst>
+                                    <p:cond delay="0"/>
+                                  </p:stCondLst>
+                                  <p:childTnLst>
+                                    <p:set>
+                                      <p:cBhvr>
+                                        <p:cTn id="31" dur="1" fill="hold">
                                           <p:stCondLst>
                                             <p:cond delay="0"/>
                                           </p:stCondLst>
@@ -26477,6 +30324,18 @@
                                         <p:strVal val="visible"/>
                                       </p:to>
                                     </p:set>
+                                    <p:animEffect transition="in" filter="fade">
+                                      <p:cBhvr>
+                                        <p:cTn id="32" dur="500"/>
+                                        <p:tgtEl>
+                                          <p:spTgt spid="23">
+                                            <p:txEl>
+                                              <p:pRg st="5" end="5"/>
+                                            </p:txEl>
+                                          </p:spTgt>
+                                        </p:tgtEl>
+                                      </p:cBhvr>
+                                    </p:animEffect>
                                   </p:childTnLst>
                                 </p:cTn>
                               </p:par>
@@ -26714,7 +30573,7 @@
                             </p:stCondLst>
                             <p:childTnLst>
                               <p:par>
-                                <p:cTn id="5" presetID="1" presetClass="entr" presetSubtype="0" fill="hold" grpId="0" nodeType="clickEffect">
+                                <p:cTn id="5" presetID="10" presetClass="entr" presetSubtype="0" fill="hold" grpId="0" nodeType="clickEffect">
                                   <p:stCondLst>
                                     <p:cond delay="0"/>
                                   </p:stCondLst>
@@ -26741,18 +30600,30 @@
                                         <p:strVal val="visible"/>
                                       </p:to>
                                     </p:set>
+                                    <p:animEffect transition="in" filter="fade">
+                                      <p:cBhvr>
+                                        <p:cTn id="7" dur="500"/>
+                                        <p:tgtEl>
+                                          <p:spTgt spid="104">
+                                            <p:txEl>
+                                              <p:pRg st="0" end="0"/>
+                                            </p:txEl>
+                                          </p:spTgt>
+                                        </p:tgtEl>
+                                      </p:cBhvr>
+                                    </p:animEffect>
                                   </p:childTnLst>
                                 </p:cTn>
                               </p:par>
                               <p:par>
-                                <p:cTn id="7" presetID="1" presetClass="entr" presetSubtype="0" fill="hold" grpId="0" nodeType="withEffect">
+                                <p:cTn id="8" presetID="10" presetClass="entr" presetSubtype="0" fill="hold" grpId="0" nodeType="withEffect">
                                   <p:stCondLst>
                                     <p:cond delay="0"/>
                                   </p:stCondLst>
                                   <p:childTnLst>
                                     <p:set>
                                       <p:cBhvr>
-                                        <p:cTn id="8" dur="1" fill="hold">
+                                        <p:cTn id="9" dur="1" fill="hold">
                                           <p:stCondLst>
                                             <p:cond delay="0"/>
                                           </p:stCondLst>
@@ -26768,18 +30639,26 @@
                                         <p:strVal val="visible"/>
                                       </p:to>
                                     </p:set>
+                                    <p:animEffect transition="in" filter="fade">
+                                      <p:cBhvr>
+                                        <p:cTn id="10" dur="500"/>
+                                        <p:tgtEl>
+                                          <p:spTgt spid="2"/>
+                                        </p:tgtEl>
+                                      </p:cBhvr>
+                                    </p:animEffect>
                                   </p:childTnLst>
                                 </p:cTn>
                               </p:par>
                               <p:par>
-                                <p:cTn id="9" presetID="1" presetClass="entr" presetSubtype="0" fill="hold" nodeType="withEffect">
+                                <p:cTn id="11" presetID="10" presetClass="entr" presetSubtype="0" fill="hold" nodeType="withEffect">
                                   <p:stCondLst>
                                     <p:cond delay="0"/>
                                   </p:stCondLst>
                                   <p:childTnLst>
                                     <p:set>
                                       <p:cBhvr>
-                                        <p:cTn id="10" dur="1" fill="hold">
+                                        <p:cTn id="12" dur="1" fill="hold">
                                           <p:stCondLst>
                                             <p:cond delay="0"/>
                                           </p:stCondLst>
@@ -26795,6 +30674,14 @@
                                         <p:strVal val="visible"/>
                                       </p:to>
                                     </p:set>
+                                    <p:animEffect transition="in" filter="fade">
+                                      <p:cBhvr>
+                                        <p:cTn id="13" dur="500"/>
+                                        <p:tgtEl>
+                                          <p:spTgt spid="12"/>
+                                        </p:tgtEl>
+                                      </p:cBhvr>
+                                    </p:animEffect>
                                   </p:childTnLst>
                                 </p:cTn>
                               </p:par>
